--- a/LectureSlides/06OpSem.pptx
+++ b/LectureSlides/06OpSem.pptx
@@ -393,7 +393,7 @@
           <a:p>
             <a:fld id="{DF0DA02A-3D36-4521-B995-F6A931B35345}" type="datetimeFigureOut">
               <a:rPr lang="en-US" smtClean="0"/>
-              <a:t>8/19/2023</a:t>
+              <a:t>9/12/2023</a:t>
             </a:fld>
             <a:endParaRPr lang="en-US"/>
           </a:p>
@@ -601,7 +601,7 @@
           <a:p>
             <a:fld id="{DF0DA02A-3D36-4521-B995-F6A931B35345}" type="datetimeFigureOut">
               <a:rPr lang="en-US" smtClean="0"/>
-              <a:t>8/19/2023</a:t>
+              <a:t>9/12/2023</a:t>
             </a:fld>
             <a:endParaRPr lang="en-US"/>
           </a:p>
@@ -857,7 +857,7 @@
           <a:p>
             <a:fld id="{DF0DA02A-3D36-4521-B995-F6A931B35345}" type="datetimeFigureOut">
               <a:rPr lang="en-US" smtClean="0"/>
-              <a:t>8/19/2023</a:t>
+              <a:t>9/12/2023</a:t>
             </a:fld>
             <a:endParaRPr lang="en-US"/>
           </a:p>
@@ -1042,7 +1042,7 @@
           <a:p>
             <a:fld id="{DF0DA02A-3D36-4521-B995-F6A931B35345}" type="datetimeFigureOut">
               <a:rPr lang="en-US" smtClean="0"/>
-              <a:t>8/19/2023</a:t>
+              <a:t>9/12/2023</a:t>
             </a:fld>
             <a:endParaRPr lang="en-US"/>
           </a:p>
@@ -1385,7 +1385,7 @@
           <a:p>
             <a:fld id="{DF0DA02A-3D36-4521-B995-F6A931B35345}" type="datetimeFigureOut">
               <a:rPr lang="en-US" smtClean="0"/>
-              <a:t>8/19/2023</a:t>
+              <a:t>9/12/2023</a:t>
             </a:fld>
             <a:endParaRPr lang="en-US"/>
           </a:p>
@@ -1690,7 +1690,7 @@
           <a:p>
             <a:fld id="{DF0DA02A-3D36-4521-B995-F6A931B35345}" type="datetimeFigureOut">
               <a:rPr lang="en-US" smtClean="0"/>
-              <a:t>8/19/2023</a:t>
+              <a:t>9/12/2023</a:t>
             </a:fld>
             <a:endParaRPr lang="en-US"/>
           </a:p>
@@ -2099,7 +2099,7 @@
           <a:p>
             <a:fld id="{DF0DA02A-3D36-4521-B995-F6A931B35345}" type="datetimeFigureOut">
               <a:rPr lang="en-US" smtClean="0"/>
-              <a:t>8/19/2023</a:t>
+              <a:t>9/12/2023</a:t>
             </a:fld>
             <a:endParaRPr lang="en-US"/>
           </a:p>
@@ -2217,7 +2217,7 @@
           <a:p>
             <a:fld id="{DF0DA02A-3D36-4521-B995-F6A931B35345}" type="datetimeFigureOut">
               <a:rPr lang="en-US" smtClean="0"/>
-              <a:t>8/19/2023</a:t>
+              <a:t>9/12/2023</a:t>
             </a:fld>
             <a:endParaRPr lang="en-US"/>
           </a:p>
@@ -2388,7 +2388,7 @@
           <a:p>
             <a:fld id="{DF0DA02A-3D36-4521-B995-F6A931B35345}" type="datetimeFigureOut">
               <a:rPr lang="en-US" smtClean="0"/>
-              <a:t>8/19/2023</a:t>
+              <a:t>9/12/2023</a:t>
             </a:fld>
             <a:endParaRPr lang="en-US"/>
           </a:p>
@@ -2757,7 +2757,7 @@
           <a:p>
             <a:fld id="{DF0DA02A-3D36-4521-B995-F6A931B35345}" type="datetimeFigureOut">
               <a:rPr lang="en-US" smtClean="0"/>
-              <a:t>8/19/2023</a:t>
+              <a:t>9/12/2023</a:t>
             </a:fld>
             <a:endParaRPr lang="en-US"/>
           </a:p>
@@ -3134,7 +3134,7 @@
           <a:p>
             <a:fld id="{DF0DA02A-3D36-4521-B995-F6A931B35345}" type="datetimeFigureOut">
               <a:rPr lang="en-US" smtClean="0"/>
-              <a:t>8/19/2023</a:t>
+              <a:t>9/12/2023</a:t>
             </a:fld>
             <a:endParaRPr lang="en-US"/>
           </a:p>
@@ -3421,7 +3421,7 @@
           <a:p>
             <a:fld id="{DF0DA02A-3D36-4521-B995-F6A931B35345}" type="datetimeFigureOut">
               <a:rPr lang="en-US" smtClean="0"/>
-              <a:t>8/19/2023</a:t>
+              <a:t>9/12/2023</a:t>
             </a:fld>
             <a:endParaRPr lang="en-US"/>
           </a:p>
@@ -4319,7 +4319,7 @@
             <a:pPr algn="ctr"/>
             <a:r>
               <a:rPr lang="en-US" sz="2800" dirty="0"/>
-              <a:t>(let x = 2+1) in x*x -&gt; 9</a:t>
+              <a:t>(let x = 2+1 in x*x) -&gt; 9</a:t>
             </a:r>
           </a:p>
           <a:p>
@@ -7381,10 +7381,9 @@
           <a:lstStyle/>
           <a:p>
             <a:r>
-              <a:rPr lang="en-US" sz="2400" dirty="0" err="1"/>
-              <a:t>Conculsion</a:t>
-            </a:r>
-            <a:endParaRPr lang="en-US" sz="2400" dirty="0"/>
+              <a:rPr lang="en-US" sz="2400" dirty="0"/>
+              <a:t>Conclusion</a:t>
+            </a:r>
           </a:p>
         </p:txBody>
       </p:sp>
@@ -12811,7 +12810,7 @@
             </a:br>
             <a:r>
               <a:rPr lang="en-US" sz="2400" dirty="0"/>
-              <a:t>E, x ↦ v ⊢ e2 </a:t>
+              <a:t>E, x ↦ v1 ⊢ e2 </a:t>
             </a:r>
             <a:r>
               <a:rPr lang="en-US" sz="2400" b="0" i="0" dirty="0">
@@ -13212,7 +13211,7 @@
         </p:nvCxnSpPr>
         <p:spPr>
           <a:xfrm>
-            <a:off x="1383585" y="3026720"/>
+            <a:off x="1383585" y="2968970"/>
             <a:ext cx="2867527" cy="0"/>
           </a:xfrm>
           <a:prstGeom prst="line">
@@ -13273,7 +13272,7 @@
             </a:r>
             <a:r>
               <a:rPr lang="en-US" sz="2400" dirty="0" err="1"/>
-              <a:t>EvalLetFun</a:t>
+              <a:t>EvalFunCall</a:t>
             </a:r>
             <a:endParaRPr lang="en-US" sz="2400" dirty="0"/>
           </a:p>
@@ -13293,7 +13292,7 @@
         </p:nvSpPr>
         <p:spPr>
           <a:xfrm>
-            <a:off x="1696513" y="3058520"/>
+            <a:off x="1696513" y="3000770"/>
             <a:ext cx="1893570" cy="461665"/>
           </a:xfrm>
           <a:prstGeom prst="rect">
@@ -13349,8 +13348,8 @@
         </p:nvSpPr>
         <p:spPr>
           <a:xfrm>
-            <a:off x="1505929" y="2214773"/>
-            <a:ext cx="2867527" cy="1200329"/>
+            <a:off x="1505929" y="2224398"/>
+            <a:ext cx="2867527" cy="1569660"/>
           </a:xfrm>
           <a:prstGeom prst="rect">
             <a:avLst/>
@@ -13401,9 +13400,12 @@
             <a:br>
               <a:rPr lang="en-US" sz="2400" dirty="0"/>
             </a:br>
+            <a:endParaRPr lang="en-US" sz="2400" dirty="0"/>
+          </a:p>
+          <a:p>
             <a:r>
               <a:rPr lang="en-US" sz="2400" dirty="0"/>
-              <a:t> </a:t>
+              <a:t>(where  E(f(x)) = e2)</a:t>
             </a:r>
           </a:p>
         </p:txBody>
@@ -19469,7 +19471,7 @@
         </p:nvSpPr>
         <p:spPr>
           <a:xfrm>
-            <a:off x="8680559" y="1974117"/>
+            <a:off x="8583422" y="1985344"/>
             <a:ext cx="1552550" cy="461665"/>
           </a:xfrm>
           <a:prstGeom prst="rect">
@@ -19485,7 +19487,7 @@
           <a:p>
             <a:r>
               <a:rPr lang="en-US" sz="2400" dirty="0" err="1"/>
-              <a:t>BetaOp</a:t>
+              <a:t>StepsDone</a:t>
             </a:r>
             <a:endParaRPr lang="en-US" sz="2400" dirty="0"/>
           </a:p>
@@ -22134,7 +22136,7 @@
             </a:r>
             <a:r>
               <a:rPr lang="en-US" dirty="0"/>
-              <a:t> evaluates to 5” but not “e evaluates to (+ 1 2)”</a:t>
+              <a:t> evaluates to 5” but not “e evaluates to 1 + 2”</a:t>
             </a:r>
           </a:p>
         </p:txBody>

--- a/LectureSlides/06OpSem.pptx
+++ b/LectureSlides/06OpSem.pptx
@@ -4660,15 +4660,20 @@
             <a:pPr lvl="1"/>
             <a:r>
               <a:rPr lang="en-US" dirty="0"/>
-              <a:t>Is a specific formula P true in classical logic?</a:t>
+              <a:t>Does expression </a:t>
+            </a:r>
+            <a:r>
+              <a:rPr lang="en-US" i="1" dirty="0"/>
+              <a:t>e</a:t>
+            </a:r>
+            <a:r>
+              <a:rPr lang="en-US" dirty="0"/>
+              <a:t> step to a specific expression e’ in one step?</a:t>
             </a:r>
           </a:p>
           <a:p>
             <a:pPr lvl="1"/>
-            <a:r>
-              <a:rPr lang="en-US" dirty="0"/>
-              <a:t>Do I like pineapple on pizza?</a:t>
-            </a:r>
+            <a:endParaRPr lang="en-US" dirty="0"/>
           </a:p>
         </p:txBody>
       </p:sp>
@@ -13932,11 +13937,19 @@
             </a:r>
             <a:r>
               <a:rPr lang="en-US" sz="2800" dirty="0"/>
-              <a:t>’) with two environment arguments (E, </a:t>
-            </a:r>
-            <a:r>
-              <a:rPr lang="en-US" dirty="0"/>
-              <a:t>E’) and </a:t>
+              <a:t>’) with two environment arguments E</a:t>
+            </a:r>
+            <a:r>
+              <a:rPr lang="en-US" dirty="0"/>
+              <a:t> and</a:t>
+            </a:r>
+            <a:r>
+              <a:rPr lang="en-US" sz="2800" dirty="0"/>
+              <a:t> </a:t>
+            </a:r>
+            <a:r>
+              <a:rPr lang="en-US" dirty="0"/>
+              <a:t>E’ and </a:t>
             </a:r>
             <a:r>
               <a:rPr lang="en-US" sz="2800" dirty="0"/>
@@ -15302,7 +15315,7 @@
                   <a:srgbClr val="202122"/>
                 </a:solidFill>
               </a:rPr>
-              <a:t>(where x is defined in E)</a:t>
+              <a:t>(where E(x) is defined)</a:t>
             </a:r>
             <a:endParaRPr lang="en-US" sz="2400" dirty="0"/>
           </a:p>
@@ -15517,12 +15530,8 @@
           <a:lstStyle/>
           <a:p>
             <a:r>
-              <a:rPr lang="en-US" sz="2400" dirty="0"/>
-              <a:t>E ⊢ v </a:t>
-            </a:r>
-            <a:r>
               <a:rPr lang="en-US" sz="2400" b="1" i="1" dirty="0"/>
-              <a:t>value</a:t>
+              <a:t>              *</a:t>
             </a:r>
           </a:p>
         </p:txBody>
@@ -15760,8 +15769,8 @@
         </p:nvSpPr>
         <p:spPr>
           <a:xfrm>
-            <a:off x="789241" y="3442958"/>
-            <a:ext cx="3173416" cy="461665"/>
+            <a:off x="789240" y="3442958"/>
+            <a:ext cx="4831913" cy="461665"/>
           </a:xfrm>
           <a:prstGeom prst="rect">
             <a:avLst/>
@@ -15776,7 +15785,7 @@
           <a:p>
             <a:r>
               <a:rPr lang="en-US" sz="2400" dirty="0"/>
-              <a:t> e1 </a:t>
+              <a:t>(E,  e1 </a:t>
             </a:r>
             <a:r>
               <a:rPr lang="en-US" sz="2400" b="1" dirty="0"/>
@@ -15784,7 +15793,7 @@
             </a:r>
             <a:r>
               <a:rPr lang="en-US" sz="2400" dirty="0"/>
-              <a:t>e2 </a:t>
+              <a:t>e2) </a:t>
             </a:r>
             <a:r>
               <a:rPr lang="en-US" sz="2400" b="0" i="0" dirty="0">
@@ -15793,7 +15802,7 @@
                 </a:solidFill>
                 <a:effectLst/>
               </a:rPr>
-              <a:t>⟼  e1’ </a:t>
+              <a:t>⟼  (E’, e1’ </a:t>
             </a:r>
             <a:r>
               <a:rPr lang="en-US" sz="2400" b="1" i="0" dirty="0">
@@ -15811,7 +15820,7 @@
                 </a:solidFill>
                 <a:effectLst/>
               </a:rPr>
-              <a:t>e2</a:t>
+              <a:t>e2)</a:t>
             </a:r>
             <a:endParaRPr lang="en-US" sz="2400" dirty="0"/>
           </a:p>
@@ -15832,7 +15841,7 @@
         <p:spPr>
           <a:xfrm>
             <a:off x="836609" y="2981293"/>
-            <a:ext cx="1622219" cy="461665"/>
+            <a:ext cx="3173416" cy="461665"/>
           </a:xfrm>
           <a:prstGeom prst="rect">
             <a:avLst/>
@@ -15847,7 +15856,7 @@
           <a:p>
             <a:r>
               <a:rPr lang="en-US" sz="2400" dirty="0"/>
-              <a:t>e1 </a:t>
+              <a:t>(E, e1) </a:t>
             </a:r>
             <a:r>
               <a:rPr lang="en-US" sz="2400" b="0" i="0" dirty="0">
@@ -15856,7 +15865,7 @@
                 </a:solidFill>
                 <a:effectLst/>
               </a:rPr>
-              <a:t>⟼ e1’</a:t>
+              <a:t>⟼ (E’, e1’)</a:t>
             </a:r>
             <a:endParaRPr lang="en-US" sz="2400" dirty="0"/>
           </a:p>
@@ -15877,7 +15886,7 @@
         <p:grpSpPr>
           <a:xfrm>
             <a:off x="789241" y="4364755"/>
-            <a:ext cx="3562727" cy="1555213"/>
+            <a:ext cx="4446902" cy="1555213"/>
             <a:chOff x="5603325" y="3700052"/>
             <a:chExt cx="3562727" cy="1555213"/>
           </a:xfrm>
@@ -15896,8 +15905,8 @@
           </p:nvSpPr>
           <p:spPr>
             <a:xfrm>
-              <a:off x="5650693" y="4054729"/>
-              <a:ext cx="1329267" cy="461665"/>
+              <a:off x="5650692" y="4054729"/>
+              <a:ext cx="2533030" cy="461665"/>
             </a:xfrm>
             <a:prstGeom prst="rect">
               <a:avLst/>
@@ -15910,6 +15919,10 @@
             </a:bodyPr>
             <a:lstStyle/>
             <a:p>
+              <a:r>
+                <a:rPr lang="en-US" sz="2400" dirty="0"/>
+                <a:t>E ⊢ </a:t>
+              </a:r>
               <a:r>
                 <a:rPr lang="en-US" sz="2400" i="1" dirty="0"/>
                 <a:t>e1</a:t>
@@ -16034,7 +16047,7 @@
             <a:p>
               <a:r>
                 <a:rPr lang="en-US" sz="2400" dirty="0"/>
-                <a:t>e1 </a:t>
+                <a:t>(E, e1 </a:t>
               </a:r>
               <a:r>
                 <a:rPr lang="en-US" sz="2400" b="1" dirty="0"/>
@@ -16042,7 +16055,7 @@
               </a:r>
               <a:r>
                 <a:rPr lang="en-US" sz="2400" dirty="0"/>
-                <a:t> e2 </a:t>
+                <a:t> e2) </a:t>
               </a:r>
               <a:r>
                 <a:rPr lang="en-US" sz="2400" b="0" i="0" dirty="0">
@@ -16051,7 +16064,7 @@
                   </a:solidFill>
                   <a:effectLst/>
                 </a:rPr>
-                <a:t>⟼ e1 </a:t>
+                <a:t>⟼ (E’, e1 </a:t>
               </a:r>
               <a:r>
                 <a:rPr lang="en-US" sz="2400" b="1" i="0" dirty="0">
@@ -16069,7 +16082,7 @@
                   </a:solidFill>
                   <a:effectLst/>
                 </a:rPr>
-                <a:t> e2’</a:t>
+                <a:t> e2’)</a:t>
               </a:r>
               <a:endParaRPr lang="en-US" sz="2400" dirty="0"/>
             </a:p>
@@ -16089,8 +16102,8 @@
           </p:nvSpPr>
           <p:spPr>
             <a:xfrm>
-              <a:off x="5651564" y="4344673"/>
-              <a:ext cx="1603232" cy="461665"/>
+              <a:off x="5651563" y="4344673"/>
+              <a:ext cx="2596822" cy="461665"/>
             </a:xfrm>
             <a:prstGeom prst="rect">
               <a:avLst/>
@@ -16105,7 +16118,7 @@
             <a:p>
               <a:r>
                 <a:rPr lang="en-US" sz="2400" dirty="0"/>
-                <a:t>e2 </a:t>
+                <a:t>(E, e2) </a:t>
               </a:r>
               <a:r>
                 <a:rPr lang="en-US" sz="2400" b="0" i="0" dirty="0">
@@ -16114,7 +16127,7 @@
                   </a:solidFill>
                   <a:effectLst/>
                 </a:rPr>
-                <a:t>⟼ e2’</a:t>
+                <a:t>⟼ (E’, e2’)</a:t>
               </a:r>
               <a:endParaRPr lang="en-US" sz="2400" dirty="0"/>
             </a:p>
@@ -16356,7 +16369,7 @@
                   <a:srgbClr val="202122"/>
                 </a:solidFill>
               </a:rPr>
-              <a:t> (E’, let x = e1 in e2)</a:t>
+              <a:t> (E’, let x = e1’ in e2)</a:t>
             </a:r>
             <a:endParaRPr lang="en-US" sz="2400" dirty="0"/>
           </a:p>
@@ -16401,7 +16414,7 @@
                 </a:solidFill>
                 <a:effectLst/>
               </a:rPr>
-              <a:t>⟼ (E,e1’)</a:t>
+              <a:t>⟼ (E’,e1’)</a:t>
             </a:r>
             <a:endParaRPr lang="en-US" sz="2400" dirty="0"/>
           </a:p>
@@ -16784,7 +16797,7 @@
                   <a:srgbClr val="202122"/>
                 </a:solidFill>
               </a:rPr>
-              <a:t> (E’, e’)</a:t>
+              <a:t> (E, e)</a:t>
             </a:r>
             <a:endParaRPr lang="en-US" sz="2400" dirty="0"/>
           </a:p>
@@ -16992,7 +17005,7 @@
                 </a:solidFill>
                 <a:effectLst/>
               </a:rPr>
-              <a:t>⟼* (E’, e’)</a:t>
+              <a:t>⟼* (E’’, e’’)</a:t>
             </a:r>
             <a:endParaRPr lang="en-US" sz="2400" dirty="0"/>
           </a:p>

--- a/LectureSlides/06OpSem.pptx
+++ b/LectureSlides/06OpSem.pptx
@@ -393,7 +393,7 @@
           <a:p>
             <a:fld id="{DF0DA02A-3D36-4521-B995-F6A931B35345}" type="datetimeFigureOut">
               <a:rPr lang="en-US" smtClean="0"/>
-              <a:t>9/12/2023</a:t>
+              <a:t>9/25/2023</a:t>
             </a:fld>
             <a:endParaRPr lang="en-US"/>
           </a:p>
@@ -601,7 +601,7 @@
           <a:p>
             <a:fld id="{DF0DA02A-3D36-4521-B995-F6A931B35345}" type="datetimeFigureOut">
               <a:rPr lang="en-US" smtClean="0"/>
-              <a:t>9/12/2023</a:t>
+              <a:t>9/25/2023</a:t>
             </a:fld>
             <a:endParaRPr lang="en-US"/>
           </a:p>
@@ -857,7 +857,7 @@
           <a:p>
             <a:fld id="{DF0DA02A-3D36-4521-B995-F6A931B35345}" type="datetimeFigureOut">
               <a:rPr lang="en-US" smtClean="0"/>
-              <a:t>9/12/2023</a:t>
+              <a:t>9/25/2023</a:t>
             </a:fld>
             <a:endParaRPr lang="en-US"/>
           </a:p>
@@ -1042,7 +1042,7 @@
           <a:p>
             <a:fld id="{DF0DA02A-3D36-4521-B995-F6A931B35345}" type="datetimeFigureOut">
               <a:rPr lang="en-US" smtClean="0"/>
-              <a:t>9/12/2023</a:t>
+              <a:t>9/25/2023</a:t>
             </a:fld>
             <a:endParaRPr lang="en-US"/>
           </a:p>
@@ -1385,7 +1385,7 @@
           <a:p>
             <a:fld id="{DF0DA02A-3D36-4521-B995-F6A931B35345}" type="datetimeFigureOut">
               <a:rPr lang="en-US" smtClean="0"/>
-              <a:t>9/12/2023</a:t>
+              <a:t>9/25/2023</a:t>
             </a:fld>
             <a:endParaRPr lang="en-US"/>
           </a:p>
@@ -1690,7 +1690,7 @@
           <a:p>
             <a:fld id="{DF0DA02A-3D36-4521-B995-F6A931B35345}" type="datetimeFigureOut">
               <a:rPr lang="en-US" smtClean="0"/>
-              <a:t>9/12/2023</a:t>
+              <a:t>9/25/2023</a:t>
             </a:fld>
             <a:endParaRPr lang="en-US"/>
           </a:p>
@@ -2099,7 +2099,7 @@
           <a:p>
             <a:fld id="{DF0DA02A-3D36-4521-B995-F6A931B35345}" type="datetimeFigureOut">
               <a:rPr lang="en-US" smtClean="0"/>
-              <a:t>9/12/2023</a:t>
+              <a:t>9/25/2023</a:t>
             </a:fld>
             <a:endParaRPr lang="en-US"/>
           </a:p>
@@ -2217,7 +2217,7 @@
           <a:p>
             <a:fld id="{DF0DA02A-3D36-4521-B995-F6A931B35345}" type="datetimeFigureOut">
               <a:rPr lang="en-US" smtClean="0"/>
-              <a:t>9/12/2023</a:t>
+              <a:t>9/25/2023</a:t>
             </a:fld>
             <a:endParaRPr lang="en-US"/>
           </a:p>
@@ -2388,7 +2388,7 @@
           <a:p>
             <a:fld id="{DF0DA02A-3D36-4521-B995-F6A931B35345}" type="datetimeFigureOut">
               <a:rPr lang="en-US" smtClean="0"/>
-              <a:t>9/12/2023</a:t>
+              <a:t>9/25/2023</a:t>
             </a:fld>
             <a:endParaRPr lang="en-US"/>
           </a:p>
@@ -2757,7 +2757,7 @@
           <a:p>
             <a:fld id="{DF0DA02A-3D36-4521-B995-F6A931B35345}" type="datetimeFigureOut">
               <a:rPr lang="en-US" smtClean="0"/>
-              <a:t>9/12/2023</a:t>
+              <a:t>9/25/2023</a:t>
             </a:fld>
             <a:endParaRPr lang="en-US"/>
           </a:p>
@@ -3134,7 +3134,7 @@
           <a:p>
             <a:fld id="{DF0DA02A-3D36-4521-B995-F6A931B35345}" type="datetimeFigureOut">
               <a:rPr lang="en-US" smtClean="0"/>
-              <a:t>9/12/2023</a:t>
+              <a:t>9/25/2023</a:t>
             </a:fld>
             <a:endParaRPr lang="en-US"/>
           </a:p>
@@ -3421,7 +3421,7 @@
           <a:p>
             <a:fld id="{DF0DA02A-3D36-4521-B995-F6A931B35345}" type="datetimeFigureOut">
               <a:rPr lang="en-US" smtClean="0"/>
-              <a:t>9/12/2023</a:t>
+              <a:t>9/25/2023</a:t>
             </a:fld>
             <a:endParaRPr lang="en-US"/>
           </a:p>
@@ -9952,14 +9952,11 @@
             </a:br>
             <a:r>
               <a:rPr lang="en-US" dirty="0"/>
-              <a:t>Next two lectures: Focus on Theorist, as a bridge</a:t>
-            </a:r>
-          </a:p>
-          <a:p>
-            <a:r>
-              <a:rPr lang="en-US" dirty="0"/>
-              <a:t>After that: Increased focus on Social Scientist, and a bit of the  Humanist</a:t>
-            </a:r>
+              <a:t>Next two weeks: Focus on Theorist, as a bridge</a:t>
+            </a:r>
+          </a:p>
+          <a:p>
+            <a:endParaRPr lang="en-US" dirty="0"/>
           </a:p>
         </p:txBody>
       </p:sp>
@@ -13382,11 +13379,15 @@
               <a:t>⤷ v1</a:t>
             </a:r>
             <a:br>
+              <a:rPr lang="en-US" sz="2400"/>
+            </a:br>
+            <a:r>
+              <a:rPr lang="en-US" sz="2400"/>
+              <a:t>(</a:t>
+            </a:r>
+            <a:r>
               <a:rPr lang="en-US" sz="2400" dirty="0"/>
-            </a:br>
-            <a:r>
-              <a:rPr lang="en-US" sz="2400" dirty="0"/>
-              <a:t>E, (x↦v1) ⊢ e2 </a:t>
+              <a:t>x↦v1) ⊢ e2 </a:t>
             </a:r>
             <a:r>
               <a:rPr lang="en-US" sz="2400" b="0" i="0" dirty="0">
@@ -22112,7 +22113,7 @@
             <a:pPr lvl="1"/>
             <a:r>
               <a:rPr lang="en-US" dirty="0"/>
-              <a:t>In our arithmetic language, numerals (e.g. 5) are (the only) values</a:t>
+              <a:t>In our language, numerals (e.g. 5) are (the only) values</a:t>
             </a:r>
           </a:p>
           <a:p>

--- a/LectureSlides/06OpSem.pptx
+++ b/LectureSlides/06OpSem.pptx
@@ -52,17 +52,16 @@
     <p:sldId id="352" r:id="rId46"/>
     <p:sldId id="349" r:id="rId47"/>
     <p:sldId id="354" r:id="rId48"/>
-    <p:sldId id="353" r:id="rId49"/>
-    <p:sldId id="289" r:id="rId50"/>
-    <p:sldId id="273" r:id="rId51"/>
-    <p:sldId id="283" r:id="rId52"/>
-    <p:sldId id="274" r:id="rId53"/>
-    <p:sldId id="276" r:id="rId54"/>
-    <p:sldId id="277" r:id="rId55"/>
-    <p:sldId id="279" r:id="rId56"/>
-    <p:sldId id="280" r:id="rId57"/>
-    <p:sldId id="265" r:id="rId58"/>
-    <p:sldId id="287" r:id="rId59"/>
+    <p:sldId id="289" r:id="rId49"/>
+    <p:sldId id="273" r:id="rId50"/>
+    <p:sldId id="283" r:id="rId51"/>
+    <p:sldId id="274" r:id="rId52"/>
+    <p:sldId id="276" r:id="rId53"/>
+    <p:sldId id="277" r:id="rId54"/>
+    <p:sldId id="279" r:id="rId55"/>
+    <p:sldId id="280" r:id="rId56"/>
+    <p:sldId id="265" r:id="rId57"/>
+    <p:sldId id="287" r:id="rId58"/>
   </p:sldIdLst>
   <p:sldSz cx="12192000" cy="6858000"/>
   <p:notesSz cx="6858000" cy="9144000"/>
@@ -393,7 +392,7 @@
           <a:p>
             <a:fld id="{DF0DA02A-3D36-4521-B995-F6A931B35345}" type="datetimeFigureOut">
               <a:rPr lang="en-US" smtClean="0"/>
-              <a:t>9/25/2023</a:t>
+              <a:t>9/27/2023</a:t>
             </a:fld>
             <a:endParaRPr lang="en-US"/>
           </a:p>
@@ -601,7 +600,7 @@
           <a:p>
             <a:fld id="{DF0DA02A-3D36-4521-B995-F6A931B35345}" type="datetimeFigureOut">
               <a:rPr lang="en-US" smtClean="0"/>
-              <a:t>9/25/2023</a:t>
+              <a:t>9/27/2023</a:t>
             </a:fld>
             <a:endParaRPr lang="en-US"/>
           </a:p>
@@ -857,7 +856,7 @@
           <a:p>
             <a:fld id="{DF0DA02A-3D36-4521-B995-F6A931B35345}" type="datetimeFigureOut">
               <a:rPr lang="en-US" smtClean="0"/>
-              <a:t>9/25/2023</a:t>
+              <a:t>9/27/2023</a:t>
             </a:fld>
             <a:endParaRPr lang="en-US"/>
           </a:p>
@@ -1042,7 +1041,7 @@
           <a:p>
             <a:fld id="{DF0DA02A-3D36-4521-B995-F6A931B35345}" type="datetimeFigureOut">
               <a:rPr lang="en-US" smtClean="0"/>
-              <a:t>9/25/2023</a:t>
+              <a:t>9/27/2023</a:t>
             </a:fld>
             <a:endParaRPr lang="en-US"/>
           </a:p>
@@ -1385,7 +1384,7 @@
           <a:p>
             <a:fld id="{DF0DA02A-3D36-4521-B995-F6A931B35345}" type="datetimeFigureOut">
               <a:rPr lang="en-US" smtClean="0"/>
-              <a:t>9/25/2023</a:t>
+              <a:t>9/27/2023</a:t>
             </a:fld>
             <a:endParaRPr lang="en-US"/>
           </a:p>
@@ -1690,7 +1689,7 @@
           <a:p>
             <a:fld id="{DF0DA02A-3D36-4521-B995-F6A931B35345}" type="datetimeFigureOut">
               <a:rPr lang="en-US" smtClean="0"/>
-              <a:t>9/25/2023</a:t>
+              <a:t>9/27/2023</a:t>
             </a:fld>
             <a:endParaRPr lang="en-US"/>
           </a:p>
@@ -2099,7 +2098,7 @@
           <a:p>
             <a:fld id="{DF0DA02A-3D36-4521-B995-F6A931B35345}" type="datetimeFigureOut">
               <a:rPr lang="en-US" smtClean="0"/>
-              <a:t>9/25/2023</a:t>
+              <a:t>9/27/2023</a:t>
             </a:fld>
             <a:endParaRPr lang="en-US"/>
           </a:p>
@@ -2217,7 +2216,7 @@
           <a:p>
             <a:fld id="{DF0DA02A-3D36-4521-B995-F6A931B35345}" type="datetimeFigureOut">
               <a:rPr lang="en-US" smtClean="0"/>
-              <a:t>9/25/2023</a:t>
+              <a:t>9/27/2023</a:t>
             </a:fld>
             <a:endParaRPr lang="en-US"/>
           </a:p>
@@ -2388,7 +2387,7 @@
           <a:p>
             <a:fld id="{DF0DA02A-3D36-4521-B995-F6A931B35345}" type="datetimeFigureOut">
               <a:rPr lang="en-US" smtClean="0"/>
-              <a:t>9/25/2023</a:t>
+              <a:t>9/27/2023</a:t>
             </a:fld>
             <a:endParaRPr lang="en-US"/>
           </a:p>
@@ -2757,7 +2756,7 @@
           <a:p>
             <a:fld id="{DF0DA02A-3D36-4521-B995-F6A931B35345}" type="datetimeFigureOut">
               <a:rPr lang="en-US" smtClean="0"/>
-              <a:t>9/25/2023</a:t>
+              <a:t>9/27/2023</a:t>
             </a:fld>
             <a:endParaRPr lang="en-US"/>
           </a:p>
@@ -3134,7 +3133,7 @@
           <a:p>
             <a:fld id="{DF0DA02A-3D36-4521-B995-F6A931B35345}" type="datetimeFigureOut">
               <a:rPr lang="en-US" smtClean="0"/>
-              <a:t>9/25/2023</a:t>
+              <a:t>9/27/2023</a:t>
             </a:fld>
             <a:endParaRPr lang="en-US"/>
           </a:p>
@@ -3421,7 +3420,7 @@
           <a:p>
             <a:fld id="{DF0DA02A-3D36-4521-B995-F6A931B35345}" type="datetimeFigureOut">
               <a:rPr lang="en-US" smtClean="0"/>
-              <a:t>9/25/2023</a:t>
+              <a:t>9/27/2023</a:t>
             </a:fld>
             <a:endParaRPr lang="en-US"/>
           </a:p>
@@ -17150,7 +17149,7 @@
           <p:cNvPr id="2" name="Title 1">
             <a:extLst>
               <a:ext uri="{FF2B5EF4-FFF2-40B4-BE49-F238E27FC236}">
-                <a16:creationId xmlns:a16="http://schemas.microsoft.com/office/drawing/2014/main" id="{5FFA944A-0C58-4DEF-3341-8204605D7D8C}"/>
+                <a16:creationId xmlns:a16="http://schemas.microsoft.com/office/drawing/2014/main" id="{4A3BE88E-FBCA-41E4-8142-A4A86BD7823D}"/>
               </a:ext>
             </a:extLst>
           </p:cNvPr>
@@ -17167,18 +17166,62 @@
           <a:lstStyle/>
           <a:p>
             <a:r>
-              <a:rPr lang="en-US" dirty="0"/>
+              <a:rPr lang="en-US"/>
               <a:t>How Do The Judgements Relate?</a:t>
             </a:r>
-          </a:p>
-        </p:txBody>
-      </p:sp>
-      <p:sp>
-        <p:nvSpPr>
-          <p:cNvPr id="13" name="TextBox 12">
-            <a:extLst>
-              <a:ext uri="{FF2B5EF4-FFF2-40B4-BE49-F238E27FC236}">
-                <a16:creationId xmlns:a16="http://schemas.microsoft.com/office/drawing/2014/main" id="{22947E0D-BDFA-EFDD-5960-31704410C481}"/>
+            <a:endParaRPr lang="en-US" dirty="0"/>
+          </a:p>
+        </p:txBody>
+      </p:sp>
+      <p:cxnSp>
+        <p:nvCxnSpPr>
+          <p:cNvPr id="13" name="Straight Connector 12">
+            <a:extLst>
+              <a:ext uri="{FF2B5EF4-FFF2-40B4-BE49-F238E27FC236}">
+                <a16:creationId xmlns:a16="http://schemas.microsoft.com/office/drawing/2014/main" id="{D65DA0F0-76BF-4B15-AAD6-826334F47075}"/>
+              </a:ext>
+            </a:extLst>
+          </p:cNvPr>
+          <p:cNvCxnSpPr>
+            <a:cxnSpLocks/>
+          </p:cNvCxnSpPr>
+          <p:nvPr/>
+        </p:nvCxnSpPr>
+        <p:spPr>
+          <a:xfrm>
+            <a:off x="2206414" y="3189605"/>
+            <a:ext cx="2265395" cy="0"/>
+          </a:xfrm>
+          <a:prstGeom prst="line">
+            <a:avLst/>
+          </a:prstGeom>
+          <a:ln w="28575">
+            <a:solidFill>
+              <a:schemeClr val="tx1"/>
+            </a:solidFill>
+          </a:ln>
+        </p:spPr>
+        <p:style>
+          <a:lnRef idx="1">
+            <a:schemeClr val="dk1"/>
+          </a:lnRef>
+          <a:fillRef idx="0">
+            <a:schemeClr val="dk1"/>
+          </a:fillRef>
+          <a:effectRef idx="0">
+            <a:schemeClr val="dk1"/>
+          </a:effectRef>
+          <a:fontRef idx="minor">
+            <a:schemeClr val="tx1"/>
+          </a:fontRef>
+        </p:style>
+      </p:cxnSp>
+      <p:sp>
+        <p:nvSpPr>
+          <p:cNvPr id="14" name="TextBox 13">
+            <a:extLst>
+              <a:ext uri="{FF2B5EF4-FFF2-40B4-BE49-F238E27FC236}">
+                <a16:creationId xmlns:a16="http://schemas.microsoft.com/office/drawing/2014/main" id="{6EE5319F-44CC-42AE-B655-9CB706B3DA29}"/>
               </a:ext>
             </a:extLst>
           </p:cNvPr>
@@ -17187,8 +17230,8 @@
         </p:nvSpPr>
         <p:spPr>
           <a:xfrm>
-            <a:off x="1097280" y="1839742"/>
-            <a:ext cx="6579870" cy="646331"/>
+            <a:off x="892130" y="2886120"/>
+            <a:ext cx="1576079" cy="461665"/>
           </a:xfrm>
           <a:prstGeom prst="rect">
             <a:avLst/>
@@ -17196,82 +17239,558 @@
           <a:noFill/>
         </p:spPr>
         <p:txBody>
-          <a:bodyPr wrap="square">
+          <a:bodyPr wrap="square" rtlCol="0">
             <a:spAutoFit/>
           </a:bodyPr>
           <a:lstStyle/>
           <a:p>
             <a:r>
-              <a:rPr lang="en-US" b="1" dirty="0">
-                <a:solidFill>
-                  <a:srgbClr val="FF0000"/>
-                </a:solidFill>
-              </a:rPr>
-              <a:t>Exercise: </a:t>
-            </a:r>
-            <a:r>
-              <a:rPr lang="en-US" dirty="0">
-                <a:solidFill>
-                  <a:schemeClr val="tx1"/>
-                </a:solidFill>
-              </a:rPr>
-              <a:t>As a class, try to come up (at least) one rule that relates some different notations like =, </a:t>
-            </a:r>
-            <a:r>
-              <a:rPr lang="en-US" b="0" i="0" dirty="0">
+              <a:rPr lang="en-US" sz="2400" dirty="0" err="1"/>
+              <a:t>EvalSteps</a:t>
+            </a:r>
+            <a:endParaRPr lang="en-US" sz="2400" dirty="0"/>
+          </a:p>
+        </p:txBody>
+      </p:sp>
+      <p:sp>
+        <p:nvSpPr>
+          <p:cNvPr id="15" name="TextBox 14">
+            <a:extLst>
+              <a:ext uri="{FF2B5EF4-FFF2-40B4-BE49-F238E27FC236}">
+                <a16:creationId xmlns:a16="http://schemas.microsoft.com/office/drawing/2014/main" id="{5457AEA7-CA0D-4A2B-B113-2D37325D83E5}"/>
+              </a:ext>
+            </a:extLst>
+          </p:cNvPr>
+          <p:cNvSpPr txBox="1"/>
+          <p:nvPr/>
+        </p:nvSpPr>
+        <p:spPr>
+          <a:xfrm>
+            <a:off x="2572903" y="3248715"/>
+            <a:ext cx="1331108" cy="461665"/>
+          </a:xfrm>
+          <a:prstGeom prst="rect">
+            <a:avLst/>
+          </a:prstGeom>
+          <a:noFill/>
+        </p:spPr>
+        <p:txBody>
+          <a:bodyPr wrap="square" rtlCol="0">
+            <a:spAutoFit/>
+          </a:bodyPr>
+          <a:lstStyle/>
+          <a:p>
+            <a:r>
+              <a:rPr lang="en-US" sz="2400" dirty="0"/>
+              <a:t>e </a:t>
+            </a:r>
+            <a:r>
+              <a:rPr lang="en-US" sz="2400" b="0" i="0" dirty="0">
                 <a:solidFill>
                   <a:srgbClr val="202122"/>
                 </a:solidFill>
                 <a:effectLst/>
               </a:rPr>
-              <a:t>⟼*,</a:t>
-            </a:r>
-            <a:r>
-              <a:rPr lang="en-US" dirty="0">
-                <a:solidFill>
-                  <a:schemeClr val="tx1"/>
-                </a:solidFill>
-              </a:rPr>
-              <a:t> </a:t>
-            </a:r>
-            <a:r>
-              <a:rPr lang="en-US" b="0" i="0" dirty="0">
+              <a:t>⟼* v</a:t>
+            </a:r>
+            <a:endParaRPr lang="en-US" sz="2400" dirty="0"/>
+          </a:p>
+        </p:txBody>
+      </p:sp>
+      <p:sp>
+        <p:nvSpPr>
+          <p:cNvPr id="16" name="TextBox 15">
+            <a:extLst>
+              <a:ext uri="{FF2B5EF4-FFF2-40B4-BE49-F238E27FC236}">
+                <a16:creationId xmlns:a16="http://schemas.microsoft.com/office/drawing/2014/main" id="{E1E0779C-AA01-4416-B7C4-4CA95A4A49B6}"/>
+              </a:ext>
+            </a:extLst>
+          </p:cNvPr>
+          <p:cNvSpPr txBox="1"/>
+          <p:nvPr/>
+        </p:nvSpPr>
+        <p:spPr>
+          <a:xfrm>
+            <a:off x="2669895" y="2744446"/>
+            <a:ext cx="812189" cy="461665"/>
+          </a:xfrm>
+          <a:prstGeom prst="rect">
+            <a:avLst/>
+          </a:prstGeom>
+          <a:noFill/>
+        </p:spPr>
+        <p:txBody>
+          <a:bodyPr wrap="square" rtlCol="0">
+            <a:spAutoFit/>
+          </a:bodyPr>
+          <a:lstStyle/>
+          <a:p>
+            <a:r>
+              <a:rPr lang="en-US" sz="2400" dirty="0"/>
+              <a:t>e </a:t>
+            </a:r>
+            <a:r>
+              <a:rPr lang="en-US" sz="2400" b="0" i="0" dirty="0">
                 <a:solidFill>
                   <a:srgbClr val="222222"/>
                 </a:solidFill>
                 <a:effectLst/>
                 <a:latin typeface="source_sans_proregular"/>
               </a:rPr>
-              <a:t>⤷, and </a:t>
-            </a:r>
-            <a:r>
-              <a:rPr lang="en-US" b="1" i="1" dirty="0">
+              <a:t>⤷ v</a:t>
+            </a:r>
+            <a:endParaRPr lang="en-US" sz="2400" dirty="0"/>
+          </a:p>
+        </p:txBody>
+      </p:sp>
+      <p:cxnSp>
+        <p:nvCxnSpPr>
+          <p:cNvPr id="17" name="Straight Connector 16">
+            <a:extLst>
+              <a:ext uri="{FF2B5EF4-FFF2-40B4-BE49-F238E27FC236}">
+                <a16:creationId xmlns:a16="http://schemas.microsoft.com/office/drawing/2014/main" id="{A5536FED-B728-4470-A613-9B6F168B9D3F}"/>
+              </a:ext>
+            </a:extLst>
+          </p:cNvPr>
+          <p:cNvCxnSpPr>
+            <a:cxnSpLocks/>
+          </p:cNvCxnSpPr>
+          <p:nvPr/>
+        </p:nvCxnSpPr>
+        <p:spPr>
+          <a:xfrm>
+            <a:off x="6486671" y="3183677"/>
+            <a:ext cx="2265395" cy="0"/>
+          </a:xfrm>
+          <a:prstGeom prst="line">
+            <a:avLst/>
+          </a:prstGeom>
+          <a:ln w="28575">
+            <a:solidFill>
+              <a:schemeClr val="tx1"/>
+            </a:solidFill>
+          </a:ln>
+        </p:spPr>
+        <p:style>
+          <a:lnRef idx="1">
+            <a:schemeClr val="dk1"/>
+          </a:lnRef>
+          <a:fillRef idx="0">
+            <a:schemeClr val="dk1"/>
+          </a:fillRef>
+          <a:effectRef idx="0">
+            <a:schemeClr val="dk1"/>
+          </a:effectRef>
+          <a:fontRef idx="minor">
+            <a:schemeClr val="tx1"/>
+          </a:fontRef>
+        </p:style>
+      </p:cxnSp>
+      <p:sp>
+        <p:nvSpPr>
+          <p:cNvPr id="18" name="TextBox 17">
+            <a:extLst>
+              <a:ext uri="{FF2B5EF4-FFF2-40B4-BE49-F238E27FC236}">
+                <a16:creationId xmlns:a16="http://schemas.microsoft.com/office/drawing/2014/main" id="{C971C98F-D17A-4327-9933-2D41B18B23D8}"/>
+              </a:ext>
+            </a:extLst>
+          </p:cNvPr>
+          <p:cNvSpPr txBox="1"/>
+          <p:nvPr/>
+        </p:nvSpPr>
+        <p:spPr>
+          <a:xfrm>
+            <a:off x="5218747" y="2931274"/>
+            <a:ext cx="1576079" cy="461665"/>
+          </a:xfrm>
+          <a:prstGeom prst="rect">
+            <a:avLst/>
+          </a:prstGeom>
+          <a:noFill/>
+        </p:spPr>
+        <p:txBody>
+          <a:bodyPr wrap="square" rtlCol="0">
+            <a:spAutoFit/>
+          </a:bodyPr>
+          <a:lstStyle/>
+          <a:p>
+            <a:r>
+              <a:rPr lang="en-US" sz="2400" dirty="0" err="1"/>
+              <a:t>StepsVal</a:t>
+            </a:r>
+            <a:endParaRPr lang="en-US" sz="2400" dirty="0"/>
+          </a:p>
+        </p:txBody>
+      </p:sp>
+      <p:sp>
+        <p:nvSpPr>
+          <p:cNvPr id="19" name="TextBox 18">
+            <a:extLst>
+              <a:ext uri="{FF2B5EF4-FFF2-40B4-BE49-F238E27FC236}">
+                <a16:creationId xmlns:a16="http://schemas.microsoft.com/office/drawing/2014/main" id="{90395833-91BD-4E5E-98C5-10642A5C63A8}"/>
+              </a:ext>
+            </a:extLst>
+          </p:cNvPr>
+          <p:cNvSpPr txBox="1"/>
+          <p:nvPr/>
+        </p:nvSpPr>
+        <p:spPr>
+          <a:xfrm>
+            <a:off x="7277189" y="3255775"/>
+            <a:ext cx="1331108" cy="461665"/>
+          </a:xfrm>
+          <a:prstGeom prst="rect">
+            <a:avLst/>
+          </a:prstGeom>
+          <a:noFill/>
+        </p:spPr>
+        <p:txBody>
+          <a:bodyPr wrap="square" rtlCol="0">
+            <a:spAutoFit/>
+          </a:bodyPr>
+          <a:lstStyle/>
+          <a:p>
+            <a:r>
+              <a:rPr lang="en-US" sz="2400" dirty="0"/>
+              <a:t>e </a:t>
+            </a:r>
+            <a:r>
+              <a:rPr lang="en-US" sz="2400" b="0" i="0" dirty="0">
                 <a:solidFill>
                   <a:srgbClr val="222222"/>
                 </a:solidFill>
                 <a:effectLst/>
                 <a:latin typeface="source_sans_proregular"/>
               </a:rPr>
+              <a:t>⤷</a:t>
+            </a:r>
+            <a:r>
+              <a:rPr lang="en-US" sz="2400" b="0" i="0" dirty="0">
+                <a:solidFill>
+                  <a:srgbClr val="202122"/>
+                </a:solidFill>
+                <a:effectLst/>
+              </a:rPr>
+              <a:t> v</a:t>
+            </a:r>
+            <a:endParaRPr lang="en-US" sz="2400" dirty="0"/>
+          </a:p>
+        </p:txBody>
+      </p:sp>
+      <p:sp>
+        <p:nvSpPr>
+          <p:cNvPr id="20" name="TextBox 19">
+            <a:extLst>
+              <a:ext uri="{FF2B5EF4-FFF2-40B4-BE49-F238E27FC236}">
+                <a16:creationId xmlns:a16="http://schemas.microsoft.com/office/drawing/2014/main" id="{8215E6F3-38BF-4E20-B41D-944D892CFE46}"/>
+              </a:ext>
+            </a:extLst>
+          </p:cNvPr>
+          <p:cNvSpPr txBox="1"/>
+          <p:nvPr/>
+        </p:nvSpPr>
+        <p:spPr>
+          <a:xfrm>
+            <a:off x="6372899" y="2742542"/>
+            <a:ext cx="2717761" cy="461665"/>
+          </a:xfrm>
+          <a:prstGeom prst="rect">
+            <a:avLst/>
+          </a:prstGeom>
+          <a:noFill/>
+        </p:spPr>
+        <p:txBody>
+          <a:bodyPr wrap="square" rtlCol="0">
+            <a:spAutoFit/>
+          </a:bodyPr>
+          <a:lstStyle/>
+          <a:p>
+            <a:r>
+              <a:rPr lang="en-US" sz="2400" dirty="0"/>
+              <a:t>e </a:t>
+            </a:r>
+            <a:r>
+              <a:rPr lang="en-US" sz="2400" b="0" i="0" dirty="0">
+                <a:solidFill>
+                  <a:srgbClr val="202122"/>
+                </a:solidFill>
+                <a:effectLst/>
+              </a:rPr>
+              <a:t>⟼* v         </a:t>
+            </a:r>
+            <a:r>
+              <a:rPr lang="en-US" sz="2400" b="0" i="1" dirty="0" err="1">
+                <a:solidFill>
+                  <a:srgbClr val="202122"/>
+                </a:solidFill>
+                <a:effectLst/>
+              </a:rPr>
+              <a:t>v</a:t>
+            </a:r>
+            <a:r>
+              <a:rPr lang="en-US" sz="2400" b="0" i="1" dirty="0">
+                <a:solidFill>
+                  <a:srgbClr val="202122"/>
+                </a:solidFill>
+                <a:effectLst/>
+              </a:rPr>
+              <a:t> </a:t>
+            </a:r>
+            <a:r>
+              <a:rPr lang="en-US" sz="2400" b="1" i="1" dirty="0">
+                <a:solidFill>
+                  <a:srgbClr val="202122"/>
+                </a:solidFill>
+                <a:effectLst/>
+              </a:rPr>
               <a:t>value</a:t>
             </a:r>
-            <a:r>
-              <a:rPr lang="en-US" i="1" dirty="0">
-                <a:solidFill>
-                  <a:srgbClr val="222222"/>
+            <a:endParaRPr lang="en-US" sz="2400" dirty="0"/>
+          </a:p>
+        </p:txBody>
+      </p:sp>
+      <p:sp>
+        <p:nvSpPr>
+          <p:cNvPr id="21" name="Content Placeholder 20">
+            <a:extLst>
+              <a:ext uri="{FF2B5EF4-FFF2-40B4-BE49-F238E27FC236}">
+                <a16:creationId xmlns:a16="http://schemas.microsoft.com/office/drawing/2014/main" id="{7875364D-CBF7-4EAB-B2BC-2952239422C2}"/>
+              </a:ext>
+            </a:extLst>
+          </p:cNvPr>
+          <p:cNvSpPr>
+            <a:spLocks noGrp="1"/>
+          </p:cNvSpPr>
+          <p:nvPr>
+            <p:ph idx="1"/>
+          </p:nvPr>
+        </p:nvSpPr>
+        <p:spPr>
+          <a:xfrm>
+            <a:off x="1097280" y="1845734"/>
+            <a:ext cx="10058400" cy="4164449"/>
+          </a:xfrm>
+        </p:spPr>
+        <p:txBody>
+          <a:bodyPr/>
+          <a:lstStyle/>
+          <a:p>
+            <a:r>
+              <a:rPr lang="en-US" dirty="0"/>
+              <a:t>If you evaluate to something, you eventually step to it.</a:t>
+            </a:r>
+            <a:br>
+              <a:rPr lang="en-US" dirty="0"/>
+            </a:br>
+            <a:r>
+              <a:rPr lang="en-US" dirty="0"/>
+              <a:t>If you eventually step to a value, then you also evaluate to it.</a:t>
+            </a:r>
+          </a:p>
+          <a:p>
+            <a:pPr marL="0" indent="0">
+              <a:buNone/>
+            </a:pPr>
+            <a:endParaRPr lang="en-US" dirty="0"/>
+          </a:p>
+          <a:p>
+            <a:pPr marL="0" indent="0">
+              <a:buNone/>
+            </a:pPr>
+            <a:endParaRPr lang="en-US" dirty="0"/>
+          </a:p>
+          <a:p>
+            <a:r>
+              <a:rPr lang="en-US" dirty="0"/>
+              <a:t>If you eventually step to something, you equal it.</a:t>
+            </a:r>
+          </a:p>
+        </p:txBody>
+      </p:sp>
+      <p:cxnSp>
+        <p:nvCxnSpPr>
+          <p:cNvPr id="22" name="Straight Connector 21">
+            <a:extLst>
+              <a:ext uri="{FF2B5EF4-FFF2-40B4-BE49-F238E27FC236}">
+                <a16:creationId xmlns:a16="http://schemas.microsoft.com/office/drawing/2014/main" id="{CD71CB00-F058-48F4-918C-6CE6E6D08C3F}"/>
+              </a:ext>
+            </a:extLst>
+          </p:cNvPr>
+          <p:cNvCxnSpPr>
+            <a:cxnSpLocks/>
+          </p:cNvCxnSpPr>
+          <p:nvPr/>
+        </p:nvCxnSpPr>
+        <p:spPr>
+          <a:xfrm>
+            <a:off x="2206414" y="5030863"/>
+            <a:ext cx="2265395" cy="0"/>
+          </a:xfrm>
+          <a:prstGeom prst="line">
+            <a:avLst/>
+          </a:prstGeom>
+          <a:ln w="28575">
+            <a:solidFill>
+              <a:schemeClr val="tx1"/>
+            </a:solidFill>
+          </a:ln>
+        </p:spPr>
+        <p:style>
+          <a:lnRef idx="1">
+            <a:schemeClr val="dk1"/>
+          </a:lnRef>
+          <a:fillRef idx="0">
+            <a:schemeClr val="dk1"/>
+          </a:fillRef>
+          <a:effectRef idx="0">
+            <a:schemeClr val="dk1"/>
+          </a:effectRef>
+          <a:fontRef idx="minor">
+            <a:schemeClr val="tx1"/>
+          </a:fontRef>
+        </p:style>
+      </p:cxnSp>
+      <p:sp>
+        <p:nvSpPr>
+          <p:cNvPr id="23" name="TextBox 22">
+            <a:extLst>
+              <a:ext uri="{FF2B5EF4-FFF2-40B4-BE49-F238E27FC236}">
+                <a16:creationId xmlns:a16="http://schemas.microsoft.com/office/drawing/2014/main" id="{67F4C9BE-095C-49B4-9C09-436BBBE54672}"/>
+              </a:ext>
+            </a:extLst>
+          </p:cNvPr>
+          <p:cNvSpPr txBox="1"/>
+          <p:nvPr/>
+        </p:nvSpPr>
+        <p:spPr>
+          <a:xfrm>
+            <a:off x="1097279" y="4800031"/>
+            <a:ext cx="1576079" cy="461665"/>
+          </a:xfrm>
+          <a:prstGeom prst="rect">
+            <a:avLst/>
+          </a:prstGeom>
+          <a:noFill/>
+        </p:spPr>
+        <p:txBody>
+          <a:bodyPr wrap="square" rtlCol="0">
+            <a:spAutoFit/>
+          </a:bodyPr>
+          <a:lstStyle/>
+          <a:p>
+            <a:r>
+              <a:rPr lang="en-US" sz="2400" dirty="0" err="1"/>
+              <a:t>StepsEq</a:t>
+            </a:r>
+            <a:endParaRPr lang="en-US" sz="2400" dirty="0"/>
+          </a:p>
+        </p:txBody>
+      </p:sp>
+      <p:sp>
+        <p:nvSpPr>
+          <p:cNvPr id="24" name="TextBox 23">
+            <a:extLst>
+              <a:ext uri="{FF2B5EF4-FFF2-40B4-BE49-F238E27FC236}">
+                <a16:creationId xmlns:a16="http://schemas.microsoft.com/office/drawing/2014/main" id="{F6399150-BF16-4A43-AB7C-0DBF358DB4A6}"/>
+              </a:ext>
+            </a:extLst>
+          </p:cNvPr>
+          <p:cNvSpPr txBox="1"/>
+          <p:nvPr/>
+        </p:nvSpPr>
+        <p:spPr>
+          <a:xfrm>
+            <a:off x="2572903" y="5045820"/>
+            <a:ext cx="1331108" cy="461665"/>
+          </a:xfrm>
+          <a:prstGeom prst="rect">
+            <a:avLst/>
+          </a:prstGeom>
+          <a:noFill/>
+        </p:spPr>
+        <p:txBody>
+          <a:bodyPr wrap="square" rtlCol="0">
+            <a:spAutoFit/>
+          </a:bodyPr>
+          <a:lstStyle/>
+          <a:p>
+            <a:r>
+              <a:rPr lang="en-US" sz="2400" dirty="0"/>
+              <a:t>e1 =</a:t>
+            </a:r>
+            <a:r>
+              <a:rPr lang="en-US" sz="2400" b="0" i="0" dirty="0">
+                <a:solidFill>
+                  <a:srgbClr val="202122"/>
                 </a:solidFill>
                 <a:effectLst/>
-                <a:latin typeface="source_sans_proregular"/>
               </a:rPr>
-              <a:t>. </a:t>
-            </a:r>
-            <a:endParaRPr lang="en-US" dirty="0"/>
+              <a:t> </a:t>
+            </a:r>
+            <a:r>
+              <a:rPr lang="en-US" sz="2400" dirty="0">
+                <a:solidFill>
+                  <a:srgbClr val="202122"/>
+                </a:solidFill>
+              </a:rPr>
+              <a:t>e2</a:t>
+            </a:r>
+            <a:endParaRPr lang="en-US" sz="2400" dirty="0"/>
+          </a:p>
+        </p:txBody>
+      </p:sp>
+      <p:sp>
+        <p:nvSpPr>
+          <p:cNvPr id="25" name="TextBox 24">
+            <a:extLst>
+              <a:ext uri="{FF2B5EF4-FFF2-40B4-BE49-F238E27FC236}">
+                <a16:creationId xmlns:a16="http://schemas.microsoft.com/office/drawing/2014/main" id="{CCAA7A14-A7F6-4EDE-820E-0C45EDB0B5CE}"/>
+              </a:ext>
+            </a:extLst>
+          </p:cNvPr>
+          <p:cNvSpPr txBox="1"/>
+          <p:nvPr/>
+        </p:nvSpPr>
+        <p:spPr>
+          <a:xfrm>
+            <a:off x="2453340" y="4578227"/>
+            <a:ext cx="1685938" cy="830997"/>
+          </a:xfrm>
+          <a:prstGeom prst="rect">
+            <a:avLst/>
+          </a:prstGeom>
+          <a:noFill/>
+        </p:spPr>
+        <p:txBody>
+          <a:bodyPr wrap="square" rtlCol="0">
+            <a:spAutoFit/>
+          </a:bodyPr>
+          <a:lstStyle/>
+          <a:p>
+            <a:r>
+              <a:rPr lang="en-US" sz="2400" dirty="0"/>
+              <a:t>e1 </a:t>
+            </a:r>
+            <a:r>
+              <a:rPr lang="en-US" sz="2400" b="0" i="0" dirty="0">
+                <a:solidFill>
+                  <a:srgbClr val="202122"/>
+                </a:solidFill>
+                <a:effectLst/>
+              </a:rPr>
+              <a:t>⟼* e2</a:t>
+            </a:r>
+            <a:endParaRPr lang="en-US" sz="2400" dirty="0"/>
+          </a:p>
+          <a:p>
+            <a:endParaRPr lang="en-US" sz="2400" dirty="0"/>
           </a:p>
         </p:txBody>
       </p:sp>
     </p:spTree>
     <p:extLst>
       <p:ext uri="{BB962C8B-B14F-4D97-AF65-F5344CB8AC3E}">
-        <p14:creationId xmlns:p14="http://schemas.microsoft.com/office/powerpoint/2010/main" val="2013041309"/>
+        <p14:creationId xmlns:p14="http://schemas.microsoft.com/office/powerpoint/2010/main" val="3736767748"/>
       </p:ext>
     </p:extLst>
   </p:cSld>
@@ -17303,7 +17822,7 @@
           <p:cNvPr id="2" name="Title 1">
             <a:extLst>
               <a:ext uri="{FF2B5EF4-FFF2-40B4-BE49-F238E27FC236}">
-                <a16:creationId xmlns:a16="http://schemas.microsoft.com/office/drawing/2014/main" id="{4A3BE88E-FBCA-41E4-8142-A4A86BD7823D}"/>
+                <a16:creationId xmlns:a16="http://schemas.microsoft.com/office/drawing/2014/main" id="{7C1C8F46-178C-4ED2-BCFC-2C0CCBE1F589}"/>
               </a:ext>
             </a:extLst>
           </p:cNvPr>
@@ -17321,17 +17840,96 @@
           <a:p>
             <a:r>
               <a:rPr lang="en-US" dirty="0"/>
-              <a:t>Example Answers</a:t>
-            </a:r>
+              <a:t>How Do I “Use” the Rules?</a:t>
+            </a:r>
+          </a:p>
+        </p:txBody>
+      </p:sp>
+      <p:sp>
+        <p:nvSpPr>
+          <p:cNvPr id="3" name="Content Placeholder 2">
+            <a:extLst>
+              <a:ext uri="{FF2B5EF4-FFF2-40B4-BE49-F238E27FC236}">
+                <a16:creationId xmlns:a16="http://schemas.microsoft.com/office/drawing/2014/main" id="{844D12B6-44AF-46B5-9CA8-524F5B800148}"/>
+              </a:ext>
+            </a:extLst>
+          </p:cNvPr>
+          <p:cNvSpPr>
+            <a:spLocks noGrp="1"/>
+          </p:cNvSpPr>
+          <p:nvPr>
+            <p:ph idx="1"/>
+          </p:nvPr>
+        </p:nvSpPr>
+        <p:spPr>
+          <a:xfrm>
+            <a:off x="838200" y="1825625"/>
+            <a:ext cx="10515600" cy="1603375"/>
+          </a:xfrm>
+        </p:spPr>
+        <p:txBody>
+          <a:bodyPr>
+            <a:normAutofit lnSpcReduction="10000"/>
+          </a:bodyPr>
+          <a:lstStyle/>
+          <a:p>
+            <a:r>
+              <a:rPr lang="en-US" b="1" dirty="0"/>
+              <a:t>For future reference:</a:t>
+            </a:r>
+            <a:r>
+              <a:rPr lang="en-US" dirty="0"/>
+              <a:t> When we “prove” a judgement, we can write all the rule applications in a tree</a:t>
+            </a:r>
+          </a:p>
+          <a:p>
+            <a:pPr lvl="1"/>
+            <a:r>
+              <a:rPr lang="en-US" dirty="0"/>
+              <a:t>It is common to use trees for </a:t>
+            </a:r>
+            <a:r>
+              <a:rPr lang="en-US" b="1" dirty="0"/>
+              <a:t>type checking</a:t>
+            </a:r>
+            <a:r>
+              <a:rPr lang="en-US" dirty="0"/>
+              <a:t> and </a:t>
+            </a:r>
+            <a:r>
+              <a:rPr lang="en-US" b="1" dirty="0"/>
+              <a:t>proofs</a:t>
+            </a:r>
+            <a:endParaRPr lang="en-US" dirty="0"/>
+          </a:p>
+          <a:p>
+            <a:pPr lvl="1"/>
+            <a:r>
+              <a:rPr lang="en-US" dirty="0"/>
+              <a:t>As example will show, tree notation is usually </a:t>
+            </a:r>
+            <a:r>
+              <a:rPr lang="en-US" b="1" dirty="0"/>
+              <a:t>too gross</a:t>
+            </a:r>
+            <a:r>
+              <a:rPr lang="en-US" dirty="0"/>
+              <a:t> for </a:t>
+            </a:r>
+            <a:r>
+              <a:rPr lang="en-US" b="1" dirty="0"/>
+              <a:t>execution</a:t>
+            </a:r>
+            <a:endParaRPr lang="en-US" dirty="0"/>
           </a:p>
         </p:txBody>
       </p:sp>
       <p:cxnSp>
         <p:nvCxnSpPr>
-          <p:cNvPr id="13" name="Straight Connector 12">
-            <a:extLst>
-              <a:ext uri="{FF2B5EF4-FFF2-40B4-BE49-F238E27FC236}">
-                <a16:creationId xmlns:a16="http://schemas.microsoft.com/office/drawing/2014/main" id="{D65DA0F0-76BF-4B15-AAD6-826334F47075}"/>
+          <p:cNvPr id="4" name="Straight Connector 3">
+            <a:extLst>
+              <a:ext uri="{FF2B5EF4-FFF2-40B4-BE49-F238E27FC236}">
+                <a16:creationId xmlns:a16="http://schemas.microsoft.com/office/drawing/2014/main" id="{54892C4C-9541-45F5-852B-1AA72E98FA22}"/>
               </a:ext>
             </a:extLst>
           </p:cNvPr>
@@ -17342,8 +17940,8 @@
         </p:nvCxnSpPr>
         <p:spPr>
           <a:xfrm>
-            <a:off x="2206414" y="3189605"/>
-            <a:ext cx="2265395" cy="0"/>
+            <a:off x="1149037" y="4411340"/>
+            <a:ext cx="1673118" cy="0"/>
           </a:xfrm>
           <a:prstGeom prst="line">
             <a:avLst/>
@@ -17371,10 +17969,10 @@
       </p:cxnSp>
       <p:sp>
         <p:nvSpPr>
-          <p:cNvPr id="14" name="TextBox 13">
-            <a:extLst>
-              <a:ext uri="{FF2B5EF4-FFF2-40B4-BE49-F238E27FC236}">
-                <a16:creationId xmlns:a16="http://schemas.microsoft.com/office/drawing/2014/main" id="{6EE5319F-44CC-42AE-B655-9CB706B3DA29}"/>
+          <p:cNvPr id="5" name="TextBox 4">
+            <a:extLst>
+              <a:ext uri="{FF2B5EF4-FFF2-40B4-BE49-F238E27FC236}">
+                <a16:creationId xmlns:a16="http://schemas.microsoft.com/office/drawing/2014/main" id="{C7B8CBBC-1820-4DB1-B334-25C84B974DE9}"/>
               </a:ext>
             </a:extLst>
           </p:cNvPr>
@@ -17383,8 +17981,8 @@
         </p:nvSpPr>
         <p:spPr>
           <a:xfrm>
-            <a:off x="892130" y="2886120"/>
-            <a:ext cx="1576079" cy="461665"/>
+            <a:off x="1097280" y="3496627"/>
+            <a:ext cx="1679873" cy="461665"/>
           </a:xfrm>
           <a:prstGeom prst="rect">
             <a:avLst/>
@@ -17399,7 +17997,7 @@
           <a:p>
             <a:r>
               <a:rPr lang="en-US" sz="2400" dirty="0" err="1"/>
-              <a:t>EvalSteps</a:t>
+              <a:t>StepsZero</a:t>
             </a:r>
             <a:endParaRPr lang="en-US" sz="2400" dirty="0"/>
           </a:p>
@@ -17407,10 +18005,10 @@
       </p:sp>
       <p:sp>
         <p:nvSpPr>
-          <p:cNvPr id="15" name="TextBox 14">
-            <a:extLst>
-              <a:ext uri="{FF2B5EF4-FFF2-40B4-BE49-F238E27FC236}">
-                <a16:creationId xmlns:a16="http://schemas.microsoft.com/office/drawing/2014/main" id="{5457AEA7-CA0D-4A2B-B113-2D37325D83E5}"/>
+          <p:cNvPr id="6" name="TextBox 5">
+            <a:extLst>
+              <a:ext uri="{FF2B5EF4-FFF2-40B4-BE49-F238E27FC236}">
+                <a16:creationId xmlns:a16="http://schemas.microsoft.com/office/drawing/2014/main" id="{8163B669-D746-45C3-8F61-71350F9C183C}"/>
               </a:ext>
             </a:extLst>
           </p:cNvPr>
@@ -17419,8 +18017,8 @@
         </p:nvSpPr>
         <p:spPr>
           <a:xfrm>
-            <a:off x="2572903" y="3248715"/>
-            <a:ext cx="1331108" cy="461665"/>
+            <a:off x="1142282" y="4470450"/>
+            <a:ext cx="2126011" cy="461665"/>
           </a:xfrm>
           <a:prstGeom prst="rect">
             <a:avLst/>
@@ -17435,7 +18033,15 @@
           <a:p>
             <a:r>
               <a:rPr lang="en-US" sz="2400" dirty="0"/>
-              <a:t>e </a:t>
+              <a:t>(</a:t>
+            </a:r>
+            <a:r>
+              <a:rPr lang="en-US" sz="2400" dirty="0" err="1"/>
+              <a:t>E,e</a:t>
+            </a:r>
+            <a:r>
+              <a:rPr lang="en-US" sz="2400" dirty="0"/>
+              <a:t>) </a:t>
             </a:r>
             <a:r>
               <a:rPr lang="en-US" sz="2400" b="0" i="0" dirty="0">
@@ -17444,7 +18050,32 @@
                 </a:solidFill>
                 <a:effectLst/>
               </a:rPr>
-              <a:t>⟼* v</a:t>
+              <a:t>⟼* (</a:t>
+            </a:r>
+            <a:r>
+              <a:rPr lang="en-US" sz="2400" dirty="0" err="1">
+                <a:solidFill>
+                  <a:srgbClr val="202122"/>
+                </a:solidFill>
+              </a:rPr>
+              <a:t>E,</a:t>
+            </a:r>
+            <a:r>
+              <a:rPr lang="en-US" sz="2400" b="0" i="0" dirty="0" err="1">
+                <a:solidFill>
+                  <a:srgbClr val="202122"/>
+                </a:solidFill>
+                <a:effectLst/>
+              </a:rPr>
+              <a:t>e</a:t>
+            </a:r>
+            <a:r>
+              <a:rPr lang="en-US" sz="2400" dirty="0">
+                <a:solidFill>
+                  <a:srgbClr val="202122"/>
+                </a:solidFill>
+              </a:rPr>
+              <a:t>)</a:t>
             </a:r>
             <a:endParaRPr lang="en-US" sz="2400" dirty="0"/>
           </a:p>
@@ -17452,10 +18083,10 @@
       </p:sp>
       <p:sp>
         <p:nvSpPr>
-          <p:cNvPr id="16" name="TextBox 15">
-            <a:extLst>
-              <a:ext uri="{FF2B5EF4-FFF2-40B4-BE49-F238E27FC236}">
-                <a16:creationId xmlns:a16="http://schemas.microsoft.com/office/drawing/2014/main" id="{E1E0779C-AA01-4416-B7C4-4CA95A4A49B6}"/>
+          <p:cNvPr id="7" name="TextBox 6">
+            <a:extLst>
+              <a:ext uri="{FF2B5EF4-FFF2-40B4-BE49-F238E27FC236}">
+                <a16:creationId xmlns:a16="http://schemas.microsoft.com/office/drawing/2014/main" id="{E3364278-E1C6-40F9-9F1E-5BDDF6CCCA54}"/>
               </a:ext>
             </a:extLst>
           </p:cNvPr>
@@ -17464,8 +18095,8 @@
         </p:nvSpPr>
         <p:spPr>
           <a:xfrm>
-            <a:off x="2669895" y="2744446"/>
-            <a:ext cx="812189" cy="461665"/>
+            <a:off x="1711578" y="3949675"/>
+            <a:ext cx="1866408" cy="461665"/>
           </a:xfrm>
           <a:prstGeom prst="rect">
             <a:avLst/>
@@ -17480,28 +18111,17 @@
           <a:p>
             <a:r>
               <a:rPr lang="en-US" sz="2400" dirty="0"/>
-              <a:t>e </a:t>
-            </a:r>
-            <a:r>
-              <a:rPr lang="en-US" sz="2400" b="0" i="0" dirty="0">
-                <a:solidFill>
-                  <a:srgbClr val="222222"/>
-                </a:solidFill>
-                <a:effectLst/>
-                <a:latin typeface="source_sans_proregular"/>
-              </a:rPr>
-              <a:t>⤷ v</a:t>
-            </a:r>
-            <a:endParaRPr lang="en-US" sz="2400" dirty="0"/>
+              <a:t>*</a:t>
+            </a:r>
           </a:p>
         </p:txBody>
       </p:sp>
       <p:cxnSp>
         <p:nvCxnSpPr>
-          <p:cNvPr id="17" name="Straight Connector 16">
-            <a:extLst>
-              <a:ext uri="{FF2B5EF4-FFF2-40B4-BE49-F238E27FC236}">
-                <a16:creationId xmlns:a16="http://schemas.microsoft.com/office/drawing/2014/main" id="{A5536FED-B728-4470-A613-9B6F168B9D3F}"/>
+          <p:cNvPr id="8" name="Straight Connector 7">
+            <a:extLst>
+              <a:ext uri="{FF2B5EF4-FFF2-40B4-BE49-F238E27FC236}">
+                <a16:creationId xmlns:a16="http://schemas.microsoft.com/office/drawing/2014/main" id="{60E429B3-D318-4DB4-A343-32AC46F04802}"/>
               </a:ext>
             </a:extLst>
           </p:cNvPr>
@@ -17512,8 +18132,8 @@
         </p:nvCxnSpPr>
         <p:spPr>
           <a:xfrm>
-            <a:off x="6486671" y="3183677"/>
-            <a:ext cx="2265395" cy="0"/>
+            <a:off x="4716054" y="4833040"/>
+            <a:ext cx="2414584" cy="0"/>
           </a:xfrm>
           <a:prstGeom prst="line">
             <a:avLst/>
@@ -17541,10 +18161,10 @@
       </p:cxnSp>
       <p:sp>
         <p:nvSpPr>
-          <p:cNvPr id="18" name="TextBox 17">
-            <a:extLst>
-              <a:ext uri="{FF2B5EF4-FFF2-40B4-BE49-F238E27FC236}">
-                <a16:creationId xmlns:a16="http://schemas.microsoft.com/office/drawing/2014/main" id="{C971C98F-D17A-4327-9933-2D41B18B23D8}"/>
+          <p:cNvPr id="9" name="TextBox 8">
+            <a:extLst>
+              <a:ext uri="{FF2B5EF4-FFF2-40B4-BE49-F238E27FC236}">
+                <a16:creationId xmlns:a16="http://schemas.microsoft.com/office/drawing/2014/main" id="{CB361756-443D-40AC-BC28-EED49F63FCB1}"/>
               </a:ext>
             </a:extLst>
           </p:cNvPr>
@@ -17553,8 +18173,8 @@
         </p:nvSpPr>
         <p:spPr>
           <a:xfrm>
-            <a:off x="5218747" y="2931274"/>
-            <a:ext cx="1576079" cy="461665"/>
+            <a:off x="4716054" y="3542943"/>
+            <a:ext cx="1679873" cy="461665"/>
           </a:xfrm>
           <a:prstGeom prst="rect">
             <a:avLst/>
@@ -17569,7 +18189,7 @@
           <a:p>
             <a:r>
               <a:rPr lang="en-US" sz="2400" dirty="0" err="1"/>
-              <a:t>StepsVal</a:t>
+              <a:t>StepsOne</a:t>
             </a:r>
             <a:endParaRPr lang="en-US" sz="2400" dirty="0"/>
           </a:p>
@@ -17577,10 +18197,10 @@
       </p:sp>
       <p:sp>
         <p:nvSpPr>
-          <p:cNvPr id="19" name="TextBox 18">
-            <a:extLst>
-              <a:ext uri="{FF2B5EF4-FFF2-40B4-BE49-F238E27FC236}">
-                <a16:creationId xmlns:a16="http://schemas.microsoft.com/office/drawing/2014/main" id="{90395833-91BD-4E5E-98C5-10642A5C63A8}"/>
+          <p:cNvPr id="10" name="TextBox 9">
+            <a:extLst>
+              <a:ext uri="{FF2B5EF4-FFF2-40B4-BE49-F238E27FC236}">
+                <a16:creationId xmlns:a16="http://schemas.microsoft.com/office/drawing/2014/main" id="{41D0483D-1D96-4F36-B297-DC3DAFDB528E}"/>
               </a:ext>
             </a:extLst>
           </p:cNvPr>
@@ -17589,8 +18209,8 @@
         </p:nvSpPr>
         <p:spPr>
           <a:xfrm>
-            <a:off x="7277189" y="3255775"/>
-            <a:ext cx="1331108" cy="461665"/>
+            <a:off x="4846605" y="4833040"/>
+            <a:ext cx="2735295" cy="461665"/>
           </a:xfrm>
           <a:prstGeom prst="rect">
             <a:avLst/>
@@ -17605,17 +18225,15 @@
           <a:p>
             <a:r>
               <a:rPr lang="en-US" sz="2400" dirty="0"/>
-              <a:t>e </a:t>
-            </a:r>
-            <a:r>
-              <a:rPr lang="en-US" sz="2400" b="0" i="0" dirty="0">
-                <a:solidFill>
-                  <a:srgbClr val="222222"/>
-                </a:solidFill>
-                <a:effectLst/>
-                <a:latin typeface="source_sans_proregular"/>
-              </a:rPr>
-              <a:t>⤷</a:t>
+              <a:t>(</a:t>
+            </a:r>
+            <a:r>
+              <a:rPr lang="en-US" sz="2400" dirty="0" err="1"/>
+              <a:t>E,e</a:t>
+            </a:r>
+            <a:r>
+              <a:rPr lang="en-US" sz="2400" dirty="0"/>
+              <a:t>) </a:t>
             </a:r>
             <a:r>
               <a:rPr lang="en-US" sz="2400" b="0" i="0" dirty="0">
@@ -17624,7 +18242,25 @@
                 </a:solidFill>
                 <a:effectLst/>
               </a:rPr>
-              <a:t> v</a:t>
+              <a:t>⟼* (</a:t>
+            </a:r>
+            <a:r>
+              <a:rPr lang="en-US" sz="2400" b="0" i="0" dirty="0" err="1">
+                <a:solidFill>
+                  <a:srgbClr val="202122"/>
+                </a:solidFill>
+                <a:effectLst/>
+              </a:rPr>
+              <a:t>E’’,e</a:t>
+            </a:r>
+            <a:r>
+              <a:rPr lang="en-US" sz="2400" b="0" i="0" dirty="0">
+                <a:solidFill>
+                  <a:srgbClr val="202122"/>
+                </a:solidFill>
+                <a:effectLst/>
+              </a:rPr>
+              <a:t>’’)</a:t>
             </a:r>
             <a:endParaRPr lang="en-US" sz="2400" dirty="0"/>
           </a:p>
@@ -17632,10 +18268,10 @@
       </p:sp>
       <p:sp>
         <p:nvSpPr>
-          <p:cNvPr id="20" name="TextBox 19">
-            <a:extLst>
-              <a:ext uri="{FF2B5EF4-FFF2-40B4-BE49-F238E27FC236}">
-                <a16:creationId xmlns:a16="http://schemas.microsoft.com/office/drawing/2014/main" id="{8215E6F3-38BF-4E20-B41D-944D892CFE46}"/>
+          <p:cNvPr id="11" name="TextBox 10">
+            <a:extLst>
+              <a:ext uri="{FF2B5EF4-FFF2-40B4-BE49-F238E27FC236}">
+                <a16:creationId xmlns:a16="http://schemas.microsoft.com/office/drawing/2014/main" id="{CFD06B96-0B0B-4C59-BC94-575DB9D62D69}"/>
               </a:ext>
             </a:extLst>
           </p:cNvPr>
@@ -17644,8 +18280,8 @@
         </p:nvSpPr>
         <p:spPr>
           <a:xfrm>
-            <a:off x="6372899" y="2742542"/>
-            <a:ext cx="2717761" cy="461665"/>
+            <a:off x="4716054" y="4002043"/>
+            <a:ext cx="3291760" cy="830997"/>
           </a:xfrm>
           <a:prstGeom prst="rect">
             <a:avLst/>
@@ -17660,7 +18296,15 @@
           <a:p>
             <a:r>
               <a:rPr lang="en-US" sz="2400" dirty="0"/>
-              <a:t>e </a:t>
+              <a:t>(</a:t>
+            </a:r>
+            <a:r>
+              <a:rPr lang="en-US" sz="2400" dirty="0" err="1"/>
+              <a:t>E,e</a:t>
+            </a:r>
+            <a:r>
+              <a:rPr lang="en-US" sz="2400" dirty="0"/>
+              <a:t>)</a:t>
             </a:r>
             <a:r>
               <a:rPr lang="en-US" sz="2400" b="0" i="0" dirty="0">
@@ -17669,208 +18313,34 @@
                 </a:solidFill>
                 <a:effectLst/>
               </a:rPr>
-              <a:t>⟼* v         </a:t>
-            </a:r>
-            <a:r>
-              <a:rPr lang="en-US" sz="2400" b="0" i="1" dirty="0" err="1">
+              <a:t> ⟼ (</a:t>
+            </a:r>
+            <a:r>
+              <a:rPr lang="en-US" sz="2400" b="0" i="0" dirty="0" err="1">
                 <a:solidFill>
                   <a:srgbClr val="202122"/>
                 </a:solidFill>
                 <a:effectLst/>
               </a:rPr>
-              <a:t>v</a:t>
-            </a:r>
-            <a:r>
-              <a:rPr lang="en-US" sz="2400" b="0" i="1" dirty="0">
+              <a:t>E’,e</a:t>
+            </a:r>
+            <a:r>
+              <a:rPr lang="en-US" sz="2400" b="0" i="0" dirty="0">
                 <a:solidFill>
                   <a:srgbClr val="202122"/>
                 </a:solidFill>
                 <a:effectLst/>
               </a:rPr>
-              <a:t> </a:t>
-            </a:r>
-            <a:r>
-              <a:rPr lang="en-US" sz="2400" b="1" i="1" dirty="0">
+              <a:t>’)</a:t>
+            </a:r>
+            <a:br>
+              <a:rPr lang="en-US" sz="2400" b="0" i="0" dirty="0">
                 <a:solidFill>
                   <a:srgbClr val="202122"/>
                 </a:solidFill>
                 <a:effectLst/>
               </a:rPr>
-              <a:t>value</a:t>
-            </a:r>
-            <a:endParaRPr lang="en-US" sz="2400" dirty="0"/>
-          </a:p>
-        </p:txBody>
-      </p:sp>
-      <p:sp>
-        <p:nvSpPr>
-          <p:cNvPr id="21" name="Content Placeholder 20">
-            <a:extLst>
-              <a:ext uri="{FF2B5EF4-FFF2-40B4-BE49-F238E27FC236}">
-                <a16:creationId xmlns:a16="http://schemas.microsoft.com/office/drawing/2014/main" id="{7875364D-CBF7-4EAB-B2BC-2952239422C2}"/>
-              </a:ext>
-            </a:extLst>
-          </p:cNvPr>
-          <p:cNvSpPr>
-            <a:spLocks noGrp="1"/>
-          </p:cNvSpPr>
-          <p:nvPr>
-            <p:ph idx="1"/>
-          </p:nvPr>
-        </p:nvSpPr>
-        <p:spPr>
-          <a:xfrm>
-            <a:off x="1097280" y="1845734"/>
-            <a:ext cx="10058400" cy="4164449"/>
-          </a:xfrm>
-        </p:spPr>
-        <p:txBody>
-          <a:bodyPr/>
-          <a:lstStyle/>
-          <a:p>
-            <a:r>
-              <a:rPr lang="en-US" dirty="0"/>
-              <a:t>If you evaluate to something, you eventually step to it.</a:t>
-            </a:r>
-            <a:br>
-              <a:rPr lang="en-US" dirty="0"/>
             </a:br>
-            <a:r>
-              <a:rPr lang="en-US" dirty="0"/>
-              <a:t>If you eventually step to a value, then you also evaluate to it.</a:t>
-            </a:r>
-          </a:p>
-          <a:p>
-            <a:pPr marL="0" indent="0">
-              <a:buNone/>
-            </a:pPr>
-            <a:endParaRPr lang="en-US" dirty="0"/>
-          </a:p>
-          <a:p>
-            <a:pPr marL="0" indent="0">
-              <a:buNone/>
-            </a:pPr>
-            <a:endParaRPr lang="en-US" dirty="0"/>
-          </a:p>
-          <a:p>
-            <a:r>
-              <a:rPr lang="en-US" dirty="0"/>
-              <a:t>If you eventually step to something, you equal it.</a:t>
-            </a:r>
-          </a:p>
-        </p:txBody>
-      </p:sp>
-      <p:cxnSp>
-        <p:nvCxnSpPr>
-          <p:cNvPr id="22" name="Straight Connector 21">
-            <a:extLst>
-              <a:ext uri="{FF2B5EF4-FFF2-40B4-BE49-F238E27FC236}">
-                <a16:creationId xmlns:a16="http://schemas.microsoft.com/office/drawing/2014/main" id="{CD71CB00-F058-48F4-918C-6CE6E6D08C3F}"/>
-              </a:ext>
-            </a:extLst>
-          </p:cNvPr>
-          <p:cNvCxnSpPr>
-            <a:cxnSpLocks/>
-          </p:cNvCxnSpPr>
-          <p:nvPr/>
-        </p:nvCxnSpPr>
-        <p:spPr>
-          <a:xfrm>
-            <a:off x="2206414" y="5030863"/>
-            <a:ext cx="2265395" cy="0"/>
-          </a:xfrm>
-          <a:prstGeom prst="line">
-            <a:avLst/>
-          </a:prstGeom>
-          <a:ln w="28575">
-            <a:solidFill>
-              <a:schemeClr val="tx1"/>
-            </a:solidFill>
-          </a:ln>
-        </p:spPr>
-        <p:style>
-          <a:lnRef idx="1">
-            <a:schemeClr val="dk1"/>
-          </a:lnRef>
-          <a:fillRef idx="0">
-            <a:schemeClr val="dk1"/>
-          </a:fillRef>
-          <a:effectRef idx="0">
-            <a:schemeClr val="dk1"/>
-          </a:effectRef>
-          <a:fontRef idx="minor">
-            <a:schemeClr val="tx1"/>
-          </a:fontRef>
-        </p:style>
-      </p:cxnSp>
-      <p:sp>
-        <p:nvSpPr>
-          <p:cNvPr id="23" name="TextBox 22">
-            <a:extLst>
-              <a:ext uri="{FF2B5EF4-FFF2-40B4-BE49-F238E27FC236}">
-                <a16:creationId xmlns:a16="http://schemas.microsoft.com/office/drawing/2014/main" id="{67F4C9BE-095C-49B4-9C09-436BBBE54672}"/>
-              </a:ext>
-            </a:extLst>
-          </p:cNvPr>
-          <p:cNvSpPr txBox="1"/>
-          <p:nvPr/>
-        </p:nvSpPr>
-        <p:spPr>
-          <a:xfrm>
-            <a:off x="1097279" y="4800031"/>
-            <a:ext cx="1576079" cy="461665"/>
-          </a:xfrm>
-          <a:prstGeom prst="rect">
-            <a:avLst/>
-          </a:prstGeom>
-          <a:noFill/>
-        </p:spPr>
-        <p:txBody>
-          <a:bodyPr wrap="square" rtlCol="0">
-            <a:spAutoFit/>
-          </a:bodyPr>
-          <a:lstStyle/>
-          <a:p>
-            <a:r>
-              <a:rPr lang="en-US" sz="2400" dirty="0" err="1"/>
-              <a:t>StepsEq</a:t>
-            </a:r>
-            <a:endParaRPr lang="en-US" sz="2400" dirty="0"/>
-          </a:p>
-        </p:txBody>
-      </p:sp>
-      <p:sp>
-        <p:nvSpPr>
-          <p:cNvPr id="24" name="TextBox 23">
-            <a:extLst>
-              <a:ext uri="{FF2B5EF4-FFF2-40B4-BE49-F238E27FC236}">
-                <a16:creationId xmlns:a16="http://schemas.microsoft.com/office/drawing/2014/main" id="{F6399150-BF16-4A43-AB7C-0DBF358DB4A6}"/>
-              </a:ext>
-            </a:extLst>
-          </p:cNvPr>
-          <p:cNvSpPr txBox="1"/>
-          <p:nvPr/>
-        </p:nvSpPr>
-        <p:spPr>
-          <a:xfrm>
-            <a:off x="2572903" y="5045820"/>
-            <a:ext cx="1331108" cy="461665"/>
-          </a:xfrm>
-          <a:prstGeom prst="rect">
-            <a:avLst/>
-          </a:prstGeom>
-          <a:noFill/>
-        </p:spPr>
-        <p:txBody>
-          <a:bodyPr wrap="square" rtlCol="0">
-            <a:spAutoFit/>
-          </a:bodyPr>
-          <a:lstStyle/>
-          <a:p>
-            <a:r>
-              <a:rPr lang="en-US" sz="2400" dirty="0"/>
-              <a:t>e1 =</a:t>
-            </a:r>
             <a:r>
               <a:rPr lang="en-US" sz="2400" b="0" i="0" dirty="0">
                 <a:solidFill>
@@ -17878,64 +18348,26 @@
                 </a:solidFill>
                 <a:effectLst/>
               </a:rPr>
-              <a:t> </a:t>
-            </a:r>
-            <a:r>
-              <a:rPr lang="en-US" sz="2400" dirty="0">
-                <a:solidFill>
-                  <a:srgbClr val="202122"/>
-                </a:solidFill>
-              </a:rPr>
-              <a:t>e2</a:t>
-            </a:r>
-            <a:endParaRPr lang="en-US" sz="2400" dirty="0"/>
-          </a:p>
-        </p:txBody>
-      </p:sp>
-      <p:sp>
-        <p:nvSpPr>
-          <p:cNvPr id="25" name="TextBox 24">
-            <a:extLst>
-              <a:ext uri="{FF2B5EF4-FFF2-40B4-BE49-F238E27FC236}">
-                <a16:creationId xmlns:a16="http://schemas.microsoft.com/office/drawing/2014/main" id="{CCAA7A14-A7F6-4EDE-820E-0C45EDB0B5CE}"/>
-              </a:ext>
-            </a:extLst>
-          </p:cNvPr>
-          <p:cNvSpPr txBox="1"/>
-          <p:nvPr/>
-        </p:nvSpPr>
-        <p:spPr>
-          <a:xfrm>
-            <a:off x="2453340" y="4578227"/>
-            <a:ext cx="1685938" cy="830997"/>
-          </a:xfrm>
-          <a:prstGeom prst="rect">
-            <a:avLst/>
-          </a:prstGeom>
-          <a:noFill/>
-        </p:spPr>
-        <p:txBody>
-          <a:bodyPr wrap="square" rtlCol="0">
-            <a:spAutoFit/>
-          </a:bodyPr>
-          <a:lstStyle/>
-          <a:p>
-            <a:r>
-              <a:rPr lang="en-US" sz="2400" dirty="0"/>
-              <a:t>e1 </a:t>
-            </a:r>
-            <a:r>
-              <a:rPr lang="en-US" sz="2400" b="0" i="0" dirty="0">
+              <a:t>(</a:t>
+            </a:r>
+            <a:r>
+              <a:rPr lang="en-US" sz="2400" b="0" i="0" dirty="0" err="1">
                 <a:solidFill>
                   <a:srgbClr val="202122"/>
                 </a:solidFill>
                 <a:effectLst/>
               </a:rPr>
-              <a:t>⟼* e2</a:t>
-            </a:r>
-            <a:endParaRPr lang="en-US" sz="2400" dirty="0"/>
-          </a:p>
-          <a:p>
+              <a:t>E’,e</a:t>
+            </a:r>
+            <a:r>
+              <a:rPr lang="en-US" sz="2400" b="0" i="0" dirty="0">
+                <a:solidFill>
+                  <a:srgbClr val="202122"/>
+                </a:solidFill>
+                <a:effectLst/>
+              </a:rPr>
+              <a:t>’) ⟼* (E’’, e’’) </a:t>
+            </a:r>
             <a:endParaRPr lang="en-US" sz="2400" dirty="0"/>
           </a:p>
         </p:txBody>
@@ -17943,7 +18375,7 @@
     </p:spTree>
     <p:extLst>
       <p:ext uri="{BB962C8B-B14F-4D97-AF65-F5344CB8AC3E}">
-        <p14:creationId xmlns:p14="http://schemas.microsoft.com/office/powerpoint/2010/main" val="3736767748"/>
+        <p14:creationId xmlns:p14="http://schemas.microsoft.com/office/powerpoint/2010/main" val="3476126577"/>
       </p:ext>
     </p:extLst>
   </p:cSld>
@@ -18073,7 +18505,7 @@
           <p:cNvPr id="2" name="Title 1">
             <a:extLst>
               <a:ext uri="{FF2B5EF4-FFF2-40B4-BE49-F238E27FC236}">
-                <a16:creationId xmlns:a16="http://schemas.microsoft.com/office/drawing/2014/main" id="{7C1C8F46-178C-4ED2-BCFC-2C0CCBE1F589}"/>
+                <a16:creationId xmlns:a16="http://schemas.microsoft.com/office/drawing/2014/main" id="{A0EE67DF-C4E1-4C1A-BDE8-B2709C89A5DF}"/>
               </a:ext>
             </a:extLst>
           </p:cNvPr>
@@ -18091,87 +18523,8 @@
           <a:p>
             <a:r>
               <a:rPr lang="en-US" dirty="0"/>
-              <a:t>How Do I “Use” the Rules?</a:t>
-            </a:r>
-          </a:p>
-        </p:txBody>
-      </p:sp>
-      <p:sp>
-        <p:nvSpPr>
-          <p:cNvPr id="3" name="Content Placeholder 2">
-            <a:extLst>
-              <a:ext uri="{FF2B5EF4-FFF2-40B4-BE49-F238E27FC236}">
-                <a16:creationId xmlns:a16="http://schemas.microsoft.com/office/drawing/2014/main" id="{844D12B6-44AF-46B5-9CA8-524F5B800148}"/>
-              </a:ext>
-            </a:extLst>
-          </p:cNvPr>
-          <p:cNvSpPr>
-            <a:spLocks noGrp="1"/>
-          </p:cNvSpPr>
-          <p:nvPr>
-            <p:ph idx="1"/>
-          </p:nvPr>
-        </p:nvSpPr>
-        <p:spPr>
-          <a:xfrm>
-            <a:off x="838200" y="1825625"/>
-            <a:ext cx="10515600" cy="1603375"/>
-          </a:xfrm>
-        </p:spPr>
-        <p:txBody>
-          <a:bodyPr>
-            <a:normAutofit lnSpcReduction="10000"/>
-          </a:bodyPr>
-          <a:lstStyle/>
-          <a:p>
-            <a:r>
-              <a:rPr lang="en-US" b="1" dirty="0"/>
-              <a:t>For future reference:</a:t>
-            </a:r>
-            <a:r>
-              <a:rPr lang="en-US" dirty="0"/>
-              <a:t> When we “prove” a judgement, we can write all the rule applications in a tree</a:t>
-            </a:r>
-          </a:p>
-          <a:p>
-            <a:pPr lvl="1"/>
-            <a:r>
-              <a:rPr lang="en-US" dirty="0"/>
-              <a:t>It is common to use trees for </a:t>
-            </a:r>
-            <a:r>
-              <a:rPr lang="en-US" b="1" dirty="0"/>
-              <a:t>type checking</a:t>
-            </a:r>
-            <a:r>
-              <a:rPr lang="en-US" dirty="0"/>
-              <a:t> and </a:t>
-            </a:r>
-            <a:r>
-              <a:rPr lang="en-US" b="1" dirty="0"/>
-              <a:t>proofs</a:t>
-            </a:r>
-            <a:endParaRPr lang="en-US" dirty="0"/>
-          </a:p>
-          <a:p>
-            <a:pPr lvl="1"/>
-            <a:r>
-              <a:rPr lang="en-US" dirty="0"/>
-              <a:t>As example will show, tree notation is usually </a:t>
-            </a:r>
-            <a:r>
-              <a:rPr lang="en-US" b="1" dirty="0"/>
-              <a:t>too gross</a:t>
-            </a:r>
-            <a:r>
-              <a:rPr lang="en-US" dirty="0"/>
-              <a:t> for </a:t>
-            </a:r>
-            <a:r>
-              <a:rPr lang="en-US" b="1" dirty="0"/>
-              <a:t>execution</a:t>
-            </a:r>
-            <a:endParaRPr lang="en-US" dirty="0"/>
+              <a:t>The Example</a:t>
+            </a:r>
           </a:p>
         </p:txBody>
       </p:sp>
@@ -18180,19 +18533,20 @@
           <p:cNvPr id="4" name="Straight Connector 3">
             <a:extLst>
               <a:ext uri="{FF2B5EF4-FFF2-40B4-BE49-F238E27FC236}">
-                <a16:creationId xmlns:a16="http://schemas.microsoft.com/office/drawing/2014/main" id="{54892C4C-9541-45F5-852B-1AA72E98FA22}"/>
+                <a16:creationId xmlns:a16="http://schemas.microsoft.com/office/drawing/2014/main" id="{AC5F97AB-457B-4B2E-859E-9EA423D5E10B}"/>
               </a:ext>
             </a:extLst>
           </p:cNvPr>
           <p:cNvCxnSpPr>
             <a:cxnSpLocks/>
+            <a:stCxn id="5" idx="3"/>
           </p:cNvCxnSpPr>
           <p:nvPr/>
         </p:nvCxnSpPr>
         <p:spPr>
-          <a:xfrm>
-            <a:off x="1149037" y="4411340"/>
-            <a:ext cx="1673118" cy="0"/>
+          <a:xfrm flipV="1">
+            <a:off x="2489810" y="3218673"/>
+            <a:ext cx="9313570" cy="15773"/>
           </a:xfrm>
           <a:prstGeom prst="line">
             <a:avLst/>
@@ -18223,7 +18577,7 @@
           <p:cNvPr id="5" name="TextBox 4">
             <a:extLst>
               <a:ext uri="{FF2B5EF4-FFF2-40B4-BE49-F238E27FC236}">
-                <a16:creationId xmlns:a16="http://schemas.microsoft.com/office/drawing/2014/main" id="{C7B8CBBC-1820-4DB1-B334-25C84B974DE9}"/>
+                <a16:creationId xmlns:a16="http://schemas.microsoft.com/office/drawing/2014/main" id="{DCDFD032-881F-4140-A8C9-C71DCAE075FF}"/>
               </a:ext>
             </a:extLst>
           </p:cNvPr>
@@ -18232,8 +18586,8 @@
         </p:nvSpPr>
         <p:spPr>
           <a:xfrm>
-            <a:off x="1097280" y="3496627"/>
-            <a:ext cx="1679873" cy="461665"/>
+            <a:off x="937260" y="3003613"/>
+            <a:ext cx="1552550" cy="461665"/>
           </a:xfrm>
           <a:prstGeom prst="rect">
             <a:avLst/>
@@ -18248,7 +18602,7 @@
           <a:p>
             <a:r>
               <a:rPr lang="en-US" sz="2400" dirty="0" err="1"/>
-              <a:t>StepsZero</a:t>
+              <a:t>StepsOne</a:t>
             </a:r>
             <a:endParaRPr lang="en-US" sz="2400" dirty="0"/>
           </a:p>
@@ -18259,7 +18613,7 @@
           <p:cNvPr id="6" name="TextBox 5">
             <a:extLst>
               <a:ext uri="{FF2B5EF4-FFF2-40B4-BE49-F238E27FC236}">
-                <a16:creationId xmlns:a16="http://schemas.microsoft.com/office/drawing/2014/main" id="{8163B669-D746-45C3-8F61-71350F9C183C}"/>
+                <a16:creationId xmlns:a16="http://schemas.microsoft.com/office/drawing/2014/main" id="{7A06F5BB-DB8A-408F-B898-8CAF72E06E1F}"/>
               </a:ext>
             </a:extLst>
           </p:cNvPr>
@@ -18268,8 +18622,8 @@
         </p:nvSpPr>
         <p:spPr>
           <a:xfrm>
-            <a:off x="1142282" y="4470450"/>
-            <a:ext cx="2126011" cy="461665"/>
+            <a:off x="5238725" y="3261573"/>
+            <a:ext cx="2883386" cy="461665"/>
           </a:xfrm>
           <a:prstGeom prst="rect">
             <a:avLst/>
@@ -18284,15 +18638,7 @@
           <a:p>
             <a:r>
               <a:rPr lang="en-US" sz="2400" dirty="0"/>
-              <a:t>(</a:t>
-            </a:r>
-            <a:r>
-              <a:rPr lang="en-US" sz="2400" dirty="0" err="1"/>
-              <a:t>E,e</a:t>
-            </a:r>
-            <a:r>
-              <a:rPr lang="en-US" sz="2400" dirty="0"/>
-              <a:t>) </a:t>
+              <a:t>(1 + 2) + 3 </a:t>
             </a:r>
             <a:r>
               <a:rPr lang="en-US" sz="2400" b="0" i="0" dirty="0">
@@ -18301,32 +18647,7 @@
                 </a:solidFill>
                 <a:effectLst/>
               </a:rPr>
-              <a:t>⟼* (</a:t>
-            </a:r>
-            <a:r>
-              <a:rPr lang="en-US" sz="2400" dirty="0" err="1">
-                <a:solidFill>
-                  <a:srgbClr val="202122"/>
-                </a:solidFill>
-              </a:rPr>
-              <a:t>E,</a:t>
-            </a:r>
-            <a:r>
-              <a:rPr lang="en-US" sz="2400" b="0" i="0" dirty="0" err="1">
-                <a:solidFill>
-                  <a:srgbClr val="202122"/>
-                </a:solidFill>
-                <a:effectLst/>
-              </a:rPr>
-              <a:t>e</a:t>
-            </a:r>
-            <a:r>
-              <a:rPr lang="en-US" sz="2400" dirty="0">
-                <a:solidFill>
-                  <a:srgbClr val="202122"/>
-                </a:solidFill>
-              </a:rPr>
-              <a:t>)</a:t>
+              <a:t>⟼* 6</a:t>
             </a:r>
             <a:endParaRPr lang="en-US" sz="2400" dirty="0"/>
           </a:p>
@@ -18337,7 +18658,7 @@
           <p:cNvPr id="7" name="TextBox 6">
             <a:extLst>
               <a:ext uri="{FF2B5EF4-FFF2-40B4-BE49-F238E27FC236}">
-                <a16:creationId xmlns:a16="http://schemas.microsoft.com/office/drawing/2014/main" id="{E3364278-E1C6-40F9-9F1E-5BDDF6CCCA54}"/>
+                <a16:creationId xmlns:a16="http://schemas.microsoft.com/office/drawing/2014/main" id="{8D21B339-7535-4346-B82A-C0196B5DB08D}"/>
               </a:ext>
             </a:extLst>
           </p:cNvPr>
@@ -18346,8 +18667,8 @@
         </p:nvSpPr>
         <p:spPr>
           <a:xfrm>
-            <a:off x="1711578" y="3949675"/>
-            <a:ext cx="1866408" cy="461665"/>
+            <a:off x="2080135" y="2741503"/>
+            <a:ext cx="8887870" cy="461665"/>
           </a:xfrm>
           <a:prstGeom prst="rect">
             <a:avLst/>
@@ -18362,8 +18683,44 @@
           <a:p>
             <a:r>
               <a:rPr lang="en-US" sz="2400" dirty="0"/>
-              <a:t>*</a:t>
-            </a:r>
+              <a:t>  (1 + 2) + 3</a:t>
+            </a:r>
+            <a:r>
+              <a:rPr lang="en-US" sz="2400" b="0" i="0" dirty="0">
+                <a:solidFill>
+                  <a:srgbClr val="202122"/>
+                </a:solidFill>
+                <a:effectLst/>
+              </a:rPr>
+              <a:t> ⟼ </a:t>
+            </a:r>
+            <a:r>
+              <a:rPr lang="en-US" sz="2400" dirty="0"/>
+              <a:t> 3 + 3</a:t>
+            </a:r>
+            <a:r>
+              <a:rPr lang="en-US" sz="2400" b="0" i="0" dirty="0">
+                <a:solidFill>
+                  <a:srgbClr val="202122"/>
+                </a:solidFill>
+                <a:effectLst/>
+              </a:rPr>
+              <a:t>                                                    </a:t>
+            </a:r>
+            <a:r>
+              <a:rPr lang="en-US" sz="2400" dirty="0"/>
+              <a:t>3 + 3</a:t>
+            </a:r>
+            <a:r>
+              <a:rPr lang="en-US" sz="2400" b="0" i="0" dirty="0">
+                <a:solidFill>
+                  <a:srgbClr val="202122"/>
+                </a:solidFill>
+                <a:effectLst/>
+              </a:rPr>
+              <a:t> ⟼* 6</a:t>
+            </a:r>
+            <a:endParaRPr lang="en-US" sz="2400" dirty="0"/>
           </a:p>
         </p:txBody>
       </p:sp>
@@ -18372,7 +18729,7 @@
           <p:cNvPr id="8" name="Straight Connector 7">
             <a:extLst>
               <a:ext uri="{FF2B5EF4-FFF2-40B4-BE49-F238E27FC236}">
-                <a16:creationId xmlns:a16="http://schemas.microsoft.com/office/drawing/2014/main" id="{60E429B3-D318-4DB4-A343-32AC46F04802}"/>
+                <a16:creationId xmlns:a16="http://schemas.microsoft.com/office/drawing/2014/main" id="{2D96E8BA-64BF-49DF-A55D-500A2A3483D5}"/>
               </a:ext>
             </a:extLst>
           </p:cNvPr>
@@ -18382,9 +18739,9 @@
           <p:nvPr/>
         </p:nvCxnSpPr>
         <p:spPr>
-          <a:xfrm>
-            <a:off x="4716054" y="4833040"/>
-            <a:ext cx="2414584" cy="0"/>
+          <a:xfrm flipV="1">
+            <a:off x="2246750" y="2720058"/>
+            <a:ext cx="2427052" cy="4583"/>
           </a:xfrm>
           <a:prstGeom prst="line">
             <a:avLst/>
@@ -18415,7 +18772,7 @@
           <p:cNvPr id="9" name="TextBox 8">
             <a:extLst>
               <a:ext uri="{FF2B5EF4-FFF2-40B4-BE49-F238E27FC236}">
-                <a16:creationId xmlns:a16="http://schemas.microsoft.com/office/drawing/2014/main" id="{CB361756-443D-40AC-BC28-EED49F63FCB1}"/>
+                <a16:creationId xmlns:a16="http://schemas.microsoft.com/office/drawing/2014/main" id="{B852703B-8ABD-4B1A-8B18-A4FB1CB20687}"/>
               </a:ext>
             </a:extLst>
           </p:cNvPr>
@@ -18424,8 +18781,8 @@
         </p:nvSpPr>
         <p:spPr>
           <a:xfrm>
-            <a:off x="4716054" y="3542943"/>
-            <a:ext cx="1679873" cy="461665"/>
+            <a:off x="812163" y="2529697"/>
+            <a:ext cx="1421190" cy="461649"/>
           </a:xfrm>
           <a:prstGeom prst="rect">
             <a:avLst/>
@@ -18439,10 +18796,9 @@
           <a:lstStyle/>
           <a:p>
             <a:r>
-              <a:rPr lang="en-US" sz="2400" dirty="0" err="1"/>
-              <a:t>StepsOne</a:t>
-            </a:r>
-            <a:endParaRPr lang="en-US" sz="2400" dirty="0"/>
+              <a:rPr lang="en-US" sz="2400" dirty="0"/>
+              <a:t>StepOpS1</a:t>
+            </a:r>
           </a:p>
         </p:txBody>
       </p:sp>
@@ -18451,7 +18807,7 @@
           <p:cNvPr id="10" name="TextBox 9">
             <a:extLst>
               <a:ext uri="{FF2B5EF4-FFF2-40B4-BE49-F238E27FC236}">
-                <a16:creationId xmlns:a16="http://schemas.microsoft.com/office/drawing/2014/main" id="{41D0483D-1D96-4F36-B297-DC3DAFDB528E}"/>
+                <a16:creationId xmlns:a16="http://schemas.microsoft.com/office/drawing/2014/main" id="{DE96CF56-2FFC-4DE5-B3D3-85DD40677198}"/>
               </a:ext>
             </a:extLst>
           </p:cNvPr>
@@ -18460,8 +18816,8 @@
         </p:nvSpPr>
         <p:spPr>
           <a:xfrm>
-            <a:off x="4846605" y="4833040"/>
-            <a:ext cx="2735295" cy="461665"/>
+            <a:off x="1522758" y="2266400"/>
+            <a:ext cx="7654227" cy="461665"/>
           </a:xfrm>
           <a:prstGeom prst="rect">
             <a:avLst/>
@@ -18469,22 +18825,14 @@
           <a:noFill/>
         </p:spPr>
         <p:txBody>
-          <a:bodyPr wrap="square" rtlCol="0">
+          <a:bodyPr wrap="square">
             <a:spAutoFit/>
           </a:bodyPr>
           <a:lstStyle/>
           <a:p>
             <a:r>
               <a:rPr lang="en-US" sz="2400" dirty="0"/>
-              <a:t>(</a:t>
-            </a:r>
-            <a:r>
-              <a:rPr lang="en-US" sz="2400" dirty="0" err="1"/>
-              <a:t>E,e</a:t>
-            </a:r>
-            <a:r>
-              <a:rPr lang="en-US" sz="2400" dirty="0"/>
-              <a:t>) </a:t>
+              <a:t>                 1 + 2</a:t>
             </a:r>
             <a:r>
               <a:rPr lang="en-US" sz="2400" b="0" i="0" dirty="0">
@@ -18493,36 +18841,61 @@
                 </a:solidFill>
                 <a:effectLst/>
               </a:rPr>
-              <a:t>⟼* (</a:t>
-            </a:r>
-            <a:r>
-              <a:rPr lang="en-US" sz="2400" b="0" i="0" dirty="0" err="1">
-                <a:solidFill>
-                  <a:srgbClr val="202122"/>
-                </a:solidFill>
-                <a:effectLst/>
-              </a:rPr>
-              <a:t>E’’,e</a:t>
-            </a:r>
-            <a:r>
-              <a:rPr lang="en-US" sz="2400" b="0" i="0" dirty="0">
-                <a:solidFill>
-                  <a:srgbClr val="202122"/>
-                </a:solidFill>
-                <a:effectLst/>
-              </a:rPr>
-              <a:t>’’)</a:t>
+              <a:t> ⟼ 3</a:t>
             </a:r>
             <a:endParaRPr lang="en-US" sz="2400" dirty="0"/>
           </a:p>
         </p:txBody>
       </p:sp>
-      <p:sp>
-        <p:nvSpPr>
-          <p:cNvPr id="11" name="TextBox 10">
-            <a:extLst>
-              <a:ext uri="{FF2B5EF4-FFF2-40B4-BE49-F238E27FC236}">
-                <a16:creationId xmlns:a16="http://schemas.microsoft.com/office/drawing/2014/main" id="{CFD06B96-0B0B-4C59-BC94-575DB9D62D69}"/>
+      <p:cxnSp>
+        <p:nvCxnSpPr>
+          <p:cNvPr id="11" name="Straight Connector 10">
+            <a:extLst>
+              <a:ext uri="{FF2B5EF4-FFF2-40B4-BE49-F238E27FC236}">
+                <a16:creationId xmlns:a16="http://schemas.microsoft.com/office/drawing/2014/main" id="{D875418C-7F72-4552-94C6-3BC3014488E3}"/>
+              </a:ext>
+            </a:extLst>
+          </p:cNvPr>
+          <p:cNvCxnSpPr>
+            <a:cxnSpLocks/>
+          </p:cNvCxnSpPr>
+          <p:nvPr/>
+        </p:nvCxnSpPr>
+        <p:spPr>
+          <a:xfrm>
+            <a:off x="2246750" y="2204949"/>
+            <a:ext cx="2299349" cy="0"/>
+          </a:xfrm>
+          <a:prstGeom prst="line">
+            <a:avLst/>
+          </a:prstGeom>
+          <a:ln w="28575">
+            <a:solidFill>
+              <a:schemeClr val="tx1"/>
+            </a:solidFill>
+          </a:ln>
+        </p:spPr>
+        <p:style>
+          <a:lnRef idx="1">
+            <a:schemeClr val="dk1"/>
+          </a:lnRef>
+          <a:fillRef idx="0">
+            <a:schemeClr val="dk1"/>
+          </a:fillRef>
+          <a:effectRef idx="0">
+            <a:schemeClr val="dk1"/>
+          </a:effectRef>
+          <a:fontRef idx="minor">
+            <a:schemeClr val="tx1"/>
+          </a:fontRef>
+        </p:style>
+      </p:cxnSp>
+      <p:sp>
+        <p:nvSpPr>
+          <p:cNvPr id="12" name="TextBox 11">
+            <a:extLst>
+              <a:ext uri="{FF2B5EF4-FFF2-40B4-BE49-F238E27FC236}">
+                <a16:creationId xmlns:a16="http://schemas.microsoft.com/office/drawing/2014/main" id="{C1D17837-47F0-4D7B-BB2A-36350E8FDD60}"/>
               </a:ext>
             </a:extLst>
           </p:cNvPr>
@@ -18531,8 +18904,8 @@
         </p:nvSpPr>
         <p:spPr>
           <a:xfrm>
-            <a:off x="4716054" y="4002043"/>
-            <a:ext cx="3291760" cy="830997"/>
+            <a:off x="3327919" y="1777059"/>
+            <a:ext cx="425093" cy="461665"/>
           </a:xfrm>
           <a:prstGeom prst="rect">
             <a:avLst/>
@@ -18547,15 +18920,157 @@
           <a:p>
             <a:r>
               <a:rPr lang="en-US" sz="2400" dirty="0"/>
-              <a:t>(</a:t>
-            </a:r>
+              <a:t>*</a:t>
+            </a:r>
+          </a:p>
+        </p:txBody>
+      </p:sp>
+      <p:sp>
+        <p:nvSpPr>
+          <p:cNvPr id="13" name="TextBox 12">
+            <a:extLst>
+              <a:ext uri="{FF2B5EF4-FFF2-40B4-BE49-F238E27FC236}">
+                <a16:creationId xmlns:a16="http://schemas.microsoft.com/office/drawing/2014/main" id="{327AC6E0-5A51-4565-9879-741E9F10C70D}"/>
+              </a:ext>
+            </a:extLst>
+          </p:cNvPr>
+          <p:cNvSpPr txBox="1"/>
+          <p:nvPr/>
+        </p:nvSpPr>
+        <p:spPr>
+          <a:xfrm>
+            <a:off x="937260" y="1960185"/>
+            <a:ext cx="1552550" cy="461665"/>
+          </a:xfrm>
+          <a:prstGeom prst="rect">
+            <a:avLst/>
+          </a:prstGeom>
+          <a:noFill/>
+        </p:spPr>
+        <p:txBody>
+          <a:bodyPr wrap="square" rtlCol="0">
+            <a:spAutoFit/>
+          </a:bodyPr>
+          <a:lstStyle/>
+          <a:p>
             <a:r>
               <a:rPr lang="en-US" sz="2400" dirty="0" err="1"/>
-              <a:t>E,e</a:t>
-            </a:r>
+              <a:t>BetaOp</a:t>
+            </a:r>
+            <a:endParaRPr lang="en-US" sz="2400" dirty="0"/>
+          </a:p>
+        </p:txBody>
+      </p:sp>
+      <p:cxnSp>
+        <p:nvCxnSpPr>
+          <p:cNvPr id="14" name="Straight Connector 13">
+            <a:extLst>
+              <a:ext uri="{FF2B5EF4-FFF2-40B4-BE49-F238E27FC236}">
+                <a16:creationId xmlns:a16="http://schemas.microsoft.com/office/drawing/2014/main" id="{B1409816-3A30-4E8C-AD35-E5A228EB2F93}"/>
+              </a:ext>
+            </a:extLst>
+          </p:cNvPr>
+          <p:cNvCxnSpPr>
+            <a:cxnSpLocks/>
+          </p:cNvCxnSpPr>
+          <p:nvPr/>
+        </p:nvCxnSpPr>
+        <p:spPr>
+          <a:xfrm flipV="1">
+            <a:off x="6449278" y="2713868"/>
+            <a:ext cx="5247422" cy="8482"/>
+          </a:xfrm>
+          <a:prstGeom prst="line">
+            <a:avLst/>
+          </a:prstGeom>
+          <a:ln w="28575">
+            <a:solidFill>
+              <a:schemeClr val="tx1"/>
+            </a:solidFill>
+          </a:ln>
+        </p:spPr>
+        <p:style>
+          <a:lnRef idx="1">
+            <a:schemeClr val="dk1"/>
+          </a:lnRef>
+          <a:fillRef idx="0">
+            <a:schemeClr val="dk1"/>
+          </a:fillRef>
+          <a:effectRef idx="0">
+            <a:schemeClr val="dk1"/>
+          </a:effectRef>
+          <a:fontRef idx="minor">
+            <a:schemeClr val="tx1"/>
+          </a:fontRef>
+        </p:style>
+      </p:cxnSp>
+      <p:sp>
+        <p:nvSpPr>
+          <p:cNvPr id="15" name="TextBox 14">
+            <a:extLst>
+              <a:ext uri="{FF2B5EF4-FFF2-40B4-BE49-F238E27FC236}">
+                <a16:creationId xmlns:a16="http://schemas.microsoft.com/office/drawing/2014/main" id="{2A412736-9573-46B8-AAB0-EEBEDFB82854}"/>
+              </a:ext>
+            </a:extLst>
+          </p:cNvPr>
+          <p:cNvSpPr txBox="1"/>
+          <p:nvPr/>
+        </p:nvSpPr>
+        <p:spPr>
+          <a:xfrm>
+            <a:off x="4943537" y="2454246"/>
+            <a:ext cx="1552550" cy="461665"/>
+          </a:xfrm>
+          <a:prstGeom prst="rect">
+            <a:avLst/>
+          </a:prstGeom>
+          <a:noFill/>
+        </p:spPr>
+        <p:txBody>
+          <a:bodyPr wrap="square" rtlCol="0">
+            <a:spAutoFit/>
+          </a:bodyPr>
+          <a:lstStyle/>
+          <a:p>
+            <a:r>
+              <a:rPr lang="en-US" sz="2400" dirty="0" err="1"/>
+              <a:t>StepsOne</a:t>
+            </a:r>
+            <a:endParaRPr lang="en-US" sz="2400" dirty="0"/>
+          </a:p>
+        </p:txBody>
+      </p:sp>
+      <p:sp>
+        <p:nvSpPr>
+          <p:cNvPr id="16" name="TextBox 15">
+            <a:extLst>
+              <a:ext uri="{FF2B5EF4-FFF2-40B4-BE49-F238E27FC236}">
+                <a16:creationId xmlns:a16="http://schemas.microsoft.com/office/drawing/2014/main" id="{AC009F37-9A13-4CCB-A7B3-0D220E915750}"/>
+              </a:ext>
+            </a:extLst>
+          </p:cNvPr>
+          <p:cNvSpPr txBox="1"/>
+          <p:nvPr/>
+        </p:nvSpPr>
+        <p:spPr>
+          <a:xfrm>
+            <a:off x="6347793" y="2268013"/>
+            <a:ext cx="2079982" cy="461665"/>
+          </a:xfrm>
+          <a:prstGeom prst="rect">
+            <a:avLst/>
+          </a:prstGeom>
+          <a:noFill/>
+        </p:spPr>
+        <p:txBody>
+          <a:bodyPr wrap="square">
+            <a:spAutoFit/>
+          </a:bodyPr>
+          <a:lstStyle/>
+          <a:p>
             <a:r>
               <a:rPr lang="en-US" sz="2400" dirty="0"/>
-              <a:t>)</a:t>
+              <a:t>3 + 3 </a:t>
             </a:r>
             <a:r>
               <a:rPr lang="en-US" sz="2400" b="0" i="0" dirty="0">
@@ -18564,60 +19079,276 @@
                 </a:solidFill>
                 <a:effectLst/>
               </a:rPr>
-              <a:t> ⟼ (</a:t>
-            </a:r>
-            <a:r>
-              <a:rPr lang="en-US" sz="2400" b="0" i="0" dirty="0" err="1">
+              <a:t>⟼ 6</a:t>
+            </a:r>
+            <a:endParaRPr lang="en-US" sz="2400" dirty="0"/>
+          </a:p>
+        </p:txBody>
+      </p:sp>
+      <p:cxnSp>
+        <p:nvCxnSpPr>
+          <p:cNvPr id="17" name="Straight Connector 16">
+            <a:extLst>
+              <a:ext uri="{FF2B5EF4-FFF2-40B4-BE49-F238E27FC236}">
+                <a16:creationId xmlns:a16="http://schemas.microsoft.com/office/drawing/2014/main" id="{A4995F36-E789-4E1E-AE87-64712544111A}"/>
+              </a:ext>
+            </a:extLst>
+          </p:cNvPr>
+          <p:cNvCxnSpPr>
+            <a:cxnSpLocks/>
+          </p:cNvCxnSpPr>
+          <p:nvPr/>
+        </p:nvCxnSpPr>
+        <p:spPr>
+          <a:xfrm>
+            <a:off x="6359394" y="2283412"/>
+            <a:ext cx="1762717" cy="0"/>
+          </a:xfrm>
+          <a:prstGeom prst="line">
+            <a:avLst/>
+          </a:prstGeom>
+          <a:ln w="28575">
+            <a:solidFill>
+              <a:schemeClr val="tx1"/>
+            </a:solidFill>
+          </a:ln>
+        </p:spPr>
+        <p:style>
+          <a:lnRef idx="1">
+            <a:schemeClr val="dk1"/>
+          </a:lnRef>
+          <a:fillRef idx="0">
+            <a:schemeClr val="dk1"/>
+          </a:fillRef>
+          <a:effectRef idx="0">
+            <a:schemeClr val="dk1"/>
+          </a:effectRef>
+          <a:fontRef idx="minor">
+            <a:schemeClr val="tx1"/>
+          </a:fontRef>
+        </p:style>
+      </p:cxnSp>
+      <p:sp>
+        <p:nvSpPr>
+          <p:cNvPr id="18" name="TextBox 17">
+            <a:extLst>
+              <a:ext uri="{FF2B5EF4-FFF2-40B4-BE49-F238E27FC236}">
+                <a16:creationId xmlns:a16="http://schemas.microsoft.com/office/drawing/2014/main" id="{7CEC22D1-3B57-46B4-AA5D-68F906054331}"/>
+              </a:ext>
+            </a:extLst>
+          </p:cNvPr>
+          <p:cNvSpPr txBox="1"/>
+          <p:nvPr/>
+        </p:nvSpPr>
+        <p:spPr>
+          <a:xfrm>
+            <a:off x="7083568" y="1832257"/>
+            <a:ext cx="425093" cy="461665"/>
+          </a:xfrm>
+          <a:prstGeom prst="rect">
+            <a:avLst/>
+          </a:prstGeom>
+          <a:noFill/>
+        </p:spPr>
+        <p:txBody>
+          <a:bodyPr wrap="square" rtlCol="0">
+            <a:spAutoFit/>
+          </a:bodyPr>
+          <a:lstStyle/>
+          <a:p>
+            <a:r>
+              <a:rPr lang="en-US" sz="2400" dirty="0"/>
+              <a:t>*</a:t>
+            </a:r>
+          </a:p>
+        </p:txBody>
+      </p:sp>
+      <p:sp>
+        <p:nvSpPr>
+          <p:cNvPr id="19" name="TextBox 18">
+            <a:extLst>
+              <a:ext uri="{FF2B5EF4-FFF2-40B4-BE49-F238E27FC236}">
+                <a16:creationId xmlns:a16="http://schemas.microsoft.com/office/drawing/2014/main" id="{A75A7C0F-683D-40E2-8B92-E6129D0AB3DC}"/>
+              </a:ext>
+            </a:extLst>
+          </p:cNvPr>
+          <p:cNvSpPr txBox="1"/>
+          <p:nvPr/>
+        </p:nvSpPr>
+        <p:spPr>
+          <a:xfrm>
+            <a:off x="5101572" y="2012614"/>
+            <a:ext cx="1552550" cy="461665"/>
+          </a:xfrm>
+          <a:prstGeom prst="rect">
+            <a:avLst/>
+          </a:prstGeom>
+          <a:noFill/>
+        </p:spPr>
+        <p:txBody>
+          <a:bodyPr wrap="square" rtlCol="0">
+            <a:spAutoFit/>
+          </a:bodyPr>
+          <a:lstStyle/>
+          <a:p>
+            <a:r>
+              <a:rPr lang="en-US" sz="2400" dirty="0" err="1"/>
+              <a:t>BetaOp</a:t>
+            </a:r>
+            <a:endParaRPr lang="en-US" sz="2400" dirty="0"/>
+          </a:p>
+        </p:txBody>
+      </p:sp>
+      <p:sp>
+        <p:nvSpPr>
+          <p:cNvPr id="20" name="TextBox 19">
+            <a:extLst>
+              <a:ext uri="{FF2B5EF4-FFF2-40B4-BE49-F238E27FC236}">
+                <a16:creationId xmlns:a16="http://schemas.microsoft.com/office/drawing/2014/main" id="{DD509BFE-5BE8-487F-B9FF-2558973ED07B}"/>
+              </a:ext>
+            </a:extLst>
+          </p:cNvPr>
+          <p:cNvSpPr txBox="1"/>
+          <p:nvPr/>
+        </p:nvSpPr>
+        <p:spPr>
+          <a:xfrm>
+            <a:off x="10278811" y="2269453"/>
+            <a:ext cx="1235839" cy="461665"/>
+          </a:xfrm>
+          <a:prstGeom prst="rect">
+            <a:avLst/>
+          </a:prstGeom>
+          <a:noFill/>
+        </p:spPr>
+        <p:txBody>
+          <a:bodyPr wrap="square">
+            <a:spAutoFit/>
+          </a:bodyPr>
+          <a:lstStyle/>
+          <a:p>
+            <a:r>
+              <a:rPr lang="en-US" sz="2400" b="0" i="0" dirty="0">
                 <a:solidFill>
                   <a:srgbClr val="202122"/>
                 </a:solidFill>
                 <a:effectLst/>
               </a:rPr>
-              <a:t>E’,e</a:t>
-            </a:r>
-            <a:r>
-              <a:rPr lang="en-US" sz="2400" b="0" i="0" dirty="0">
-                <a:solidFill>
-                  <a:srgbClr val="202122"/>
-                </a:solidFill>
-                <a:effectLst/>
-              </a:rPr>
-              <a:t>’)</a:t>
-            </a:r>
-            <a:br>
-              <a:rPr lang="en-US" sz="2400" b="0" i="0" dirty="0">
-                <a:solidFill>
-                  <a:srgbClr val="202122"/>
-                </a:solidFill>
-                <a:effectLst/>
-              </a:rPr>
-            </a:br>
-            <a:r>
-              <a:rPr lang="en-US" sz="2400" b="0" i="0" dirty="0">
-                <a:solidFill>
-                  <a:srgbClr val="202122"/>
-                </a:solidFill>
-                <a:effectLst/>
-              </a:rPr>
-              <a:t>(</a:t>
-            </a:r>
-            <a:r>
-              <a:rPr lang="en-US" sz="2400" b="0" i="0" dirty="0" err="1">
-                <a:solidFill>
-                  <a:srgbClr val="202122"/>
-                </a:solidFill>
-                <a:effectLst/>
-              </a:rPr>
-              <a:t>E’,e</a:t>
-            </a:r>
-            <a:r>
-              <a:rPr lang="en-US" sz="2400" b="0" i="0" dirty="0">
-                <a:solidFill>
-                  <a:srgbClr val="202122"/>
-                </a:solidFill>
-                <a:effectLst/>
-              </a:rPr>
-              <a:t>’) ⟼* (E’’, e’’) </a:t>
+              <a:t> 6 ⟼* 6</a:t>
+            </a:r>
+            <a:endParaRPr lang="en-US" sz="2400" dirty="0"/>
+          </a:p>
+        </p:txBody>
+      </p:sp>
+      <p:cxnSp>
+        <p:nvCxnSpPr>
+          <p:cNvPr id="21" name="Straight Connector 20">
+            <a:extLst>
+              <a:ext uri="{FF2B5EF4-FFF2-40B4-BE49-F238E27FC236}">
+                <a16:creationId xmlns:a16="http://schemas.microsoft.com/office/drawing/2014/main" id="{E4463270-D616-4B18-85C7-5AFF4D2210A1}"/>
+              </a:ext>
+            </a:extLst>
+          </p:cNvPr>
+          <p:cNvCxnSpPr>
+            <a:cxnSpLocks/>
+          </p:cNvCxnSpPr>
+          <p:nvPr/>
+        </p:nvCxnSpPr>
+        <p:spPr>
+          <a:xfrm>
+            <a:off x="10040663" y="2246277"/>
+            <a:ext cx="1762717" cy="0"/>
+          </a:xfrm>
+          <a:prstGeom prst="line">
+            <a:avLst/>
+          </a:prstGeom>
+          <a:ln w="28575">
+            <a:solidFill>
+              <a:schemeClr val="tx1"/>
+            </a:solidFill>
+          </a:ln>
+        </p:spPr>
+        <p:style>
+          <a:lnRef idx="1">
+            <a:schemeClr val="dk1"/>
+          </a:lnRef>
+          <a:fillRef idx="0">
+            <a:schemeClr val="dk1"/>
+          </a:fillRef>
+          <a:effectRef idx="0">
+            <a:schemeClr val="dk1"/>
+          </a:effectRef>
+          <a:fontRef idx="minor">
+            <a:schemeClr val="tx1"/>
+          </a:fontRef>
+        </p:style>
+      </p:cxnSp>
+      <p:sp>
+        <p:nvSpPr>
+          <p:cNvPr id="22" name="TextBox 21">
+            <a:extLst>
+              <a:ext uri="{FF2B5EF4-FFF2-40B4-BE49-F238E27FC236}">
+                <a16:creationId xmlns:a16="http://schemas.microsoft.com/office/drawing/2014/main" id="{732CFEC3-CE73-4BFF-90DF-2A66CDF76B07}"/>
+              </a:ext>
+            </a:extLst>
+          </p:cNvPr>
+          <p:cNvSpPr txBox="1"/>
+          <p:nvPr/>
+        </p:nvSpPr>
+        <p:spPr>
+          <a:xfrm>
+            <a:off x="10836773" y="1832257"/>
+            <a:ext cx="425093" cy="461665"/>
+          </a:xfrm>
+          <a:prstGeom prst="rect">
+            <a:avLst/>
+          </a:prstGeom>
+          <a:noFill/>
+        </p:spPr>
+        <p:txBody>
+          <a:bodyPr wrap="square" rtlCol="0">
+            <a:spAutoFit/>
+          </a:bodyPr>
+          <a:lstStyle/>
+          <a:p>
+            <a:r>
+              <a:rPr lang="en-US" sz="2400" dirty="0"/>
+              <a:t>*</a:t>
+            </a:r>
+          </a:p>
+        </p:txBody>
+      </p:sp>
+      <p:sp>
+        <p:nvSpPr>
+          <p:cNvPr id="23" name="TextBox 22">
+            <a:extLst>
+              <a:ext uri="{FF2B5EF4-FFF2-40B4-BE49-F238E27FC236}">
+                <a16:creationId xmlns:a16="http://schemas.microsoft.com/office/drawing/2014/main" id="{7E805FCC-75AA-4F88-BB10-89582750A16D}"/>
+              </a:ext>
+            </a:extLst>
+          </p:cNvPr>
+          <p:cNvSpPr txBox="1"/>
+          <p:nvPr/>
+        </p:nvSpPr>
+        <p:spPr>
+          <a:xfrm>
+            <a:off x="8583422" y="1985344"/>
+            <a:ext cx="1552550" cy="461665"/>
+          </a:xfrm>
+          <a:prstGeom prst="rect">
+            <a:avLst/>
+          </a:prstGeom>
+          <a:noFill/>
+        </p:spPr>
+        <p:txBody>
+          <a:bodyPr wrap="square" rtlCol="0">
+            <a:spAutoFit/>
+          </a:bodyPr>
+          <a:lstStyle/>
+          <a:p>
+            <a:r>
+              <a:rPr lang="en-US" sz="2400" dirty="0" err="1"/>
+              <a:t>StepsDone</a:t>
             </a:r>
             <a:endParaRPr lang="en-US" sz="2400" dirty="0"/>
           </a:p>
@@ -18626,7 +19357,7 @@
     </p:spTree>
     <p:extLst>
       <p:ext uri="{BB962C8B-B14F-4D97-AF65-F5344CB8AC3E}">
-        <p14:creationId xmlns:p14="http://schemas.microsoft.com/office/powerpoint/2010/main" val="3476126577"/>
+        <p14:creationId xmlns:p14="http://schemas.microsoft.com/office/powerpoint/2010/main" val="1640325493"/>
       </p:ext>
     </p:extLst>
   </p:cSld>
@@ -18658,7 +19389,7 @@
           <p:cNvPr id="2" name="Title 1">
             <a:extLst>
               <a:ext uri="{FF2B5EF4-FFF2-40B4-BE49-F238E27FC236}">
-                <a16:creationId xmlns:a16="http://schemas.microsoft.com/office/drawing/2014/main" id="{A0EE67DF-C4E1-4C1A-BDE8-B2709C89A5DF}"/>
+                <a16:creationId xmlns:a16="http://schemas.microsoft.com/office/drawing/2014/main" id="{9C3B2437-582F-44EE-9D3A-C4AF11D44F15}"/>
               </a:ext>
             </a:extLst>
           </p:cNvPr>
@@ -18676,557 +19407,96 @@
           <a:p>
             <a:r>
               <a:rPr lang="en-US" dirty="0"/>
-              <a:t>The Example</a:t>
-            </a:r>
-          </a:p>
-        </p:txBody>
-      </p:sp>
-      <p:cxnSp>
-        <p:nvCxnSpPr>
-          <p:cNvPr id="4" name="Straight Connector 3">
-            <a:extLst>
-              <a:ext uri="{FF2B5EF4-FFF2-40B4-BE49-F238E27FC236}">
-                <a16:creationId xmlns:a16="http://schemas.microsoft.com/office/drawing/2014/main" id="{AC5F97AB-457B-4B2E-859E-9EA423D5E10B}"/>
-              </a:ext>
-            </a:extLst>
-          </p:cNvPr>
-          <p:cNvCxnSpPr>
-            <a:cxnSpLocks/>
-            <a:stCxn id="5" idx="3"/>
-          </p:cNvCxnSpPr>
-          <p:nvPr/>
-        </p:nvCxnSpPr>
-        <p:spPr>
-          <a:xfrm flipV="1">
-            <a:off x="2489810" y="3218673"/>
-            <a:ext cx="9313570" cy="15773"/>
-          </a:xfrm>
-          <a:prstGeom prst="line">
-            <a:avLst/>
-          </a:prstGeom>
-          <a:ln w="28575">
-            <a:solidFill>
-              <a:schemeClr val="tx1"/>
-            </a:solidFill>
-          </a:ln>
-        </p:spPr>
-        <p:style>
-          <a:lnRef idx="1">
-            <a:schemeClr val="dk1"/>
-          </a:lnRef>
-          <a:fillRef idx="0">
-            <a:schemeClr val="dk1"/>
-          </a:fillRef>
-          <a:effectRef idx="0">
-            <a:schemeClr val="dk1"/>
-          </a:effectRef>
-          <a:fontRef idx="minor">
-            <a:schemeClr val="tx1"/>
-          </a:fontRef>
-        </p:style>
-      </p:cxnSp>
-      <p:sp>
-        <p:nvSpPr>
-          <p:cNvPr id="5" name="TextBox 4">
-            <a:extLst>
-              <a:ext uri="{FF2B5EF4-FFF2-40B4-BE49-F238E27FC236}">
-                <a16:creationId xmlns:a16="http://schemas.microsoft.com/office/drawing/2014/main" id="{DCDFD032-881F-4140-A8C9-C71DCAE075FF}"/>
-              </a:ext>
-            </a:extLst>
-          </p:cNvPr>
-          <p:cNvSpPr txBox="1"/>
-          <p:nvPr/>
-        </p:nvSpPr>
-        <p:spPr>
-          <a:xfrm>
-            <a:off x="937260" y="3003613"/>
-            <a:ext cx="1552550" cy="461665"/>
-          </a:xfrm>
-          <a:prstGeom prst="rect">
-            <a:avLst/>
-          </a:prstGeom>
-          <a:noFill/>
-        </p:spPr>
-        <p:txBody>
-          <a:bodyPr wrap="square" rtlCol="0">
-            <a:spAutoFit/>
+              <a:t>How Do I </a:t>
+            </a:r>
+            <a:r>
+              <a:rPr lang="en-US" b="1" dirty="0"/>
+              <a:t>Really</a:t>
+            </a:r>
+            <a:r>
+              <a:rPr lang="en-US" dirty="0"/>
+              <a:t> Use The Rules?</a:t>
+            </a:r>
+          </a:p>
+        </p:txBody>
+      </p:sp>
+      <p:sp>
+        <p:nvSpPr>
+          <p:cNvPr id="3" name="Content Placeholder 2">
+            <a:extLst>
+              <a:ext uri="{FF2B5EF4-FFF2-40B4-BE49-F238E27FC236}">
+                <a16:creationId xmlns:a16="http://schemas.microsoft.com/office/drawing/2014/main" id="{5DCF88B2-3166-4F71-8756-2E1FDC03681E}"/>
+              </a:ext>
+            </a:extLst>
+          </p:cNvPr>
+          <p:cNvSpPr>
+            <a:spLocks noGrp="1"/>
+          </p:cNvSpPr>
+          <p:nvPr>
+            <p:ph idx="1"/>
+          </p:nvPr>
+        </p:nvSpPr>
+        <p:spPr/>
+        <p:txBody>
+          <a:bodyPr>
+            <a:normAutofit lnSpcReduction="10000"/>
           </a:bodyPr>
           <a:lstStyle/>
           <a:p>
             <a:r>
-              <a:rPr lang="en-US" sz="2400" dirty="0" err="1"/>
-              <a:t>StepsOne</a:t>
-            </a:r>
-            <a:endParaRPr lang="en-US" sz="2400" dirty="0"/>
-          </a:p>
-        </p:txBody>
-      </p:sp>
-      <p:sp>
-        <p:nvSpPr>
-          <p:cNvPr id="6" name="TextBox 5">
-            <a:extLst>
-              <a:ext uri="{FF2B5EF4-FFF2-40B4-BE49-F238E27FC236}">
-                <a16:creationId xmlns:a16="http://schemas.microsoft.com/office/drawing/2014/main" id="{7A06F5BB-DB8A-408F-B898-8CAF72E06E1F}"/>
-              </a:ext>
-            </a:extLst>
-          </p:cNvPr>
-          <p:cNvSpPr txBox="1"/>
-          <p:nvPr/>
-        </p:nvSpPr>
-        <p:spPr>
-          <a:xfrm>
-            <a:off x="5238725" y="3261573"/>
-            <a:ext cx="2883386" cy="461665"/>
-          </a:xfrm>
-          <a:prstGeom prst="rect">
-            <a:avLst/>
-          </a:prstGeom>
-          <a:noFill/>
-        </p:spPr>
-        <p:txBody>
-          <a:bodyPr wrap="square" rtlCol="0">
-            <a:spAutoFit/>
-          </a:bodyPr>
-          <a:lstStyle/>
-          <a:p>
-            <a:r>
-              <a:rPr lang="en-US" sz="2400" dirty="0"/>
-              <a:t>(1 + 2) + 3 </a:t>
-            </a:r>
-            <a:r>
-              <a:rPr lang="en-US" sz="2400" b="0" i="0" dirty="0">
+              <a:rPr lang="en-US" dirty="0"/>
+              <a:t>Usually, we just write the result of each</a:t>
+            </a:r>
+            <a:br>
+              <a:rPr lang="en-US" dirty="0"/>
+            </a:br>
+            <a:r>
+              <a:rPr lang="en-US" dirty="0"/>
+              <a:t>step, separated with an arrow </a:t>
+            </a:r>
+            <a:r>
+              <a:rPr lang="en-US" b="0" i="0" dirty="0">
                 <a:solidFill>
                   <a:srgbClr val="202122"/>
                 </a:solidFill>
                 <a:effectLst/>
               </a:rPr>
-              <a:t>⟼* 6</a:t>
-            </a:r>
-            <a:endParaRPr lang="en-US" sz="2400" dirty="0"/>
-          </a:p>
-        </p:txBody>
-      </p:sp>
-      <p:sp>
-        <p:nvSpPr>
-          <p:cNvPr id="7" name="TextBox 6">
-            <a:extLst>
-              <a:ext uri="{FF2B5EF4-FFF2-40B4-BE49-F238E27FC236}">
-                <a16:creationId xmlns:a16="http://schemas.microsoft.com/office/drawing/2014/main" id="{8D21B339-7535-4346-B82A-C0196B5DB08D}"/>
-              </a:ext>
-            </a:extLst>
-          </p:cNvPr>
-          <p:cNvSpPr txBox="1"/>
-          <p:nvPr/>
-        </p:nvSpPr>
-        <p:spPr>
-          <a:xfrm>
-            <a:off x="2080135" y="2741503"/>
-            <a:ext cx="8887870" cy="461665"/>
-          </a:xfrm>
-          <a:prstGeom prst="rect">
-            <a:avLst/>
-          </a:prstGeom>
-          <a:noFill/>
-        </p:spPr>
-        <p:txBody>
-          <a:bodyPr wrap="square" rtlCol="0">
-            <a:spAutoFit/>
-          </a:bodyPr>
-          <a:lstStyle/>
-          <a:p>
-            <a:r>
-              <a:rPr lang="en-US" sz="2400" dirty="0"/>
-              <a:t>  (1 + 2) + 3</a:t>
-            </a:r>
-            <a:r>
-              <a:rPr lang="en-US" sz="2400" b="0" i="0" dirty="0">
+              <a:t>⟼</a:t>
+            </a:r>
+            <a:endParaRPr lang="en-US" dirty="0"/>
+          </a:p>
+          <a:p>
+            <a:pPr marL="0" indent="0">
+              <a:buNone/>
+            </a:pPr>
+            <a:br>
+              <a:rPr lang="en-US" dirty="0"/>
+            </a:br>
+            <a:r>
+              <a:rPr lang="en-US" dirty="0"/>
+              <a:t>      (1 + 2) + 3</a:t>
+            </a:r>
+            <a:br>
+              <a:rPr lang="en-US" dirty="0"/>
+            </a:br>
+            <a:r>
+              <a:rPr lang="en-US" b="0" i="0" dirty="0">
                 <a:solidFill>
                   <a:srgbClr val="202122"/>
                 </a:solidFill>
                 <a:effectLst/>
               </a:rPr>
-              <a:t> ⟼ </a:t>
-            </a:r>
-            <a:r>
-              <a:rPr lang="en-US" sz="2400" dirty="0"/>
-              <a:t> 3 + 3</a:t>
-            </a:r>
-            <a:r>
-              <a:rPr lang="en-US" sz="2400" b="0" i="0" dirty="0">
-                <a:solidFill>
-                  <a:srgbClr val="202122"/>
-                </a:solidFill>
-                <a:effectLst/>
-              </a:rPr>
-              <a:t>                                                    </a:t>
-            </a:r>
-            <a:r>
-              <a:rPr lang="en-US" sz="2400" dirty="0"/>
+              <a:t>⟼ </a:t>
+            </a:r>
+            <a:r>
+              <a:rPr lang="en-US" dirty="0"/>
               <a:t>3 + 3</a:t>
             </a:r>
-            <a:r>
-              <a:rPr lang="en-US" sz="2400" b="0" i="0" dirty="0">
-                <a:solidFill>
-                  <a:srgbClr val="202122"/>
-                </a:solidFill>
-                <a:effectLst/>
-              </a:rPr>
-              <a:t> ⟼* 6</a:t>
-            </a:r>
-            <a:endParaRPr lang="en-US" sz="2400" dirty="0"/>
-          </a:p>
-        </p:txBody>
-      </p:sp>
-      <p:cxnSp>
-        <p:nvCxnSpPr>
-          <p:cNvPr id="8" name="Straight Connector 7">
-            <a:extLst>
-              <a:ext uri="{FF2B5EF4-FFF2-40B4-BE49-F238E27FC236}">
-                <a16:creationId xmlns:a16="http://schemas.microsoft.com/office/drawing/2014/main" id="{2D96E8BA-64BF-49DF-A55D-500A2A3483D5}"/>
-              </a:ext>
-            </a:extLst>
-          </p:cNvPr>
-          <p:cNvCxnSpPr>
-            <a:cxnSpLocks/>
-          </p:cNvCxnSpPr>
-          <p:nvPr/>
-        </p:nvCxnSpPr>
-        <p:spPr>
-          <a:xfrm flipV="1">
-            <a:off x="2246750" y="2720058"/>
-            <a:ext cx="2427052" cy="4583"/>
-          </a:xfrm>
-          <a:prstGeom prst="line">
-            <a:avLst/>
-          </a:prstGeom>
-          <a:ln w="28575">
-            <a:solidFill>
-              <a:schemeClr val="tx1"/>
-            </a:solidFill>
-          </a:ln>
-        </p:spPr>
-        <p:style>
-          <a:lnRef idx="1">
-            <a:schemeClr val="dk1"/>
-          </a:lnRef>
-          <a:fillRef idx="0">
-            <a:schemeClr val="dk1"/>
-          </a:fillRef>
-          <a:effectRef idx="0">
-            <a:schemeClr val="dk1"/>
-          </a:effectRef>
-          <a:fontRef idx="minor">
-            <a:schemeClr val="tx1"/>
-          </a:fontRef>
-        </p:style>
-      </p:cxnSp>
-      <p:sp>
-        <p:nvSpPr>
-          <p:cNvPr id="9" name="TextBox 8">
-            <a:extLst>
-              <a:ext uri="{FF2B5EF4-FFF2-40B4-BE49-F238E27FC236}">
-                <a16:creationId xmlns:a16="http://schemas.microsoft.com/office/drawing/2014/main" id="{B852703B-8ABD-4B1A-8B18-A4FB1CB20687}"/>
-              </a:ext>
-            </a:extLst>
-          </p:cNvPr>
-          <p:cNvSpPr txBox="1"/>
-          <p:nvPr/>
-        </p:nvSpPr>
-        <p:spPr>
-          <a:xfrm>
-            <a:off x="812163" y="2529697"/>
-            <a:ext cx="1421190" cy="461649"/>
-          </a:xfrm>
-          <a:prstGeom prst="rect">
-            <a:avLst/>
-          </a:prstGeom>
-          <a:noFill/>
-        </p:spPr>
-        <p:txBody>
-          <a:bodyPr wrap="square" rtlCol="0">
-            <a:spAutoFit/>
-          </a:bodyPr>
-          <a:lstStyle/>
-          <a:p>
-            <a:r>
-              <a:rPr lang="en-US" sz="2400" dirty="0"/>
-              <a:t>StepOpS1</a:t>
-            </a:r>
-          </a:p>
-        </p:txBody>
-      </p:sp>
-      <p:sp>
-        <p:nvSpPr>
-          <p:cNvPr id="10" name="TextBox 9">
-            <a:extLst>
-              <a:ext uri="{FF2B5EF4-FFF2-40B4-BE49-F238E27FC236}">
-                <a16:creationId xmlns:a16="http://schemas.microsoft.com/office/drawing/2014/main" id="{DE96CF56-2FFC-4DE5-B3D3-85DD40677198}"/>
-              </a:ext>
-            </a:extLst>
-          </p:cNvPr>
-          <p:cNvSpPr txBox="1"/>
-          <p:nvPr/>
-        </p:nvSpPr>
-        <p:spPr>
-          <a:xfrm>
-            <a:off x="1522758" y="2266400"/>
-            <a:ext cx="7654227" cy="461665"/>
-          </a:xfrm>
-          <a:prstGeom prst="rect">
-            <a:avLst/>
-          </a:prstGeom>
-          <a:noFill/>
-        </p:spPr>
-        <p:txBody>
-          <a:bodyPr wrap="square">
-            <a:spAutoFit/>
-          </a:bodyPr>
-          <a:lstStyle/>
-          <a:p>
-            <a:r>
-              <a:rPr lang="en-US" sz="2400" dirty="0"/>
-              <a:t>                 1 + 2</a:t>
-            </a:r>
-            <a:r>
-              <a:rPr lang="en-US" sz="2400" b="0" i="0" dirty="0">
-                <a:solidFill>
-                  <a:srgbClr val="202122"/>
-                </a:solidFill>
-                <a:effectLst/>
-              </a:rPr>
-              <a:t> ⟼ 3</a:t>
-            </a:r>
-            <a:endParaRPr lang="en-US" sz="2400" dirty="0"/>
-          </a:p>
-        </p:txBody>
-      </p:sp>
-      <p:cxnSp>
-        <p:nvCxnSpPr>
-          <p:cNvPr id="11" name="Straight Connector 10">
-            <a:extLst>
-              <a:ext uri="{FF2B5EF4-FFF2-40B4-BE49-F238E27FC236}">
-                <a16:creationId xmlns:a16="http://schemas.microsoft.com/office/drawing/2014/main" id="{D875418C-7F72-4552-94C6-3BC3014488E3}"/>
-              </a:ext>
-            </a:extLst>
-          </p:cNvPr>
-          <p:cNvCxnSpPr>
-            <a:cxnSpLocks/>
-          </p:cNvCxnSpPr>
-          <p:nvPr/>
-        </p:nvCxnSpPr>
-        <p:spPr>
-          <a:xfrm>
-            <a:off x="2246750" y="2204949"/>
-            <a:ext cx="2299349" cy="0"/>
-          </a:xfrm>
-          <a:prstGeom prst="line">
-            <a:avLst/>
-          </a:prstGeom>
-          <a:ln w="28575">
-            <a:solidFill>
-              <a:schemeClr val="tx1"/>
-            </a:solidFill>
-          </a:ln>
-        </p:spPr>
-        <p:style>
-          <a:lnRef idx="1">
-            <a:schemeClr val="dk1"/>
-          </a:lnRef>
-          <a:fillRef idx="0">
-            <a:schemeClr val="dk1"/>
-          </a:fillRef>
-          <a:effectRef idx="0">
-            <a:schemeClr val="dk1"/>
-          </a:effectRef>
-          <a:fontRef idx="minor">
-            <a:schemeClr val="tx1"/>
-          </a:fontRef>
-        </p:style>
-      </p:cxnSp>
-      <p:sp>
-        <p:nvSpPr>
-          <p:cNvPr id="12" name="TextBox 11">
-            <a:extLst>
-              <a:ext uri="{FF2B5EF4-FFF2-40B4-BE49-F238E27FC236}">
-                <a16:creationId xmlns:a16="http://schemas.microsoft.com/office/drawing/2014/main" id="{C1D17837-47F0-4D7B-BB2A-36350E8FDD60}"/>
-              </a:ext>
-            </a:extLst>
-          </p:cNvPr>
-          <p:cNvSpPr txBox="1"/>
-          <p:nvPr/>
-        </p:nvSpPr>
-        <p:spPr>
-          <a:xfrm>
-            <a:off x="3327919" y="1777059"/>
-            <a:ext cx="425093" cy="461665"/>
-          </a:xfrm>
-          <a:prstGeom prst="rect">
-            <a:avLst/>
-          </a:prstGeom>
-          <a:noFill/>
-        </p:spPr>
-        <p:txBody>
-          <a:bodyPr wrap="square" rtlCol="0">
-            <a:spAutoFit/>
-          </a:bodyPr>
-          <a:lstStyle/>
-          <a:p>
-            <a:r>
-              <a:rPr lang="en-US" sz="2400" dirty="0"/>
-              <a:t>*</a:t>
-            </a:r>
-          </a:p>
-        </p:txBody>
-      </p:sp>
-      <p:sp>
-        <p:nvSpPr>
-          <p:cNvPr id="13" name="TextBox 12">
-            <a:extLst>
-              <a:ext uri="{FF2B5EF4-FFF2-40B4-BE49-F238E27FC236}">
-                <a16:creationId xmlns:a16="http://schemas.microsoft.com/office/drawing/2014/main" id="{327AC6E0-5A51-4565-9879-741E9F10C70D}"/>
-              </a:ext>
-            </a:extLst>
-          </p:cNvPr>
-          <p:cNvSpPr txBox="1"/>
-          <p:nvPr/>
-        </p:nvSpPr>
-        <p:spPr>
-          <a:xfrm>
-            <a:off x="937260" y="1960185"/>
-            <a:ext cx="1552550" cy="461665"/>
-          </a:xfrm>
-          <a:prstGeom prst="rect">
-            <a:avLst/>
-          </a:prstGeom>
-          <a:noFill/>
-        </p:spPr>
-        <p:txBody>
-          <a:bodyPr wrap="square" rtlCol="0">
-            <a:spAutoFit/>
-          </a:bodyPr>
-          <a:lstStyle/>
-          <a:p>
-            <a:r>
-              <a:rPr lang="en-US" sz="2400" dirty="0" err="1"/>
-              <a:t>BetaOp</a:t>
-            </a:r>
-            <a:endParaRPr lang="en-US" sz="2400" dirty="0"/>
-          </a:p>
-        </p:txBody>
-      </p:sp>
-      <p:cxnSp>
-        <p:nvCxnSpPr>
-          <p:cNvPr id="14" name="Straight Connector 13">
-            <a:extLst>
-              <a:ext uri="{FF2B5EF4-FFF2-40B4-BE49-F238E27FC236}">
-                <a16:creationId xmlns:a16="http://schemas.microsoft.com/office/drawing/2014/main" id="{B1409816-3A30-4E8C-AD35-E5A228EB2F93}"/>
-              </a:ext>
-            </a:extLst>
-          </p:cNvPr>
-          <p:cNvCxnSpPr>
-            <a:cxnSpLocks/>
-          </p:cNvCxnSpPr>
-          <p:nvPr/>
-        </p:nvCxnSpPr>
-        <p:spPr>
-          <a:xfrm flipV="1">
-            <a:off x="6449278" y="2713868"/>
-            <a:ext cx="5247422" cy="8482"/>
-          </a:xfrm>
-          <a:prstGeom prst="line">
-            <a:avLst/>
-          </a:prstGeom>
-          <a:ln w="28575">
-            <a:solidFill>
-              <a:schemeClr val="tx1"/>
-            </a:solidFill>
-          </a:ln>
-        </p:spPr>
-        <p:style>
-          <a:lnRef idx="1">
-            <a:schemeClr val="dk1"/>
-          </a:lnRef>
-          <a:fillRef idx="0">
-            <a:schemeClr val="dk1"/>
-          </a:fillRef>
-          <a:effectRef idx="0">
-            <a:schemeClr val="dk1"/>
-          </a:effectRef>
-          <a:fontRef idx="minor">
-            <a:schemeClr val="tx1"/>
-          </a:fontRef>
-        </p:style>
-      </p:cxnSp>
-      <p:sp>
-        <p:nvSpPr>
-          <p:cNvPr id="15" name="TextBox 14">
-            <a:extLst>
-              <a:ext uri="{FF2B5EF4-FFF2-40B4-BE49-F238E27FC236}">
-                <a16:creationId xmlns:a16="http://schemas.microsoft.com/office/drawing/2014/main" id="{2A412736-9573-46B8-AAB0-EEBEDFB82854}"/>
-              </a:ext>
-            </a:extLst>
-          </p:cNvPr>
-          <p:cNvSpPr txBox="1"/>
-          <p:nvPr/>
-        </p:nvSpPr>
-        <p:spPr>
-          <a:xfrm>
-            <a:off x="4943537" y="2454246"/>
-            <a:ext cx="1552550" cy="461665"/>
-          </a:xfrm>
-          <a:prstGeom prst="rect">
-            <a:avLst/>
-          </a:prstGeom>
-          <a:noFill/>
-        </p:spPr>
-        <p:txBody>
-          <a:bodyPr wrap="square" rtlCol="0">
-            <a:spAutoFit/>
-          </a:bodyPr>
-          <a:lstStyle/>
-          <a:p>
-            <a:r>
-              <a:rPr lang="en-US" sz="2400" dirty="0" err="1"/>
-              <a:t>StepsOne</a:t>
-            </a:r>
-            <a:endParaRPr lang="en-US" sz="2400" dirty="0"/>
-          </a:p>
-        </p:txBody>
-      </p:sp>
-      <p:sp>
-        <p:nvSpPr>
-          <p:cNvPr id="16" name="TextBox 15">
-            <a:extLst>
-              <a:ext uri="{FF2B5EF4-FFF2-40B4-BE49-F238E27FC236}">
-                <a16:creationId xmlns:a16="http://schemas.microsoft.com/office/drawing/2014/main" id="{AC009F37-9A13-4CCB-A7B3-0D220E915750}"/>
-              </a:ext>
-            </a:extLst>
-          </p:cNvPr>
-          <p:cNvSpPr txBox="1"/>
-          <p:nvPr/>
-        </p:nvSpPr>
-        <p:spPr>
-          <a:xfrm>
-            <a:off x="6347793" y="2268013"/>
-            <a:ext cx="2079982" cy="461665"/>
-          </a:xfrm>
-          <a:prstGeom prst="rect">
-            <a:avLst/>
-          </a:prstGeom>
-          <a:noFill/>
-        </p:spPr>
-        <p:txBody>
-          <a:bodyPr wrap="square">
-            <a:spAutoFit/>
-          </a:bodyPr>
-          <a:lstStyle/>
-          <a:p>
-            <a:r>
-              <a:rPr lang="en-US" sz="2400" dirty="0"/>
-              <a:t>3 + 3 </a:t>
-            </a:r>
-            <a:r>
-              <a:rPr lang="en-US" sz="2400" b="0" i="0" dirty="0">
+            <a:br>
+              <a:rPr lang="en-US" dirty="0"/>
+            </a:br>
+            <a:r>
+              <a:rPr lang="en-US" b="0" i="0" dirty="0">
                 <a:solidFill>
                   <a:srgbClr val="202122"/>
                 </a:solidFill>
@@ -19234,283 +19504,65 @@
               </a:rPr>
               <a:t>⟼ 6</a:t>
             </a:r>
-            <a:endParaRPr lang="en-US" sz="2400" dirty="0"/>
-          </a:p>
-        </p:txBody>
-      </p:sp>
-      <p:cxnSp>
-        <p:nvCxnSpPr>
-          <p:cNvPr id="17" name="Straight Connector 16">
-            <a:extLst>
-              <a:ext uri="{FF2B5EF4-FFF2-40B4-BE49-F238E27FC236}">
-                <a16:creationId xmlns:a16="http://schemas.microsoft.com/office/drawing/2014/main" id="{A4995F36-E789-4E1E-AE87-64712544111A}"/>
-              </a:ext>
-            </a:extLst>
-          </p:cNvPr>
-          <p:cNvCxnSpPr>
-            <a:cxnSpLocks/>
-          </p:cNvCxnSpPr>
-          <p:nvPr/>
-        </p:nvCxnSpPr>
-        <p:spPr>
-          <a:xfrm>
-            <a:off x="6359394" y="2283412"/>
-            <a:ext cx="1762717" cy="0"/>
-          </a:xfrm>
-          <a:prstGeom prst="line">
-            <a:avLst/>
-          </a:prstGeom>
-          <a:ln w="28575">
-            <a:solidFill>
-              <a:schemeClr val="tx1"/>
-            </a:solidFill>
-          </a:ln>
-        </p:spPr>
-        <p:style>
-          <a:lnRef idx="1">
-            <a:schemeClr val="dk1"/>
-          </a:lnRef>
-          <a:fillRef idx="0">
-            <a:schemeClr val="dk1"/>
-          </a:fillRef>
-          <a:effectRef idx="0">
-            <a:schemeClr val="dk1"/>
-          </a:effectRef>
-          <a:fontRef idx="minor">
-            <a:schemeClr val="tx1"/>
-          </a:fontRef>
-        </p:style>
-      </p:cxnSp>
-      <p:sp>
-        <p:nvSpPr>
-          <p:cNvPr id="18" name="TextBox 17">
-            <a:extLst>
-              <a:ext uri="{FF2B5EF4-FFF2-40B4-BE49-F238E27FC236}">
-                <a16:creationId xmlns:a16="http://schemas.microsoft.com/office/drawing/2014/main" id="{7CEC22D1-3B57-46B4-AA5D-68F906054331}"/>
-              </a:ext>
-            </a:extLst>
-          </p:cNvPr>
-          <p:cNvSpPr txBox="1"/>
-          <p:nvPr/>
-        </p:nvSpPr>
-        <p:spPr>
-          <a:xfrm>
-            <a:off x="7083568" y="1832257"/>
-            <a:ext cx="425093" cy="461665"/>
-          </a:xfrm>
-          <a:prstGeom prst="rect">
-            <a:avLst/>
-          </a:prstGeom>
-          <a:noFill/>
-        </p:spPr>
-        <p:txBody>
-          <a:bodyPr wrap="square" rtlCol="0">
-            <a:spAutoFit/>
-          </a:bodyPr>
-          <a:lstStyle/>
-          <a:p>
-            <a:r>
-              <a:rPr lang="en-US" sz="2400" dirty="0"/>
-              <a:t>*</a:t>
-            </a:r>
-          </a:p>
-        </p:txBody>
-      </p:sp>
-      <p:sp>
-        <p:nvSpPr>
-          <p:cNvPr id="19" name="TextBox 18">
-            <a:extLst>
-              <a:ext uri="{FF2B5EF4-FFF2-40B4-BE49-F238E27FC236}">
-                <a16:creationId xmlns:a16="http://schemas.microsoft.com/office/drawing/2014/main" id="{A75A7C0F-683D-40E2-8B92-E6129D0AB3DC}"/>
-              </a:ext>
-            </a:extLst>
-          </p:cNvPr>
-          <p:cNvSpPr txBox="1"/>
-          <p:nvPr/>
-        </p:nvSpPr>
-        <p:spPr>
-          <a:xfrm>
-            <a:off x="5101572" y="2012614"/>
-            <a:ext cx="1552550" cy="461665"/>
-          </a:xfrm>
-          <a:prstGeom prst="rect">
-            <a:avLst/>
-          </a:prstGeom>
-          <a:noFill/>
-        </p:spPr>
-        <p:txBody>
-          <a:bodyPr wrap="square" rtlCol="0">
-            <a:spAutoFit/>
-          </a:bodyPr>
-          <a:lstStyle/>
-          <a:p>
-            <a:r>
-              <a:rPr lang="en-US" sz="2400" dirty="0" err="1"/>
-              <a:t>BetaOp</a:t>
-            </a:r>
-            <a:endParaRPr lang="en-US" sz="2400" dirty="0"/>
-          </a:p>
-        </p:txBody>
-      </p:sp>
-      <p:sp>
-        <p:nvSpPr>
-          <p:cNvPr id="20" name="TextBox 19">
-            <a:extLst>
-              <a:ext uri="{FF2B5EF4-FFF2-40B4-BE49-F238E27FC236}">
-                <a16:creationId xmlns:a16="http://schemas.microsoft.com/office/drawing/2014/main" id="{DD509BFE-5BE8-487F-B9FF-2558973ED07B}"/>
-              </a:ext>
-            </a:extLst>
-          </p:cNvPr>
-          <p:cNvSpPr txBox="1"/>
-          <p:nvPr/>
-        </p:nvSpPr>
-        <p:spPr>
-          <a:xfrm>
-            <a:off x="10278811" y="2269453"/>
-            <a:ext cx="1235839" cy="461665"/>
-          </a:xfrm>
-          <a:prstGeom prst="rect">
-            <a:avLst/>
-          </a:prstGeom>
-          <a:noFill/>
-        </p:spPr>
-        <p:txBody>
-          <a:bodyPr wrap="square">
-            <a:spAutoFit/>
-          </a:bodyPr>
-          <a:lstStyle/>
-          <a:p>
-            <a:r>
-              <a:rPr lang="en-US" sz="2400" b="0" i="0" dirty="0">
+          </a:p>
+          <a:p>
+            <a:pPr marL="0" indent="0">
+              <a:buNone/>
+            </a:pPr>
+            <a:endParaRPr lang="en-US" b="0" i="0" dirty="0">
+              <a:solidFill>
+                <a:srgbClr val="202122"/>
+              </a:solidFill>
+              <a:effectLst/>
+            </a:endParaRPr>
+          </a:p>
+          <a:p>
+            <a:r>
+              <a:rPr lang="en-US" b="1" dirty="0">
                 <a:solidFill>
                   <a:srgbClr val="202122"/>
                 </a:solidFill>
-                <a:effectLst/>
               </a:rPr>
-              <a:t> 6 ⟼* 6</a:t>
-            </a:r>
-            <a:endParaRPr lang="en-US" sz="2400" dirty="0"/>
-          </a:p>
-        </p:txBody>
-      </p:sp>
-      <p:cxnSp>
-        <p:nvCxnSpPr>
-          <p:cNvPr id="21" name="Straight Connector 20">
-            <a:extLst>
-              <a:ext uri="{FF2B5EF4-FFF2-40B4-BE49-F238E27FC236}">
-                <a16:creationId xmlns:a16="http://schemas.microsoft.com/office/drawing/2014/main" id="{E4463270-D616-4B18-85C7-5AFF4D2210A1}"/>
-              </a:ext>
-            </a:extLst>
-          </p:cNvPr>
-          <p:cNvCxnSpPr>
-            <a:cxnSpLocks/>
-          </p:cNvCxnSpPr>
-          <p:nvPr/>
-        </p:nvCxnSpPr>
-        <p:spPr>
-          <a:xfrm>
-            <a:off x="10040663" y="2246277"/>
-            <a:ext cx="1762717" cy="0"/>
-          </a:xfrm>
-          <a:prstGeom prst="line">
-            <a:avLst/>
-          </a:prstGeom>
-          <a:ln w="28575">
-            <a:solidFill>
-              <a:schemeClr val="tx1"/>
-            </a:solidFill>
-          </a:ln>
-        </p:spPr>
-        <p:style>
-          <a:lnRef idx="1">
-            <a:schemeClr val="dk1"/>
-          </a:lnRef>
-          <a:fillRef idx="0">
-            <a:schemeClr val="dk1"/>
-          </a:fillRef>
-          <a:effectRef idx="0">
-            <a:schemeClr val="dk1"/>
-          </a:effectRef>
-          <a:fontRef idx="minor">
-            <a:schemeClr val="tx1"/>
-          </a:fontRef>
-        </p:style>
-      </p:cxnSp>
-      <p:sp>
-        <p:nvSpPr>
-          <p:cNvPr id="22" name="TextBox 21">
-            <a:extLst>
-              <a:ext uri="{FF2B5EF4-FFF2-40B4-BE49-F238E27FC236}">
-                <a16:creationId xmlns:a16="http://schemas.microsoft.com/office/drawing/2014/main" id="{732CFEC3-CE73-4BFF-90DF-2A66CDF76B07}"/>
-              </a:ext>
-            </a:extLst>
-          </p:cNvPr>
-          <p:cNvSpPr txBox="1"/>
-          <p:nvPr/>
-        </p:nvSpPr>
-        <p:spPr>
-          <a:xfrm>
-            <a:off x="10836773" y="1832257"/>
-            <a:ext cx="425093" cy="461665"/>
-          </a:xfrm>
-          <a:prstGeom prst="rect">
-            <a:avLst/>
-          </a:prstGeom>
-          <a:noFill/>
-        </p:spPr>
-        <p:txBody>
-          <a:bodyPr wrap="square" rtlCol="0">
-            <a:spAutoFit/>
-          </a:bodyPr>
-          <a:lstStyle/>
-          <a:p>
-            <a:r>
-              <a:rPr lang="en-US" sz="2400" dirty="0"/>
-              <a:t>*</a:t>
-            </a:r>
-          </a:p>
-        </p:txBody>
-      </p:sp>
-      <p:sp>
-        <p:nvSpPr>
-          <p:cNvPr id="23" name="TextBox 22">
-            <a:extLst>
-              <a:ext uri="{FF2B5EF4-FFF2-40B4-BE49-F238E27FC236}">
-                <a16:creationId xmlns:a16="http://schemas.microsoft.com/office/drawing/2014/main" id="{7E805FCC-75AA-4F88-BB10-89582750A16D}"/>
-              </a:ext>
-            </a:extLst>
-          </p:cNvPr>
-          <p:cNvSpPr txBox="1"/>
-          <p:nvPr/>
-        </p:nvSpPr>
-        <p:spPr>
-          <a:xfrm>
-            <a:off x="8583422" y="1985344"/>
-            <a:ext cx="1552550" cy="461665"/>
-          </a:xfrm>
-          <a:prstGeom prst="rect">
-            <a:avLst/>
-          </a:prstGeom>
-          <a:noFill/>
-        </p:spPr>
-        <p:txBody>
-          <a:bodyPr wrap="square" rtlCol="0">
-            <a:spAutoFit/>
-          </a:bodyPr>
-          <a:lstStyle/>
-          <a:p>
-            <a:r>
-              <a:rPr lang="en-US" sz="2400" dirty="0" err="1"/>
-              <a:t>StepsDone</a:t>
-            </a:r>
-            <a:endParaRPr lang="en-US" sz="2400" dirty="0"/>
+              <a:t>Much</a:t>
+            </a:r>
+            <a:r>
+              <a:rPr lang="en-US" dirty="0">
+                <a:solidFill>
+                  <a:srgbClr val="202122"/>
+                </a:solidFill>
+              </a:rPr>
+              <a:t> more concise</a:t>
+            </a:r>
+          </a:p>
+          <a:p>
+            <a:r>
+              <a:rPr lang="en-US" b="1" dirty="0">
+                <a:solidFill>
+                  <a:srgbClr val="202122"/>
+                </a:solidFill>
+              </a:rPr>
+              <a:t> </a:t>
+            </a:r>
+          </a:p>
+          <a:p>
+            <a:endParaRPr lang="en-US" b="1" dirty="0">
+              <a:solidFill>
+                <a:srgbClr val="202122"/>
+              </a:solidFill>
+            </a:endParaRPr>
+          </a:p>
+          <a:p>
+            <a:endParaRPr lang="en-US" b="1" dirty="0"/>
+          </a:p>
+          <a:p>
+            <a:endParaRPr lang="en-US" dirty="0"/>
           </a:p>
         </p:txBody>
       </p:sp>
     </p:spTree>
     <p:extLst>
       <p:ext uri="{BB962C8B-B14F-4D97-AF65-F5344CB8AC3E}">
-        <p14:creationId xmlns:p14="http://schemas.microsoft.com/office/powerpoint/2010/main" val="1640325493"/>
+        <p14:creationId xmlns:p14="http://schemas.microsoft.com/office/powerpoint/2010/main" val="1565500397"/>
       </p:ext>
     </p:extLst>
   </p:cSld>
@@ -19627,7 +19679,7 @@
             </a:br>
             <a:r>
               <a:rPr lang="en-US" dirty="0"/>
-              <a:t>      (1 + 2) + 3</a:t>
+              <a:t>      (1 + 2) + 3 </a:t>
             </a:r>
             <a:br>
               <a:rPr lang="en-US" dirty="0"/>
@@ -19643,7 +19695,15 @@
             </a:r>
             <a:r>
               <a:rPr lang="en-US" dirty="0"/>
-              <a:t>3 + 3</a:t>
+              <a:t>3 + 3                [By StepOpS1 and </a:t>
+            </a:r>
+            <a:r>
+              <a:rPr lang="en-US" dirty="0" err="1"/>
+              <a:t>BetaOp</a:t>
+            </a:r>
+            <a:r>
+              <a:rPr lang="en-US" dirty="0"/>
+              <a:t>]</a:t>
             </a:r>
             <a:br>
               <a:rPr lang="en-US" dirty="0"/>
@@ -19655,8 +19715,31 @@
                 </a:solidFill>
                 <a:effectLst/>
               </a:rPr>
-              <a:t>⟼ 6</a:t>
-            </a:r>
+              <a:t>⟼ 6                       [By </a:t>
+            </a:r>
+            <a:r>
+              <a:rPr lang="en-US" b="0" i="0" dirty="0" err="1">
+                <a:solidFill>
+                  <a:srgbClr val="202122"/>
+                </a:solidFill>
+                <a:effectLst/>
+              </a:rPr>
+              <a:t>BetaOp</a:t>
+            </a:r>
+            <a:r>
+              <a:rPr lang="en-US" b="0" i="0" dirty="0">
+                <a:solidFill>
+                  <a:srgbClr val="202122"/>
+                </a:solidFill>
+                <a:effectLst/>
+              </a:rPr>
+              <a:t>]</a:t>
+            </a:r>
+            <a:endParaRPr lang="en-US" dirty="0">
+              <a:solidFill>
+                <a:srgbClr val="202122"/>
+              </a:solidFill>
+            </a:endParaRPr>
           </a:p>
           <a:p>
             <a:pPr marL="0" indent="0">
@@ -19689,23 +19772,30 @@
           </a:p>
           <a:p>
             <a:r>
+              <a:rPr lang="en-US" dirty="0">
+                <a:solidFill>
+                  <a:srgbClr val="202122"/>
+                </a:solidFill>
+              </a:rPr>
+              <a:t>If you need to add </a:t>
+            </a:r>
+            <a:r>
               <a:rPr lang="en-US" b="1" dirty="0">
                 <a:solidFill>
                   <a:srgbClr val="202122"/>
                 </a:solidFill>
               </a:rPr>
-              <a:t> </a:t>
-            </a:r>
-          </a:p>
-          <a:p>
-            <a:endParaRPr lang="en-US" b="1" dirty="0">
-              <a:solidFill>
-                <a:srgbClr val="202122"/>
-              </a:solidFill>
-            </a:endParaRPr>
-          </a:p>
-          <a:p>
-            <a:endParaRPr lang="en-US" b="1" dirty="0"/>
+              <a:t>the details</a:t>
+            </a:r>
+            <a:r>
+              <a:rPr lang="en-US" dirty="0">
+                <a:solidFill>
+                  <a:srgbClr val="202122"/>
+                </a:solidFill>
+              </a:rPr>
+              <a:t>, you can write the rule names too</a:t>
+            </a:r>
+            <a:endParaRPr lang="en-US" dirty="0"/>
           </a:p>
           <a:p>
             <a:endParaRPr lang="en-US" dirty="0"/>
@@ -19715,7 +19805,7 @@
     </p:spTree>
     <p:extLst>
       <p:ext uri="{BB962C8B-B14F-4D97-AF65-F5344CB8AC3E}">
-        <p14:creationId xmlns:p14="http://schemas.microsoft.com/office/powerpoint/2010/main" val="1565500397"/>
+        <p14:creationId xmlns:p14="http://schemas.microsoft.com/office/powerpoint/2010/main" val="3548763622"/>
       </p:ext>
     </p:extLst>
   </p:cSld>
@@ -19747,7 +19837,7 @@
           <p:cNvPr id="2" name="Title 1">
             <a:extLst>
               <a:ext uri="{FF2B5EF4-FFF2-40B4-BE49-F238E27FC236}">
-                <a16:creationId xmlns:a16="http://schemas.microsoft.com/office/drawing/2014/main" id="{9C3B2437-582F-44EE-9D3A-C4AF11D44F15}"/>
+                <a16:creationId xmlns:a16="http://schemas.microsoft.com/office/drawing/2014/main" id="{9A8A2C61-BE67-4968-8784-5CB3A36AC3F6}"/>
               </a:ext>
             </a:extLst>
           </p:cNvPr>
@@ -19765,15 +19855,15 @@
           <a:p>
             <a:r>
               <a:rPr lang="en-US" dirty="0"/>
-              <a:t>How Do I </a:t>
+              <a:t>Then </a:t>
             </a:r>
             <a:r>
               <a:rPr lang="en-US" b="1" dirty="0"/>
-              <a:t>Really</a:t>
-            </a:r>
-            <a:r>
-              <a:rPr lang="en-US" dirty="0"/>
-              <a:t> Use The Rules?</a:t>
+              <a:t>Why</a:t>
+            </a:r>
+            <a:r>
+              <a:rPr lang="en-US" dirty="0"/>
+              <a:t> All This Notation?</a:t>
             </a:r>
           </a:p>
         </p:txBody>
@@ -19783,7 +19873,7 @@
           <p:cNvPr id="3" name="Content Placeholder 2">
             <a:extLst>
               <a:ext uri="{FF2B5EF4-FFF2-40B4-BE49-F238E27FC236}">
-                <a16:creationId xmlns:a16="http://schemas.microsoft.com/office/drawing/2014/main" id="{5DCF88B2-3166-4F71-8756-2E1FDC03681E}"/>
+                <a16:creationId xmlns:a16="http://schemas.microsoft.com/office/drawing/2014/main" id="{31347E8B-7680-44B2-8763-6D0AE22568CF}"/>
               </a:ext>
             </a:extLst>
           </p:cNvPr>
@@ -19796,161 +19886,22 @@
         </p:nvSpPr>
         <p:spPr/>
         <p:txBody>
-          <a:bodyPr>
-            <a:normAutofit lnSpcReduction="10000"/>
-          </a:bodyPr>
-          <a:lstStyle/>
-          <a:p>
-            <a:r>
-              <a:rPr lang="en-US" dirty="0"/>
-              <a:t>Usually, we just write the result of each</a:t>
-            </a:r>
-            <a:br>
-              <a:rPr lang="en-US" dirty="0"/>
-            </a:br>
-            <a:r>
-              <a:rPr lang="en-US" dirty="0"/>
-              <a:t>step, separated with an arrow </a:t>
-            </a:r>
-            <a:r>
-              <a:rPr lang="en-US" b="0" i="0" dirty="0">
-                <a:solidFill>
-                  <a:srgbClr val="202122"/>
-                </a:solidFill>
-                <a:effectLst/>
-              </a:rPr>
-              <a:t>⟼</a:t>
-            </a:r>
-            <a:endParaRPr lang="en-US" dirty="0"/>
-          </a:p>
-          <a:p>
-            <a:pPr marL="0" indent="0">
-              <a:buNone/>
-            </a:pPr>
-            <a:br>
-              <a:rPr lang="en-US" dirty="0"/>
-            </a:br>
-            <a:r>
-              <a:rPr lang="en-US" dirty="0"/>
-              <a:t>      (1 + 2) + 3 </a:t>
-            </a:r>
-            <a:br>
-              <a:rPr lang="en-US" dirty="0"/>
-            </a:br>
-            <a:r>
-              <a:rPr lang="en-US" b="0" i="0" dirty="0">
-                <a:solidFill>
-                  <a:srgbClr val="202122"/>
-                </a:solidFill>
-                <a:effectLst/>
-              </a:rPr>
-              <a:t>⟼ </a:t>
-            </a:r>
-            <a:r>
-              <a:rPr lang="en-US" dirty="0"/>
-              <a:t>3 + 3                [By StepOpS1 and </a:t>
-            </a:r>
-            <a:r>
-              <a:rPr lang="en-US" dirty="0" err="1"/>
-              <a:t>BetaOp</a:t>
-            </a:r>
-            <a:r>
-              <a:rPr lang="en-US" dirty="0"/>
-              <a:t>]</a:t>
-            </a:r>
-            <a:br>
-              <a:rPr lang="en-US" dirty="0"/>
-            </a:br>
-            <a:r>
-              <a:rPr lang="en-US" b="0" i="0" dirty="0">
-                <a:solidFill>
-                  <a:srgbClr val="202122"/>
-                </a:solidFill>
-                <a:effectLst/>
-              </a:rPr>
-              <a:t>⟼ 6                       [By </a:t>
-            </a:r>
-            <a:r>
-              <a:rPr lang="en-US" b="0" i="0" dirty="0" err="1">
-                <a:solidFill>
-                  <a:srgbClr val="202122"/>
-                </a:solidFill>
-                <a:effectLst/>
-              </a:rPr>
-              <a:t>BetaOp</a:t>
-            </a:r>
-            <a:r>
-              <a:rPr lang="en-US" b="0" i="0" dirty="0">
-                <a:solidFill>
-                  <a:srgbClr val="202122"/>
-                </a:solidFill>
-                <a:effectLst/>
-              </a:rPr>
-              <a:t>]</a:t>
-            </a:r>
-            <a:endParaRPr lang="en-US" dirty="0">
-              <a:solidFill>
-                <a:srgbClr val="202122"/>
-              </a:solidFill>
-            </a:endParaRPr>
-          </a:p>
-          <a:p>
-            <a:pPr marL="0" indent="0">
-              <a:buNone/>
-            </a:pPr>
-            <a:endParaRPr lang="en-US" b="0" i="0" dirty="0">
-              <a:solidFill>
-                <a:srgbClr val="202122"/>
-              </a:solidFill>
-              <a:effectLst/>
-            </a:endParaRPr>
-          </a:p>
-          <a:p>
-            <a:r>
-              <a:rPr lang="en-US" b="1" dirty="0">
-                <a:solidFill>
-                  <a:srgbClr val="202122"/>
-                </a:solidFill>
-              </a:rPr>
-              <a:t>Much</a:t>
-            </a:r>
-            <a:r>
-              <a:rPr lang="en-US" dirty="0">
-                <a:solidFill>
-                  <a:srgbClr val="202122"/>
-                </a:solidFill>
-              </a:rPr>
-              <a:t> more concise</a:t>
-            </a:r>
-          </a:p>
-          <a:p>
-            <a:r>
-              <a:rPr lang="en-US" dirty="0">
-                <a:solidFill>
-                  <a:srgbClr val="202122"/>
-                </a:solidFill>
-              </a:rPr>
-              <a:t>If you need to add </a:t>
-            </a:r>
-            <a:r>
-              <a:rPr lang="en-US" b="1" dirty="0">
-                <a:solidFill>
-                  <a:srgbClr val="202122"/>
-                </a:solidFill>
-              </a:rPr>
-              <a:t>the details</a:t>
-            </a:r>
-            <a:r>
-              <a:rPr lang="en-US" dirty="0">
-                <a:solidFill>
-                  <a:srgbClr val="202122"/>
-                </a:solidFill>
-              </a:rPr>
-              <a:t>, you can write the rule names too</a:t>
-            </a:r>
-            <a:endParaRPr lang="en-US" dirty="0"/>
-          </a:p>
-          <a:p>
+          <a:bodyPr/>
+          <a:lstStyle/>
+          <a:p>
+            <a:r>
+              <a:rPr lang="en-US" dirty="0"/>
+              <a:t>Programs are much more precise than humans</a:t>
+            </a:r>
+          </a:p>
+          <a:p>
+            <a:r>
+              <a:rPr lang="en-US" dirty="0"/>
+              <a:t>Mathematical notation lets PL theory be rigorous enough to precisely describe what we want a program to do</a:t>
+            </a:r>
+          </a:p>
+          <a:p>
+            <a:pPr lvl="1"/>
             <a:endParaRPr lang="en-US" dirty="0"/>
           </a:p>
         </p:txBody>
@@ -19958,7 +19909,7 @@
     </p:spTree>
     <p:extLst>
       <p:ext uri="{BB962C8B-B14F-4D97-AF65-F5344CB8AC3E}">
-        <p14:creationId xmlns:p14="http://schemas.microsoft.com/office/powerpoint/2010/main" val="3548763622"/>
+        <p14:creationId xmlns:p14="http://schemas.microsoft.com/office/powerpoint/2010/main" val="663324794"/>
       </p:ext>
     </p:extLst>
   </p:cSld>
@@ -19990,7 +19941,7 @@
           <p:cNvPr id="2" name="Title 1">
             <a:extLst>
               <a:ext uri="{FF2B5EF4-FFF2-40B4-BE49-F238E27FC236}">
-                <a16:creationId xmlns:a16="http://schemas.microsoft.com/office/drawing/2014/main" id="{9A8A2C61-BE67-4968-8784-5CB3A36AC3F6}"/>
+                <a16:creationId xmlns:a16="http://schemas.microsoft.com/office/drawing/2014/main" id="{3E8A9450-A718-4E6E-AFB8-B13784D9806E}"/>
               </a:ext>
             </a:extLst>
           </p:cNvPr>
@@ -20008,15 +19959,7 @@
           <a:p>
             <a:r>
               <a:rPr lang="en-US" dirty="0"/>
-              <a:t>Then </a:t>
-            </a:r>
-            <a:r>
-              <a:rPr lang="en-US" b="1" dirty="0"/>
-              <a:t>Why</a:t>
-            </a:r>
-            <a:r>
-              <a:rPr lang="en-US" dirty="0"/>
-              <a:t> All This Notation?</a:t>
+              <a:t>Previews: Future Lectures</a:t>
             </a:r>
           </a:p>
         </p:txBody>
@@ -20026,7 +19969,7 @@
           <p:cNvPr id="3" name="Content Placeholder 2">
             <a:extLst>
               <a:ext uri="{FF2B5EF4-FFF2-40B4-BE49-F238E27FC236}">
-                <a16:creationId xmlns:a16="http://schemas.microsoft.com/office/drawing/2014/main" id="{31347E8B-7680-44B2-8763-6D0AE22568CF}"/>
+                <a16:creationId xmlns:a16="http://schemas.microsoft.com/office/drawing/2014/main" id="{B49A9AAB-F7E1-431F-A3E9-4BC1F278A9B2}"/>
               </a:ext>
             </a:extLst>
           </p:cNvPr>
@@ -20042,27 +19985,14 @@
           <a:bodyPr/>
           <a:lstStyle/>
           <a:p>
-            <a:r>
-              <a:rPr lang="en-US" dirty="0"/>
-              <a:t>Programs are much more precise than humans</a:t>
-            </a:r>
-          </a:p>
-          <a:p>
-            <a:r>
-              <a:rPr lang="en-US" dirty="0"/>
-              <a:t>Mathematical notation lets PL theory be rigorous enough to precisely describe what we want a program to do</a:t>
-            </a:r>
-          </a:p>
-          <a:p>
-            <a:pPr lvl="1"/>
-            <a:endParaRPr lang="en-US" dirty="0"/>
+            <a:endParaRPr lang="en-US"/>
           </a:p>
         </p:txBody>
       </p:sp>
     </p:spTree>
     <p:extLst>
       <p:ext uri="{BB962C8B-B14F-4D97-AF65-F5344CB8AC3E}">
-        <p14:creationId xmlns:p14="http://schemas.microsoft.com/office/powerpoint/2010/main" val="663324794"/>
+        <p14:creationId xmlns:p14="http://schemas.microsoft.com/office/powerpoint/2010/main" val="375130714"/>
       </p:ext>
     </p:extLst>
   </p:cSld>
@@ -20094,7 +20024,7 @@
           <p:cNvPr id="2" name="Title 1">
             <a:extLst>
               <a:ext uri="{FF2B5EF4-FFF2-40B4-BE49-F238E27FC236}">
-                <a16:creationId xmlns:a16="http://schemas.microsoft.com/office/drawing/2014/main" id="{3E8A9450-A718-4E6E-AFB8-B13784D9806E}"/>
+                <a16:creationId xmlns:a16="http://schemas.microsoft.com/office/drawing/2014/main" id="{44D7D3FC-367B-4E74-A9F8-B33A5E289420}"/>
               </a:ext>
             </a:extLst>
           </p:cNvPr>
@@ -20112,7 +20042,7 @@
           <a:p>
             <a:r>
               <a:rPr lang="en-US" dirty="0"/>
-              <a:t>Previews: Future Lectures</a:t>
+              <a:t>How Can Semantics Go Right?</a:t>
             </a:r>
           </a:p>
         </p:txBody>
@@ -20122,7 +20052,7 @@
           <p:cNvPr id="3" name="Content Placeholder 2">
             <a:extLst>
               <a:ext uri="{FF2B5EF4-FFF2-40B4-BE49-F238E27FC236}">
-                <a16:creationId xmlns:a16="http://schemas.microsoft.com/office/drawing/2014/main" id="{B49A9AAB-F7E1-431F-A3E9-4BC1F278A9B2}"/>
+                <a16:creationId xmlns:a16="http://schemas.microsoft.com/office/drawing/2014/main" id="{782219AA-2471-4FE5-873A-C2EF192E53A9}"/>
               </a:ext>
             </a:extLst>
           </p:cNvPr>
@@ -20138,14 +20068,51 @@
           <a:bodyPr/>
           <a:lstStyle/>
           <a:p>
-            <a:endParaRPr lang="en-US"/>
+            <a:r>
+              <a:rPr lang="en-US" dirty="0"/>
+              <a:t>In later lectures, we will show cool properties about PLs</a:t>
+            </a:r>
+          </a:p>
+          <a:p>
+            <a:r>
+              <a:rPr lang="en-US" dirty="0"/>
+              <a:t>e.g.  “If it type-checks, it runs”</a:t>
+            </a:r>
+          </a:p>
+          <a:p>
+            <a:r>
+              <a:rPr lang="en-US" dirty="0"/>
+              <a:t>Semantics will be essential because it allows us to state properties about PLs in a precise way</a:t>
+            </a:r>
+          </a:p>
+          <a:p>
+            <a:pPr lvl="1"/>
+            <a:r>
+              <a:rPr lang="en-US" dirty="0"/>
+              <a:t>And, if you wanted to, prove them very rigorously</a:t>
+            </a:r>
+          </a:p>
+          <a:p>
+            <a:pPr lvl="1"/>
+            <a:r>
+              <a:rPr lang="en-US" dirty="0"/>
+              <a:t>So rigorous that a computer could check your work (</a:t>
+            </a:r>
+            <a:r>
+              <a:rPr lang="en-US" b="1" dirty="0"/>
+              <a:t>research topic</a:t>
+            </a:r>
+            <a:r>
+              <a:rPr lang="en-US" dirty="0"/>
+              <a:t>)</a:t>
+            </a:r>
           </a:p>
         </p:txBody>
       </p:sp>
     </p:spTree>
     <p:extLst>
       <p:ext uri="{BB962C8B-B14F-4D97-AF65-F5344CB8AC3E}">
-        <p14:creationId xmlns:p14="http://schemas.microsoft.com/office/powerpoint/2010/main" val="375130714"/>
+        <p14:creationId xmlns:p14="http://schemas.microsoft.com/office/powerpoint/2010/main" val="3088248648"/>
       </p:ext>
     </p:extLst>
   </p:cSld>
@@ -20177,126 +20144,6 @@
           <p:cNvPr id="2" name="Title 1">
             <a:extLst>
               <a:ext uri="{FF2B5EF4-FFF2-40B4-BE49-F238E27FC236}">
-                <a16:creationId xmlns:a16="http://schemas.microsoft.com/office/drawing/2014/main" id="{44D7D3FC-367B-4E74-A9F8-B33A5E289420}"/>
-              </a:ext>
-            </a:extLst>
-          </p:cNvPr>
-          <p:cNvSpPr>
-            <a:spLocks noGrp="1"/>
-          </p:cNvSpPr>
-          <p:nvPr>
-            <p:ph type="title"/>
-          </p:nvPr>
-        </p:nvSpPr>
-        <p:spPr/>
-        <p:txBody>
-          <a:bodyPr/>
-          <a:lstStyle/>
-          <a:p>
-            <a:r>
-              <a:rPr lang="en-US" dirty="0"/>
-              <a:t>How Can Semantics Go Right?</a:t>
-            </a:r>
-          </a:p>
-        </p:txBody>
-      </p:sp>
-      <p:sp>
-        <p:nvSpPr>
-          <p:cNvPr id="3" name="Content Placeholder 2">
-            <a:extLst>
-              <a:ext uri="{FF2B5EF4-FFF2-40B4-BE49-F238E27FC236}">
-                <a16:creationId xmlns:a16="http://schemas.microsoft.com/office/drawing/2014/main" id="{782219AA-2471-4FE5-873A-C2EF192E53A9}"/>
-              </a:ext>
-            </a:extLst>
-          </p:cNvPr>
-          <p:cNvSpPr>
-            <a:spLocks noGrp="1"/>
-          </p:cNvSpPr>
-          <p:nvPr>
-            <p:ph idx="1"/>
-          </p:nvPr>
-        </p:nvSpPr>
-        <p:spPr/>
-        <p:txBody>
-          <a:bodyPr/>
-          <a:lstStyle/>
-          <a:p>
-            <a:r>
-              <a:rPr lang="en-US" dirty="0"/>
-              <a:t>In later lectures, we will show cool properties about PLs</a:t>
-            </a:r>
-          </a:p>
-          <a:p>
-            <a:r>
-              <a:rPr lang="en-US" dirty="0"/>
-              <a:t>e.g.  “If it type-checks, it runs”</a:t>
-            </a:r>
-          </a:p>
-          <a:p>
-            <a:r>
-              <a:rPr lang="en-US" dirty="0"/>
-              <a:t>Semantics will be essential because it allows us to state properties about PLs in a precise way</a:t>
-            </a:r>
-          </a:p>
-          <a:p>
-            <a:pPr lvl="1"/>
-            <a:r>
-              <a:rPr lang="en-US" dirty="0"/>
-              <a:t>And, if you wanted to, prove them very rigorously</a:t>
-            </a:r>
-          </a:p>
-          <a:p>
-            <a:pPr lvl="1"/>
-            <a:r>
-              <a:rPr lang="en-US" dirty="0"/>
-              <a:t>So rigorous that a computer could check your work (</a:t>
-            </a:r>
-            <a:r>
-              <a:rPr lang="en-US" b="1" dirty="0"/>
-              <a:t>research topic</a:t>
-            </a:r>
-            <a:r>
-              <a:rPr lang="en-US" dirty="0"/>
-              <a:t>)</a:t>
-            </a:r>
-          </a:p>
-        </p:txBody>
-      </p:sp>
-    </p:spTree>
-    <p:extLst>
-      <p:ext uri="{BB962C8B-B14F-4D97-AF65-F5344CB8AC3E}">
-        <p14:creationId xmlns:p14="http://schemas.microsoft.com/office/powerpoint/2010/main" val="3088248648"/>
-      </p:ext>
-    </p:extLst>
-  </p:cSld>
-  <p:clrMapOvr>
-    <a:masterClrMapping/>
-  </p:clrMapOvr>
-</p:sld>
-</file>
-
-<file path=ppt/slides/slide57.xml><?xml version="1.0" encoding="utf-8"?>
-<p:sld xmlns:a="http://schemas.openxmlformats.org/drawingml/2006/main" xmlns:r="http://schemas.openxmlformats.org/officeDocument/2006/relationships" xmlns:p="http://schemas.openxmlformats.org/presentationml/2006/main">
-  <p:cSld>
-    <p:spTree>
-      <p:nvGrpSpPr>
-        <p:cNvPr id="1" name=""/>
-        <p:cNvGrpSpPr/>
-        <p:nvPr/>
-      </p:nvGrpSpPr>
-      <p:grpSpPr>
-        <a:xfrm>
-          <a:off x="0" y="0"/>
-          <a:ext cx="0" cy="0"/>
-          <a:chOff x="0" y="0"/>
-          <a:chExt cx="0" cy="0"/>
-        </a:xfrm>
-      </p:grpSpPr>
-      <p:sp>
-        <p:nvSpPr>
-          <p:cNvPr id="2" name="Title 1">
-            <a:extLst>
-              <a:ext uri="{FF2B5EF4-FFF2-40B4-BE49-F238E27FC236}">
                 <a16:creationId xmlns:a16="http://schemas.microsoft.com/office/drawing/2014/main" id="{09067424-2526-4DE9-B1BC-127EDF004F66}"/>
               </a:ext>
             </a:extLst>
@@ -20413,7 +20260,7 @@
 </p:sld>
 </file>
 
-<file path=ppt/slides/slide58.xml><?xml version="1.0" encoding="utf-8"?>
+<file path=ppt/slides/slide57.xml><?xml version="1.0" encoding="utf-8"?>
 <p:sld xmlns:a="http://schemas.openxmlformats.org/drawingml/2006/main" xmlns:r="http://schemas.openxmlformats.org/officeDocument/2006/relationships" xmlns:p="http://schemas.openxmlformats.org/presentationml/2006/main">
   <p:cSld>
     <p:spTree>

--- a/LectureSlides/06OpSem.pptx
+++ b/LectureSlides/06OpSem.pptx
@@ -392,7 +392,7 @@
           <a:p>
             <a:fld id="{DF0DA02A-3D36-4521-B995-F6A931B35345}" type="datetimeFigureOut">
               <a:rPr lang="en-US" smtClean="0"/>
-              <a:t>9/27/2023</a:t>
+              <a:t>10/14/2024</a:t>
             </a:fld>
             <a:endParaRPr lang="en-US"/>
           </a:p>
@@ -600,7 +600,7 @@
           <a:p>
             <a:fld id="{DF0DA02A-3D36-4521-B995-F6A931B35345}" type="datetimeFigureOut">
               <a:rPr lang="en-US" smtClean="0"/>
-              <a:t>9/27/2023</a:t>
+              <a:t>10/14/2024</a:t>
             </a:fld>
             <a:endParaRPr lang="en-US"/>
           </a:p>
@@ -856,7 +856,7 @@
           <a:p>
             <a:fld id="{DF0DA02A-3D36-4521-B995-F6A931B35345}" type="datetimeFigureOut">
               <a:rPr lang="en-US" smtClean="0"/>
-              <a:t>9/27/2023</a:t>
+              <a:t>10/14/2024</a:t>
             </a:fld>
             <a:endParaRPr lang="en-US"/>
           </a:p>
@@ -1041,7 +1041,7 @@
           <a:p>
             <a:fld id="{DF0DA02A-3D36-4521-B995-F6A931B35345}" type="datetimeFigureOut">
               <a:rPr lang="en-US" smtClean="0"/>
-              <a:t>9/27/2023</a:t>
+              <a:t>10/14/2024</a:t>
             </a:fld>
             <a:endParaRPr lang="en-US"/>
           </a:p>
@@ -1384,7 +1384,7 @@
           <a:p>
             <a:fld id="{DF0DA02A-3D36-4521-B995-F6A931B35345}" type="datetimeFigureOut">
               <a:rPr lang="en-US" smtClean="0"/>
-              <a:t>9/27/2023</a:t>
+              <a:t>10/14/2024</a:t>
             </a:fld>
             <a:endParaRPr lang="en-US"/>
           </a:p>
@@ -1689,7 +1689,7 @@
           <a:p>
             <a:fld id="{DF0DA02A-3D36-4521-B995-F6A931B35345}" type="datetimeFigureOut">
               <a:rPr lang="en-US" smtClean="0"/>
-              <a:t>9/27/2023</a:t>
+              <a:t>10/14/2024</a:t>
             </a:fld>
             <a:endParaRPr lang="en-US"/>
           </a:p>
@@ -2098,7 +2098,7 @@
           <a:p>
             <a:fld id="{DF0DA02A-3D36-4521-B995-F6A931B35345}" type="datetimeFigureOut">
               <a:rPr lang="en-US" smtClean="0"/>
-              <a:t>9/27/2023</a:t>
+              <a:t>10/14/2024</a:t>
             </a:fld>
             <a:endParaRPr lang="en-US"/>
           </a:p>
@@ -2216,7 +2216,7 @@
           <a:p>
             <a:fld id="{DF0DA02A-3D36-4521-B995-F6A931B35345}" type="datetimeFigureOut">
               <a:rPr lang="en-US" smtClean="0"/>
-              <a:t>9/27/2023</a:t>
+              <a:t>10/14/2024</a:t>
             </a:fld>
             <a:endParaRPr lang="en-US"/>
           </a:p>
@@ -2387,7 +2387,7 @@
           <a:p>
             <a:fld id="{DF0DA02A-3D36-4521-B995-F6A931B35345}" type="datetimeFigureOut">
               <a:rPr lang="en-US" smtClean="0"/>
-              <a:t>9/27/2023</a:t>
+              <a:t>10/14/2024</a:t>
             </a:fld>
             <a:endParaRPr lang="en-US"/>
           </a:p>
@@ -2756,7 +2756,7 @@
           <a:p>
             <a:fld id="{DF0DA02A-3D36-4521-B995-F6A931B35345}" type="datetimeFigureOut">
               <a:rPr lang="en-US" smtClean="0"/>
-              <a:t>9/27/2023</a:t>
+              <a:t>10/14/2024</a:t>
             </a:fld>
             <a:endParaRPr lang="en-US"/>
           </a:p>
@@ -3133,7 +3133,7 @@
           <a:p>
             <a:fld id="{DF0DA02A-3D36-4521-B995-F6A931B35345}" type="datetimeFigureOut">
               <a:rPr lang="en-US" smtClean="0"/>
-              <a:t>9/27/2023</a:t>
+              <a:t>10/14/2024</a:t>
             </a:fld>
             <a:endParaRPr lang="en-US"/>
           </a:p>
@@ -3420,7 +3420,7 @@
           <a:p>
             <a:fld id="{DF0DA02A-3D36-4521-B995-F6A931B35345}" type="datetimeFigureOut">
               <a:rPr lang="en-US" smtClean="0"/>
-              <a:t>9/27/2023</a:t>
+              <a:t>10/14/2024</a:t>
             </a:fld>
             <a:endParaRPr lang="en-US"/>
           </a:p>
@@ -3995,15 +3995,23 @@
           <a:p>
             <a:r>
               <a:rPr lang="en-US" dirty="0"/>
-              <a:t>Slides  ©2023 Rose </a:t>
+              <a:t>Slides  </a:t>
+            </a:r>
+            <a:r>
+              <a:rPr lang="en-US"/>
+              <a:t>©2024 </a:t>
+            </a:r>
+            <a:r>
+              <a:rPr lang="en-US" dirty="0"/>
+              <a:t>Rose </a:t>
             </a:r>
             <a:r>
               <a:rPr lang="en-US" dirty="0" err="1"/>
-              <a:t>bohrer</a:t>
-            </a:r>
-            <a:r>
-              <a:rPr lang="en-US" dirty="0"/>
-              <a:t>, used for cs 4536/536 at </a:t>
+              <a:t>bohrer,</a:t>
+            </a:r>
+            <a:r>
+              <a:rPr lang="en-US" dirty="0"/>
+              <a:t> used for cs 4536/536 at </a:t>
             </a:r>
             <a:r>
               <a:rPr lang="en-US" dirty="0" err="1"/>

--- a/LectureSlides/06OpSem.pptx
+++ b/LectureSlides/06OpSem.pptx
@@ -4,6 +4,9 @@
   <p:sldMasterIdLst>
     <p:sldMasterId id="2147483696" r:id="rId1"/>
   </p:sldMasterIdLst>
+  <p:notesMasterIdLst>
+    <p:notesMasterId r:id="rId59"/>
+  </p:notesMasterIdLst>
   <p:sldIdLst>
     <p:sldId id="256" r:id="rId2"/>
     <p:sldId id="320" r:id="rId3"/>
@@ -168,6 +171,355 @@
 </p:presentation>
 </file>
 
+<file path=ppt/notesMasters/notesMaster1.xml><?xml version="1.0" encoding="utf-8"?>
+<p:notesMaster xmlns:a="http://schemas.openxmlformats.org/drawingml/2006/main" xmlns:r="http://schemas.openxmlformats.org/officeDocument/2006/relationships" xmlns:p="http://schemas.openxmlformats.org/presentationml/2006/main">
+  <p:cSld>
+    <p:bg>
+      <p:bgRef idx="1001">
+        <a:schemeClr val="bg1"/>
+      </p:bgRef>
+    </p:bg>
+    <p:spTree>
+      <p:nvGrpSpPr>
+        <p:cNvPr id="1" name=""/>
+        <p:cNvGrpSpPr/>
+        <p:nvPr/>
+      </p:nvGrpSpPr>
+      <p:grpSpPr>
+        <a:xfrm>
+          <a:off x="0" y="0"/>
+          <a:ext cx="0" cy="0"/>
+          <a:chOff x="0" y="0"/>
+          <a:chExt cx="0" cy="0"/>
+        </a:xfrm>
+      </p:grpSpPr>
+      <p:sp>
+        <p:nvSpPr>
+          <p:cNvPr id="2" name="Header Placeholder 1"/>
+          <p:cNvSpPr>
+            <a:spLocks noGrp="1"/>
+          </p:cNvSpPr>
+          <p:nvPr>
+            <p:ph type="hdr" sz="quarter"/>
+          </p:nvPr>
+        </p:nvSpPr>
+        <p:spPr>
+          <a:xfrm>
+            <a:off x="0" y="0"/>
+            <a:ext cx="2971800" cy="458788"/>
+          </a:xfrm>
+          <a:prstGeom prst="rect">
+            <a:avLst/>
+          </a:prstGeom>
+        </p:spPr>
+        <p:txBody>
+          <a:bodyPr vert="horz" lIns="91440" tIns="45720" rIns="91440" bIns="45720" rtlCol="0"/>
+          <a:lstStyle>
+            <a:lvl1pPr algn="l">
+              <a:defRPr sz="1200"/>
+            </a:lvl1pPr>
+          </a:lstStyle>
+          <a:p>
+            <a:endParaRPr lang="en-US"/>
+          </a:p>
+        </p:txBody>
+      </p:sp>
+      <p:sp>
+        <p:nvSpPr>
+          <p:cNvPr id="3" name="Date Placeholder 2"/>
+          <p:cNvSpPr>
+            <a:spLocks noGrp="1"/>
+          </p:cNvSpPr>
+          <p:nvPr>
+            <p:ph type="dt" idx="1"/>
+          </p:nvPr>
+        </p:nvSpPr>
+        <p:spPr>
+          <a:xfrm>
+            <a:off x="3884613" y="0"/>
+            <a:ext cx="2971800" cy="458788"/>
+          </a:xfrm>
+          <a:prstGeom prst="rect">
+            <a:avLst/>
+          </a:prstGeom>
+        </p:spPr>
+        <p:txBody>
+          <a:bodyPr vert="horz" lIns="91440" tIns="45720" rIns="91440" bIns="45720" rtlCol="0"/>
+          <a:lstStyle>
+            <a:lvl1pPr algn="r">
+              <a:defRPr sz="1200"/>
+            </a:lvl1pPr>
+          </a:lstStyle>
+          <a:p>
+            <a:fld id="{5E44D790-C6AA-4DEF-83DD-7C4E54FFC5FA}" type="datetimeFigureOut">
+              <a:rPr lang="en-US" smtClean="0"/>
+              <a:t>11/5/2024</a:t>
+            </a:fld>
+            <a:endParaRPr lang="en-US"/>
+          </a:p>
+        </p:txBody>
+      </p:sp>
+      <p:sp>
+        <p:nvSpPr>
+          <p:cNvPr id="4" name="Slide Image Placeholder 3"/>
+          <p:cNvSpPr>
+            <a:spLocks noGrp="1" noRot="1" noChangeAspect="1"/>
+          </p:cNvSpPr>
+          <p:nvPr>
+            <p:ph type="sldImg" idx="2"/>
+          </p:nvPr>
+        </p:nvSpPr>
+        <p:spPr>
+          <a:xfrm>
+            <a:off x="685800" y="1143000"/>
+            <a:ext cx="5486400" cy="3086100"/>
+          </a:xfrm>
+          <a:prstGeom prst="rect">
+            <a:avLst/>
+          </a:prstGeom>
+          <a:noFill/>
+          <a:ln w="12700">
+            <a:solidFill>
+              <a:prstClr val="black"/>
+            </a:solidFill>
+          </a:ln>
+        </p:spPr>
+        <p:txBody>
+          <a:bodyPr vert="horz" lIns="91440" tIns="45720" rIns="91440" bIns="45720" rtlCol="0" anchor="ctr"/>
+          <a:lstStyle/>
+          <a:p>
+            <a:endParaRPr lang="en-US"/>
+          </a:p>
+        </p:txBody>
+      </p:sp>
+      <p:sp>
+        <p:nvSpPr>
+          <p:cNvPr id="5" name="Notes Placeholder 4"/>
+          <p:cNvSpPr>
+            <a:spLocks noGrp="1"/>
+          </p:cNvSpPr>
+          <p:nvPr>
+            <p:ph type="body" sz="quarter" idx="3"/>
+          </p:nvPr>
+        </p:nvSpPr>
+        <p:spPr>
+          <a:xfrm>
+            <a:off x="685800" y="4400550"/>
+            <a:ext cx="5486400" cy="3600450"/>
+          </a:xfrm>
+          <a:prstGeom prst="rect">
+            <a:avLst/>
+          </a:prstGeom>
+        </p:spPr>
+        <p:txBody>
+          <a:bodyPr vert="horz" lIns="91440" tIns="45720" rIns="91440" bIns="45720" rtlCol="0"/>
+          <a:lstStyle/>
+          <a:p>
+            <a:pPr lvl="0"/>
+            <a:r>
+              <a:rPr lang="en-US"/>
+              <a:t>Click to edit Master text styles</a:t>
+            </a:r>
+          </a:p>
+          <a:p>
+            <a:pPr lvl="1"/>
+            <a:r>
+              <a:rPr lang="en-US"/>
+              <a:t>Second level</a:t>
+            </a:r>
+          </a:p>
+          <a:p>
+            <a:pPr lvl="2"/>
+            <a:r>
+              <a:rPr lang="en-US"/>
+              <a:t>Third level</a:t>
+            </a:r>
+          </a:p>
+          <a:p>
+            <a:pPr lvl="3"/>
+            <a:r>
+              <a:rPr lang="en-US"/>
+              <a:t>Fourth level</a:t>
+            </a:r>
+          </a:p>
+          <a:p>
+            <a:pPr lvl="4"/>
+            <a:r>
+              <a:rPr lang="en-US"/>
+              <a:t>Fifth level</a:t>
+            </a:r>
+          </a:p>
+        </p:txBody>
+      </p:sp>
+      <p:sp>
+        <p:nvSpPr>
+          <p:cNvPr id="6" name="Footer Placeholder 5"/>
+          <p:cNvSpPr>
+            <a:spLocks noGrp="1"/>
+          </p:cNvSpPr>
+          <p:nvPr>
+            <p:ph type="ftr" sz="quarter" idx="4"/>
+          </p:nvPr>
+        </p:nvSpPr>
+        <p:spPr>
+          <a:xfrm>
+            <a:off x="0" y="8685213"/>
+            <a:ext cx="2971800" cy="458787"/>
+          </a:xfrm>
+          <a:prstGeom prst="rect">
+            <a:avLst/>
+          </a:prstGeom>
+        </p:spPr>
+        <p:txBody>
+          <a:bodyPr vert="horz" lIns="91440" tIns="45720" rIns="91440" bIns="45720" rtlCol="0" anchor="b"/>
+          <a:lstStyle>
+            <a:lvl1pPr algn="l">
+              <a:defRPr sz="1200"/>
+            </a:lvl1pPr>
+          </a:lstStyle>
+          <a:p>
+            <a:endParaRPr lang="en-US"/>
+          </a:p>
+        </p:txBody>
+      </p:sp>
+      <p:sp>
+        <p:nvSpPr>
+          <p:cNvPr id="7" name="Slide Number Placeholder 6"/>
+          <p:cNvSpPr>
+            <a:spLocks noGrp="1"/>
+          </p:cNvSpPr>
+          <p:nvPr>
+            <p:ph type="sldNum" sz="quarter" idx="5"/>
+          </p:nvPr>
+        </p:nvSpPr>
+        <p:spPr>
+          <a:xfrm>
+            <a:off x="3884613" y="8685213"/>
+            <a:ext cx="2971800" cy="458787"/>
+          </a:xfrm>
+          <a:prstGeom prst="rect">
+            <a:avLst/>
+          </a:prstGeom>
+        </p:spPr>
+        <p:txBody>
+          <a:bodyPr vert="horz" lIns="91440" tIns="45720" rIns="91440" bIns="45720" rtlCol="0" anchor="b"/>
+          <a:lstStyle>
+            <a:lvl1pPr algn="r">
+              <a:defRPr sz="1200"/>
+            </a:lvl1pPr>
+          </a:lstStyle>
+          <a:p>
+            <a:fld id="{FEB35AE4-2DAB-4AB3-817D-25476F56B4F3}" type="slidenum">
+              <a:rPr lang="en-US" smtClean="0"/>
+              <a:t>‹#›</a:t>
+            </a:fld>
+            <a:endParaRPr lang="en-US"/>
+          </a:p>
+        </p:txBody>
+      </p:sp>
+    </p:spTree>
+    <p:extLst>
+      <p:ext uri="{BB962C8B-B14F-4D97-AF65-F5344CB8AC3E}">
+        <p14:creationId xmlns:p14="http://schemas.microsoft.com/office/powerpoint/2010/main" val="2364956472"/>
+      </p:ext>
+    </p:extLst>
+  </p:cSld>
+  <p:clrMap bg1="lt1" tx1="dk1" bg2="lt2" tx2="dk2" accent1="accent1" accent2="accent2" accent3="accent3" accent4="accent4" accent5="accent5" accent6="accent6" hlink="hlink" folHlink="folHlink"/>
+  <p:notesStyle>
+    <a:lvl1pPr marL="0" algn="l" defTabSz="914400" rtl="0" eaLnBrk="1" latinLnBrk="0" hangingPunct="1">
+      <a:defRPr sz="1200" kern="1200">
+        <a:solidFill>
+          <a:schemeClr val="tx1"/>
+        </a:solidFill>
+        <a:latin typeface="+mn-lt"/>
+        <a:ea typeface="+mn-ea"/>
+        <a:cs typeface="+mn-cs"/>
+      </a:defRPr>
+    </a:lvl1pPr>
+    <a:lvl2pPr marL="457200" algn="l" defTabSz="914400" rtl="0" eaLnBrk="1" latinLnBrk="0" hangingPunct="1">
+      <a:defRPr sz="1200" kern="1200">
+        <a:solidFill>
+          <a:schemeClr val="tx1"/>
+        </a:solidFill>
+        <a:latin typeface="+mn-lt"/>
+        <a:ea typeface="+mn-ea"/>
+        <a:cs typeface="+mn-cs"/>
+      </a:defRPr>
+    </a:lvl2pPr>
+    <a:lvl3pPr marL="914400" algn="l" defTabSz="914400" rtl="0" eaLnBrk="1" latinLnBrk="0" hangingPunct="1">
+      <a:defRPr sz="1200" kern="1200">
+        <a:solidFill>
+          <a:schemeClr val="tx1"/>
+        </a:solidFill>
+        <a:latin typeface="+mn-lt"/>
+        <a:ea typeface="+mn-ea"/>
+        <a:cs typeface="+mn-cs"/>
+      </a:defRPr>
+    </a:lvl3pPr>
+    <a:lvl4pPr marL="1371600" algn="l" defTabSz="914400" rtl="0" eaLnBrk="1" latinLnBrk="0" hangingPunct="1">
+      <a:defRPr sz="1200" kern="1200">
+        <a:solidFill>
+          <a:schemeClr val="tx1"/>
+        </a:solidFill>
+        <a:latin typeface="+mn-lt"/>
+        <a:ea typeface="+mn-ea"/>
+        <a:cs typeface="+mn-cs"/>
+      </a:defRPr>
+    </a:lvl4pPr>
+    <a:lvl5pPr marL="1828800" algn="l" defTabSz="914400" rtl="0" eaLnBrk="1" latinLnBrk="0" hangingPunct="1">
+      <a:defRPr sz="1200" kern="1200">
+        <a:solidFill>
+          <a:schemeClr val="tx1"/>
+        </a:solidFill>
+        <a:latin typeface="+mn-lt"/>
+        <a:ea typeface="+mn-ea"/>
+        <a:cs typeface="+mn-cs"/>
+      </a:defRPr>
+    </a:lvl5pPr>
+    <a:lvl6pPr marL="2286000" algn="l" defTabSz="914400" rtl="0" eaLnBrk="1" latinLnBrk="0" hangingPunct="1">
+      <a:defRPr sz="1200" kern="1200">
+        <a:solidFill>
+          <a:schemeClr val="tx1"/>
+        </a:solidFill>
+        <a:latin typeface="+mn-lt"/>
+        <a:ea typeface="+mn-ea"/>
+        <a:cs typeface="+mn-cs"/>
+      </a:defRPr>
+    </a:lvl6pPr>
+    <a:lvl7pPr marL="2743200" algn="l" defTabSz="914400" rtl="0" eaLnBrk="1" latinLnBrk="0" hangingPunct="1">
+      <a:defRPr sz="1200" kern="1200">
+        <a:solidFill>
+          <a:schemeClr val="tx1"/>
+        </a:solidFill>
+        <a:latin typeface="+mn-lt"/>
+        <a:ea typeface="+mn-ea"/>
+        <a:cs typeface="+mn-cs"/>
+      </a:defRPr>
+    </a:lvl7pPr>
+    <a:lvl8pPr marL="3200400" algn="l" defTabSz="914400" rtl="0" eaLnBrk="1" latinLnBrk="0" hangingPunct="1">
+      <a:defRPr sz="1200" kern="1200">
+        <a:solidFill>
+          <a:schemeClr val="tx1"/>
+        </a:solidFill>
+        <a:latin typeface="+mn-lt"/>
+        <a:ea typeface="+mn-ea"/>
+        <a:cs typeface="+mn-cs"/>
+      </a:defRPr>
+    </a:lvl8pPr>
+    <a:lvl9pPr marL="3657600" algn="l" defTabSz="914400" rtl="0" eaLnBrk="1" latinLnBrk="0" hangingPunct="1">
+      <a:defRPr sz="1200" kern="1200">
+        <a:solidFill>
+          <a:schemeClr val="tx1"/>
+        </a:solidFill>
+        <a:latin typeface="+mn-lt"/>
+        <a:ea typeface="+mn-ea"/>
+        <a:cs typeface="+mn-cs"/>
+      </a:defRPr>
+    </a:lvl9pPr>
+  </p:notesStyle>
+</p:notesMaster>
+</file>
+
 <file path=ppt/slideLayouts/slideLayout1.xml><?xml version="1.0" encoding="utf-8"?>
 <p:sldLayout xmlns:a="http://schemas.openxmlformats.org/drawingml/2006/main" xmlns:r="http://schemas.openxmlformats.org/officeDocument/2006/relationships" xmlns:p="http://schemas.openxmlformats.org/presentationml/2006/main" showMasterSp="0" type="title" preserve="1">
   <p:cSld name="Title Slide">
@@ -390,9 +742,9 @@
           <a:bodyPr/>
           <a:lstStyle/>
           <a:p>
-            <a:fld id="{DF0DA02A-3D36-4521-B995-F6A931B35345}" type="datetimeFigureOut">
+            <a:fld id="{A7EDE1C9-900E-467C-BEB4-94131E6BF7CE}" type="datetime1">
               <a:rPr lang="en-US" smtClean="0"/>
-              <a:t>10/14/2024</a:t>
+              <a:t>11/5/2024</a:t>
             </a:fld>
             <a:endParaRPr lang="en-US"/>
           </a:p>
@@ -598,9 +950,9 @@
           <a:bodyPr/>
           <a:lstStyle/>
           <a:p>
-            <a:fld id="{DF0DA02A-3D36-4521-B995-F6A931B35345}" type="datetimeFigureOut">
+            <a:fld id="{088578EA-1F8C-4778-B24D-3DADBC623DEF}" type="datetime1">
               <a:rPr lang="en-US" smtClean="0"/>
-              <a:t>10/14/2024</a:t>
+              <a:t>11/5/2024</a:t>
             </a:fld>
             <a:endParaRPr lang="en-US"/>
           </a:p>
@@ -854,9 +1206,9 @@
           <a:bodyPr/>
           <a:lstStyle/>
           <a:p>
-            <a:fld id="{DF0DA02A-3D36-4521-B995-F6A931B35345}" type="datetimeFigureOut">
+            <a:fld id="{7687E06F-1F12-45C0-8087-D9D71644E4AB}" type="datetime1">
               <a:rPr lang="en-US" smtClean="0"/>
-              <a:t>10/14/2024</a:t>
+              <a:t>11/5/2024</a:t>
             </a:fld>
             <a:endParaRPr lang="en-US"/>
           </a:p>
@@ -1039,9 +1391,9 @@
           <a:bodyPr/>
           <a:lstStyle/>
           <a:p>
-            <a:fld id="{DF0DA02A-3D36-4521-B995-F6A931B35345}" type="datetimeFigureOut">
+            <a:fld id="{2720F0AE-27FD-444A-9F31-6233C1789F51}" type="datetime1">
               <a:rPr lang="en-US" smtClean="0"/>
-              <a:t>10/14/2024</a:t>
+              <a:t>11/5/2024</a:t>
             </a:fld>
             <a:endParaRPr lang="en-US"/>
           </a:p>
@@ -1382,9 +1734,9 @@
           <a:bodyPr/>
           <a:lstStyle/>
           <a:p>
-            <a:fld id="{DF0DA02A-3D36-4521-B995-F6A931B35345}" type="datetimeFigureOut">
+            <a:fld id="{237BBEFF-17BC-4CA5-86E2-3FBC9C45EA50}" type="datetime1">
               <a:rPr lang="en-US" smtClean="0"/>
-              <a:t>10/14/2024</a:t>
+              <a:t>11/5/2024</a:t>
             </a:fld>
             <a:endParaRPr lang="en-US"/>
           </a:p>
@@ -1687,9 +2039,9 @@
           <a:bodyPr/>
           <a:lstStyle/>
           <a:p>
-            <a:fld id="{DF0DA02A-3D36-4521-B995-F6A931B35345}" type="datetimeFigureOut">
+            <a:fld id="{A91C3758-12C0-40C1-8603-D79D3F812A26}" type="datetime1">
               <a:rPr lang="en-US" smtClean="0"/>
-              <a:t>10/14/2024</a:t>
+              <a:t>11/5/2024</a:t>
             </a:fld>
             <a:endParaRPr lang="en-US"/>
           </a:p>
@@ -2096,9 +2448,9 @@
           <a:bodyPr/>
           <a:lstStyle/>
           <a:p>
-            <a:fld id="{DF0DA02A-3D36-4521-B995-F6A931B35345}" type="datetimeFigureOut">
+            <a:fld id="{0057A4EF-517E-4B06-97FD-457A7B53C1FB}" type="datetime1">
               <a:rPr lang="en-US" smtClean="0"/>
-              <a:t>10/14/2024</a:t>
+              <a:t>11/5/2024</a:t>
             </a:fld>
             <a:endParaRPr lang="en-US"/>
           </a:p>
@@ -2214,9 +2566,9 @@
           <a:bodyPr/>
           <a:lstStyle/>
           <a:p>
-            <a:fld id="{DF0DA02A-3D36-4521-B995-F6A931B35345}" type="datetimeFigureOut">
+            <a:fld id="{428ABEED-C412-4593-846B-45C792C458F8}" type="datetime1">
               <a:rPr lang="en-US" smtClean="0"/>
-              <a:t>10/14/2024</a:t>
+              <a:t>11/5/2024</a:t>
             </a:fld>
             <a:endParaRPr lang="en-US"/>
           </a:p>
@@ -2385,9 +2737,9 @@
           <a:bodyPr/>
           <a:lstStyle/>
           <a:p>
-            <a:fld id="{DF0DA02A-3D36-4521-B995-F6A931B35345}" type="datetimeFigureOut">
+            <a:fld id="{29C35E4C-9D30-4671-A42D-DF35CEFE4AD1}" type="datetime1">
               <a:rPr lang="en-US" smtClean="0"/>
-              <a:t>10/14/2024</a:t>
+              <a:t>11/5/2024</a:t>
             </a:fld>
             <a:endParaRPr lang="en-US"/>
           </a:p>
@@ -2754,9 +3106,9 @@
             </a:lvl1pPr>
           </a:lstStyle>
           <a:p>
-            <a:fld id="{DF0DA02A-3D36-4521-B995-F6A931B35345}" type="datetimeFigureOut">
+            <a:fld id="{7DE6F52F-DE9B-4945-B068-BE65C4F60B12}" type="datetime1">
               <a:rPr lang="en-US" smtClean="0"/>
-              <a:t>10/14/2024</a:t>
+              <a:t>11/5/2024</a:t>
             </a:fld>
             <a:endParaRPr lang="en-US"/>
           </a:p>
@@ -3131,9 +3483,9 @@
           <a:bodyPr/>
           <a:lstStyle/>
           <a:p>
-            <a:fld id="{DF0DA02A-3D36-4521-B995-F6A931B35345}" type="datetimeFigureOut">
+            <a:fld id="{1A4C11B6-EFD9-45F9-A533-73E0F624AA0B}" type="datetime1">
               <a:rPr lang="en-US" smtClean="0"/>
-              <a:t>10/14/2024</a:t>
+              <a:t>11/5/2024</a:t>
             </a:fld>
             <a:endParaRPr lang="en-US"/>
           </a:p>
@@ -3418,9 +3770,9 @@
             </a:lvl1pPr>
           </a:lstStyle>
           <a:p>
-            <a:fld id="{DF0DA02A-3D36-4521-B995-F6A931B35345}" type="datetimeFigureOut">
+            <a:fld id="{62B17565-4AD5-421E-A963-D436359853E9}" type="datetime1">
               <a:rPr lang="en-US" smtClean="0"/>
-              <a:t>10/14/2024</a:t>
+              <a:t>11/5/2024</a:t>
             </a:fld>
             <a:endParaRPr lang="en-US"/>
           </a:p>
@@ -3559,6 +3911,7 @@
     <p:sldLayoutId id="2147483706" r:id="rId10"/>
     <p:sldLayoutId id="2147483707" r:id="rId11"/>
   </p:sldLayoutIdLst>
+  <p:hf hdr="0" ftr="0" dt="0"/>
   <p:txStyles>
     <p:titleStyle>
       <a:lvl1pPr algn="l" defTabSz="914400" rtl="0" eaLnBrk="1" latinLnBrk="0" hangingPunct="1">
@@ -4031,6 +4384,35 @@
           </a:p>
         </p:txBody>
       </p:sp>
+      <p:sp>
+        <p:nvSpPr>
+          <p:cNvPr id="4" name="Slide Number Placeholder 3">
+            <a:extLst>
+              <a:ext uri="{FF2B5EF4-FFF2-40B4-BE49-F238E27FC236}">
+                <a16:creationId xmlns:a16="http://schemas.microsoft.com/office/drawing/2014/main" id="{D773CA89-346F-9F0F-4DE1-D52A009A05A3}"/>
+              </a:ext>
+            </a:extLst>
+          </p:cNvPr>
+          <p:cNvSpPr>
+            <a:spLocks noGrp="1"/>
+          </p:cNvSpPr>
+          <p:nvPr>
+            <p:ph type="sldNum" sz="quarter" idx="12"/>
+          </p:nvPr>
+        </p:nvSpPr>
+        <p:spPr/>
+        <p:txBody>
+          <a:bodyPr/>
+          <a:lstStyle/>
+          <a:p>
+            <a:fld id="{9BF27F29-4B64-4A24-936A-FF41C34C242B}" type="slidenum">
+              <a:rPr lang="en-US" smtClean="0"/>
+              <a:t>1</a:t>
+            </a:fld>
+            <a:endParaRPr lang="en-US"/>
+          </a:p>
+        </p:txBody>
+      </p:sp>
     </p:spTree>
     <p:extLst>
       <p:ext uri="{BB962C8B-B14F-4D97-AF65-F5344CB8AC3E}">
@@ -4151,6 +4533,35 @@
           </a:p>
         </p:txBody>
       </p:sp>
+      <p:sp>
+        <p:nvSpPr>
+          <p:cNvPr id="4" name="Slide Number Placeholder 3">
+            <a:extLst>
+              <a:ext uri="{FF2B5EF4-FFF2-40B4-BE49-F238E27FC236}">
+                <a16:creationId xmlns:a16="http://schemas.microsoft.com/office/drawing/2014/main" id="{8FA49830-ECC4-11AD-6E55-4BF5B3C2F292}"/>
+              </a:ext>
+            </a:extLst>
+          </p:cNvPr>
+          <p:cNvSpPr>
+            <a:spLocks noGrp="1"/>
+          </p:cNvSpPr>
+          <p:nvPr>
+            <p:ph type="sldNum" sz="quarter" idx="12"/>
+          </p:nvPr>
+        </p:nvSpPr>
+        <p:spPr/>
+        <p:txBody>
+          <a:bodyPr/>
+          <a:lstStyle/>
+          <a:p>
+            <a:fld id="{9BF27F29-4B64-4A24-936A-FF41C34C242B}" type="slidenum">
+              <a:rPr lang="en-US" smtClean="0"/>
+              <a:t>10</a:t>
+            </a:fld>
+            <a:endParaRPr lang="en-US"/>
+          </a:p>
+        </p:txBody>
+      </p:sp>
     </p:spTree>
     <p:extLst>
       <p:ext uri="{BB962C8B-B14F-4D97-AF65-F5344CB8AC3E}">
@@ -4399,6 +4810,35 @@
           </a:p>
         </p:txBody>
       </p:sp>
+      <p:sp>
+        <p:nvSpPr>
+          <p:cNvPr id="6" name="Slide Number Placeholder 5">
+            <a:extLst>
+              <a:ext uri="{FF2B5EF4-FFF2-40B4-BE49-F238E27FC236}">
+                <a16:creationId xmlns:a16="http://schemas.microsoft.com/office/drawing/2014/main" id="{DE5D7313-CFD4-9C93-2C5E-C588509F1343}"/>
+              </a:ext>
+            </a:extLst>
+          </p:cNvPr>
+          <p:cNvSpPr>
+            <a:spLocks noGrp="1"/>
+          </p:cNvSpPr>
+          <p:nvPr>
+            <p:ph type="sldNum" sz="quarter" idx="12"/>
+          </p:nvPr>
+        </p:nvSpPr>
+        <p:spPr/>
+        <p:txBody>
+          <a:bodyPr/>
+          <a:lstStyle/>
+          <a:p>
+            <a:fld id="{9BF27F29-4B64-4A24-936A-FF41C34C242B}" type="slidenum">
+              <a:rPr lang="en-US" smtClean="0"/>
+              <a:t>11</a:t>
+            </a:fld>
+            <a:endParaRPr lang="en-US"/>
+          </a:p>
+        </p:txBody>
+      </p:sp>
     </p:spTree>
     <p:extLst>
       <p:ext uri="{BB962C8B-B14F-4D97-AF65-F5344CB8AC3E}">
@@ -4518,6 +4958,35 @@
           </a:p>
         </p:txBody>
       </p:sp>
+      <p:sp>
+        <p:nvSpPr>
+          <p:cNvPr id="4" name="Slide Number Placeholder 3">
+            <a:extLst>
+              <a:ext uri="{FF2B5EF4-FFF2-40B4-BE49-F238E27FC236}">
+                <a16:creationId xmlns:a16="http://schemas.microsoft.com/office/drawing/2014/main" id="{E0BA74A8-071E-DB0B-C0D9-B186FF76E762}"/>
+              </a:ext>
+            </a:extLst>
+          </p:cNvPr>
+          <p:cNvSpPr>
+            <a:spLocks noGrp="1"/>
+          </p:cNvSpPr>
+          <p:nvPr>
+            <p:ph type="sldNum" sz="quarter" idx="12"/>
+          </p:nvPr>
+        </p:nvSpPr>
+        <p:spPr/>
+        <p:txBody>
+          <a:bodyPr/>
+          <a:lstStyle/>
+          <a:p>
+            <a:fld id="{9BF27F29-4B64-4A24-936A-FF41C34C242B}" type="slidenum">
+              <a:rPr lang="en-US" smtClean="0"/>
+              <a:t>12</a:t>
+            </a:fld>
+            <a:endParaRPr lang="en-US"/>
+          </a:p>
+        </p:txBody>
+      </p:sp>
     </p:spTree>
     <p:extLst>
       <p:ext uri="{BB962C8B-B14F-4D97-AF65-F5344CB8AC3E}">
@@ -4684,6 +5153,35 @@
           </a:p>
         </p:txBody>
       </p:sp>
+      <p:sp>
+        <p:nvSpPr>
+          <p:cNvPr id="4" name="Slide Number Placeholder 3">
+            <a:extLst>
+              <a:ext uri="{FF2B5EF4-FFF2-40B4-BE49-F238E27FC236}">
+                <a16:creationId xmlns:a16="http://schemas.microsoft.com/office/drawing/2014/main" id="{49BDF220-1E0C-DBD3-F3C5-ECBB8F4F3D69}"/>
+              </a:ext>
+            </a:extLst>
+          </p:cNvPr>
+          <p:cNvSpPr>
+            <a:spLocks noGrp="1"/>
+          </p:cNvSpPr>
+          <p:nvPr>
+            <p:ph type="sldNum" sz="quarter" idx="12"/>
+          </p:nvPr>
+        </p:nvSpPr>
+        <p:spPr/>
+        <p:txBody>
+          <a:bodyPr/>
+          <a:lstStyle/>
+          <a:p>
+            <a:fld id="{9BF27F29-4B64-4A24-936A-FF41C34C242B}" type="slidenum">
+              <a:rPr lang="en-US" smtClean="0"/>
+              <a:t>13</a:t>
+            </a:fld>
+            <a:endParaRPr lang="en-US"/>
+          </a:p>
+        </p:txBody>
+      </p:sp>
     </p:spTree>
     <p:extLst>
       <p:ext uri="{BB962C8B-B14F-4D97-AF65-F5344CB8AC3E}">
@@ -5111,6 +5609,35 @@
           </a:p>
         </p:txBody>
       </p:sp>
+      <p:sp>
+        <p:nvSpPr>
+          <p:cNvPr id="4" name="Slide Number Placeholder 3">
+            <a:extLst>
+              <a:ext uri="{FF2B5EF4-FFF2-40B4-BE49-F238E27FC236}">
+                <a16:creationId xmlns:a16="http://schemas.microsoft.com/office/drawing/2014/main" id="{C1734A01-612C-CFFB-A360-FF0ED2A305C1}"/>
+              </a:ext>
+            </a:extLst>
+          </p:cNvPr>
+          <p:cNvSpPr>
+            <a:spLocks noGrp="1"/>
+          </p:cNvSpPr>
+          <p:nvPr>
+            <p:ph type="sldNum" sz="quarter" idx="12"/>
+          </p:nvPr>
+        </p:nvSpPr>
+        <p:spPr/>
+        <p:txBody>
+          <a:bodyPr/>
+          <a:lstStyle/>
+          <a:p>
+            <a:fld id="{9BF27F29-4B64-4A24-936A-FF41C34C242B}" type="slidenum">
+              <a:rPr lang="en-US" smtClean="0"/>
+              <a:t>14</a:t>
+            </a:fld>
+            <a:endParaRPr lang="en-US"/>
+          </a:p>
+        </p:txBody>
+      </p:sp>
     </p:spTree>
     <p:extLst>
       <p:ext uri="{BB962C8B-B14F-4D97-AF65-F5344CB8AC3E}">
@@ -5252,6 +5779,35 @@
           </a:p>
         </p:txBody>
       </p:sp>
+      <p:sp>
+        <p:nvSpPr>
+          <p:cNvPr id="4" name="Slide Number Placeholder 3">
+            <a:extLst>
+              <a:ext uri="{FF2B5EF4-FFF2-40B4-BE49-F238E27FC236}">
+                <a16:creationId xmlns:a16="http://schemas.microsoft.com/office/drawing/2014/main" id="{2CE542DC-41DE-9031-FA02-1DE276687E36}"/>
+              </a:ext>
+            </a:extLst>
+          </p:cNvPr>
+          <p:cNvSpPr>
+            <a:spLocks noGrp="1"/>
+          </p:cNvSpPr>
+          <p:nvPr>
+            <p:ph type="sldNum" sz="quarter" idx="12"/>
+          </p:nvPr>
+        </p:nvSpPr>
+        <p:spPr/>
+        <p:txBody>
+          <a:bodyPr/>
+          <a:lstStyle/>
+          <a:p>
+            <a:fld id="{9BF27F29-4B64-4A24-936A-FF41C34C242B}" type="slidenum">
+              <a:rPr lang="en-US" smtClean="0"/>
+              <a:t>15</a:t>
+            </a:fld>
+            <a:endParaRPr lang="en-US"/>
+          </a:p>
+        </p:txBody>
+      </p:sp>
     </p:spTree>
     <p:extLst>
       <p:ext uri="{BB962C8B-B14F-4D97-AF65-F5344CB8AC3E}">
@@ -5335,6 +5891,35 @@
           </a:p>
         </p:txBody>
       </p:sp>
+      <p:sp>
+        <p:nvSpPr>
+          <p:cNvPr id="4" name="Slide Number Placeholder 3">
+            <a:extLst>
+              <a:ext uri="{FF2B5EF4-FFF2-40B4-BE49-F238E27FC236}">
+                <a16:creationId xmlns:a16="http://schemas.microsoft.com/office/drawing/2014/main" id="{739C57F1-CA4B-C16A-3F06-7413823F9945}"/>
+              </a:ext>
+            </a:extLst>
+          </p:cNvPr>
+          <p:cNvSpPr>
+            <a:spLocks noGrp="1"/>
+          </p:cNvSpPr>
+          <p:nvPr>
+            <p:ph type="sldNum" sz="quarter" idx="12"/>
+          </p:nvPr>
+        </p:nvSpPr>
+        <p:spPr/>
+        <p:txBody>
+          <a:bodyPr/>
+          <a:lstStyle/>
+          <a:p>
+            <a:fld id="{9BF27F29-4B64-4A24-936A-FF41C34C242B}" type="slidenum">
+              <a:rPr lang="en-US" smtClean="0"/>
+              <a:t>16</a:t>
+            </a:fld>
+            <a:endParaRPr lang="en-US"/>
+          </a:p>
+        </p:txBody>
+      </p:sp>
     </p:spTree>
     <p:extLst>
       <p:ext uri="{BB962C8B-B14F-4D97-AF65-F5344CB8AC3E}">
@@ -5477,6 +6062,35 @@
               <a:t>new world of literature</a:t>
             </a:r>
             <a:endParaRPr lang="en-US" dirty="0"/>
+          </a:p>
+        </p:txBody>
+      </p:sp>
+      <p:sp>
+        <p:nvSpPr>
+          <p:cNvPr id="4" name="Slide Number Placeholder 3">
+            <a:extLst>
+              <a:ext uri="{FF2B5EF4-FFF2-40B4-BE49-F238E27FC236}">
+                <a16:creationId xmlns:a16="http://schemas.microsoft.com/office/drawing/2014/main" id="{BEA4176A-E947-5EC1-5826-1734224DB66E}"/>
+              </a:ext>
+            </a:extLst>
+          </p:cNvPr>
+          <p:cNvSpPr>
+            <a:spLocks noGrp="1"/>
+          </p:cNvSpPr>
+          <p:nvPr>
+            <p:ph type="sldNum" sz="quarter" idx="12"/>
+          </p:nvPr>
+        </p:nvSpPr>
+        <p:spPr/>
+        <p:txBody>
+          <a:bodyPr/>
+          <a:lstStyle/>
+          <a:p>
+            <a:fld id="{9BF27F29-4B64-4A24-936A-FF41C34C242B}" type="slidenum">
+              <a:rPr lang="en-US" smtClean="0"/>
+              <a:t>17</a:t>
+            </a:fld>
+            <a:endParaRPr lang="en-US"/>
           </a:p>
         </p:txBody>
       </p:sp>
@@ -5720,6 +6334,35 @@
           </a:p>
         </p:txBody>
       </p:sp>
+      <p:sp>
+        <p:nvSpPr>
+          <p:cNvPr id="8" name="Slide Number Placeholder 7">
+            <a:extLst>
+              <a:ext uri="{FF2B5EF4-FFF2-40B4-BE49-F238E27FC236}">
+                <a16:creationId xmlns:a16="http://schemas.microsoft.com/office/drawing/2014/main" id="{2A2A8651-0BEB-3FAF-2A97-58691CB3D11E}"/>
+              </a:ext>
+            </a:extLst>
+          </p:cNvPr>
+          <p:cNvSpPr>
+            <a:spLocks noGrp="1"/>
+          </p:cNvSpPr>
+          <p:nvPr>
+            <p:ph type="sldNum" sz="quarter" idx="12"/>
+          </p:nvPr>
+        </p:nvSpPr>
+        <p:spPr/>
+        <p:txBody>
+          <a:bodyPr/>
+          <a:lstStyle/>
+          <a:p>
+            <a:fld id="{9BF27F29-4B64-4A24-936A-FF41C34C242B}" type="slidenum">
+              <a:rPr lang="en-US" smtClean="0"/>
+              <a:t>18</a:t>
+            </a:fld>
+            <a:endParaRPr lang="en-US"/>
+          </a:p>
+        </p:txBody>
+      </p:sp>
     </p:spTree>
     <p:extLst>
       <p:ext uri="{BB962C8B-B14F-4D97-AF65-F5344CB8AC3E}">
@@ -6010,6 +6653,35 @@
           </a:p>
         </p:txBody>
       </p:sp>
+      <p:sp>
+        <p:nvSpPr>
+          <p:cNvPr id="9" name="Slide Number Placeholder 8">
+            <a:extLst>
+              <a:ext uri="{FF2B5EF4-FFF2-40B4-BE49-F238E27FC236}">
+                <a16:creationId xmlns:a16="http://schemas.microsoft.com/office/drawing/2014/main" id="{7B51EF1A-4A0B-63A1-B05E-8AB35DBF9393}"/>
+              </a:ext>
+            </a:extLst>
+          </p:cNvPr>
+          <p:cNvSpPr>
+            <a:spLocks noGrp="1"/>
+          </p:cNvSpPr>
+          <p:nvPr>
+            <p:ph type="sldNum" sz="quarter" idx="12"/>
+          </p:nvPr>
+        </p:nvSpPr>
+        <p:spPr/>
+        <p:txBody>
+          <a:bodyPr/>
+          <a:lstStyle/>
+          <a:p>
+            <a:fld id="{9BF27F29-4B64-4A24-936A-FF41C34C242B}" type="slidenum">
+              <a:rPr lang="en-US" smtClean="0"/>
+              <a:t>19</a:t>
+            </a:fld>
+            <a:endParaRPr lang="en-US"/>
+          </a:p>
+        </p:txBody>
+      </p:sp>
     </p:spTree>
     <p:extLst>
       <p:ext uri="{BB962C8B-B14F-4D97-AF65-F5344CB8AC3E}">
@@ -6141,6 +6813,35 @@
           </a:p>
           <a:p>
             <a:endParaRPr lang="en-US" dirty="0"/>
+          </a:p>
+        </p:txBody>
+      </p:sp>
+      <p:sp>
+        <p:nvSpPr>
+          <p:cNvPr id="4" name="Slide Number Placeholder 3">
+            <a:extLst>
+              <a:ext uri="{FF2B5EF4-FFF2-40B4-BE49-F238E27FC236}">
+                <a16:creationId xmlns:a16="http://schemas.microsoft.com/office/drawing/2014/main" id="{978D1BCC-0C0B-AFB8-952E-5859028A615D}"/>
+              </a:ext>
+            </a:extLst>
+          </p:cNvPr>
+          <p:cNvSpPr>
+            <a:spLocks noGrp="1"/>
+          </p:cNvSpPr>
+          <p:nvPr>
+            <p:ph type="sldNum" sz="quarter" idx="12"/>
+          </p:nvPr>
+        </p:nvSpPr>
+        <p:spPr/>
+        <p:txBody>
+          <a:bodyPr/>
+          <a:lstStyle/>
+          <a:p>
+            <a:fld id="{9BF27F29-4B64-4A24-936A-FF41C34C242B}" type="slidenum">
+              <a:rPr lang="en-US" smtClean="0"/>
+              <a:t>2</a:t>
+            </a:fld>
+            <a:endParaRPr lang="en-US"/>
           </a:p>
         </p:txBody>
       </p:sp>
@@ -6373,6 +7074,35 @@
               <a:rPr lang="en-US" sz="2400" dirty="0"/>
               <a:t>(where this too)</a:t>
             </a:r>
+          </a:p>
+        </p:txBody>
+      </p:sp>
+      <p:sp>
+        <p:nvSpPr>
+          <p:cNvPr id="6" name="Slide Number Placeholder 5">
+            <a:extLst>
+              <a:ext uri="{FF2B5EF4-FFF2-40B4-BE49-F238E27FC236}">
+                <a16:creationId xmlns:a16="http://schemas.microsoft.com/office/drawing/2014/main" id="{188A8AB6-4714-4793-1C77-61B1A2C6F2AC}"/>
+              </a:ext>
+            </a:extLst>
+          </p:cNvPr>
+          <p:cNvSpPr>
+            <a:spLocks noGrp="1"/>
+          </p:cNvSpPr>
+          <p:nvPr>
+            <p:ph type="sldNum" sz="quarter" idx="12"/>
+          </p:nvPr>
+        </p:nvSpPr>
+        <p:spPr/>
+        <p:txBody>
+          <a:bodyPr/>
+          <a:lstStyle/>
+          <a:p>
+            <a:fld id="{9BF27F29-4B64-4A24-936A-FF41C34C242B}" type="slidenum">
+              <a:rPr lang="en-US" smtClean="0"/>
+              <a:t>20</a:t>
+            </a:fld>
+            <a:endParaRPr lang="en-US"/>
           </a:p>
         </p:txBody>
       </p:sp>
@@ -7218,6 +7948,35 @@
           </a:p>
         </p:txBody>
       </p:sp>
+      <p:sp>
+        <p:nvSpPr>
+          <p:cNvPr id="6" name="Slide Number Placeholder 5">
+            <a:extLst>
+              <a:ext uri="{FF2B5EF4-FFF2-40B4-BE49-F238E27FC236}">
+                <a16:creationId xmlns:a16="http://schemas.microsoft.com/office/drawing/2014/main" id="{25507EE3-7F50-2011-674D-06F8CD64CC7F}"/>
+              </a:ext>
+            </a:extLst>
+          </p:cNvPr>
+          <p:cNvSpPr>
+            <a:spLocks noGrp="1"/>
+          </p:cNvSpPr>
+          <p:nvPr>
+            <p:ph type="sldNum" sz="quarter" idx="12"/>
+          </p:nvPr>
+        </p:nvSpPr>
+        <p:spPr/>
+        <p:txBody>
+          <a:bodyPr/>
+          <a:lstStyle/>
+          <a:p>
+            <a:fld id="{9BF27F29-4B64-4A24-936A-FF41C34C242B}" type="slidenum">
+              <a:rPr lang="en-US" smtClean="0"/>
+              <a:t>21</a:t>
+            </a:fld>
+            <a:endParaRPr lang="en-US"/>
+          </a:p>
+        </p:txBody>
+      </p:sp>
     </p:spTree>
     <p:extLst>
       <p:ext uri="{BB962C8B-B14F-4D97-AF65-F5344CB8AC3E}">
@@ -7787,6 +8546,35 @@
           </a:p>
         </p:txBody>
       </p:sp>
+      <p:sp>
+        <p:nvSpPr>
+          <p:cNvPr id="6" name="Slide Number Placeholder 5">
+            <a:extLst>
+              <a:ext uri="{FF2B5EF4-FFF2-40B4-BE49-F238E27FC236}">
+                <a16:creationId xmlns:a16="http://schemas.microsoft.com/office/drawing/2014/main" id="{33E9CB2D-7B78-4C52-D1DA-3D128357A50D}"/>
+              </a:ext>
+            </a:extLst>
+          </p:cNvPr>
+          <p:cNvSpPr>
+            <a:spLocks noGrp="1"/>
+          </p:cNvSpPr>
+          <p:nvPr>
+            <p:ph type="sldNum" sz="quarter" idx="12"/>
+          </p:nvPr>
+        </p:nvSpPr>
+        <p:spPr/>
+        <p:txBody>
+          <a:bodyPr/>
+          <a:lstStyle/>
+          <a:p>
+            <a:fld id="{9BF27F29-4B64-4A24-936A-FF41C34C242B}" type="slidenum">
+              <a:rPr lang="en-US" smtClean="0"/>
+              <a:t>22</a:t>
+            </a:fld>
+            <a:endParaRPr lang="en-US"/>
+          </a:p>
+        </p:txBody>
+      </p:sp>
     </p:spTree>
     <p:extLst>
       <p:ext uri="{BB962C8B-B14F-4D97-AF65-F5344CB8AC3E}">
@@ -7870,6 +8658,35 @@
           </a:p>
         </p:txBody>
       </p:sp>
+      <p:sp>
+        <p:nvSpPr>
+          <p:cNvPr id="4" name="Slide Number Placeholder 3">
+            <a:extLst>
+              <a:ext uri="{FF2B5EF4-FFF2-40B4-BE49-F238E27FC236}">
+                <a16:creationId xmlns:a16="http://schemas.microsoft.com/office/drawing/2014/main" id="{791EF474-3E93-C6C8-C80B-BE36A1E8F771}"/>
+              </a:ext>
+            </a:extLst>
+          </p:cNvPr>
+          <p:cNvSpPr>
+            <a:spLocks noGrp="1"/>
+          </p:cNvSpPr>
+          <p:nvPr>
+            <p:ph type="sldNum" sz="quarter" idx="12"/>
+          </p:nvPr>
+        </p:nvSpPr>
+        <p:spPr/>
+        <p:txBody>
+          <a:bodyPr/>
+          <a:lstStyle/>
+          <a:p>
+            <a:fld id="{9BF27F29-4B64-4A24-936A-FF41C34C242B}" type="slidenum">
+              <a:rPr lang="en-US" smtClean="0"/>
+              <a:t>23</a:t>
+            </a:fld>
+            <a:endParaRPr lang="en-US"/>
+          </a:p>
+        </p:txBody>
+      </p:sp>
     </p:spTree>
     <p:extLst>
       <p:ext uri="{BB962C8B-B14F-4D97-AF65-F5344CB8AC3E}">
@@ -7982,6 +8799,35 @@
           </a:p>
         </p:txBody>
       </p:sp>
+      <p:sp>
+        <p:nvSpPr>
+          <p:cNvPr id="4" name="Slide Number Placeholder 3">
+            <a:extLst>
+              <a:ext uri="{FF2B5EF4-FFF2-40B4-BE49-F238E27FC236}">
+                <a16:creationId xmlns:a16="http://schemas.microsoft.com/office/drawing/2014/main" id="{8E46145F-5002-BF35-E456-B4CDE2648242}"/>
+              </a:ext>
+            </a:extLst>
+          </p:cNvPr>
+          <p:cNvSpPr>
+            <a:spLocks noGrp="1"/>
+          </p:cNvSpPr>
+          <p:nvPr>
+            <p:ph type="sldNum" sz="quarter" idx="12"/>
+          </p:nvPr>
+        </p:nvSpPr>
+        <p:spPr/>
+        <p:txBody>
+          <a:bodyPr/>
+          <a:lstStyle/>
+          <a:p>
+            <a:fld id="{9BF27F29-4B64-4A24-936A-FF41C34C242B}" type="slidenum">
+              <a:rPr lang="en-US" smtClean="0"/>
+              <a:t>24</a:t>
+            </a:fld>
+            <a:endParaRPr lang="en-US"/>
+          </a:p>
+        </p:txBody>
+      </p:sp>
     </p:spTree>
     <p:extLst>
       <p:ext uri="{BB962C8B-B14F-4D97-AF65-F5344CB8AC3E}">
@@ -8243,6 +9089,35 @@
           </a:p>
           <a:p>
             <a:endParaRPr lang="en-US" dirty="0"/>
+          </a:p>
+        </p:txBody>
+      </p:sp>
+      <p:sp>
+        <p:nvSpPr>
+          <p:cNvPr id="4" name="Slide Number Placeholder 3">
+            <a:extLst>
+              <a:ext uri="{FF2B5EF4-FFF2-40B4-BE49-F238E27FC236}">
+                <a16:creationId xmlns:a16="http://schemas.microsoft.com/office/drawing/2014/main" id="{92D41AFD-0AFC-BB2A-BBF2-CA4137E83130}"/>
+              </a:ext>
+            </a:extLst>
+          </p:cNvPr>
+          <p:cNvSpPr>
+            <a:spLocks noGrp="1"/>
+          </p:cNvSpPr>
+          <p:nvPr>
+            <p:ph type="sldNum" sz="quarter" idx="12"/>
+          </p:nvPr>
+        </p:nvSpPr>
+        <p:spPr/>
+        <p:txBody>
+          <a:bodyPr/>
+          <a:lstStyle/>
+          <a:p>
+            <a:fld id="{9BF27F29-4B64-4A24-936A-FF41C34C242B}" type="slidenum">
+              <a:rPr lang="en-US" smtClean="0"/>
+              <a:t>25</a:t>
+            </a:fld>
+            <a:endParaRPr lang="en-US"/>
           </a:p>
         </p:txBody>
       </p:sp>
@@ -8685,6 +9560,35 @@
           </p:style>
         </p:cxnSp>
       </p:grpSp>
+      <p:sp>
+        <p:nvSpPr>
+          <p:cNvPr id="9" name="Slide Number Placeholder 8">
+            <a:extLst>
+              <a:ext uri="{FF2B5EF4-FFF2-40B4-BE49-F238E27FC236}">
+                <a16:creationId xmlns:a16="http://schemas.microsoft.com/office/drawing/2014/main" id="{FAA9E0EF-9CEA-2620-BB68-3FDE8A890D1B}"/>
+              </a:ext>
+            </a:extLst>
+          </p:cNvPr>
+          <p:cNvSpPr>
+            <a:spLocks noGrp="1"/>
+          </p:cNvSpPr>
+          <p:nvPr>
+            <p:ph type="sldNum" sz="quarter" idx="12"/>
+          </p:nvPr>
+        </p:nvSpPr>
+        <p:spPr/>
+        <p:txBody>
+          <a:bodyPr/>
+          <a:lstStyle/>
+          <a:p>
+            <a:fld id="{9BF27F29-4B64-4A24-936A-FF41C34C242B}" type="slidenum">
+              <a:rPr lang="en-US" smtClean="0"/>
+              <a:t>26</a:t>
+            </a:fld>
+            <a:endParaRPr lang="en-US"/>
+          </a:p>
+        </p:txBody>
+      </p:sp>
     </p:spTree>
     <p:extLst>
       <p:ext uri="{BB962C8B-B14F-4D97-AF65-F5344CB8AC3E}">
@@ -9048,6 +9952,35 @@
               <a:t> n2</a:t>
             </a:r>
             <a:endParaRPr lang="en-US" sz="2400" dirty="0"/>
+          </a:p>
+        </p:txBody>
+      </p:sp>
+      <p:sp>
+        <p:nvSpPr>
+          <p:cNvPr id="3" name="Slide Number Placeholder 2">
+            <a:extLst>
+              <a:ext uri="{FF2B5EF4-FFF2-40B4-BE49-F238E27FC236}">
+                <a16:creationId xmlns:a16="http://schemas.microsoft.com/office/drawing/2014/main" id="{DFEDB681-9089-19EF-345A-1EEC57A364AC}"/>
+              </a:ext>
+            </a:extLst>
+          </p:cNvPr>
+          <p:cNvSpPr>
+            <a:spLocks noGrp="1"/>
+          </p:cNvSpPr>
+          <p:nvPr>
+            <p:ph type="sldNum" sz="quarter" idx="12"/>
+          </p:nvPr>
+        </p:nvSpPr>
+        <p:spPr/>
+        <p:txBody>
+          <a:bodyPr/>
+          <a:lstStyle/>
+          <a:p>
+            <a:fld id="{9BF27F29-4B64-4A24-936A-FF41C34C242B}" type="slidenum">
+              <a:rPr lang="en-US" smtClean="0"/>
+              <a:t>27</a:t>
+            </a:fld>
+            <a:endParaRPr lang="en-US"/>
           </a:p>
         </p:txBody>
       </p:sp>
@@ -9788,6 +10721,35 @@
           </p:txBody>
         </p:sp>
       </p:grpSp>
+      <p:sp>
+        <p:nvSpPr>
+          <p:cNvPr id="13" name="Slide Number Placeholder 12">
+            <a:extLst>
+              <a:ext uri="{FF2B5EF4-FFF2-40B4-BE49-F238E27FC236}">
+                <a16:creationId xmlns:a16="http://schemas.microsoft.com/office/drawing/2014/main" id="{E9352EF6-0356-5829-A140-A22B9A746A06}"/>
+              </a:ext>
+            </a:extLst>
+          </p:cNvPr>
+          <p:cNvSpPr>
+            <a:spLocks noGrp="1"/>
+          </p:cNvSpPr>
+          <p:nvPr>
+            <p:ph type="sldNum" sz="quarter" idx="12"/>
+          </p:nvPr>
+        </p:nvSpPr>
+        <p:spPr/>
+        <p:txBody>
+          <a:bodyPr/>
+          <a:lstStyle/>
+          <a:p>
+            <a:fld id="{9BF27F29-4B64-4A24-936A-FF41C34C242B}" type="slidenum">
+              <a:rPr lang="en-US" smtClean="0"/>
+              <a:t>28</a:t>
+            </a:fld>
+            <a:endParaRPr lang="en-US"/>
+          </a:p>
+        </p:txBody>
+      </p:sp>
     </p:spTree>
     <p:extLst>
       <p:ext uri="{BB962C8B-B14F-4D97-AF65-F5344CB8AC3E}">
@@ -9867,6 +10829,35 @@
           <a:bodyPr/>
           <a:lstStyle/>
           <a:p>
+            <a:endParaRPr lang="en-US"/>
+          </a:p>
+        </p:txBody>
+      </p:sp>
+      <p:sp>
+        <p:nvSpPr>
+          <p:cNvPr id="4" name="Slide Number Placeholder 3">
+            <a:extLst>
+              <a:ext uri="{FF2B5EF4-FFF2-40B4-BE49-F238E27FC236}">
+                <a16:creationId xmlns:a16="http://schemas.microsoft.com/office/drawing/2014/main" id="{EC5E8510-E7A8-A776-F0D0-8F34ED47ED31}"/>
+              </a:ext>
+            </a:extLst>
+          </p:cNvPr>
+          <p:cNvSpPr>
+            <a:spLocks noGrp="1"/>
+          </p:cNvSpPr>
+          <p:nvPr>
+            <p:ph type="sldNum" sz="quarter" idx="12"/>
+          </p:nvPr>
+        </p:nvSpPr>
+        <p:spPr/>
+        <p:txBody>
+          <a:bodyPr/>
+          <a:lstStyle/>
+          <a:p>
+            <a:fld id="{9BF27F29-4B64-4A24-936A-FF41C34C242B}" type="slidenum">
+              <a:rPr lang="en-US" smtClean="0"/>
+              <a:t>29</a:t>
+            </a:fld>
             <a:endParaRPr lang="en-US"/>
           </a:p>
         </p:txBody>
@@ -11375,6 +12366,35 @@
           </a:p>
         </p:txBody>
       </p:sp>
+      <p:sp>
+        <p:nvSpPr>
+          <p:cNvPr id="4" name="Slide Number Placeholder 3">
+            <a:extLst>
+              <a:ext uri="{FF2B5EF4-FFF2-40B4-BE49-F238E27FC236}">
+                <a16:creationId xmlns:a16="http://schemas.microsoft.com/office/drawing/2014/main" id="{0835071A-0451-9AFB-F3F7-1D326708165B}"/>
+              </a:ext>
+            </a:extLst>
+          </p:cNvPr>
+          <p:cNvSpPr>
+            <a:spLocks noGrp="1"/>
+          </p:cNvSpPr>
+          <p:nvPr>
+            <p:ph type="sldNum" sz="quarter" idx="12"/>
+          </p:nvPr>
+        </p:nvSpPr>
+        <p:spPr/>
+        <p:txBody>
+          <a:bodyPr/>
+          <a:lstStyle/>
+          <a:p>
+            <a:fld id="{9BF27F29-4B64-4A24-936A-FF41C34C242B}" type="slidenum">
+              <a:rPr lang="en-US" smtClean="0"/>
+              <a:t>32</a:t>
+            </a:fld>
+            <a:endParaRPr lang="en-US"/>
+          </a:p>
+        </p:txBody>
+      </p:sp>
     </p:spTree>
     <p:extLst>
       <p:ext uri="{BB962C8B-B14F-4D97-AF65-F5344CB8AC3E}">
@@ -11563,6 +12583,35 @@
               </a:rPr>
               <a:t>Idea: “Assuming E is the environment, e evaluates to v”</a:t>
             </a:r>
+          </a:p>
+        </p:txBody>
+      </p:sp>
+      <p:sp>
+        <p:nvSpPr>
+          <p:cNvPr id="3" name="Slide Number Placeholder 2">
+            <a:extLst>
+              <a:ext uri="{FF2B5EF4-FFF2-40B4-BE49-F238E27FC236}">
+                <a16:creationId xmlns:a16="http://schemas.microsoft.com/office/drawing/2014/main" id="{3AA68E77-1270-B681-37BC-D071EE666AF7}"/>
+              </a:ext>
+            </a:extLst>
+          </p:cNvPr>
+          <p:cNvSpPr>
+            <a:spLocks noGrp="1"/>
+          </p:cNvSpPr>
+          <p:nvPr>
+            <p:ph type="sldNum" sz="quarter" idx="12"/>
+          </p:nvPr>
+        </p:nvSpPr>
+        <p:spPr/>
+        <p:txBody>
+          <a:bodyPr/>
+          <a:lstStyle/>
+          <a:p>
+            <a:fld id="{9BF27F29-4B64-4A24-936A-FF41C34C242B}" type="slidenum">
+              <a:rPr lang="en-US" smtClean="0"/>
+              <a:t>33</a:t>
+            </a:fld>
+            <a:endParaRPr lang="en-US"/>
           </a:p>
         </p:txBody>
       </p:sp>
@@ -12206,6 +13255,35 @@
           </a:p>
         </p:txBody>
       </p:sp>
+      <p:sp>
+        <p:nvSpPr>
+          <p:cNvPr id="3" name="Slide Number Placeholder 2">
+            <a:extLst>
+              <a:ext uri="{FF2B5EF4-FFF2-40B4-BE49-F238E27FC236}">
+                <a16:creationId xmlns:a16="http://schemas.microsoft.com/office/drawing/2014/main" id="{4D010E9D-0948-7714-ECED-71C368D193BF}"/>
+              </a:ext>
+            </a:extLst>
+          </p:cNvPr>
+          <p:cNvSpPr>
+            <a:spLocks noGrp="1"/>
+          </p:cNvSpPr>
+          <p:nvPr>
+            <p:ph type="sldNum" sz="quarter" idx="12"/>
+          </p:nvPr>
+        </p:nvSpPr>
+        <p:spPr/>
+        <p:txBody>
+          <a:bodyPr/>
+          <a:lstStyle/>
+          <a:p>
+            <a:fld id="{9BF27F29-4B64-4A24-936A-FF41C34C242B}" type="slidenum">
+              <a:rPr lang="en-US" smtClean="0"/>
+              <a:t>34</a:t>
+            </a:fld>
+            <a:endParaRPr lang="en-US"/>
+          </a:p>
+        </p:txBody>
+      </p:sp>
     </p:spTree>
     <p:extLst>
       <p:ext uri="{BB962C8B-B14F-4D97-AF65-F5344CB8AC3E}">
@@ -12571,6 +13649,35 @@
           </a:fontRef>
         </p:style>
       </p:cxnSp>
+      <p:sp>
+        <p:nvSpPr>
+          <p:cNvPr id="3" name="Slide Number Placeholder 2">
+            <a:extLst>
+              <a:ext uri="{FF2B5EF4-FFF2-40B4-BE49-F238E27FC236}">
+                <a16:creationId xmlns:a16="http://schemas.microsoft.com/office/drawing/2014/main" id="{2BAA3B42-84BA-DF70-9CE3-C39198CB1226}"/>
+              </a:ext>
+            </a:extLst>
+          </p:cNvPr>
+          <p:cNvSpPr>
+            <a:spLocks noGrp="1"/>
+          </p:cNvSpPr>
+          <p:nvPr>
+            <p:ph type="sldNum" sz="quarter" idx="12"/>
+          </p:nvPr>
+        </p:nvSpPr>
+        <p:spPr/>
+        <p:txBody>
+          <a:bodyPr/>
+          <a:lstStyle/>
+          <a:p>
+            <a:fld id="{9BF27F29-4B64-4A24-936A-FF41C34C242B}" type="slidenum">
+              <a:rPr lang="en-US" smtClean="0"/>
+              <a:t>35</a:t>
+            </a:fld>
+            <a:endParaRPr lang="en-US"/>
+          </a:p>
+        </p:txBody>
+      </p:sp>
     </p:spTree>
     <p:extLst>
       <p:ext uri="{BB962C8B-B14F-4D97-AF65-F5344CB8AC3E}">
@@ -13146,6 +14253,35 @@
           </a:p>
         </p:txBody>
       </p:sp>
+      <p:sp>
+        <p:nvSpPr>
+          <p:cNvPr id="3" name="Slide Number Placeholder 2">
+            <a:extLst>
+              <a:ext uri="{FF2B5EF4-FFF2-40B4-BE49-F238E27FC236}">
+                <a16:creationId xmlns:a16="http://schemas.microsoft.com/office/drawing/2014/main" id="{FF42F4DE-5F77-D24D-E253-4AA86ECE70AE}"/>
+              </a:ext>
+            </a:extLst>
+          </p:cNvPr>
+          <p:cNvSpPr>
+            <a:spLocks noGrp="1"/>
+          </p:cNvSpPr>
+          <p:nvPr>
+            <p:ph type="sldNum" sz="quarter" idx="12"/>
+          </p:nvPr>
+        </p:nvSpPr>
+        <p:spPr/>
+        <p:txBody>
+          <a:bodyPr/>
+          <a:lstStyle/>
+          <a:p>
+            <a:fld id="{9BF27F29-4B64-4A24-936A-FF41C34C242B}" type="slidenum">
+              <a:rPr lang="en-US" smtClean="0"/>
+              <a:t>36</a:t>
+            </a:fld>
+            <a:endParaRPr lang="en-US"/>
+          </a:p>
+        </p:txBody>
+      </p:sp>
     </p:spTree>
     <p:extLst>
       <p:ext uri="{BB962C8B-B14F-4D97-AF65-F5344CB8AC3E}">
@@ -13423,6 +14559,35 @@
           </a:p>
         </p:txBody>
       </p:sp>
+      <p:sp>
+        <p:nvSpPr>
+          <p:cNvPr id="3" name="Slide Number Placeholder 2">
+            <a:extLst>
+              <a:ext uri="{FF2B5EF4-FFF2-40B4-BE49-F238E27FC236}">
+                <a16:creationId xmlns:a16="http://schemas.microsoft.com/office/drawing/2014/main" id="{4C1A5533-1737-9A42-C4C3-D489FE82D459}"/>
+              </a:ext>
+            </a:extLst>
+          </p:cNvPr>
+          <p:cNvSpPr>
+            <a:spLocks noGrp="1"/>
+          </p:cNvSpPr>
+          <p:nvPr>
+            <p:ph type="sldNum" sz="quarter" idx="12"/>
+          </p:nvPr>
+        </p:nvSpPr>
+        <p:spPr/>
+        <p:txBody>
+          <a:bodyPr/>
+          <a:lstStyle/>
+          <a:p>
+            <a:fld id="{9BF27F29-4B64-4A24-936A-FF41C34C242B}" type="slidenum">
+              <a:rPr lang="en-US" smtClean="0"/>
+              <a:t>37</a:t>
+            </a:fld>
+            <a:endParaRPr lang="en-US"/>
+          </a:p>
+        </p:txBody>
+      </p:sp>
     </p:spTree>
     <p:extLst>
       <p:ext uri="{BB962C8B-B14F-4D97-AF65-F5344CB8AC3E}">
@@ -13625,6 +14790,35 @@
           </a:fontRef>
         </p:style>
       </p:cxnSp>
+      <p:sp>
+        <p:nvSpPr>
+          <p:cNvPr id="4" name="Slide Number Placeholder 3">
+            <a:extLst>
+              <a:ext uri="{FF2B5EF4-FFF2-40B4-BE49-F238E27FC236}">
+                <a16:creationId xmlns:a16="http://schemas.microsoft.com/office/drawing/2014/main" id="{7D4DBE16-930B-E35A-6F60-88975C1BF976}"/>
+              </a:ext>
+            </a:extLst>
+          </p:cNvPr>
+          <p:cNvSpPr>
+            <a:spLocks noGrp="1"/>
+          </p:cNvSpPr>
+          <p:nvPr>
+            <p:ph type="sldNum" sz="quarter" idx="12"/>
+          </p:nvPr>
+        </p:nvSpPr>
+        <p:spPr/>
+        <p:txBody>
+          <a:bodyPr/>
+          <a:lstStyle/>
+          <a:p>
+            <a:fld id="{9BF27F29-4B64-4A24-936A-FF41C34C242B}" type="slidenum">
+              <a:rPr lang="en-US" smtClean="0"/>
+              <a:t>38</a:t>
+            </a:fld>
+            <a:endParaRPr lang="en-US"/>
+          </a:p>
+        </p:txBody>
+      </p:sp>
     </p:spTree>
     <p:extLst>
       <p:ext uri="{BB962C8B-B14F-4D97-AF65-F5344CB8AC3E}">
@@ -13710,6 +14904,35 @@
           </a:p>
         </p:txBody>
       </p:sp>
+      <p:sp>
+        <p:nvSpPr>
+          <p:cNvPr id="4" name="Slide Number Placeholder 3">
+            <a:extLst>
+              <a:ext uri="{FF2B5EF4-FFF2-40B4-BE49-F238E27FC236}">
+                <a16:creationId xmlns:a16="http://schemas.microsoft.com/office/drawing/2014/main" id="{4F2BC935-A272-FC5A-C9A2-142E70488D97}"/>
+              </a:ext>
+            </a:extLst>
+          </p:cNvPr>
+          <p:cNvSpPr>
+            <a:spLocks noGrp="1"/>
+          </p:cNvSpPr>
+          <p:nvPr>
+            <p:ph type="sldNum" sz="quarter" idx="12"/>
+          </p:nvPr>
+        </p:nvSpPr>
+        <p:spPr/>
+        <p:txBody>
+          <a:bodyPr/>
+          <a:lstStyle/>
+          <a:p>
+            <a:fld id="{9BF27F29-4B64-4A24-936A-FF41C34C242B}" type="slidenum">
+              <a:rPr lang="en-US" smtClean="0"/>
+              <a:t>39</a:t>
+            </a:fld>
+            <a:endParaRPr lang="en-US"/>
+          </a:p>
+        </p:txBody>
+      </p:sp>
     </p:spTree>
     <p:extLst>
       <p:ext uri="{BB962C8B-B14F-4D97-AF65-F5344CB8AC3E}">
@@ -13818,6 +15041,35 @@
           </a:p>
         </p:txBody>
       </p:sp>
+      <p:sp>
+        <p:nvSpPr>
+          <p:cNvPr id="4" name="Slide Number Placeholder 3">
+            <a:extLst>
+              <a:ext uri="{FF2B5EF4-FFF2-40B4-BE49-F238E27FC236}">
+                <a16:creationId xmlns:a16="http://schemas.microsoft.com/office/drawing/2014/main" id="{A69DDB01-58D9-754B-E789-4C40247CA5C6}"/>
+              </a:ext>
+            </a:extLst>
+          </p:cNvPr>
+          <p:cNvSpPr>
+            <a:spLocks noGrp="1"/>
+          </p:cNvSpPr>
+          <p:nvPr>
+            <p:ph type="sldNum" sz="quarter" idx="12"/>
+          </p:nvPr>
+        </p:nvSpPr>
+        <p:spPr/>
+        <p:txBody>
+          <a:bodyPr/>
+          <a:lstStyle/>
+          <a:p>
+            <a:fld id="{9BF27F29-4B64-4A24-936A-FF41C34C242B}" type="slidenum">
+              <a:rPr lang="en-US" smtClean="0"/>
+              <a:t>4</a:t>
+            </a:fld>
+            <a:endParaRPr lang="en-US"/>
+          </a:p>
+        </p:txBody>
+      </p:sp>
     </p:spTree>
     <p:extLst>
       <p:ext uri="{BB962C8B-B14F-4D97-AF65-F5344CB8AC3E}">
@@ -14043,6 +15295,35 @@
           </a:p>
           <a:p>
             <a:endParaRPr lang="en-US" dirty="0"/>
+          </a:p>
+        </p:txBody>
+      </p:sp>
+      <p:sp>
+        <p:nvSpPr>
+          <p:cNvPr id="4" name="Slide Number Placeholder 3">
+            <a:extLst>
+              <a:ext uri="{FF2B5EF4-FFF2-40B4-BE49-F238E27FC236}">
+                <a16:creationId xmlns:a16="http://schemas.microsoft.com/office/drawing/2014/main" id="{035CF79B-3670-CEFA-40C7-01ADDD7DE7FA}"/>
+              </a:ext>
+            </a:extLst>
+          </p:cNvPr>
+          <p:cNvSpPr>
+            <a:spLocks noGrp="1"/>
+          </p:cNvSpPr>
+          <p:nvPr>
+            <p:ph type="sldNum" sz="quarter" idx="12"/>
+          </p:nvPr>
+        </p:nvSpPr>
+        <p:spPr/>
+        <p:txBody>
+          <a:bodyPr/>
+          <a:lstStyle/>
+          <a:p>
+            <a:fld id="{9BF27F29-4B64-4A24-936A-FF41C34C242B}" type="slidenum">
+              <a:rPr lang="en-US" smtClean="0"/>
+              <a:t>40</a:t>
+            </a:fld>
+            <a:endParaRPr lang="en-US"/>
           </a:p>
         </p:txBody>
       </p:sp>
@@ -14649,6 +15930,35 @@
           </a:p>
         </p:txBody>
       </p:sp>
+      <p:sp>
+        <p:nvSpPr>
+          <p:cNvPr id="9" name="Slide Number Placeholder 8">
+            <a:extLst>
+              <a:ext uri="{FF2B5EF4-FFF2-40B4-BE49-F238E27FC236}">
+                <a16:creationId xmlns:a16="http://schemas.microsoft.com/office/drawing/2014/main" id="{FBE252EB-7713-C193-8861-4AF3B44011A5}"/>
+              </a:ext>
+            </a:extLst>
+          </p:cNvPr>
+          <p:cNvSpPr>
+            <a:spLocks noGrp="1"/>
+          </p:cNvSpPr>
+          <p:nvPr>
+            <p:ph type="sldNum" sz="quarter" idx="12"/>
+          </p:nvPr>
+        </p:nvSpPr>
+        <p:spPr/>
+        <p:txBody>
+          <a:bodyPr/>
+          <a:lstStyle/>
+          <a:p>
+            <a:fld id="{9BF27F29-4B64-4A24-936A-FF41C34C242B}" type="slidenum">
+              <a:rPr lang="en-US" smtClean="0"/>
+              <a:t>41</a:t>
+            </a:fld>
+            <a:endParaRPr lang="en-US"/>
+          </a:p>
+        </p:txBody>
+      </p:sp>
     </p:spTree>
     <p:extLst>
       <p:ext uri="{BB962C8B-B14F-4D97-AF65-F5344CB8AC3E}">
@@ -15073,6 +16383,35 @@
           </a:p>
         </p:txBody>
       </p:sp>
+      <p:sp>
+        <p:nvSpPr>
+          <p:cNvPr id="3" name="Slide Number Placeholder 2">
+            <a:extLst>
+              <a:ext uri="{FF2B5EF4-FFF2-40B4-BE49-F238E27FC236}">
+                <a16:creationId xmlns:a16="http://schemas.microsoft.com/office/drawing/2014/main" id="{D07E3977-815B-70B8-C646-D9ECCD799745}"/>
+              </a:ext>
+            </a:extLst>
+          </p:cNvPr>
+          <p:cNvSpPr>
+            <a:spLocks noGrp="1"/>
+          </p:cNvSpPr>
+          <p:nvPr>
+            <p:ph type="sldNum" sz="quarter" idx="12"/>
+          </p:nvPr>
+        </p:nvSpPr>
+        <p:spPr/>
+        <p:txBody>
+          <a:bodyPr/>
+          <a:lstStyle/>
+          <a:p>
+            <a:fld id="{9BF27F29-4B64-4A24-936A-FF41C34C242B}" type="slidenum">
+              <a:rPr lang="en-US" smtClean="0"/>
+              <a:t>42</a:t>
+            </a:fld>
+            <a:endParaRPr lang="en-US"/>
+          </a:p>
+        </p:txBody>
+      </p:sp>
     </p:spTree>
     <p:extLst>
       <p:ext uri="{BB962C8B-B14F-4D97-AF65-F5344CB8AC3E}">
@@ -15541,6 +16880,35 @@
               <a:rPr lang="en-US" sz="2400" b="1" i="1" dirty="0"/>
               <a:t>              *</a:t>
             </a:r>
+          </a:p>
+        </p:txBody>
+      </p:sp>
+      <p:sp>
+        <p:nvSpPr>
+          <p:cNvPr id="3" name="Slide Number Placeholder 2">
+            <a:extLst>
+              <a:ext uri="{FF2B5EF4-FFF2-40B4-BE49-F238E27FC236}">
+                <a16:creationId xmlns:a16="http://schemas.microsoft.com/office/drawing/2014/main" id="{81FE1D79-6E00-DA2C-F98F-C1D5240D20CA}"/>
+              </a:ext>
+            </a:extLst>
+          </p:cNvPr>
+          <p:cNvSpPr>
+            <a:spLocks noGrp="1"/>
+          </p:cNvSpPr>
+          <p:nvPr>
+            <p:ph type="sldNum" sz="quarter" idx="12"/>
+          </p:nvPr>
+        </p:nvSpPr>
+        <p:spPr/>
+        <p:txBody>
+          <a:bodyPr/>
+          <a:lstStyle/>
+          <a:p>
+            <a:fld id="{9BF27F29-4B64-4A24-936A-FF41C34C242B}" type="slidenum">
+              <a:rPr lang="en-US" smtClean="0"/>
+              <a:t>43</a:t>
+            </a:fld>
+            <a:endParaRPr lang="en-US"/>
           </a:p>
         </p:txBody>
       </p:sp>
@@ -16142,6 +17510,35 @@
           </p:txBody>
         </p:sp>
       </p:grpSp>
+      <p:sp>
+        <p:nvSpPr>
+          <p:cNvPr id="4" name="Slide Number Placeholder 3">
+            <a:extLst>
+              <a:ext uri="{FF2B5EF4-FFF2-40B4-BE49-F238E27FC236}">
+                <a16:creationId xmlns:a16="http://schemas.microsoft.com/office/drawing/2014/main" id="{1381483E-D3D1-56C4-2085-55CEC8B28722}"/>
+              </a:ext>
+            </a:extLst>
+          </p:cNvPr>
+          <p:cNvSpPr>
+            <a:spLocks noGrp="1"/>
+          </p:cNvSpPr>
+          <p:nvPr>
+            <p:ph type="sldNum" sz="quarter" idx="12"/>
+          </p:nvPr>
+        </p:nvSpPr>
+        <p:spPr/>
+        <p:txBody>
+          <a:bodyPr/>
+          <a:lstStyle/>
+          <a:p>
+            <a:fld id="{9BF27F29-4B64-4A24-936A-FF41C34C242B}" type="slidenum">
+              <a:rPr lang="en-US" smtClean="0"/>
+              <a:t>44</a:t>
+            </a:fld>
+            <a:endParaRPr lang="en-US"/>
+          </a:p>
+        </p:txBody>
+      </p:sp>
     </p:spTree>
     <p:extLst>
       <p:ext uri="{BB962C8B-B14F-4D97-AF65-F5344CB8AC3E}">
@@ -16609,6 +18006,35 @@
           </a:p>
         </p:txBody>
       </p:sp>
+      <p:sp>
+        <p:nvSpPr>
+          <p:cNvPr id="4" name="Slide Number Placeholder 3">
+            <a:extLst>
+              <a:ext uri="{FF2B5EF4-FFF2-40B4-BE49-F238E27FC236}">
+                <a16:creationId xmlns:a16="http://schemas.microsoft.com/office/drawing/2014/main" id="{FBCFC0B7-3561-7EB1-5C38-E2D9ED0DF799}"/>
+              </a:ext>
+            </a:extLst>
+          </p:cNvPr>
+          <p:cNvSpPr>
+            <a:spLocks noGrp="1"/>
+          </p:cNvSpPr>
+          <p:nvPr>
+            <p:ph type="sldNum" sz="quarter" idx="12"/>
+          </p:nvPr>
+        </p:nvSpPr>
+        <p:spPr/>
+        <p:txBody>
+          <a:bodyPr/>
+          <a:lstStyle/>
+          <a:p>
+            <a:fld id="{9BF27F29-4B64-4A24-936A-FF41C34C242B}" type="slidenum">
+              <a:rPr lang="en-US" smtClean="0"/>
+              <a:t>45</a:t>
+            </a:fld>
+            <a:endParaRPr lang="en-US"/>
+          </a:p>
+        </p:txBody>
+      </p:sp>
     </p:spTree>
     <p:extLst>
       <p:ext uri="{BB962C8B-B14F-4D97-AF65-F5344CB8AC3E}">
@@ -17064,6 +18490,35 @@
           </a:p>
         </p:txBody>
       </p:sp>
+      <p:sp>
+        <p:nvSpPr>
+          <p:cNvPr id="3" name="Slide Number Placeholder 2">
+            <a:extLst>
+              <a:ext uri="{FF2B5EF4-FFF2-40B4-BE49-F238E27FC236}">
+                <a16:creationId xmlns:a16="http://schemas.microsoft.com/office/drawing/2014/main" id="{1D352C0D-B3B6-9EAD-C889-F6B41B0D2B1F}"/>
+              </a:ext>
+            </a:extLst>
+          </p:cNvPr>
+          <p:cNvSpPr>
+            <a:spLocks noGrp="1"/>
+          </p:cNvSpPr>
+          <p:nvPr>
+            <p:ph type="sldNum" sz="quarter" idx="12"/>
+          </p:nvPr>
+        </p:nvSpPr>
+        <p:spPr/>
+        <p:txBody>
+          <a:bodyPr/>
+          <a:lstStyle/>
+          <a:p>
+            <a:fld id="{9BF27F29-4B64-4A24-936A-FF41C34C242B}" type="slidenum">
+              <a:rPr lang="en-US" smtClean="0"/>
+              <a:t>46</a:t>
+            </a:fld>
+            <a:endParaRPr lang="en-US"/>
+          </a:p>
+        </p:txBody>
+      </p:sp>
     </p:spTree>
     <p:extLst>
       <p:ext uri="{BB962C8B-B14F-4D97-AF65-F5344CB8AC3E}">
@@ -17119,6 +18574,35 @@
               <a:rPr lang="en-US" dirty="0"/>
               <a:t>Section: Putting it All Together</a:t>
             </a:r>
+          </a:p>
+        </p:txBody>
+      </p:sp>
+      <p:sp>
+        <p:nvSpPr>
+          <p:cNvPr id="3" name="Slide Number Placeholder 2">
+            <a:extLst>
+              <a:ext uri="{FF2B5EF4-FFF2-40B4-BE49-F238E27FC236}">
+                <a16:creationId xmlns:a16="http://schemas.microsoft.com/office/drawing/2014/main" id="{11713604-F86D-2556-4F40-A17C36783160}"/>
+              </a:ext>
+            </a:extLst>
+          </p:cNvPr>
+          <p:cNvSpPr>
+            <a:spLocks noGrp="1"/>
+          </p:cNvSpPr>
+          <p:nvPr>
+            <p:ph type="sldNum" sz="quarter" idx="12"/>
+          </p:nvPr>
+        </p:nvSpPr>
+        <p:spPr/>
+        <p:txBody>
+          <a:bodyPr/>
+          <a:lstStyle/>
+          <a:p>
+            <a:fld id="{9BF27F29-4B64-4A24-936A-FF41C34C242B}" type="slidenum">
+              <a:rPr lang="en-US" smtClean="0"/>
+              <a:t>47</a:t>
+            </a:fld>
+            <a:endParaRPr lang="en-US"/>
           </a:p>
         </p:txBody>
       </p:sp>
@@ -17795,6 +19279,35 @@
           </a:p>
         </p:txBody>
       </p:sp>
+      <p:sp>
+        <p:nvSpPr>
+          <p:cNvPr id="3" name="Slide Number Placeholder 2">
+            <a:extLst>
+              <a:ext uri="{FF2B5EF4-FFF2-40B4-BE49-F238E27FC236}">
+                <a16:creationId xmlns:a16="http://schemas.microsoft.com/office/drawing/2014/main" id="{E2362B40-F410-FB55-32AD-92B089B6F44B}"/>
+              </a:ext>
+            </a:extLst>
+          </p:cNvPr>
+          <p:cNvSpPr>
+            <a:spLocks noGrp="1"/>
+          </p:cNvSpPr>
+          <p:nvPr>
+            <p:ph type="sldNum" sz="quarter" idx="12"/>
+          </p:nvPr>
+        </p:nvSpPr>
+        <p:spPr/>
+        <p:txBody>
+          <a:bodyPr/>
+          <a:lstStyle/>
+          <a:p>
+            <a:fld id="{9BF27F29-4B64-4A24-936A-FF41C34C242B}" type="slidenum">
+              <a:rPr lang="en-US" smtClean="0"/>
+              <a:t>48</a:t>
+            </a:fld>
+            <a:endParaRPr lang="en-US"/>
+          </a:p>
+        </p:txBody>
+      </p:sp>
     </p:spTree>
     <p:extLst>
       <p:ext uri="{BB962C8B-B14F-4D97-AF65-F5344CB8AC3E}">
@@ -18380,6 +19893,35 @@
           </a:p>
         </p:txBody>
       </p:sp>
+      <p:sp>
+        <p:nvSpPr>
+          <p:cNvPr id="12" name="Slide Number Placeholder 11">
+            <a:extLst>
+              <a:ext uri="{FF2B5EF4-FFF2-40B4-BE49-F238E27FC236}">
+                <a16:creationId xmlns:a16="http://schemas.microsoft.com/office/drawing/2014/main" id="{319D83DC-C06D-2DB2-B740-DE5B7E8A9AC3}"/>
+              </a:ext>
+            </a:extLst>
+          </p:cNvPr>
+          <p:cNvSpPr>
+            <a:spLocks noGrp="1"/>
+          </p:cNvSpPr>
+          <p:nvPr>
+            <p:ph type="sldNum" sz="quarter" idx="12"/>
+          </p:nvPr>
+        </p:nvSpPr>
+        <p:spPr/>
+        <p:txBody>
+          <a:bodyPr/>
+          <a:lstStyle/>
+          <a:p>
+            <a:fld id="{9BF27F29-4B64-4A24-936A-FF41C34C242B}" type="slidenum">
+              <a:rPr lang="en-US" smtClean="0"/>
+              <a:t>49</a:t>
+            </a:fld>
+            <a:endParaRPr lang="en-US"/>
+          </a:p>
+        </p:txBody>
+      </p:sp>
     </p:spTree>
     <p:extLst>
       <p:ext uri="{BB962C8B-B14F-4D97-AF65-F5344CB8AC3E}">
@@ -18475,6 +20017,35 @@
               <a:rPr lang="en-US" dirty="0"/>
               <a:t>For the Implementer, operational semantics are way to effective and precise communication with the Theorist and Practitioner</a:t>
             </a:r>
+          </a:p>
+        </p:txBody>
+      </p:sp>
+      <p:sp>
+        <p:nvSpPr>
+          <p:cNvPr id="4" name="Slide Number Placeholder 3">
+            <a:extLst>
+              <a:ext uri="{FF2B5EF4-FFF2-40B4-BE49-F238E27FC236}">
+                <a16:creationId xmlns:a16="http://schemas.microsoft.com/office/drawing/2014/main" id="{DF849886-9691-7A58-772E-6818F7FB293E}"/>
+              </a:ext>
+            </a:extLst>
+          </p:cNvPr>
+          <p:cNvSpPr>
+            <a:spLocks noGrp="1"/>
+          </p:cNvSpPr>
+          <p:nvPr>
+            <p:ph type="sldNum" sz="quarter" idx="12"/>
+          </p:nvPr>
+        </p:nvSpPr>
+        <p:spPr/>
+        <p:txBody>
+          <a:bodyPr/>
+          <a:lstStyle/>
+          <a:p>
+            <a:fld id="{9BF27F29-4B64-4A24-936A-FF41C34C242B}" type="slidenum">
+              <a:rPr lang="en-US" smtClean="0"/>
+              <a:t>5</a:t>
+            </a:fld>
+            <a:endParaRPr lang="en-US"/>
           </a:p>
         </p:txBody>
       </p:sp>
@@ -19362,6 +20933,35 @@
           </a:p>
         </p:txBody>
       </p:sp>
+      <p:sp>
+        <p:nvSpPr>
+          <p:cNvPr id="3" name="Slide Number Placeholder 2">
+            <a:extLst>
+              <a:ext uri="{FF2B5EF4-FFF2-40B4-BE49-F238E27FC236}">
+                <a16:creationId xmlns:a16="http://schemas.microsoft.com/office/drawing/2014/main" id="{68DADB7E-1EFE-E0D0-FCD4-1C0F6DAE1B87}"/>
+              </a:ext>
+            </a:extLst>
+          </p:cNvPr>
+          <p:cNvSpPr>
+            <a:spLocks noGrp="1"/>
+          </p:cNvSpPr>
+          <p:nvPr>
+            <p:ph type="sldNum" sz="quarter" idx="12"/>
+          </p:nvPr>
+        </p:nvSpPr>
+        <p:spPr/>
+        <p:txBody>
+          <a:bodyPr/>
+          <a:lstStyle/>
+          <a:p>
+            <a:fld id="{9BF27F29-4B64-4A24-936A-FF41C34C242B}" type="slidenum">
+              <a:rPr lang="en-US" smtClean="0"/>
+              <a:t>50</a:t>
+            </a:fld>
+            <a:endParaRPr lang="en-US"/>
+          </a:p>
+        </p:txBody>
+      </p:sp>
     </p:spTree>
     <p:extLst>
       <p:ext uri="{BB962C8B-B14F-4D97-AF65-F5344CB8AC3E}">
@@ -19567,6 +21167,35 @@
           </a:p>
         </p:txBody>
       </p:sp>
+      <p:sp>
+        <p:nvSpPr>
+          <p:cNvPr id="4" name="Slide Number Placeholder 3">
+            <a:extLst>
+              <a:ext uri="{FF2B5EF4-FFF2-40B4-BE49-F238E27FC236}">
+                <a16:creationId xmlns:a16="http://schemas.microsoft.com/office/drawing/2014/main" id="{6AEC372A-68F9-F6B4-830E-0F97BFD65D6D}"/>
+              </a:ext>
+            </a:extLst>
+          </p:cNvPr>
+          <p:cNvSpPr>
+            <a:spLocks noGrp="1"/>
+          </p:cNvSpPr>
+          <p:nvPr>
+            <p:ph type="sldNum" sz="quarter" idx="12"/>
+          </p:nvPr>
+        </p:nvSpPr>
+        <p:spPr/>
+        <p:txBody>
+          <a:bodyPr/>
+          <a:lstStyle/>
+          <a:p>
+            <a:fld id="{9BF27F29-4B64-4A24-936A-FF41C34C242B}" type="slidenum">
+              <a:rPr lang="en-US" smtClean="0"/>
+              <a:t>51</a:t>
+            </a:fld>
+            <a:endParaRPr lang="en-US"/>
+          </a:p>
+        </p:txBody>
+      </p:sp>
     </p:spTree>
     <p:extLst>
       <p:ext uri="{BB962C8B-B14F-4D97-AF65-F5344CB8AC3E}">
@@ -19810,6 +21439,35 @@
           </a:p>
         </p:txBody>
       </p:sp>
+      <p:sp>
+        <p:nvSpPr>
+          <p:cNvPr id="4" name="Slide Number Placeholder 3">
+            <a:extLst>
+              <a:ext uri="{FF2B5EF4-FFF2-40B4-BE49-F238E27FC236}">
+                <a16:creationId xmlns:a16="http://schemas.microsoft.com/office/drawing/2014/main" id="{D9B3B784-B41D-1CD6-9C42-35F606590750}"/>
+              </a:ext>
+            </a:extLst>
+          </p:cNvPr>
+          <p:cNvSpPr>
+            <a:spLocks noGrp="1"/>
+          </p:cNvSpPr>
+          <p:nvPr>
+            <p:ph type="sldNum" sz="quarter" idx="12"/>
+          </p:nvPr>
+        </p:nvSpPr>
+        <p:spPr/>
+        <p:txBody>
+          <a:bodyPr/>
+          <a:lstStyle/>
+          <a:p>
+            <a:fld id="{9BF27F29-4B64-4A24-936A-FF41C34C242B}" type="slidenum">
+              <a:rPr lang="en-US" smtClean="0"/>
+              <a:t>52</a:t>
+            </a:fld>
+            <a:endParaRPr lang="en-US"/>
+          </a:p>
+        </p:txBody>
+      </p:sp>
     </p:spTree>
     <p:extLst>
       <p:ext uri="{BB962C8B-B14F-4D97-AF65-F5344CB8AC3E}">
@@ -19914,6 +21572,35 @@
           </a:p>
         </p:txBody>
       </p:sp>
+      <p:sp>
+        <p:nvSpPr>
+          <p:cNvPr id="4" name="Slide Number Placeholder 3">
+            <a:extLst>
+              <a:ext uri="{FF2B5EF4-FFF2-40B4-BE49-F238E27FC236}">
+                <a16:creationId xmlns:a16="http://schemas.microsoft.com/office/drawing/2014/main" id="{2C447F05-1B8F-F967-1EA0-90A32736A242}"/>
+              </a:ext>
+            </a:extLst>
+          </p:cNvPr>
+          <p:cNvSpPr>
+            <a:spLocks noGrp="1"/>
+          </p:cNvSpPr>
+          <p:nvPr>
+            <p:ph type="sldNum" sz="quarter" idx="12"/>
+          </p:nvPr>
+        </p:nvSpPr>
+        <p:spPr/>
+        <p:txBody>
+          <a:bodyPr/>
+          <a:lstStyle/>
+          <a:p>
+            <a:fld id="{9BF27F29-4B64-4A24-936A-FF41C34C242B}" type="slidenum">
+              <a:rPr lang="en-US" smtClean="0"/>
+              <a:t>53</a:t>
+            </a:fld>
+            <a:endParaRPr lang="en-US"/>
+          </a:p>
+        </p:txBody>
+      </p:sp>
     </p:spTree>
     <p:extLst>
       <p:ext uri="{BB962C8B-B14F-4D97-AF65-F5344CB8AC3E}">
@@ -19997,6 +21684,35 @@
           </a:p>
         </p:txBody>
       </p:sp>
+      <p:sp>
+        <p:nvSpPr>
+          <p:cNvPr id="4" name="Slide Number Placeholder 3">
+            <a:extLst>
+              <a:ext uri="{FF2B5EF4-FFF2-40B4-BE49-F238E27FC236}">
+                <a16:creationId xmlns:a16="http://schemas.microsoft.com/office/drawing/2014/main" id="{D715B1B8-4593-1BE1-4522-CB2AB5A0C066}"/>
+              </a:ext>
+            </a:extLst>
+          </p:cNvPr>
+          <p:cNvSpPr>
+            <a:spLocks noGrp="1"/>
+          </p:cNvSpPr>
+          <p:nvPr>
+            <p:ph type="sldNum" sz="quarter" idx="12"/>
+          </p:nvPr>
+        </p:nvSpPr>
+        <p:spPr/>
+        <p:txBody>
+          <a:bodyPr/>
+          <a:lstStyle/>
+          <a:p>
+            <a:fld id="{9BF27F29-4B64-4A24-936A-FF41C34C242B}" type="slidenum">
+              <a:rPr lang="en-US" smtClean="0"/>
+              <a:t>54</a:t>
+            </a:fld>
+            <a:endParaRPr lang="en-US"/>
+          </a:p>
+        </p:txBody>
+      </p:sp>
     </p:spTree>
     <p:extLst>
       <p:ext uri="{BB962C8B-B14F-4D97-AF65-F5344CB8AC3E}">
@@ -20117,6 +21833,35 @@
           </a:p>
         </p:txBody>
       </p:sp>
+      <p:sp>
+        <p:nvSpPr>
+          <p:cNvPr id="4" name="Slide Number Placeholder 3">
+            <a:extLst>
+              <a:ext uri="{FF2B5EF4-FFF2-40B4-BE49-F238E27FC236}">
+                <a16:creationId xmlns:a16="http://schemas.microsoft.com/office/drawing/2014/main" id="{DAF13ED6-2D46-06BA-F99C-E87FE4377771}"/>
+              </a:ext>
+            </a:extLst>
+          </p:cNvPr>
+          <p:cNvSpPr>
+            <a:spLocks noGrp="1"/>
+          </p:cNvSpPr>
+          <p:nvPr>
+            <p:ph type="sldNum" sz="quarter" idx="12"/>
+          </p:nvPr>
+        </p:nvSpPr>
+        <p:spPr/>
+        <p:txBody>
+          <a:bodyPr/>
+          <a:lstStyle/>
+          <a:p>
+            <a:fld id="{9BF27F29-4B64-4A24-936A-FF41C34C242B}" type="slidenum">
+              <a:rPr lang="en-US" smtClean="0"/>
+              <a:t>55</a:t>
+            </a:fld>
+            <a:endParaRPr lang="en-US"/>
+          </a:p>
+        </p:txBody>
+      </p:sp>
     </p:spTree>
     <p:extLst>
       <p:ext uri="{BB962C8B-B14F-4D97-AF65-F5344CB8AC3E}">
@@ -20252,6 +21997,35 @@
               <a:rPr lang="en-US" dirty="0"/>
               <a:t>Do I even care what order I execute programs in?</a:t>
             </a:r>
+          </a:p>
+        </p:txBody>
+      </p:sp>
+      <p:sp>
+        <p:nvSpPr>
+          <p:cNvPr id="4" name="Slide Number Placeholder 3">
+            <a:extLst>
+              <a:ext uri="{FF2B5EF4-FFF2-40B4-BE49-F238E27FC236}">
+                <a16:creationId xmlns:a16="http://schemas.microsoft.com/office/drawing/2014/main" id="{2745C6F5-7B02-9205-16A4-F6217D05314A}"/>
+              </a:ext>
+            </a:extLst>
+          </p:cNvPr>
+          <p:cNvSpPr>
+            <a:spLocks noGrp="1"/>
+          </p:cNvSpPr>
+          <p:nvPr>
+            <p:ph type="sldNum" sz="quarter" idx="12"/>
+          </p:nvPr>
+        </p:nvSpPr>
+        <p:spPr/>
+        <p:txBody>
+          <a:bodyPr/>
+          <a:lstStyle/>
+          <a:p>
+            <a:fld id="{9BF27F29-4B64-4A24-936A-FF41C34C242B}" type="slidenum">
+              <a:rPr lang="en-US" smtClean="0"/>
+              <a:t>56</a:t>
+            </a:fld>
+            <a:endParaRPr lang="en-US"/>
           </a:p>
         </p:txBody>
       </p:sp>
@@ -20569,6 +22343,35 @@
           </a:p>
         </p:txBody>
       </p:sp>
+      <p:sp>
+        <p:nvSpPr>
+          <p:cNvPr id="8" name="Slide Number Placeholder 7">
+            <a:extLst>
+              <a:ext uri="{FF2B5EF4-FFF2-40B4-BE49-F238E27FC236}">
+                <a16:creationId xmlns:a16="http://schemas.microsoft.com/office/drawing/2014/main" id="{A8AB46C6-B4C8-F7EB-B07D-49135C13D12C}"/>
+              </a:ext>
+            </a:extLst>
+          </p:cNvPr>
+          <p:cNvSpPr>
+            <a:spLocks noGrp="1"/>
+          </p:cNvSpPr>
+          <p:nvPr>
+            <p:ph type="sldNum" sz="quarter" idx="12"/>
+          </p:nvPr>
+        </p:nvSpPr>
+        <p:spPr/>
+        <p:txBody>
+          <a:bodyPr/>
+          <a:lstStyle/>
+          <a:p>
+            <a:fld id="{9BF27F29-4B64-4A24-936A-FF41C34C242B}" type="slidenum">
+              <a:rPr lang="en-US" smtClean="0"/>
+              <a:t>57</a:t>
+            </a:fld>
+            <a:endParaRPr lang="en-US"/>
+          </a:p>
+        </p:txBody>
+      </p:sp>
     </p:spTree>
     <p:extLst>
       <p:ext uri="{BB962C8B-B14F-4D97-AF65-F5344CB8AC3E}">
@@ -20665,6 +22468,35 @@
               <a:rPr lang="en-US" dirty="0"/>
               <a:t>“What is true?” and “How do we know?”</a:t>
             </a:r>
+          </a:p>
+        </p:txBody>
+      </p:sp>
+      <p:sp>
+        <p:nvSpPr>
+          <p:cNvPr id="4" name="Slide Number Placeholder 3">
+            <a:extLst>
+              <a:ext uri="{FF2B5EF4-FFF2-40B4-BE49-F238E27FC236}">
+                <a16:creationId xmlns:a16="http://schemas.microsoft.com/office/drawing/2014/main" id="{9CFB1FA8-2884-F92B-4331-226C174389C8}"/>
+              </a:ext>
+            </a:extLst>
+          </p:cNvPr>
+          <p:cNvSpPr>
+            <a:spLocks noGrp="1"/>
+          </p:cNvSpPr>
+          <p:nvPr>
+            <p:ph type="sldNum" sz="quarter" idx="12"/>
+          </p:nvPr>
+        </p:nvSpPr>
+        <p:spPr/>
+        <p:txBody>
+          <a:bodyPr/>
+          <a:lstStyle/>
+          <a:p>
+            <a:fld id="{9BF27F29-4B64-4A24-936A-FF41C34C242B}" type="slidenum">
+              <a:rPr lang="en-US" smtClean="0"/>
+              <a:t>6</a:t>
+            </a:fld>
+            <a:endParaRPr lang="en-US"/>
           </a:p>
         </p:txBody>
       </p:sp>
@@ -21578,6 +23410,35 @@
           </a:p>
         </p:txBody>
       </p:sp>
+      <p:sp>
+        <p:nvSpPr>
+          <p:cNvPr id="15" name="Slide Number Placeholder 14">
+            <a:extLst>
+              <a:ext uri="{FF2B5EF4-FFF2-40B4-BE49-F238E27FC236}">
+                <a16:creationId xmlns:a16="http://schemas.microsoft.com/office/drawing/2014/main" id="{FAC9F27E-920E-3CD3-2BAB-9E1CAFABAF6B}"/>
+              </a:ext>
+            </a:extLst>
+          </p:cNvPr>
+          <p:cNvSpPr>
+            <a:spLocks noGrp="1"/>
+          </p:cNvSpPr>
+          <p:nvPr>
+            <p:ph type="sldNum" sz="quarter" idx="12"/>
+          </p:nvPr>
+        </p:nvSpPr>
+        <p:spPr/>
+        <p:txBody>
+          <a:bodyPr/>
+          <a:lstStyle/>
+          <a:p>
+            <a:fld id="{9BF27F29-4B64-4A24-936A-FF41C34C242B}" type="slidenum">
+              <a:rPr lang="en-US" smtClean="0"/>
+              <a:t>7</a:t>
+            </a:fld>
+            <a:endParaRPr lang="en-US"/>
+          </a:p>
+        </p:txBody>
+      </p:sp>
     </p:spTree>
     <p:extLst>
       <p:ext uri="{BB962C8B-B14F-4D97-AF65-F5344CB8AC3E}">
@@ -21765,6 +23626,35 @@
           </a:p>
         </p:txBody>
       </p:sp>
+      <p:sp>
+        <p:nvSpPr>
+          <p:cNvPr id="4" name="Slide Number Placeholder 3">
+            <a:extLst>
+              <a:ext uri="{FF2B5EF4-FFF2-40B4-BE49-F238E27FC236}">
+                <a16:creationId xmlns:a16="http://schemas.microsoft.com/office/drawing/2014/main" id="{8ECF0EE4-2CF0-D85E-EA79-9CD57A64B2AA}"/>
+              </a:ext>
+            </a:extLst>
+          </p:cNvPr>
+          <p:cNvSpPr>
+            <a:spLocks noGrp="1"/>
+          </p:cNvSpPr>
+          <p:nvPr>
+            <p:ph type="sldNum" sz="quarter" idx="12"/>
+          </p:nvPr>
+        </p:nvSpPr>
+        <p:spPr/>
+        <p:txBody>
+          <a:bodyPr/>
+          <a:lstStyle/>
+          <a:p>
+            <a:fld id="{9BF27F29-4B64-4A24-936A-FF41C34C242B}" type="slidenum">
+              <a:rPr lang="en-US" smtClean="0"/>
+              <a:t>8</a:t>
+            </a:fld>
+            <a:endParaRPr lang="en-US"/>
+          </a:p>
+        </p:txBody>
+      </p:sp>
     </p:spTree>
     <p:extLst>
       <p:ext uri="{BB962C8B-B14F-4D97-AF65-F5344CB8AC3E}">
@@ -22007,6 +23897,35 @@
               <a:rPr lang="en-US" dirty="0"/>
               <a:t> evaluates to 5” but not “e evaluates to 1 + 2”</a:t>
             </a:r>
+          </a:p>
+        </p:txBody>
+      </p:sp>
+      <p:sp>
+        <p:nvSpPr>
+          <p:cNvPr id="4" name="Slide Number Placeholder 3">
+            <a:extLst>
+              <a:ext uri="{FF2B5EF4-FFF2-40B4-BE49-F238E27FC236}">
+                <a16:creationId xmlns:a16="http://schemas.microsoft.com/office/drawing/2014/main" id="{ABBC33A6-E3D9-EF98-0F84-9298E5DFAB30}"/>
+              </a:ext>
+            </a:extLst>
+          </p:cNvPr>
+          <p:cNvSpPr>
+            <a:spLocks noGrp="1"/>
+          </p:cNvSpPr>
+          <p:nvPr>
+            <p:ph type="sldNum" sz="quarter" idx="12"/>
+          </p:nvPr>
+        </p:nvSpPr>
+        <p:spPr/>
+        <p:txBody>
+          <a:bodyPr/>
+          <a:lstStyle/>
+          <a:p>
+            <a:fld id="{9BF27F29-4B64-4A24-936A-FF41C34C242B}" type="slidenum">
+              <a:rPr lang="en-US" smtClean="0"/>
+              <a:t>9</a:t>
+            </a:fld>
+            <a:endParaRPr lang="en-US"/>
           </a:p>
         </p:txBody>
       </p:sp>
@@ -22304,4 +24223,319 @@
     </a:ext>
   </a:extLst>
 </a:theme>
+</file>
+
+<file path=ppt/theme/theme2.xml><?xml version="1.0" encoding="utf-8"?>
+<a:theme xmlns:a="http://schemas.openxmlformats.org/drawingml/2006/main" name="Office Theme">
+  <a:themeElements>
+    <a:clrScheme name="Office">
+      <a:dk1>
+        <a:sysClr val="windowText" lastClr="000000"/>
+      </a:dk1>
+      <a:lt1>
+        <a:sysClr val="window" lastClr="FFFFFF"/>
+      </a:lt1>
+      <a:dk2>
+        <a:srgbClr val="0E2841"/>
+      </a:dk2>
+      <a:lt2>
+        <a:srgbClr val="E8E8E8"/>
+      </a:lt2>
+      <a:accent1>
+        <a:srgbClr val="156082"/>
+      </a:accent1>
+      <a:accent2>
+        <a:srgbClr val="E97132"/>
+      </a:accent2>
+      <a:accent3>
+        <a:srgbClr val="196B24"/>
+      </a:accent3>
+      <a:accent4>
+        <a:srgbClr val="0F9ED5"/>
+      </a:accent4>
+      <a:accent5>
+        <a:srgbClr val="A02B93"/>
+      </a:accent5>
+      <a:accent6>
+        <a:srgbClr val="4EA72E"/>
+      </a:accent6>
+      <a:hlink>
+        <a:srgbClr val="467886"/>
+      </a:hlink>
+      <a:folHlink>
+        <a:srgbClr val="96607D"/>
+      </a:folHlink>
+    </a:clrScheme>
+    <a:fontScheme name="Office">
+      <a:majorFont>
+        <a:latin typeface="Aptos Display" panose="02110004020202020204"/>
+        <a:ea typeface=""/>
+        <a:cs typeface=""/>
+        <a:font script="Jpan" typeface="游ゴシック Light"/>
+        <a:font script="Hang" typeface="맑은 고딕"/>
+        <a:font script="Hans" typeface="等线 Light"/>
+        <a:font script="Hant" typeface="新細明體"/>
+        <a:font script="Arab" typeface="Times New Roman"/>
+        <a:font script="Hebr" typeface="Times New Roman"/>
+        <a:font script="Thai" typeface="Angsana New"/>
+        <a:font script="Ethi" typeface="Nyala"/>
+        <a:font script="Beng" typeface="Vrinda"/>
+        <a:font script="Gujr" typeface="Shruti"/>
+        <a:font script="Khmr" typeface="MoolBoran"/>
+        <a:font script="Knda" typeface="Tunga"/>
+        <a:font script="Guru" typeface="Raavi"/>
+        <a:font script="Cans" typeface="Euphemia"/>
+        <a:font script="Cher" typeface="Plantagenet Cherokee"/>
+        <a:font script="Yiii" typeface="Microsoft Yi Baiti"/>
+        <a:font script="Tibt" typeface="Microsoft Himalaya"/>
+        <a:font script="Thaa" typeface="MV Boli"/>
+        <a:font script="Deva" typeface="Mangal"/>
+        <a:font script="Telu" typeface="Gautami"/>
+        <a:font script="Taml" typeface="Latha"/>
+        <a:font script="Syrc" typeface="Estrangelo Edessa"/>
+        <a:font script="Orya" typeface="Kalinga"/>
+        <a:font script="Mlym" typeface="Kartika"/>
+        <a:font script="Laoo" typeface="DokChampa"/>
+        <a:font script="Sinh" typeface="Iskoola Pota"/>
+        <a:font script="Mong" typeface="Mongolian Baiti"/>
+        <a:font script="Viet" typeface="Times New Roman"/>
+        <a:font script="Uigh" typeface="Microsoft Uighur"/>
+        <a:font script="Geor" typeface="Sylfaen"/>
+        <a:font script="Armn" typeface="Arial"/>
+        <a:font script="Bugi" typeface="Leelawadee UI"/>
+        <a:font script="Bopo" typeface="Microsoft JhengHei"/>
+        <a:font script="Java" typeface="Javanese Text"/>
+        <a:font script="Lisu" typeface="Segoe UI"/>
+        <a:font script="Mymr" typeface="Myanmar Text"/>
+        <a:font script="Nkoo" typeface="Ebrima"/>
+        <a:font script="Olck" typeface="Nirmala UI"/>
+        <a:font script="Osma" typeface="Ebrima"/>
+        <a:font script="Phag" typeface="Phagspa"/>
+        <a:font script="Syrn" typeface="Estrangelo Edessa"/>
+        <a:font script="Syrj" typeface="Estrangelo Edessa"/>
+        <a:font script="Syre" typeface="Estrangelo Edessa"/>
+        <a:font script="Sora" typeface="Nirmala UI"/>
+        <a:font script="Tale" typeface="Microsoft Tai Le"/>
+        <a:font script="Talu" typeface="Microsoft New Tai Lue"/>
+        <a:font script="Tfng" typeface="Ebrima"/>
+      </a:majorFont>
+      <a:minorFont>
+        <a:latin typeface="Aptos" panose="02110004020202020204"/>
+        <a:ea typeface=""/>
+        <a:cs typeface=""/>
+        <a:font script="Jpan" typeface="游ゴシック"/>
+        <a:font script="Hang" typeface="맑은 고딕"/>
+        <a:font script="Hans" typeface="等线"/>
+        <a:font script="Hant" typeface="新細明體"/>
+        <a:font script="Arab" typeface="Arial"/>
+        <a:font script="Hebr" typeface="Arial"/>
+        <a:font script="Thai" typeface="Cordia New"/>
+        <a:font script="Ethi" typeface="Nyala"/>
+        <a:font script="Beng" typeface="Vrinda"/>
+        <a:font script="Gujr" typeface="Shruti"/>
+        <a:font script="Khmr" typeface="DaunPenh"/>
+        <a:font script="Knda" typeface="Tunga"/>
+        <a:font script="Guru" typeface="Raavi"/>
+        <a:font script="Cans" typeface="Euphemia"/>
+        <a:font script="Cher" typeface="Plantagenet Cherokee"/>
+        <a:font script="Yiii" typeface="Microsoft Yi Baiti"/>
+        <a:font script="Tibt" typeface="Microsoft Himalaya"/>
+        <a:font script="Thaa" typeface="MV Boli"/>
+        <a:font script="Deva" typeface="Mangal"/>
+        <a:font script="Telu" typeface="Gautami"/>
+        <a:font script="Taml" typeface="Latha"/>
+        <a:font script="Syrc" typeface="Estrangelo Edessa"/>
+        <a:font script="Orya" typeface="Kalinga"/>
+        <a:font script="Mlym" typeface="Kartika"/>
+        <a:font script="Laoo" typeface="DokChampa"/>
+        <a:font script="Sinh" typeface="Iskoola Pota"/>
+        <a:font script="Mong" typeface="Mongolian Baiti"/>
+        <a:font script="Viet" typeface="Arial"/>
+        <a:font script="Uigh" typeface="Microsoft Uighur"/>
+        <a:font script="Geor" typeface="Sylfaen"/>
+        <a:font script="Armn" typeface="Arial"/>
+        <a:font script="Bugi" typeface="Leelawadee UI"/>
+        <a:font script="Bopo" typeface="Microsoft JhengHei"/>
+        <a:font script="Java" typeface="Javanese Text"/>
+        <a:font script="Lisu" typeface="Segoe UI"/>
+        <a:font script="Mymr" typeface="Myanmar Text"/>
+        <a:font script="Nkoo" typeface="Ebrima"/>
+        <a:font script="Olck" typeface="Nirmala UI"/>
+        <a:font script="Osma" typeface="Ebrima"/>
+        <a:font script="Phag" typeface="Phagspa"/>
+        <a:font script="Syrn" typeface="Estrangelo Edessa"/>
+        <a:font script="Syrj" typeface="Estrangelo Edessa"/>
+        <a:font script="Syre" typeface="Estrangelo Edessa"/>
+        <a:font script="Sora" typeface="Nirmala UI"/>
+        <a:font script="Tale" typeface="Microsoft Tai Le"/>
+        <a:font script="Talu" typeface="Microsoft New Tai Lue"/>
+        <a:font script="Tfng" typeface="Ebrima"/>
+      </a:minorFont>
+    </a:fontScheme>
+    <a:fmtScheme name="Office">
+      <a:fillStyleLst>
+        <a:solidFill>
+          <a:schemeClr val="phClr"/>
+        </a:solidFill>
+        <a:gradFill rotWithShape="1">
+          <a:gsLst>
+            <a:gs pos="0">
+              <a:schemeClr val="phClr">
+                <a:lumMod val="110000"/>
+                <a:satMod val="105000"/>
+                <a:tint val="67000"/>
+              </a:schemeClr>
+            </a:gs>
+            <a:gs pos="50000">
+              <a:schemeClr val="phClr">
+                <a:lumMod val="105000"/>
+                <a:satMod val="103000"/>
+                <a:tint val="73000"/>
+              </a:schemeClr>
+            </a:gs>
+            <a:gs pos="100000">
+              <a:schemeClr val="phClr">
+                <a:lumMod val="105000"/>
+                <a:satMod val="109000"/>
+                <a:tint val="81000"/>
+              </a:schemeClr>
+            </a:gs>
+          </a:gsLst>
+          <a:lin ang="5400000" scaled="0"/>
+        </a:gradFill>
+        <a:gradFill rotWithShape="1">
+          <a:gsLst>
+            <a:gs pos="0">
+              <a:schemeClr val="phClr">
+                <a:satMod val="103000"/>
+                <a:lumMod val="102000"/>
+                <a:tint val="94000"/>
+              </a:schemeClr>
+            </a:gs>
+            <a:gs pos="50000">
+              <a:schemeClr val="phClr">
+                <a:satMod val="110000"/>
+                <a:lumMod val="100000"/>
+                <a:shade val="100000"/>
+              </a:schemeClr>
+            </a:gs>
+            <a:gs pos="100000">
+              <a:schemeClr val="phClr">
+                <a:lumMod val="99000"/>
+                <a:satMod val="120000"/>
+                <a:shade val="78000"/>
+              </a:schemeClr>
+            </a:gs>
+          </a:gsLst>
+          <a:lin ang="5400000" scaled="0"/>
+        </a:gradFill>
+      </a:fillStyleLst>
+      <a:lnStyleLst>
+        <a:ln w="12700" cap="flat" cmpd="sng" algn="ctr">
+          <a:solidFill>
+            <a:schemeClr val="phClr"/>
+          </a:solidFill>
+          <a:prstDash val="solid"/>
+          <a:miter lim="800000"/>
+        </a:ln>
+        <a:ln w="19050" cap="flat" cmpd="sng" algn="ctr">
+          <a:solidFill>
+            <a:schemeClr val="phClr"/>
+          </a:solidFill>
+          <a:prstDash val="solid"/>
+          <a:miter lim="800000"/>
+        </a:ln>
+        <a:ln w="25400" cap="flat" cmpd="sng" algn="ctr">
+          <a:solidFill>
+            <a:schemeClr val="phClr"/>
+          </a:solidFill>
+          <a:prstDash val="solid"/>
+          <a:miter lim="800000"/>
+        </a:ln>
+      </a:lnStyleLst>
+      <a:effectStyleLst>
+        <a:effectStyle>
+          <a:effectLst/>
+        </a:effectStyle>
+        <a:effectStyle>
+          <a:effectLst/>
+        </a:effectStyle>
+        <a:effectStyle>
+          <a:effectLst>
+            <a:outerShdw blurRad="57150" dist="19050" dir="5400000" algn="ctr" rotWithShape="0">
+              <a:srgbClr val="000000">
+                <a:alpha val="63000"/>
+              </a:srgbClr>
+            </a:outerShdw>
+          </a:effectLst>
+        </a:effectStyle>
+      </a:effectStyleLst>
+      <a:bgFillStyleLst>
+        <a:solidFill>
+          <a:schemeClr val="phClr"/>
+        </a:solidFill>
+        <a:solidFill>
+          <a:schemeClr val="phClr">
+            <a:tint val="95000"/>
+            <a:satMod val="170000"/>
+          </a:schemeClr>
+        </a:solidFill>
+        <a:gradFill rotWithShape="1">
+          <a:gsLst>
+            <a:gs pos="0">
+              <a:schemeClr val="phClr">
+                <a:tint val="93000"/>
+                <a:satMod val="150000"/>
+                <a:shade val="98000"/>
+                <a:lumMod val="102000"/>
+              </a:schemeClr>
+            </a:gs>
+            <a:gs pos="50000">
+              <a:schemeClr val="phClr">
+                <a:tint val="98000"/>
+                <a:satMod val="130000"/>
+                <a:shade val="90000"/>
+                <a:lumMod val="103000"/>
+              </a:schemeClr>
+            </a:gs>
+            <a:gs pos="100000">
+              <a:schemeClr val="phClr">
+                <a:shade val="63000"/>
+                <a:satMod val="120000"/>
+              </a:schemeClr>
+            </a:gs>
+          </a:gsLst>
+          <a:lin ang="5400000" scaled="0"/>
+        </a:gradFill>
+      </a:bgFillStyleLst>
+    </a:fmtScheme>
+  </a:themeElements>
+  <a:objectDefaults>
+    <a:lnDef>
+      <a:spPr/>
+      <a:bodyPr/>
+      <a:lstStyle/>
+      <a:style>
+        <a:lnRef idx="2">
+          <a:schemeClr val="accent1"/>
+        </a:lnRef>
+        <a:fillRef idx="0">
+          <a:schemeClr val="accent1"/>
+        </a:fillRef>
+        <a:effectRef idx="1">
+          <a:schemeClr val="accent1"/>
+        </a:effectRef>
+        <a:fontRef idx="minor">
+          <a:schemeClr val="tx1"/>
+        </a:fontRef>
+      </a:style>
+    </a:lnDef>
+  </a:objectDefaults>
+  <a:extraClrSchemeLst/>
+  <a:extLst>
+    <a:ext uri="{05A4C25C-085E-4340-85A3-A5531E510DB2}">
+      <thm15:themeFamily xmlns:thm15="http://schemas.microsoft.com/office/thememl/2012/main" name="Office Theme" id="{2E142A2C-CD16-42D6-873A-C26D2A0506FA}" vid="{1BDDFF52-6CD6-40A5-AB3C-68EB2F1E4D0A}"/>
+    </a:ext>
+  </a:extLst>
+</a:theme>
 </file>
--- a/LectureSlides/06OpSem.pptx
+++ b/LectureSlides/06OpSem.pptx
@@ -4,6 +4,9 @@
   <p:sldMasterIdLst>
     <p:sldMasterId id="2147483696" r:id="rId1"/>
   </p:sldMasterIdLst>
+  <p:notesMasterIdLst>
+    <p:notesMasterId r:id="rId59"/>
+  </p:notesMasterIdLst>
   <p:sldIdLst>
     <p:sldId id="256" r:id="rId2"/>
     <p:sldId id="320" r:id="rId3"/>
@@ -168,6 +171,355 @@
 </p:presentation>
 </file>
 
+<file path=ppt/notesMasters/notesMaster1.xml><?xml version="1.0" encoding="utf-8"?>
+<p:notesMaster xmlns:a="http://schemas.openxmlformats.org/drawingml/2006/main" xmlns:r="http://schemas.openxmlformats.org/officeDocument/2006/relationships" xmlns:p="http://schemas.openxmlformats.org/presentationml/2006/main">
+  <p:cSld>
+    <p:bg>
+      <p:bgRef idx="1001">
+        <a:schemeClr val="bg1"/>
+      </p:bgRef>
+    </p:bg>
+    <p:spTree>
+      <p:nvGrpSpPr>
+        <p:cNvPr id="1" name=""/>
+        <p:cNvGrpSpPr/>
+        <p:nvPr/>
+      </p:nvGrpSpPr>
+      <p:grpSpPr>
+        <a:xfrm>
+          <a:off x="0" y="0"/>
+          <a:ext cx="0" cy="0"/>
+          <a:chOff x="0" y="0"/>
+          <a:chExt cx="0" cy="0"/>
+        </a:xfrm>
+      </p:grpSpPr>
+      <p:sp>
+        <p:nvSpPr>
+          <p:cNvPr id="2" name="Header Placeholder 1"/>
+          <p:cNvSpPr>
+            <a:spLocks noGrp="1"/>
+          </p:cNvSpPr>
+          <p:nvPr>
+            <p:ph type="hdr" sz="quarter"/>
+          </p:nvPr>
+        </p:nvSpPr>
+        <p:spPr>
+          <a:xfrm>
+            <a:off x="0" y="0"/>
+            <a:ext cx="2971800" cy="458788"/>
+          </a:xfrm>
+          <a:prstGeom prst="rect">
+            <a:avLst/>
+          </a:prstGeom>
+        </p:spPr>
+        <p:txBody>
+          <a:bodyPr vert="horz" lIns="91440" tIns="45720" rIns="91440" bIns="45720" rtlCol="0"/>
+          <a:lstStyle>
+            <a:lvl1pPr algn="l">
+              <a:defRPr sz="1200"/>
+            </a:lvl1pPr>
+          </a:lstStyle>
+          <a:p>
+            <a:endParaRPr lang="en-US"/>
+          </a:p>
+        </p:txBody>
+      </p:sp>
+      <p:sp>
+        <p:nvSpPr>
+          <p:cNvPr id="3" name="Date Placeholder 2"/>
+          <p:cNvSpPr>
+            <a:spLocks noGrp="1"/>
+          </p:cNvSpPr>
+          <p:nvPr>
+            <p:ph type="dt" idx="1"/>
+          </p:nvPr>
+        </p:nvSpPr>
+        <p:spPr>
+          <a:xfrm>
+            <a:off x="3884613" y="0"/>
+            <a:ext cx="2971800" cy="458788"/>
+          </a:xfrm>
+          <a:prstGeom prst="rect">
+            <a:avLst/>
+          </a:prstGeom>
+        </p:spPr>
+        <p:txBody>
+          <a:bodyPr vert="horz" lIns="91440" tIns="45720" rIns="91440" bIns="45720" rtlCol="0"/>
+          <a:lstStyle>
+            <a:lvl1pPr algn="r">
+              <a:defRPr sz="1200"/>
+            </a:lvl1pPr>
+          </a:lstStyle>
+          <a:p>
+            <a:fld id="{18C79B11-6628-4CD7-8A88-CC5C9899824E}" type="datetimeFigureOut">
+              <a:rPr lang="en-US" smtClean="0"/>
+              <a:t>11/11/2024</a:t>
+            </a:fld>
+            <a:endParaRPr lang="en-US"/>
+          </a:p>
+        </p:txBody>
+      </p:sp>
+      <p:sp>
+        <p:nvSpPr>
+          <p:cNvPr id="4" name="Slide Image Placeholder 3"/>
+          <p:cNvSpPr>
+            <a:spLocks noGrp="1" noRot="1" noChangeAspect="1"/>
+          </p:cNvSpPr>
+          <p:nvPr>
+            <p:ph type="sldImg" idx="2"/>
+          </p:nvPr>
+        </p:nvSpPr>
+        <p:spPr>
+          <a:xfrm>
+            <a:off x="685800" y="1143000"/>
+            <a:ext cx="5486400" cy="3086100"/>
+          </a:xfrm>
+          <a:prstGeom prst="rect">
+            <a:avLst/>
+          </a:prstGeom>
+          <a:noFill/>
+          <a:ln w="12700">
+            <a:solidFill>
+              <a:prstClr val="black"/>
+            </a:solidFill>
+          </a:ln>
+        </p:spPr>
+        <p:txBody>
+          <a:bodyPr vert="horz" lIns="91440" tIns="45720" rIns="91440" bIns="45720" rtlCol="0" anchor="ctr"/>
+          <a:lstStyle/>
+          <a:p>
+            <a:endParaRPr lang="en-US"/>
+          </a:p>
+        </p:txBody>
+      </p:sp>
+      <p:sp>
+        <p:nvSpPr>
+          <p:cNvPr id="5" name="Notes Placeholder 4"/>
+          <p:cNvSpPr>
+            <a:spLocks noGrp="1"/>
+          </p:cNvSpPr>
+          <p:nvPr>
+            <p:ph type="body" sz="quarter" idx="3"/>
+          </p:nvPr>
+        </p:nvSpPr>
+        <p:spPr>
+          <a:xfrm>
+            <a:off x="685800" y="4400550"/>
+            <a:ext cx="5486400" cy="3600450"/>
+          </a:xfrm>
+          <a:prstGeom prst="rect">
+            <a:avLst/>
+          </a:prstGeom>
+        </p:spPr>
+        <p:txBody>
+          <a:bodyPr vert="horz" lIns="91440" tIns="45720" rIns="91440" bIns="45720" rtlCol="0"/>
+          <a:lstStyle/>
+          <a:p>
+            <a:pPr lvl="0"/>
+            <a:r>
+              <a:rPr lang="en-US"/>
+              <a:t>Click to edit Master text styles</a:t>
+            </a:r>
+          </a:p>
+          <a:p>
+            <a:pPr lvl="1"/>
+            <a:r>
+              <a:rPr lang="en-US"/>
+              <a:t>Second level</a:t>
+            </a:r>
+          </a:p>
+          <a:p>
+            <a:pPr lvl="2"/>
+            <a:r>
+              <a:rPr lang="en-US"/>
+              <a:t>Third level</a:t>
+            </a:r>
+          </a:p>
+          <a:p>
+            <a:pPr lvl="3"/>
+            <a:r>
+              <a:rPr lang="en-US"/>
+              <a:t>Fourth level</a:t>
+            </a:r>
+          </a:p>
+          <a:p>
+            <a:pPr lvl="4"/>
+            <a:r>
+              <a:rPr lang="en-US"/>
+              <a:t>Fifth level</a:t>
+            </a:r>
+          </a:p>
+        </p:txBody>
+      </p:sp>
+      <p:sp>
+        <p:nvSpPr>
+          <p:cNvPr id="6" name="Footer Placeholder 5"/>
+          <p:cNvSpPr>
+            <a:spLocks noGrp="1"/>
+          </p:cNvSpPr>
+          <p:nvPr>
+            <p:ph type="ftr" sz="quarter" idx="4"/>
+          </p:nvPr>
+        </p:nvSpPr>
+        <p:spPr>
+          <a:xfrm>
+            <a:off x="0" y="8685213"/>
+            <a:ext cx="2971800" cy="458787"/>
+          </a:xfrm>
+          <a:prstGeom prst="rect">
+            <a:avLst/>
+          </a:prstGeom>
+        </p:spPr>
+        <p:txBody>
+          <a:bodyPr vert="horz" lIns="91440" tIns="45720" rIns="91440" bIns="45720" rtlCol="0" anchor="b"/>
+          <a:lstStyle>
+            <a:lvl1pPr algn="l">
+              <a:defRPr sz="1200"/>
+            </a:lvl1pPr>
+          </a:lstStyle>
+          <a:p>
+            <a:endParaRPr lang="en-US"/>
+          </a:p>
+        </p:txBody>
+      </p:sp>
+      <p:sp>
+        <p:nvSpPr>
+          <p:cNvPr id="7" name="Slide Number Placeholder 6"/>
+          <p:cNvSpPr>
+            <a:spLocks noGrp="1"/>
+          </p:cNvSpPr>
+          <p:nvPr>
+            <p:ph type="sldNum" sz="quarter" idx="5"/>
+          </p:nvPr>
+        </p:nvSpPr>
+        <p:spPr>
+          <a:xfrm>
+            <a:off x="3884613" y="8685213"/>
+            <a:ext cx="2971800" cy="458787"/>
+          </a:xfrm>
+          <a:prstGeom prst="rect">
+            <a:avLst/>
+          </a:prstGeom>
+        </p:spPr>
+        <p:txBody>
+          <a:bodyPr vert="horz" lIns="91440" tIns="45720" rIns="91440" bIns="45720" rtlCol="0" anchor="b"/>
+          <a:lstStyle>
+            <a:lvl1pPr algn="r">
+              <a:defRPr sz="1200"/>
+            </a:lvl1pPr>
+          </a:lstStyle>
+          <a:p>
+            <a:fld id="{5717B5F1-5A25-4176-B840-1B8173C04245}" type="slidenum">
+              <a:rPr lang="en-US" smtClean="0"/>
+              <a:t>‹#›</a:t>
+            </a:fld>
+            <a:endParaRPr lang="en-US"/>
+          </a:p>
+        </p:txBody>
+      </p:sp>
+    </p:spTree>
+    <p:extLst>
+      <p:ext uri="{BB962C8B-B14F-4D97-AF65-F5344CB8AC3E}">
+        <p14:creationId xmlns:p14="http://schemas.microsoft.com/office/powerpoint/2010/main" val="2410596674"/>
+      </p:ext>
+    </p:extLst>
+  </p:cSld>
+  <p:clrMap bg1="lt1" tx1="dk1" bg2="lt2" tx2="dk2" accent1="accent1" accent2="accent2" accent3="accent3" accent4="accent4" accent5="accent5" accent6="accent6" hlink="hlink" folHlink="folHlink"/>
+  <p:notesStyle>
+    <a:lvl1pPr marL="0" algn="l" defTabSz="914400" rtl="0" eaLnBrk="1" latinLnBrk="0" hangingPunct="1">
+      <a:defRPr sz="1200" kern="1200">
+        <a:solidFill>
+          <a:schemeClr val="tx1"/>
+        </a:solidFill>
+        <a:latin typeface="+mn-lt"/>
+        <a:ea typeface="+mn-ea"/>
+        <a:cs typeface="+mn-cs"/>
+      </a:defRPr>
+    </a:lvl1pPr>
+    <a:lvl2pPr marL="457200" algn="l" defTabSz="914400" rtl="0" eaLnBrk="1" latinLnBrk="0" hangingPunct="1">
+      <a:defRPr sz="1200" kern="1200">
+        <a:solidFill>
+          <a:schemeClr val="tx1"/>
+        </a:solidFill>
+        <a:latin typeface="+mn-lt"/>
+        <a:ea typeface="+mn-ea"/>
+        <a:cs typeface="+mn-cs"/>
+      </a:defRPr>
+    </a:lvl2pPr>
+    <a:lvl3pPr marL="914400" algn="l" defTabSz="914400" rtl="0" eaLnBrk="1" latinLnBrk="0" hangingPunct="1">
+      <a:defRPr sz="1200" kern="1200">
+        <a:solidFill>
+          <a:schemeClr val="tx1"/>
+        </a:solidFill>
+        <a:latin typeface="+mn-lt"/>
+        <a:ea typeface="+mn-ea"/>
+        <a:cs typeface="+mn-cs"/>
+      </a:defRPr>
+    </a:lvl3pPr>
+    <a:lvl4pPr marL="1371600" algn="l" defTabSz="914400" rtl="0" eaLnBrk="1" latinLnBrk="0" hangingPunct="1">
+      <a:defRPr sz="1200" kern="1200">
+        <a:solidFill>
+          <a:schemeClr val="tx1"/>
+        </a:solidFill>
+        <a:latin typeface="+mn-lt"/>
+        <a:ea typeface="+mn-ea"/>
+        <a:cs typeface="+mn-cs"/>
+      </a:defRPr>
+    </a:lvl4pPr>
+    <a:lvl5pPr marL="1828800" algn="l" defTabSz="914400" rtl="0" eaLnBrk="1" latinLnBrk="0" hangingPunct="1">
+      <a:defRPr sz="1200" kern="1200">
+        <a:solidFill>
+          <a:schemeClr val="tx1"/>
+        </a:solidFill>
+        <a:latin typeface="+mn-lt"/>
+        <a:ea typeface="+mn-ea"/>
+        <a:cs typeface="+mn-cs"/>
+      </a:defRPr>
+    </a:lvl5pPr>
+    <a:lvl6pPr marL="2286000" algn="l" defTabSz="914400" rtl="0" eaLnBrk="1" latinLnBrk="0" hangingPunct="1">
+      <a:defRPr sz="1200" kern="1200">
+        <a:solidFill>
+          <a:schemeClr val="tx1"/>
+        </a:solidFill>
+        <a:latin typeface="+mn-lt"/>
+        <a:ea typeface="+mn-ea"/>
+        <a:cs typeface="+mn-cs"/>
+      </a:defRPr>
+    </a:lvl6pPr>
+    <a:lvl7pPr marL="2743200" algn="l" defTabSz="914400" rtl="0" eaLnBrk="1" latinLnBrk="0" hangingPunct="1">
+      <a:defRPr sz="1200" kern="1200">
+        <a:solidFill>
+          <a:schemeClr val="tx1"/>
+        </a:solidFill>
+        <a:latin typeface="+mn-lt"/>
+        <a:ea typeface="+mn-ea"/>
+        <a:cs typeface="+mn-cs"/>
+      </a:defRPr>
+    </a:lvl7pPr>
+    <a:lvl8pPr marL="3200400" algn="l" defTabSz="914400" rtl="0" eaLnBrk="1" latinLnBrk="0" hangingPunct="1">
+      <a:defRPr sz="1200" kern="1200">
+        <a:solidFill>
+          <a:schemeClr val="tx1"/>
+        </a:solidFill>
+        <a:latin typeface="+mn-lt"/>
+        <a:ea typeface="+mn-ea"/>
+        <a:cs typeface="+mn-cs"/>
+      </a:defRPr>
+    </a:lvl8pPr>
+    <a:lvl9pPr marL="3657600" algn="l" defTabSz="914400" rtl="0" eaLnBrk="1" latinLnBrk="0" hangingPunct="1">
+      <a:defRPr sz="1200" kern="1200">
+        <a:solidFill>
+          <a:schemeClr val="tx1"/>
+        </a:solidFill>
+        <a:latin typeface="+mn-lt"/>
+        <a:ea typeface="+mn-ea"/>
+        <a:cs typeface="+mn-cs"/>
+      </a:defRPr>
+    </a:lvl9pPr>
+  </p:notesStyle>
+</p:notesMaster>
+</file>
+
 <file path=ppt/slideLayouts/slideLayout1.xml><?xml version="1.0" encoding="utf-8"?>
 <p:sldLayout xmlns:a="http://schemas.openxmlformats.org/drawingml/2006/main" xmlns:r="http://schemas.openxmlformats.org/officeDocument/2006/relationships" xmlns:p="http://schemas.openxmlformats.org/presentationml/2006/main" showMasterSp="0" type="title" preserve="1">
   <p:cSld name="Title Slide">
@@ -390,9 +742,9 @@
           <a:bodyPr/>
           <a:lstStyle/>
           <a:p>
-            <a:fld id="{DF0DA02A-3D36-4521-B995-F6A931B35345}" type="datetimeFigureOut">
+            <a:fld id="{694538C1-AF99-4F6F-A201-F88754460A48}" type="datetime1">
               <a:rPr lang="en-US" smtClean="0"/>
-              <a:t>10/14/2024</a:t>
+              <a:t>11/11/2024</a:t>
             </a:fld>
             <a:endParaRPr lang="en-US"/>
           </a:p>
@@ -598,9 +950,9 @@
           <a:bodyPr/>
           <a:lstStyle/>
           <a:p>
-            <a:fld id="{DF0DA02A-3D36-4521-B995-F6A931B35345}" type="datetimeFigureOut">
+            <a:fld id="{8C566720-3199-44E7-A8A2-3CE60DDB3D64}" type="datetime1">
               <a:rPr lang="en-US" smtClean="0"/>
-              <a:t>10/14/2024</a:t>
+              <a:t>11/11/2024</a:t>
             </a:fld>
             <a:endParaRPr lang="en-US"/>
           </a:p>
@@ -854,9 +1206,9 @@
           <a:bodyPr/>
           <a:lstStyle/>
           <a:p>
-            <a:fld id="{DF0DA02A-3D36-4521-B995-F6A931B35345}" type="datetimeFigureOut">
+            <a:fld id="{FF27D066-00C9-4A7C-BCC4-8A69EF7F726F}" type="datetime1">
               <a:rPr lang="en-US" smtClean="0"/>
-              <a:t>10/14/2024</a:t>
+              <a:t>11/11/2024</a:t>
             </a:fld>
             <a:endParaRPr lang="en-US"/>
           </a:p>
@@ -1039,9 +1391,9 @@
           <a:bodyPr/>
           <a:lstStyle/>
           <a:p>
-            <a:fld id="{DF0DA02A-3D36-4521-B995-F6A931B35345}" type="datetimeFigureOut">
+            <a:fld id="{1900CD6D-00CA-4312-BE5C-A302359C5947}" type="datetime1">
               <a:rPr lang="en-US" smtClean="0"/>
-              <a:t>10/14/2024</a:t>
+              <a:t>11/11/2024</a:t>
             </a:fld>
             <a:endParaRPr lang="en-US"/>
           </a:p>
@@ -1382,9 +1734,9 @@
           <a:bodyPr/>
           <a:lstStyle/>
           <a:p>
-            <a:fld id="{DF0DA02A-3D36-4521-B995-F6A931B35345}" type="datetimeFigureOut">
+            <a:fld id="{7C6394AF-A591-482C-8079-7630332FEBB0}" type="datetime1">
               <a:rPr lang="en-US" smtClean="0"/>
-              <a:t>10/14/2024</a:t>
+              <a:t>11/11/2024</a:t>
             </a:fld>
             <a:endParaRPr lang="en-US"/>
           </a:p>
@@ -1687,9 +2039,9 @@
           <a:bodyPr/>
           <a:lstStyle/>
           <a:p>
-            <a:fld id="{DF0DA02A-3D36-4521-B995-F6A931B35345}" type="datetimeFigureOut">
+            <a:fld id="{09571939-46EB-465E-804D-44ABF525CDB3}" type="datetime1">
               <a:rPr lang="en-US" smtClean="0"/>
-              <a:t>10/14/2024</a:t>
+              <a:t>11/11/2024</a:t>
             </a:fld>
             <a:endParaRPr lang="en-US"/>
           </a:p>
@@ -2096,9 +2448,9 @@
           <a:bodyPr/>
           <a:lstStyle/>
           <a:p>
-            <a:fld id="{DF0DA02A-3D36-4521-B995-F6A931B35345}" type="datetimeFigureOut">
+            <a:fld id="{189FFEF7-AF49-483A-9A1C-9204F609980A}" type="datetime1">
               <a:rPr lang="en-US" smtClean="0"/>
-              <a:t>10/14/2024</a:t>
+              <a:t>11/11/2024</a:t>
             </a:fld>
             <a:endParaRPr lang="en-US"/>
           </a:p>
@@ -2214,9 +2566,9 @@
           <a:bodyPr/>
           <a:lstStyle/>
           <a:p>
-            <a:fld id="{DF0DA02A-3D36-4521-B995-F6A931B35345}" type="datetimeFigureOut">
+            <a:fld id="{6D745902-C23D-42EB-837A-FC6CBB54F647}" type="datetime1">
               <a:rPr lang="en-US" smtClean="0"/>
-              <a:t>10/14/2024</a:t>
+              <a:t>11/11/2024</a:t>
             </a:fld>
             <a:endParaRPr lang="en-US"/>
           </a:p>
@@ -2385,9 +2737,9 @@
           <a:bodyPr/>
           <a:lstStyle/>
           <a:p>
-            <a:fld id="{DF0DA02A-3D36-4521-B995-F6A931B35345}" type="datetimeFigureOut">
+            <a:fld id="{64287B96-E6FD-4D8D-B8D7-F0C3F9BD0B04}" type="datetime1">
               <a:rPr lang="en-US" smtClean="0"/>
-              <a:t>10/14/2024</a:t>
+              <a:t>11/11/2024</a:t>
             </a:fld>
             <a:endParaRPr lang="en-US"/>
           </a:p>
@@ -2754,9 +3106,9 @@
             </a:lvl1pPr>
           </a:lstStyle>
           <a:p>
-            <a:fld id="{DF0DA02A-3D36-4521-B995-F6A931B35345}" type="datetimeFigureOut">
+            <a:fld id="{8E3C70DA-58E5-4674-839E-F18C556C36AD}" type="datetime1">
               <a:rPr lang="en-US" smtClean="0"/>
-              <a:t>10/14/2024</a:t>
+              <a:t>11/11/2024</a:t>
             </a:fld>
             <a:endParaRPr lang="en-US"/>
           </a:p>
@@ -3131,9 +3483,9 @@
           <a:bodyPr/>
           <a:lstStyle/>
           <a:p>
-            <a:fld id="{DF0DA02A-3D36-4521-B995-F6A931B35345}" type="datetimeFigureOut">
+            <a:fld id="{D7BD56CF-9F6C-41B7-8A9B-DFD6629C3C9D}" type="datetime1">
               <a:rPr lang="en-US" smtClean="0"/>
-              <a:t>10/14/2024</a:t>
+              <a:t>11/11/2024</a:t>
             </a:fld>
             <a:endParaRPr lang="en-US"/>
           </a:p>
@@ -3418,9 +3770,9 @@
             </a:lvl1pPr>
           </a:lstStyle>
           <a:p>
-            <a:fld id="{DF0DA02A-3D36-4521-B995-F6A931B35345}" type="datetimeFigureOut">
+            <a:fld id="{4C2B532B-E832-49B0-9AAD-D2E16859C6AF}" type="datetime1">
               <a:rPr lang="en-US" smtClean="0"/>
-              <a:t>10/14/2024</a:t>
+              <a:t>11/11/2024</a:t>
             </a:fld>
             <a:endParaRPr lang="en-US"/>
           </a:p>
@@ -3559,6 +3911,7 @@
     <p:sldLayoutId id="2147483706" r:id="rId10"/>
     <p:sldLayoutId id="2147483707" r:id="rId11"/>
   </p:sldLayoutIdLst>
+  <p:hf hdr="0" ftr="0" dt="0"/>
   <p:txStyles>
     <p:titleStyle>
       <a:lvl1pPr algn="l" defTabSz="914400" rtl="0" eaLnBrk="1" latinLnBrk="0" hangingPunct="1">
@@ -4031,6 +4384,35 @@
           </a:p>
         </p:txBody>
       </p:sp>
+      <p:sp>
+        <p:nvSpPr>
+          <p:cNvPr id="4" name="Slide Number Placeholder 3">
+            <a:extLst>
+              <a:ext uri="{FF2B5EF4-FFF2-40B4-BE49-F238E27FC236}">
+                <a16:creationId xmlns:a16="http://schemas.microsoft.com/office/drawing/2014/main" id="{FB500D64-B733-9166-8A73-FC30395BE040}"/>
+              </a:ext>
+            </a:extLst>
+          </p:cNvPr>
+          <p:cNvSpPr>
+            <a:spLocks noGrp="1"/>
+          </p:cNvSpPr>
+          <p:nvPr>
+            <p:ph type="sldNum" sz="quarter" idx="12"/>
+          </p:nvPr>
+        </p:nvSpPr>
+        <p:spPr/>
+        <p:txBody>
+          <a:bodyPr/>
+          <a:lstStyle/>
+          <a:p>
+            <a:fld id="{9BF27F29-4B64-4A24-936A-FF41C34C242B}" type="slidenum">
+              <a:rPr lang="en-US" smtClean="0"/>
+              <a:t>1</a:t>
+            </a:fld>
+            <a:endParaRPr lang="en-US"/>
+          </a:p>
+        </p:txBody>
+      </p:sp>
     </p:spTree>
     <p:extLst>
       <p:ext uri="{BB962C8B-B14F-4D97-AF65-F5344CB8AC3E}">
@@ -4151,6 +4533,35 @@
           </a:p>
         </p:txBody>
       </p:sp>
+      <p:sp>
+        <p:nvSpPr>
+          <p:cNvPr id="4" name="Slide Number Placeholder 3">
+            <a:extLst>
+              <a:ext uri="{FF2B5EF4-FFF2-40B4-BE49-F238E27FC236}">
+                <a16:creationId xmlns:a16="http://schemas.microsoft.com/office/drawing/2014/main" id="{81824620-AAEC-11C1-7167-FD261C0C278F}"/>
+              </a:ext>
+            </a:extLst>
+          </p:cNvPr>
+          <p:cNvSpPr>
+            <a:spLocks noGrp="1"/>
+          </p:cNvSpPr>
+          <p:nvPr>
+            <p:ph type="sldNum" sz="quarter" idx="12"/>
+          </p:nvPr>
+        </p:nvSpPr>
+        <p:spPr/>
+        <p:txBody>
+          <a:bodyPr/>
+          <a:lstStyle/>
+          <a:p>
+            <a:fld id="{9BF27F29-4B64-4A24-936A-FF41C34C242B}" type="slidenum">
+              <a:rPr lang="en-US" smtClean="0"/>
+              <a:t>10</a:t>
+            </a:fld>
+            <a:endParaRPr lang="en-US"/>
+          </a:p>
+        </p:txBody>
+      </p:sp>
     </p:spTree>
     <p:extLst>
       <p:ext uri="{BB962C8B-B14F-4D97-AF65-F5344CB8AC3E}">
@@ -4399,6 +4810,35 @@
           </a:p>
         </p:txBody>
       </p:sp>
+      <p:sp>
+        <p:nvSpPr>
+          <p:cNvPr id="6" name="Slide Number Placeholder 5">
+            <a:extLst>
+              <a:ext uri="{FF2B5EF4-FFF2-40B4-BE49-F238E27FC236}">
+                <a16:creationId xmlns:a16="http://schemas.microsoft.com/office/drawing/2014/main" id="{A0C69F7C-3F7E-6A9C-5251-B48A2796351B}"/>
+              </a:ext>
+            </a:extLst>
+          </p:cNvPr>
+          <p:cNvSpPr>
+            <a:spLocks noGrp="1"/>
+          </p:cNvSpPr>
+          <p:nvPr>
+            <p:ph type="sldNum" sz="quarter" idx="12"/>
+          </p:nvPr>
+        </p:nvSpPr>
+        <p:spPr/>
+        <p:txBody>
+          <a:bodyPr/>
+          <a:lstStyle/>
+          <a:p>
+            <a:fld id="{9BF27F29-4B64-4A24-936A-FF41C34C242B}" type="slidenum">
+              <a:rPr lang="en-US" smtClean="0"/>
+              <a:t>11</a:t>
+            </a:fld>
+            <a:endParaRPr lang="en-US"/>
+          </a:p>
+        </p:txBody>
+      </p:sp>
     </p:spTree>
     <p:extLst>
       <p:ext uri="{BB962C8B-B14F-4D97-AF65-F5344CB8AC3E}">
@@ -4518,6 +4958,35 @@
           </a:p>
         </p:txBody>
       </p:sp>
+      <p:sp>
+        <p:nvSpPr>
+          <p:cNvPr id="4" name="Slide Number Placeholder 3">
+            <a:extLst>
+              <a:ext uri="{FF2B5EF4-FFF2-40B4-BE49-F238E27FC236}">
+                <a16:creationId xmlns:a16="http://schemas.microsoft.com/office/drawing/2014/main" id="{4957D72A-A472-8EE5-4131-044DB3A76A8B}"/>
+              </a:ext>
+            </a:extLst>
+          </p:cNvPr>
+          <p:cNvSpPr>
+            <a:spLocks noGrp="1"/>
+          </p:cNvSpPr>
+          <p:nvPr>
+            <p:ph type="sldNum" sz="quarter" idx="12"/>
+          </p:nvPr>
+        </p:nvSpPr>
+        <p:spPr/>
+        <p:txBody>
+          <a:bodyPr/>
+          <a:lstStyle/>
+          <a:p>
+            <a:fld id="{9BF27F29-4B64-4A24-936A-FF41C34C242B}" type="slidenum">
+              <a:rPr lang="en-US" smtClean="0"/>
+              <a:t>12</a:t>
+            </a:fld>
+            <a:endParaRPr lang="en-US"/>
+          </a:p>
+        </p:txBody>
+      </p:sp>
     </p:spTree>
     <p:extLst>
       <p:ext uri="{BB962C8B-B14F-4D97-AF65-F5344CB8AC3E}">
@@ -4684,6 +5153,35 @@
           </a:p>
         </p:txBody>
       </p:sp>
+      <p:sp>
+        <p:nvSpPr>
+          <p:cNvPr id="4" name="Slide Number Placeholder 3">
+            <a:extLst>
+              <a:ext uri="{FF2B5EF4-FFF2-40B4-BE49-F238E27FC236}">
+                <a16:creationId xmlns:a16="http://schemas.microsoft.com/office/drawing/2014/main" id="{57D2E691-80F4-4353-F7BE-BA9C5CAE00FC}"/>
+              </a:ext>
+            </a:extLst>
+          </p:cNvPr>
+          <p:cNvSpPr>
+            <a:spLocks noGrp="1"/>
+          </p:cNvSpPr>
+          <p:nvPr>
+            <p:ph type="sldNum" sz="quarter" idx="12"/>
+          </p:nvPr>
+        </p:nvSpPr>
+        <p:spPr/>
+        <p:txBody>
+          <a:bodyPr/>
+          <a:lstStyle/>
+          <a:p>
+            <a:fld id="{9BF27F29-4B64-4A24-936A-FF41C34C242B}" type="slidenum">
+              <a:rPr lang="en-US" smtClean="0"/>
+              <a:t>13</a:t>
+            </a:fld>
+            <a:endParaRPr lang="en-US"/>
+          </a:p>
+        </p:txBody>
+      </p:sp>
     </p:spTree>
     <p:extLst>
       <p:ext uri="{BB962C8B-B14F-4D97-AF65-F5344CB8AC3E}">
@@ -5111,6 +5609,35 @@
           </a:p>
         </p:txBody>
       </p:sp>
+      <p:sp>
+        <p:nvSpPr>
+          <p:cNvPr id="4" name="Slide Number Placeholder 3">
+            <a:extLst>
+              <a:ext uri="{FF2B5EF4-FFF2-40B4-BE49-F238E27FC236}">
+                <a16:creationId xmlns:a16="http://schemas.microsoft.com/office/drawing/2014/main" id="{7D7D9BA2-87CD-B24B-92D4-6366898E0662}"/>
+              </a:ext>
+            </a:extLst>
+          </p:cNvPr>
+          <p:cNvSpPr>
+            <a:spLocks noGrp="1"/>
+          </p:cNvSpPr>
+          <p:nvPr>
+            <p:ph type="sldNum" sz="quarter" idx="12"/>
+          </p:nvPr>
+        </p:nvSpPr>
+        <p:spPr/>
+        <p:txBody>
+          <a:bodyPr/>
+          <a:lstStyle/>
+          <a:p>
+            <a:fld id="{9BF27F29-4B64-4A24-936A-FF41C34C242B}" type="slidenum">
+              <a:rPr lang="en-US" smtClean="0"/>
+              <a:t>14</a:t>
+            </a:fld>
+            <a:endParaRPr lang="en-US"/>
+          </a:p>
+        </p:txBody>
+      </p:sp>
     </p:spTree>
     <p:extLst>
       <p:ext uri="{BB962C8B-B14F-4D97-AF65-F5344CB8AC3E}">
@@ -5252,6 +5779,35 @@
           </a:p>
         </p:txBody>
       </p:sp>
+      <p:sp>
+        <p:nvSpPr>
+          <p:cNvPr id="4" name="Slide Number Placeholder 3">
+            <a:extLst>
+              <a:ext uri="{FF2B5EF4-FFF2-40B4-BE49-F238E27FC236}">
+                <a16:creationId xmlns:a16="http://schemas.microsoft.com/office/drawing/2014/main" id="{92574E93-FF4F-E2D5-12A4-74C65434B2F8}"/>
+              </a:ext>
+            </a:extLst>
+          </p:cNvPr>
+          <p:cNvSpPr>
+            <a:spLocks noGrp="1"/>
+          </p:cNvSpPr>
+          <p:nvPr>
+            <p:ph type="sldNum" sz="quarter" idx="12"/>
+          </p:nvPr>
+        </p:nvSpPr>
+        <p:spPr/>
+        <p:txBody>
+          <a:bodyPr/>
+          <a:lstStyle/>
+          <a:p>
+            <a:fld id="{9BF27F29-4B64-4A24-936A-FF41C34C242B}" type="slidenum">
+              <a:rPr lang="en-US" smtClean="0"/>
+              <a:t>15</a:t>
+            </a:fld>
+            <a:endParaRPr lang="en-US"/>
+          </a:p>
+        </p:txBody>
+      </p:sp>
     </p:spTree>
     <p:extLst>
       <p:ext uri="{BB962C8B-B14F-4D97-AF65-F5344CB8AC3E}">
@@ -5335,6 +5891,35 @@
           </a:p>
         </p:txBody>
       </p:sp>
+      <p:sp>
+        <p:nvSpPr>
+          <p:cNvPr id="4" name="Slide Number Placeholder 3">
+            <a:extLst>
+              <a:ext uri="{FF2B5EF4-FFF2-40B4-BE49-F238E27FC236}">
+                <a16:creationId xmlns:a16="http://schemas.microsoft.com/office/drawing/2014/main" id="{5FF2B8DE-4101-1072-6446-765A31719B17}"/>
+              </a:ext>
+            </a:extLst>
+          </p:cNvPr>
+          <p:cNvSpPr>
+            <a:spLocks noGrp="1"/>
+          </p:cNvSpPr>
+          <p:nvPr>
+            <p:ph type="sldNum" sz="quarter" idx="12"/>
+          </p:nvPr>
+        </p:nvSpPr>
+        <p:spPr/>
+        <p:txBody>
+          <a:bodyPr/>
+          <a:lstStyle/>
+          <a:p>
+            <a:fld id="{9BF27F29-4B64-4A24-936A-FF41C34C242B}" type="slidenum">
+              <a:rPr lang="en-US" smtClean="0"/>
+              <a:t>16</a:t>
+            </a:fld>
+            <a:endParaRPr lang="en-US"/>
+          </a:p>
+        </p:txBody>
+      </p:sp>
     </p:spTree>
     <p:extLst>
       <p:ext uri="{BB962C8B-B14F-4D97-AF65-F5344CB8AC3E}">
@@ -5477,6 +6062,35 @@
               <a:t>new world of literature</a:t>
             </a:r>
             <a:endParaRPr lang="en-US" dirty="0"/>
+          </a:p>
+        </p:txBody>
+      </p:sp>
+      <p:sp>
+        <p:nvSpPr>
+          <p:cNvPr id="4" name="Slide Number Placeholder 3">
+            <a:extLst>
+              <a:ext uri="{FF2B5EF4-FFF2-40B4-BE49-F238E27FC236}">
+                <a16:creationId xmlns:a16="http://schemas.microsoft.com/office/drawing/2014/main" id="{CFAB5F93-81A1-4077-5D4E-41A6E3B3F7D2}"/>
+              </a:ext>
+            </a:extLst>
+          </p:cNvPr>
+          <p:cNvSpPr>
+            <a:spLocks noGrp="1"/>
+          </p:cNvSpPr>
+          <p:nvPr>
+            <p:ph type="sldNum" sz="quarter" idx="12"/>
+          </p:nvPr>
+        </p:nvSpPr>
+        <p:spPr/>
+        <p:txBody>
+          <a:bodyPr/>
+          <a:lstStyle/>
+          <a:p>
+            <a:fld id="{9BF27F29-4B64-4A24-936A-FF41C34C242B}" type="slidenum">
+              <a:rPr lang="en-US" smtClean="0"/>
+              <a:t>17</a:t>
+            </a:fld>
+            <a:endParaRPr lang="en-US"/>
           </a:p>
         </p:txBody>
       </p:sp>
@@ -5720,6 +6334,35 @@
           </a:p>
         </p:txBody>
       </p:sp>
+      <p:sp>
+        <p:nvSpPr>
+          <p:cNvPr id="8" name="Slide Number Placeholder 7">
+            <a:extLst>
+              <a:ext uri="{FF2B5EF4-FFF2-40B4-BE49-F238E27FC236}">
+                <a16:creationId xmlns:a16="http://schemas.microsoft.com/office/drawing/2014/main" id="{4B84EF20-D2F0-C4EE-B0BF-302E55D55D64}"/>
+              </a:ext>
+            </a:extLst>
+          </p:cNvPr>
+          <p:cNvSpPr>
+            <a:spLocks noGrp="1"/>
+          </p:cNvSpPr>
+          <p:nvPr>
+            <p:ph type="sldNum" sz="quarter" idx="12"/>
+          </p:nvPr>
+        </p:nvSpPr>
+        <p:spPr/>
+        <p:txBody>
+          <a:bodyPr/>
+          <a:lstStyle/>
+          <a:p>
+            <a:fld id="{9BF27F29-4B64-4A24-936A-FF41C34C242B}" type="slidenum">
+              <a:rPr lang="en-US" smtClean="0"/>
+              <a:t>18</a:t>
+            </a:fld>
+            <a:endParaRPr lang="en-US"/>
+          </a:p>
+        </p:txBody>
+      </p:sp>
     </p:spTree>
     <p:extLst>
       <p:ext uri="{BB962C8B-B14F-4D97-AF65-F5344CB8AC3E}">
@@ -6010,6 +6653,35 @@
           </a:p>
         </p:txBody>
       </p:sp>
+      <p:sp>
+        <p:nvSpPr>
+          <p:cNvPr id="9" name="Slide Number Placeholder 8">
+            <a:extLst>
+              <a:ext uri="{FF2B5EF4-FFF2-40B4-BE49-F238E27FC236}">
+                <a16:creationId xmlns:a16="http://schemas.microsoft.com/office/drawing/2014/main" id="{FA939366-62C8-0B88-A12F-372E5F794B42}"/>
+              </a:ext>
+            </a:extLst>
+          </p:cNvPr>
+          <p:cNvSpPr>
+            <a:spLocks noGrp="1"/>
+          </p:cNvSpPr>
+          <p:nvPr>
+            <p:ph type="sldNum" sz="quarter" idx="12"/>
+          </p:nvPr>
+        </p:nvSpPr>
+        <p:spPr/>
+        <p:txBody>
+          <a:bodyPr/>
+          <a:lstStyle/>
+          <a:p>
+            <a:fld id="{9BF27F29-4B64-4A24-936A-FF41C34C242B}" type="slidenum">
+              <a:rPr lang="en-US" smtClean="0"/>
+              <a:t>19</a:t>
+            </a:fld>
+            <a:endParaRPr lang="en-US"/>
+          </a:p>
+        </p:txBody>
+      </p:sp>
     </p:spTree>
     <p:extLst>
       <p:ext uri="{BB962C8B-B14F-4D97-AF65-F5344CB8AC3E}">
@@ -6141,6 +6813,35 @@
           </a:p>
           <a:p>
             <a:endParaRPr lang="en-US" dirty="0"/>
+          </a:p>
+        </p:txBody>
+      </p:sp>
+      <p:sp>
+        <p:nvSpPr>
+          <p:cNvPr id="4" name="Slide Number Placeholder 3">
+            <a:extLst>
+              <a:ext uri="{FF2B5EF4-FFF2-40B4-BE49-F238E27FC236}">
+                <a16:creationId xmlns:a16="http://schemas.microsoft.com/office/drawing/2014/main" id="{353C30F3-C146-9211-6623-31FC3B4E8F36}"/>
+              </a:ext>
+            </a:extLst>
+          </p:cNvPr>
+          <p:cNvSpPr>
+            <a:spLocks noGrp="1"/>
+          </p:cNvSpPr>
+          <p:nvPr>
+            <p:ph type="sldNum" sz="quarter" idx="12"/>
+          </p:nvPr>
+        </p:nvSpPr>
+        <p:spPr/>
+        <p:txBody>
+          <a:bodyPr/>
+          <a:lstStyle/>
+          <a:p>
+            <a:fld id="{9BF27F29-4B64-4A24-936A-FF41C34C242B}" type="slidenum">
+              <a:rPr lang="en-US" smtClean="0"/>
+              <a:t>2</a:t>
+            </a:fld>
+            <a:endParaRPr lang="en-US"/>
           </a:p>
         </p:txBody>
       </p:sp>
@@ -6373,6 +7074,35 @@
               <a:rPr lang="en-US" sz="2400" dirty="0"/>
               <a:t>(where this too)</a:t>
             </a:r>
+          </a:p>
+        </p:txBody>
+      </p:sp>
+      <p:sp>
+        <p:nvSpPr>
+          <p:cNvPr id="6" name="Slide Number Placeholder 5">
+            <a:extLst>
+              <a:ext uri="{FF2B5EF4-FFF2-40B4-BE49-F238E27FC236}">
+                <a16:creationId xmlns:a16="http://schemas.microsoft.com/office/drawing/2014/main" id="{88F10858-ABA2-29AE-A298-C10F8C891FCE}"/>
+              </a:ext>
+            </a:extLst>
+          </p:cNvPr>
+          <p:cNvSpPr>
+            <a:spLocks noGrp="1"/>
+          </p:cNvSpPr>
+          <p:nvPr>
+            <p:ph type="sldNum" sz="quarter" idx="12"/>
+          </p:nvPr>
+        </p:nvSpPr>
+        <p:spPr/>
+        <p:txBody>
+          <a:bodyPr/>
+          <a:lstStyle/>
+          <a:p>
+            <a:fld id="{9BF27F29-4B64-4A24-936A-FF41C34C242B}" type="slidenum">
+              <a:rPr lang="en-US" smtClean="0"/>
+              <a:t>20</a:t>
+            </a:fld>
+            <a:endParaRPr lang="en-US"/>
           </a:p>
         </p:txBody>
       </p:sp>
@@ -7218,6 +7948,35 @@
           </a:p>
         </p:txBody>
       </p:sp>
+      <p:sp>
+        <p:nvSpPr>
+          <p:cNvPr id="6" name="Slide Number Placeholder 5">
+            <a:extLst>
+              <a:ext uri="{FF2B5EF4-FFF2-40B4-BE49-F238E27FC236}">
+                <a16:creationId xmlns:a16="http://schemas.microsoft.com/office/drawing/2014/main" id="{519342BB-BEE3-5516-7472-27B904188298}"/>
+              </a:ext>
+            </a:extLst>
+          </p:cNvPr>
+          <p:cNvSpPr>
+            <a:spLocks noGrp="1"/>
+          </p:cNvSpPr>
+          <p:nvPr>
+            <p:ph type="sldNum" sz="quarter" idx="12"/>
+          </p:nvPr>
+        </p:nvSpPr>
+        <p:spPr/>
+        <p:txBody>
+          <a:bodyPr/>
+          <a:lstStyle/>
+          <a:p>
+            <a:fld id="{9BF27F29-4B64-4A24-936A-FF41C34C242B}" type="slidenum">
+              <a:rPr lang="en-US" smtClean="0"/>
+              <a:t>21</a:t>
+            </a:fld>
+            <a:endParaRPr lang="en-US"/>
+          </a:p>
+        </p:txBody>
+      </p:sp>
     </p:spTree>
     <p:extLst>
       <p:ext uri="{BB962C8B-B14F-4D97-AF65-F5344CB8AC3E}">
@@ -7787,6 +8546,35 @@
           </a:p>
         </p:txBody>
       </p:sp>
+      <p:sp>
+        <p:nvSpPr>
+          <p:cNvPr id="6" name="Slide Number Placeholder 5">
+            <a:extLst>
+              <a:ext uri="{FF2B5EF4-FFF2-40B4-BE49-F238E27FC236}">
+                <a16:creationId xmlns:a16="http://schemas.microsoft.com/office/drawing/2014/main" id="{3D82664E-F099-19CC-6DEF-7A383AA4AA67}"/>
+              </a:ext>
+            </a:extLst>
+          </p:cNvPr>
+          <p:cNvSpPr>
+            <a:spLocks noGrp="1"/>
+          </p:cNvSpPr>
+          <p:nvPr>
+            <p:ph type="sldNum" sz="quarter" idx="12"/>
+          </p:nvPr>
+        </p:nvSpPr>
+        <p:spPr/>
+        <p:txBody>
+          <a:bodyPr/>
+          <a:lstStyle/>
+          <a:p>
+            <a:fld id="{9BF27F29-4B64-4A24-936A-FF41C34C242B}" type="slidenum">
+              <a:rPr lang="en-US" smtClean="0"/>
+              <a:t>22</a:t>
+            </a:fld>
+            <a:endParaRPr lang="en-US"/>
+          </a:p>
+        </p:txBody>
+      </p:sp>
     </p:spTree>
     <p:extLst>
       <p:ext uri="{BB962C8B-B14F-4D97-AF65-F5344CB8AC3E}">
@@ -7870,6 +8658,35 @@
           </a:p>
         </p:txBody>
       </p:sp>
+      <p:sp>
+        <p:nvSpPr>
+          <p:cNvPr id="4" name="Slide Number Placeholder 3">
+            <a:extLst>
+              <a:ext uri="{FF2B5EF4-FFF2-40B4-BE49-F238E27FC236}">
+                <a16:creationId xmlns:a16="http://schemas.microsoft.com/office/drawing/2014/main" id="{1E8566FA-EE76-A671-9804-4D4298E2966D}"/>
+              </a:ext>
+            </a:extLst>
+          </p:cNvPr>
+          <p:cNvSpPr>
+            <a:spLocks noGrp="1"/>
+          </p:cNvSpPr>
+          <p:nvPr>
+            <p:ph type="sldNum" sz="quarter" idx="12"/>
+          </p:nvPr>
+        </p:nvSpPr>
+        <p:spPr/>
+        <p:txBody>
+          <a:bodyPr/>
+          <a:lstStyle/>
+          <a:p>
+            <a:fld id="{9BF27F29-4B64-4A24-936A-FF41C34C242B}" type="slidenum">
+              <a:rPr lang="en-US" smtClean="0"/>
+              <a:t>23</a:t>
+            </a:fld>
+            <a:endParaRPr lang="en-US"/>
+          </a:p>
+        </p:txBody>
+      </p:sp>
     </p:spTree>
     <p:extLst>
       <p:ext uri="{BB962C8B-B14F-4D97-AF65-F5344CB8AC3E}">
@@ -7982,6 +8799,35 @@
           </a:p>
         </p:txBody>
       </p:sp>
+      <p:sp>
+        <p:nvSpPr>
+          <p:cNvPr id="4" name="Slide Number Placeholder 3">
+            <a:extLst>
+              <a:ext uri="{FF2B5EF4-FFF2-40B4-BE49-F238E27FC236}">
+                <a16:creationId xmlns:a16="http://schemas.microsoft.com/office/drawing/2014/main" id="{DEF2BA38-0109-285E-8139-4D7083126B2E}"/>
+              </a:ext>
+            </a:extLst>
+          </p:cNvPr>
+          <p:cNvSpPr>
+            <a:spLocks noGrp="1"/>
+          </p:cNvSpPr>
+          <p:nvPr>
+            <p:ph type="sldNum" sz="quarter" idx="12"/>
+          </p:nvPr>
+        </p:nvSpPr>
+        <p:spPr/>
+        <p:txBody>
+          <a:bodyPr/>
+          <a:lstStyle/>
+          <a:p>
+            <a:fld id="{9BF27F29-4B64-4A24-936A-FF41C34C242B}" type="slidenum">
+              <a:rPr lang="en-US" smtClean="0"/>
+              <a:t>24</a:t>
+            </a:fld>
+            <a:endParaRPr lang="en-US"/>
+          </a:p>
+        </p:txBody>
+      </p:sp>
     </p:spTree>
     <p:extLst>
       <p:ext uri="{BB962C8B-B14F-4D97-AF65-F5344CB8AC3E}">
@@ -8243,6 +9089,35 @@
           </a:p>
           <a:p>
             <a:endParaRPr lang="en-US" dirty="0"/>
+          </a:p>
+        </p:txBody>
+      </p:sp>
+      <p:sp>
+        <p:nvSpPr>
+          <p:cNvPr id="4" name="Slide Number Placeholder 3">
+            <a:extLst>
+              <a:ext uri="{FF2B5EF4-FFF2-40B4-BE49-F238E27FC236}">
+                <a16:creationId xmlns:a16="http://schemas.microsoft.com/office/drawing/2014/main" id="{8A5B7DA1-61E5-69D2-5966-19C6E50C7A05}"/>
+              </a:ext>
+            </a:extLst>
+          </p:cNvPr>
+          <p:cNvSpPr>
+            <a:spLocks noGrp="1"/>
+          </p:cNvSpPr>
+          <p:nvPr>
+            <p:ph type="sldNum" sz="quarter" idx="12"/>
+          </p:nvPr>
+        </p:nvSpPr>
+        <p:spPr/>
+        <p:txBody>
+          <a:bodyPr/>
+          <a:lstStyle/>
+          <a:p>
+            <a:fld id="{9BF27F29-4B64-4A24-936A-FF41C34C242B}" type="slidenum">
+              <a:rPr lang="en-US" smtClean="0"/>
+              <a:t>25</a:t>
+            </a:fld>
+            <a:endParaRPr lang="en-US"/>
           </a:p>
         </p:txBody>
       </p:sp>
@@ -8685,6 +9560,35 @@
           </p:style>
         </p:cxnSp>
       </p:grpSp>
+      <p:sp>
+        <p:nvSpPr>
+          <p:cNvPr id="9" name="Slide Number Placeholder 8">
+            <a:extLst>
+              <a:ext uri="{FF2B5EF4-FFF2-40B4-BE49-F238E27FC236}">
+                <a16:creationId xmlns:a16="http://schemas.microsoft.com/office/drawing/2014/main" id="{502E68F8-A65D-D56C-707D-1C5239E01756}"/>
+              </a:ext>
+            </a:extLst>
+          </p:cNvPr>
+          <p:cNvSpPr>
+            <a:spLocks noGrp="1"/>
+          </p:cNvSpPr>
+          <p:nvPr>
+            <p:ph type="sldNum" sz="quarter" idx="12"/>
+          </p:nvPr>
+        </p:nvSpPr>
+        <p:spPr/>
+        <p:txBody>
+          <a:bodyPr/>
+          <a:lstStyle/>
+          <a:p>
+            <a:fld id="{9BF27F29-4B64-4A24-936A-FF41C34C242B}" type="slidenum">
+              <a:rPr lang="en-US" smtClean="0"/>
+              <a:t>26</a:t>
+            </a:fld>
+            <a:endParaRPr lang="en-US"/>
+          </a:p>
+        </p:txBody>
+      </p:sp>
     </p:spTree>
     <p:extLst>
       <p:ext uri="{BB962C8B-B14F-4D97-AF65-F5344CB8AC3E}">
@@ -9048,6 +9952,35 @@
               <a:t> n2</a:t>
             </a:r>
             <a:endParaRPr lang="en-US" sz="2400" dirty="0"/>
+          </a:p>
+        </p:txBody>
+      </p:sp>
+      <p:sp>
+        <p:nvSpPr>
+          <p:cNvPr id="3" name="Slide Number Placeholder 2">
+            <a:extLst>
+              <a:ext uri="{FF2B5EF4-FFF2-40B4-BE49-F238E27FC236}">
+                <a16:creationId xmlns:a16="http://schemas.microsoft.com/office/drawing/2014/main" id="{20B092E1-0DB6-0790-CDC1-8AFE56FBE3B4}"/>
+              </a:ext>
+            </a:extLst>
+          </p:cNvPr>
+          <p:cNvSpPr>
+            <a:spLocks noGrp="1"/>
+          </p:cNvSpPr>
+          <p:nvPr>
+            <p:ph type="sldNum" sz="quarter" idx="12"/>
+          </p:nvPr>
+        </p:nvSpPr>
+        <p:spPr/>
+        <p:txBody>
+          <a:bodyPr/>
+          <a:lstStyle/>
+          <a:p>
+            <a:fld id="{9BF27F29-4B64-4A24-936A-FF41C34C242B}" type="slidenum">
+              <a:rPr lang="en-US" smtClean="0"/>
+              <a:t>27</a:t>
+            </a:fld>
+            <a:endParaRPr lang="en-US"/>
           </a:p>
         </p:txBody>
       </p:sp>
@@ -9788,6 +10721,35 @@
           </p:txBody>
         </p:sp>
       </p:grpSp>
+      <p:sp>
+        <p:nvSpPr>
+          <p:cNvPr id="13" name="Slide Number Placeholder 12">
+            <a:extLst>
+              <a:ext uri="{FF2B5EF4-FFF2-40B4-BE49-F238E27FC236}">
+                <a16:creationId xmlns:a16="http://schemas.microsoft.com/office/drawing/2014/main" id="{6268B45E-B3F8-2454-54E6-CD6073A42E80}"/>
+              </a:ext>
+            </a:extLst>
+          </p:cNvPr>
+          <p:cNvSpPr>
+            <a:spLocks noGrp="1"/>
+          </p:cNvSpPr>
+          <p:nvPr>
+            <p:ph type="sldNum" sz="quarter" idx="12"/>
+          </p:nvPr>
+        </p:nvSpPr>
+        <p:spPr/>
+        <p:txBody>
+          <a:bodyPr/>
+          <a:lstStyle/>
+          <a:p>
+            <a:fld id="{9BF27F29-4B64-4A24-936A-FF41C34C242B}" type="slidenum">
+              <a:rPr lang="en-US" smtClean="0"/>
+              <a:t>28</a:t>
+            </a:fld>
+            <a:endParaRPr lang="en-US"/>
+          </a:p>
+        </p:txBody>
+      </p:sp>
     </p:spTree>
     <p:extLst>
       <p:ext uri="{BB962C8B-B14F-4D97-AF65-F5344CB8AC3E}">
@@ -9867,6 +10829,35 @@
           <a:bodyPr/>
           <a:lstStyle/>
           <a:p>
+            <a:endParaRPr lang="en-US"/>
+          </a:p>
+        </p:txBody>
+      </p:sp>
+      <p:sp>
+        <p:nvSpPr>
+          <p:cNvPr id="4" name="Slide Number Placeholder 3">
+            <a:extLst>
+              <a:ext uri="{FF2B5EF4-FFF2-40B4-BE49-F238E27FC236}">
+                <a16:creationId xmlns:a16="http://schemas.microsoft.com/office/drawing/2014/main" id="{EB6CD9FB-05B6-B2AA-F41B-1CA8D1B54101}"/>
+              </a:ext>
+            </a:extLst>
+          </p:cNvPr>
+          <p:cNvSpPr>
+            <a:spLocks noGrp="1"/>
+          </p:cNvSpPr>
+          <p:nvPr>
+            <p:ph type="sldNum" sz="quarter" idx="12"/>
+          </p:nvPr>
+        </p:nvSpPr>
+        <p:spPr/>
+        <p:txBody>
+          <a:bodyPr/>
+          <a:lstStyle/>
+          <a:p>
+            <a:fld id="{9BF27F29-4B64-4A24-936A-FF41C34C242B}" type="slidenum">
+              <a:rPr lang="en-US" smtClean="0"/>
+              <a:t>29</a:t>
+            </a:fld>
             <a:endParaRPr lang="en-US"/>
           </a:p>
         </p:txBody>
@@ -11375,6 +12366,35 @@
           </a:p>
         </p:txBody>
       </p:sp>
+      <p:sp>
+        <p:nvSpPr>
+          <p:cNvPr id="4" name="Slide Number Placeholder 3">
+            <a:extLst>
+              <a:ext uri="{FF2B5EF4-FFF2-40B4-BE49-F238E27FC236}">
+                <a16:creationId xmlns:a16="http://schemas.microsoft.com/office/drawing/2014/main" id="{12A9A9D8-90CE-022C-4BDF-6A18BEFCA811}"/>
+              </a:ext>
+            </a:extLst>
+          </p:cNvPr>
+          <p:cNvSpPr>
+            <a:spLocks noGrp="1"/>
+          </p:cNvSpPr>
+          <p:nvPr>
+            <p:ph type="sldNum" sz="quarter" idx="12"/>
+          </p:nvPr>
+        </p:nvSpPr>
+        <p:spPr/>
+        <p:txBody>
+          <a:bodyPr/>
+          <a:lstStyle/>
+          <a:p>
+            <a:fld id="{9BF27F29-4B64-4A24-936A-FF41C34C242B}" type="slidenum">
+              <a:rPr lang="en-US" smtClean="0"/>
+              <a:t>32</a:t>
+            </a:fld>
+            <a:endParaRPr lang="en-US"/>
+          </a:p>
+        </p:txBody>
+      </p:sp>
     </p:spTree>
     <p:extLst>
       <p:ext uri="{BB962C8B-B14F-4D97-AF65-F5344CB8AC3E}">
@@ -11563,6 +12583,35 @@
               </a:rPr>
               <a:t>Idea: “Assuming E is the environment, e evaluates to v”</a:t>
             </a:r>
+          </a:p>
+        </p:txBody>
+      </p:sp>
+      <p:sp>
+        <p:nvSpPr>
+          <p:cNvPr id="3" name="Slide Number Placeholder 2">
+            <a:extLst>
+              <a:ext uri="{FF2B5EF4-FFF2-40B4-BE49-F238E27FC236}">
+                <a16:creationId xmlns:a16="http://schemas.microsoft.com/office/drawing/2014/main" id="{AB74BAF0-199F-9E4C-55FC-2D01300ED62E}"/>
+              </a:ext>
+            </a:extLst>
+          </p:cNvPr>
+          <p:cNvSpPr>
+            <a:spLocks noGrp="1"/>
+          </p:cNvSpPr>
+          <p:nvPr>
+            <p:ph type="sldNum" sz="quarter" idx="12"/>
+          </p:nvPr>
+        </p:nvSpPr>
+        <p:spPr/>
+        <p:txBody>
+          <a:bodyPr/>
+          <a:lstStyle/>
+          <a:p>
+            <a:fld id="{9BF27F29-4B64-4A24-936A-FF41C34C242B}" type="slidenum">
+              <a:rPr lang="en-US" smtClean="0"/>
+              <a:t>33</a:t>
+            </a:fld>
+            <a:endParaRPr lang="en-US"/>
           </a:p>
         </p:txBody>
       </p:sp>
@@ -12206,6 +13255,35 @@
           </a:p>
         </p:txBody>
       </p:sp>
+      <p:sp>
+        <p:nvSpPr>
+          <p:cNvPr id="3" name="Slide Number Placeholder 2">
+            <a:extLst>
+              <a:ext uri="{FF2B5EF4-FFF2-40B4-BE49-F238E27FC236}">
+                <a16:creationId xmlns:a16="http://schemas.microsoft.com/office/drawing/2014/main" id="{2971BF34-06C4-8E2A-34FB-AA500DC6236D}"/>
+              </a:ext>
+            </a:extLst>
+          </p:cNvPr>
+          <p:cNvSpPr>
+            <a:spLocks noGrp="1"/>
+          </p:cNvSpPr>
+          <p:nvPr>
+            <p:ph type="sldNum" sz="quarter" idx="12"/>
+          </p:nvPr>
+        </p:nvSpPr>
+        <p:spPr/>
+        <p:txBody>
+          <a:bodyPr/>
+          <a:lstStyle/>
+          <a:p>
+            <a:fld id="{9BF27F29-4B64-4A24-936A-FF41C34C242B}" type="slidenum">
+              <a:rPr lang="en-US" smtClean="0"/>
+              <a:t>34</a:t>
+            </a:fld>
+            <a:endParaRPr lang="en-US"/>
+          </a:p>
+        </p:txBody>
+      </p:sp>
     </p:spTree>
     <p:extLst>
       <p:ext uri="{BB962C8B-B14F-4D97-AF65-F5344CB8AC3E}">
@@ -12571,6 +13649,35 @@
           </a:fontRef>
         </p:style>
       </p:cxnSp>
+      <p:sp>
+        <p:nvSpPr>
+          <p:cNvPr id="3" name="Slide Number Placeholder 2">
+            <a:extLst>
+              <a:ext uri="{FF2B5EF4-FFF2-40B4-BE49-F238E27FC236}">
+                <a16:creationId xmlns:a16="http://schemas.microsoft.com/office/drawing/2014/main" id="{8A56CF99-5B58-59E3-0471-E86B5CDE48AF}"/>
+              </a:ext>
+            </a:extLst>
+          </p:cNvPr>
+          <p:cNvSpPr>
+            <a:spLocks noGrp="1"/>
+          </p:cNvSpPr>
+          <p:nvPr>
+            <p:ph type="sldNum" sz="quarter" idx="12"/>
+          </p:nvPr>
+        </p:nvSpPr>
+        <p:spPr/>
+        <p:txBody>
+          <a:bodyPr/>
+          <a:lstStyle/>
+          <a:p>
+            <a:fld id="{9BF27F29-4B64-4A24-936A-FF41C34C242B}" type="slidenum">
+              <a:rPr lang="en-US" smtClean="0"/>
+              <a:t>35</a:t>
+            </a:fld>
+            <a:endParaRPr lang="en-US"/>
+          </a:p>
+        </p:txBody>
+      </p:sp>
     </p:spTree>
     <p:extLst>
       <p:ext uri="{BB962C8B-B14F-4D97-AF65-F5344CB8AC3E}">
@@ -13146,6 +14253,35 @@
           </a:p>
         </p:txBody>
       </p:sp>
+      <p:sp>
+        <p:nvSpPr>
+          <p:cNvPr id="3" name="Slide Number Placeholder 2">
+            <a:extLst>
+              <a:ext uri="{FF2B5EF4-FFF2-40B4-BE49-F238E27FC236}">
+                <a16:creationId xmlns:a16="http://schemas.microsoft.com/office/drawing/2014/main" id="{1C6446B2-FC94-F656-3990-782C85C7E313}"/>
+              </a:ext>
+            </a:extLst>
+          </p:cNvPr>
+          <p:cNvSpPr>
+            <a:spLocks noGrp="1"/>
+          </p:cNvSpPr>
+          <p:nvPr>
+            <p:ph type="sldNum" sz="quarter" idx="12"/>
+          </p:nvPr>
+        </p:nvSpPr>
+        <p:spPr/>
+        <p:txBody>
+          <a:bodyPr/>
+          <a:lstStyle/>
+          <a:p>
+            <a:fld id="{9BF27F29-4B64-4A24-936A-FF41C34C242B}" type="slidenum">
+              <a:rPr lang="en-US" smtClean="0"/>
+              <a:t>36</a:t>
+            </a:fld>
+            <a:endParaRPr lang="en-US"/>
+          </a:p>
+        </p:txBody>
+      </p:sp>
     </p:spTree>
     <p:extLst>
       <p:ext uri="{BB962C8B-B14F-4D97-AF65-F5344CB8AC3E}">
@@ -13423,6 +14559,35 @@
           </a:p>
         </p:txBody>
       </p:sp>
+      <p:sp>
+        <p:nvSpPr>
+          <p:cNvPr id="3" name="Slide Number Placeholder 2">
+            <a:extLst>
+              <a:ext uri="{FF2B5EF4-FFF2-40B4-BE49-F238E27FC236}">
+                <a16:creationId xmlns:a16="http://schemas.microsoft.com/office/drawing/2014/main" id="{5C2BCF67-E4EC-3EFB-D5B1-AAA521BEEFCD}"/>
+              </a:ext>
+            </a:extLst>
+          </p:cNvPr>
+          <p:cNvSpPr>
+            <a:spLocks noGrp="1"/>
+          </p:cNvSpPr>
+          <p:nvPr>
+            <p:ph type="sldNum" sz="quarter" idx="12"/>
+          </p:nvPr>
+        </p:nvSpPr>
+        <p:spPr/>
+        <p:txBody>
+          <a:bodyPr/>
+          <a:lstStyle/>
+          <a:p>
+            <a:fld id="{9BF27F29-4B64-4A24-936A-FF41C34C242B}" type="slidenum">
+              <a:rPr lang="en-US" smtClean="0"/>
+              <a:t>37</a:t>
+            </a:fld>
+            <a:endParaRPr lang="en-US"/>
+          </a:p>
+        </p:txBody>
+      </p:sp>
     </p:spTree>
     <p:extLst>
       <p:ext uri="{BB962C8B-B14F-4D97-AF65-F5344CB8AC3E}">
@@ -13625,6 +14790,35 @@
           </a:fontRef>
         </p:style>
       </p:cxnSp>
+      <p:sp>
+        <p:nvSpPr>
+          <p:cNvPr id="4" name="Slide Number Placeholder 3">
+            <a:extLst>
+              <a:ext uri="{FF2B5EF4-FFF2-40B4-BE49-F238E27FC236}">
+                <a16:creationId xmlns:a16="http://schemas.microsoft.com/office/drawing/2014/main" id="{2A45C2BE-EE0A-DE88-5B65-B8D891E61FA6}"/>
+              </a:ext>
+            </a:extLst>
+          </p:cNvPr>
+          <p:cNvSpPr>
+            <a:spLocks noGrp="1"/>
+          </p:cNvSpPr>
+          <p:nvPr>
+            <p:ph type="sldNum" sz="quarter" idx="12"/>
+          </p:nvPr>
+        </p:nvSpPr>
+        <p:spPr/>
+        <p:txBody>
+          <a:bodyPr/>
+          <a:lstStyle/>
+          <a:p>
+            <a:fld id="{9BF27F29-4B64-4A24-936A-FF41C34C242B}" type="slidenum">
+              <a:rPr lang="en-US" smtClean="0"/>
+              <a:t>38</a:t>
+            </a:fld>
+            <a:endParaRPr lang="en-US"/>
+          </a:p>
+        </p:txBody>
+      </p:sp>
     </p:spTree>
     <p:extLst>
       <p:ext uri="{BB962C8B-B14F-4D97-AF65-F5344CB8AC3E}">
@@ -13710,6 +14904,35 @@
           </a:p>
         </p:txBody>
       </p:sp>
+      <p:sp>
+        <p:nvSpPr>
+          <p:cNvPr id="4" name="Slide Number Placeholder 3">
+            <a:extLst>
+              <a:ext uri="{FF2B5EF4-FFF2-40B4-BE49-F238E27FC236}">
+                <a16:creationId xmlns:a16="http://schemas.microsoft.com/office/drawing/2014/main" id="{160F71B9-1A4E-6828-F90A-D069B3A28AF7}"/>
+              </a:ext>
+            </a:extLst>
+          </p:cNvPr>
+          <p:cNvSpPr>
+            <a:spLocks noGrp="1"/>
+          </p:cNvSpPr>
+          <p:nvPr>
+            <p:ph type="sldNum" sz="quarter" idx="12"/>
+          </p:nvPr>
+        </p:nvSpPr>
+        <p:spPr/>
+        <p:txBody>
+          <a:bodyPr/>
+          <a:lstStyle/>
+          <a:p>
+            <a:fld id="{9BF27F29-4B64-4A24-936A-FF41C34C242B}" type="slidenum">
+              <a:rPr lang="en-US" smtClean="0"/>
+              <a:t>39</a:t>
+            </a:fld>
+            <a:endParaRPr lang="en-US"/>
+          </a:p>
+        </p:txBody>
+      </p:sp>
     </p:spTree>
     <p:extLst>
       <p:ext uri="{BB962C8B-B14F-4D97-AF65-F5344CB8AC3E}">
@@ -13818,6 +15041,35 @@
           </a:p>
         </p:txBody>
       </p:sp>
+      <p:sp>
+        <p:nvSpPr>
+          <p:cNvPr id="4" name="Slide Number Placeholder 3">
+            <a:extLst>
+              <a:ext uri="{FF2B5EF4-FFF2-40B4-BE49-F238E27FC236}">
+                <a16:creationId xmlns:a16="http://schemas.microsoft.com/office/drawing/2014/main" id="{95295869-4EC7-14D9-6069-639EDEFF6C4D}"/>
+              </a:ext>
+            </a:extLst>
+          </p:cNvPr>
+          <p:cNvSpPr>
+            <a:spLocks noGrp="1"/>
+          </p:cNvSpPr>
+          <p:nvPr>
+            <p:ph type="sldNum" sz="quarter" idx="12"/>
+          </p:nvPr>
+        </p:nvSpPr>
+        <p:spPr/>
+        <p:txBody>
+          <a:bodyPr/>
+          <a:lstStyle/>
+          <a:p>
+            <a:fld id="{9BF27F29-4B64-4A24-936A-FF41C34C242B}" type="slidenum">
+              <a:rPr lang="en-US" smtClean="0"/>
+              <a:t>4</a:t>
+            </a:fld>
+            <a:endParaRPr lang="en-US"/>
+          </a:p>
+        </p:txBody>
+      </p:sp>
     </p:spTree>
     <p:extLst>
       <p:ext uri="{BB962C8B-B14F-4D97-AF65-F5344CB8AC3E}">
@@ -14043,6 +15295,35 @@
           </a:p>
           <a:p>
             <a:endParaRPr lang="en-US" dirty="0"/>
+          </a:p>
+        </p:txBody>
+      </p:sp>
+      <p:sp>
+        <p:nvSpPr>
+          <p:cNvPr id="4" name="Slide Number Placeholder 3">
+            <a:extLst>
+              <a:ext uri="{FF2B5EF4-FFF2-40B4-BE49-F238E27FC236}">
+                <a16:creationId xmlns:a16="http://schemas.microsoft.com/office/drawing/2014/main" id="{8C2763E3-377B-5EAE-B111-295AC0F4B493}"/>
+              </a:ext>
+            </a:extLst>
+          </p:cNvPr>
+          <p:cNvSpPr>
+            <a:spLocks noGrp="1"/>
+          </p:cNvSpPr>
+          <p:nvPr>
+            <p:ph type="sldNum" sz="quarter" idx="12"/>
+          </p:nvPr>
+        </p:nvSpPr>
+        <p:spPr/>
+        <p:txBody>
+          <a:bodyPr/>
+          <a:lstStyle/>
+          <a:p>
+            <a:fld id="{9BF27F29-4B64-4A24-936A-FF41C34C242B}" type="slidenum">
+              <a:rPr lang="en-US" smtClean="0"/>
+              <a:t>40</a:t>
+            </a:fld>
+            <a:endParaRPr lang="en-US"/>
           </a:p>
         </p:txBody>
       </p:sp>
@@ -14649,6 +15930,35 @@
           </a:p>
         </p:txBody>
       </p:sp>
+      <p:sp>
+        <p:nvSpPr>
+          <p:cNvPr id="9" name="Slide Number Placeholder 8">
+            <a:extLst>
+              <a:ext uri="{FF2B5EF4-FFF2-40B4-BE49-F238E27FC236}">
+                <a16:creationId xmlns:a16="http://schemas.microsoft.com/office/drawing/2014/main" id="{842CAA93-201B-B6B2-A0CF-131C272C1CF4}"/>
+              </a:ext>
+            </a:extLst>
+          </p:cNvPr>
+          <p:cNvSpPr>
+            <a:spLocks noGrp="1"/>
+          </p:cNvSpPr>
+          <p:nvPr>
+            <p:ph type="sldNum" sz="quarter" idx="12"/>
+          </p:nvPr>
+        </p:nvSpPr>
+        <p:spPr/>
+        <p:txBody>
+          <a:bodyPr/>
+          <a:lstStyle/>
+          <a:p>
+            <a:fld id="{9BF27F29-4B64-4A24-936A-FF41C34C242B}" type="slidenum">
+              <a:rPr lang="en-US" smtClean="0"/>
+              <a:t>41</a:t>
+            </a:fld>
+            <a:endParaRPr lang="en-US"/>
+          </a:p>
+        </p:txBody>
+      </p:sp>
     </p:spTree>
     <p:extLst>
       <p:ext uri="{BB962C8B-B14F-4D97-AF65-F5344CB8AC3E}">
@@ -15073,6 +16383,35 @@
           </a:p>
         </p:txBody>
       </p:sp>
+      <p:sp>
+        <p:nvSpPr>
+          <p:cNvPr id="3" name="Slide Number Placeholder 2">
+            <a:extLst>
+              <a:ext uri="{FF2B5EF4-FFF2-40B4-BE49-F238E27FC236}">
+                <a16:creationId xmlns:a16="http://schemas.microsoft.com/office/drawing/2014/main" id="{0BF1A20E-AC6F-5436-CBE3-3F72EAAA7267}"/>
+              </a:ext>
+            </a:extLst>
+          </p:cNvPr>
+          <p:cNvSpPr>
+            <a:spLocks noGrp="1"/>
+          </p:cNvSpPr>
+          <p:nvPr>
+            <p:ph type="sldNum" sz="quarter" idx="12"/>
+          </p:nvPr>
+        </p:nvSpPr>
+        <p:spPr/>
+        <p:txBody>
+          <a:bodyPr/>
+          <a:lstStyle/>
+          <a:p>
+            <a:fld id="{9BF27F29-4B64-4A24-936A-FF41C34C242B}" type="slidenum">
+              <a:rPr lang="en-US" smtClean="0"/>
+              <a:t>42</a:t>
+            </a:fld>
+            <a:endParaRPr lang="en-US"/>
+          </a:p>
+        </p:txBody>
+      </p:sp>
     </p:spTree>
     <p:extLst>
       <p:ext uri="{BB962C8B-B14F-4D97-AF65-F5344CB8AC3E}">
@@ -15541,6 +16880,35 @@
               <a:rPr lang="en-US" sz="2400" b="1" i="1" dirty="0"/>
               <a:t>              *</a:t>
             </a:r>
+          </a:p>
+        </p:txBody>
+      </p:sp>
+      <p:sp>
+        <p:nvSpPr>
+          <p:cNvPr id="3" name="Slide Number Placeholder 2">
+            <a:extLst>
+              <a:ext uri="{FF2B5EF4-FFF2-40B4-BE49-F238E27FC236}">
+                <a16:creationId xmlns:a16="http://schemas.microsoft.com/office/drawing/2014/main" id="{BD875015-AA88-C6CD-73E9-48A3D3790596}"/>
+              </a:ext>
+            </a:extLst>
+          </p:cNvPr>
+          <p:cNvSpPr>
+            <a:spLocks noGrp="1"/>
+          </p:cNvSpPr>
+          <p:nvPr>
+            <p:ph type="sldNum" sz="quarter" idx="12"/>
+          </p:nvPr>
+        </p:nvSpPr>
+        <p:spPr/>
+        <p:txBody>
+          <a:bodyPr/>
+          <a:lstStyle/>
+          <a:p>
+            <a:fld id="{9BF27F29-4B64-4A24-936A-FF41C34C242B}" type="slidenum">
+              <a:rPr lang="en-US" smtClean="0"/>
+              <a:t>43</a:t>
+            </a:fld>
+            <a:endParaRPr lang="en-US"/>
           </a:p>
         </p:txBody>
       </p:sp>
@@ -16142,6 +17510,35 @@
           </p:txBody>
         </p:sp>
       </p:grpSp>
+      <p:sp>
+        <p:nvSpPr>
+          <p:cNvPr id="4" name="Slide Number Placeholder 3">
+            <a:extLst>
+              <a:ext uri="{FF2B5EF4-FFF2-40B4-BE49-F238E27FC236}">
+                <a16:creationId xmlns:a16="http://schemas.microsoft.com/office/drawing/2014/main" id="{DF6BE373-FDE7-EA3E-EB92-6EBF40C7ED1A}"/>
+              </a:ext>
+            </a:extLst>
+          </p:cNvPr>
+          <p:cNvSpPr>
+            <a:spLocks noGrp="1"/>
+          </p:cNvSpPr>
+          <p:nvPr>
+            <p:ph type="sldNum" sz="quarter" idx="12"/>
+          </p:nvPr>
+        </p:nvSpPr>
+        <p:spPr/>
+        <p:txBody>
+          <a:bodyPr/>
+          <a:lstStyle/>
+          <a:p>
+            <a:fld id="{9BF27F29-4B64-4A24-936A-FF41C34C242B}" type="slidenum">
+              <a:rPr lang="en-US" smtClean="0"/>
+              <a:t>44</a:t>
+            </a:fld>
+            <a:endParaRPr lang="en-US"/>
+          </a:p>
+        </p:txBody>
+      </p:sp>
     </p:spTree>
     <p:extLst>
       <p:ext uri="{BB962C8B-B14F-4D97-AF65-F5344CB8AC3E}">
@@ -16609,6 +18006,35 @@
           </a:p>
         </p:txBody>
       </p:sp>
+      <p:sp>
+        <p:nvSpPr>
+          <p:cNvPr id="4" name="Slide Number Placeholder 3">
+            <a:extLst>
+              <a:ext uri="{FF2B5EF4-FFF2-40B4-BE49-F238E27FC236}">
+                <a16:creationId xmlns:a16="http://schemas.microsoft.com/office/drawing/2014/main" id="{E1926B52-B6C1-04A3-57B0-07DCBF13F322}"/>
+              </a:ext>
+            </a:extLst>
+          </p:cNvPr>
+          <p:cNvSpPr>
+            <a:spLocks noGrp="1"/>
+          </p:cNvSpPr>
+          <p:nvPr>
+            <p:ph type="sldNum" sz="quarter" idx="12"/>
+          </p:nvPr>
+        </p:nvSpPr>
+        <p:spPr/>
+        <p:txBody>
+          <a:bodyPr/>
+          <a:lstStyle/>
+          <a:p>
+            <a:fld id="{9BF27F29-4B64-4A24-936A-FF41C34C242B}" type="slidenum">
+              <a:rPr lang="en-US" smtClean="0"/>
+              <a:t>45</a:t>
+            </a:fld>
+            <a:endParaRPr lang="en-US"/>
+          </a:p>
+        </p:txBody>
+      </p:sp>
     </p:spTree>
     <p:extLst>
       <p:ext uri="{BB962C8B-B14F-4D97-AF65-F5344CB8AC3E}">
@@ -17064,6 +18490,35 @@
           </a:p>
         </p:txBody>
       </p:sp>
+      <p:sp>
+        <p:nvSpPr>
+          <p:cNvPr id="3" name="Slide Number Placeholder 2">
+            <a:extLst>
+              <a:ext uri="{FF2B5EF4-FFF2-40B4-BE49-F238E27FC236}">
+                <a16:creationId xmlns:a16="http://schemas.microsoft.com/office/drawing/2014/main" id="{E240E9EC-A646-C925-E1B3-502D667FB4AA}"/>
+              </a:ext>
+            </a:extLst>
+          </p:cNvPr>
+          <p:cNvSpPr>
+            <a:spLocks noGrp="1"/>
+          </p:cNvSpPr>
+          <p:nvPr>
+            <p:ph type="sldNum" sz="quarter" idx="12"/>
+          </p:nvPr>
+        </p:nvSpPr>
+        <p:spPr/>
+        <p:txBody>
+          <a:bodyPr/>
+          <a:lstStyle/>
+          <a:p>
+            <a:fld id="{9BF27F29-4B64-4A24-936A-FF41C34C242B}" type="slidenum">
+              <a:rPr lang="en-US" smtClean="0"/>
+              <a:t>46</a:t>
+            </a:fld>
+            <a:endParaRPr lang="en-US"/>
+          </a:p>
+        </p:txBody>
+      </p:sp>
     </p:spTree>
     <p:extLst>
       <p:ext uri="{BB962C8B-B14F-4D97-AF65-F5344CB8AC3E}">
@@ -17119,6 +18574,35 @@
               <a:rPr lang="en-US" dirty="0"/>
               <a:t>Section: Putting it All Together</a:t>
             </a:r>
+          </a:p>
+        </p:txBody>
+      </p:sp>
+      <p:sp>
+        <p:nvSpPr>
+          <p:cNvPr id="3" name="Slide Number Placeholder 2">
+            <a:extLst>
+              <a:ext uri="{FF2B5EF4-FFF2-40B4-BE49-F238E27FC236}">
+                <a16:creationId xmlns:a16="http://schemas.microsoft.com/office/drawing/2014/main" id="{74B5DA04-6C38-BD36-FBFA-571E063D80A5}"/>
+              </a:ext>
+            </a:extLst>
+          </p:cNvPr>
+          <p:cNvSpPr>
+            <a:spLocks noGrp="1"/>
+          </p:cNvSpPr>
+          <p:nvPr>
+            <p:ph type="sldNum" sz="quarter" idx="12"/>
+          </p:nvPr>
+        </p:nvSpPr>
+        <p:spPr/>
+        <p:txBody>
+          <a:bodyPr/>
+          <a:lstStyle/>
+          <a:p>
+            <a:fld id="{9BF27F29-4B64-4A24-936A-FF41C34C242B}" type="slidenum">
+              <a:rPr lang="en-US" smtClean="0"/>
+              <a:t>47</a:t>
+            </a:fld>
+            <a:endParaRPr lang="en-US"/>
           </a:p>
         </p:txBody>
       </p:sp>
@@ -17795,6 +19279,35 @@
           </a:p>
         </p:txBody>
       </p:sp>
+      <p:sp>
+        <p:nvSpPr>
+          <p:cNvPr id="3" name="Slide Number Placeholder 2">
+            <a:extLst>
+              <a:ext uri="{FF2B5EF4-FFF2-40B4-BE49-F238E27FC236}">
+                <a16:creationId xmlns:a16="http://schemas.microsoft.com/office/drawing/2014/main" id="{F66668EF-ACB7-4289-FE92-5828A991F297}"/>
+              </a:ext>
+            </a:extLst>
+          </p:cNvPr>
+          <p:cNvSpPr>
+            <a:spLocks noGrp="1"/>
+          </p:cNvSpPr>
+          <p:nvPr>
+            <p:ph type="sldNum" sz="quarter" idx="12"/>
+          </p:nvPr>
+        </p:nvSpPr>
+        <p:spPr/>
+        <p:txBody>
+          <a:bodyPr/>
+          <a:lstStyle/>
+          <a:p>
+            <a:fld id="{9BF27F29-4B64-4A24-936A-FF41C34C242B}" type="slidenum">
+              <a:rPr lang="en-US" smtClean="0"/>
+              <a:t>48</a:t>
+            </a:fld>
+            <a:endParaRPr lang="en-US"/>
+          </a:p>
+        </p:txBody>
+      </p:sp>
     </p:spTree>
     <p:extLst>
       <p:ext uri="{BB962C8B-B14F-4D97-AF65-F5344CB8AC3E}">
@@ -18380,6 +19893,35 @@
           </a:p>
         </p:txBody>
       </p:sp>
+      <p:sp>
+        <p:nvSpPr>
+          <p:cNvPr id="12" name="Slide Number Placeholder 11">
+            <a:extLst>
+              <a:ext uri="{FF2B5EF4-FFF2-40B4-BE49-F238E27FC236}">
+                <a16:creationId xmlns:a16="http://schemas.microsoft.com/office/drawing/2014/main" id="{2EA8D385-9D56-8A4C-4F4D-EFD56A779BC1}"/>
+              </a:ext>
+            </a:extLst>
+          </p:cNvPr>
+          <p:cNvSpPr>
+            <a:spLocks noGrp="1"/>
+          </p:cNvSpPr>
+          <p:nvPr>
+            <p:ph type="sldNum" sz="quarter" idx="12"/>
+          </p:nvPr>
+        </p:nvSpPr>
+        <p:spPr/>
+        <p:txBody>
+          <a:bodyPr/>
+          <a:lstStyle/>
+          <a:p>
+            <a:fld id="{9BF27F29-4B64-4A24-936A-FF41C34C242B}" type="slidenum">
+              <a:rPr lang="en-US" smtClean="0"/>
+              <a:t>49</a:t>
+            </a:fld>
+            <a:endParaRPr lang="en-US"/>
+          </a:p>
+        </p:txBody>
+      </p:sp>
     </p:spTree>
     <p:extLst>
       <p:ext uri="{BB962C8B-B14F-4D97-AF65-F5344CB8AC3E}">
@@ -18473,8 +20015,37 @@
           <a:p>
             <a:r>
               <a:rPr lang="en-US" dirty="0"/>
-              <a:t>For the Implementer, operational semantics are way to effective and precise communication with the Theorist and Practitioner</a:t>
-            </a:r>
+              <a:t>For the Implementer, operational semantics are method for effective and precise communication with the Theorist and Practitioner</a:t>
+            </a:r>
+          </a:p>
+        </p:txBody>
+      </p:sp>
+      <p:sp>
+        <p:nvSpPr>
+          <p:cNvPr id="4" name="Slide Number Placeholder 3">
+            <a:extLst>
+              <a:ext uri="{FF2B5EF4-FFF2-40B4-BE49-F238E27FC236}">
+                <a16:creationId xmlns:a16="http://schemas.microsoft.com/office/drawing/2014/main" id="{8D545EE6-6261-AC05-1447-084F2939944B}"/>
+              </a:ext>
+            </a:extLst>
+          </p:cNvPr>
+          <p:cNvSpPr>
+            <a:spLocks noGrp="1"/>
+          </p:cNvSpPr>
+          <p:nvPr>
+            <p:ph type="sldNum" sz="quarter" idx="12"/>
+          </p:nvPr>
+        </p:nvSpPr>
+        <p:spPr/>
+        <p:txBody>
+          <a:bodyPr/>
+          <a:lstStyle/>
+          <a:p>
+            <a:fld id="{9BF27F29-4B64-4A24-936A-FF41C34C242B}" type="slidenum">
+              <a:rPr lang="en-US" smtClean="0"/>
+              <a:t>5</a:t>
+            </a:fld>
+            <a:endParaRPr lang="en-US"/>
           </a:p>
         </p:txBody>
       </p:sp>
@@ -19362,6 +20933,35 @@
           </a:p>
         </p:txBody>
       </p:sp>
+      <p:sp>
+        <p:nvSpPr>
+          <p:cNvPr id="3" name="Slide Number Placeholder 2">
+            <a:extLst>
+              <a:ext uri="{FF2B5EF4-FFF2-40B4-BE49-F238E27FC236}">
+                <a16:creationId xmlns:a16="http://schemas.microsoft.com/office/drawing/2014/main" id="{3D6EE447-BA50-F7A0-6BCC-32C2FD9A015E}"/>
+              </a:ext>
+            </a:extLst>
+          </p:cNvPr>
+          <p:cNvSpPr>
+            <a:spLocks noGrp="1"/>
+          </p:cNvSpPr>
+          <p:nvPr>
+            <p:ph type="sldNum" sz="quarter" idx="12"/>
+          </p:nvPr>
+        </p:nvSpPr>
+        <p:spPr/>
+        <p:txBody>
+          <a:bodyPr/>
+          <a:lstStyle/>
+          <a:p>
+            <a:fld id="{9BF27F29-4B64-4A24-936A-FF41C34C242B}" type="slidenum">
+              <a:rPr lang="en-US" smtClean="0"/>
+              <a:t>50</a:t>
+            </a:fld>
+            <a:endParaRPr lang="en-US"/>
+          </a:p>
+        </p:txBody>
+      </p:sp>
     </p:spTree>
     <p:extLst>
       <p:ext uri="{BB962C8B-B14F-4D97-AF65-F5344CB8AC3E}">
@@ -19567,6 +21167,35 @@
           </a:p>
         </p:txBody>
       </p:sp>
+      <p:sp>
+        <p:nvSpPr>
+          <p:cNvPr id="4" name="Slide Number Placeholder 3">
+            <a:extLst>
+              <a:ext uri="{FF2B5EF4-FFF2-40B4-BE49-F238E27FC236}">
+                <a16:creationId xmlns:a16="http://schemas.microsoft.com/office/drawing/2014/main" id="{701DDB0D-5DA8-F3F9-64D8-2CFE580D1518}"/>
+              </a:ext>
+            </a:extLst>
+          </p:cNvPr>
+          <p:cNvSpPr>
+            <a:spLocks noGrp="1"/>
+          </p:cNvSpPr>
+          <p:nvPr>
+            <p:ph type="sldNum" sz="quarter" idx="12"/>
+          </p:nvPr>
+        </p:nvSpPr>
+        <p:spPr/>
+        <p:txBody>
+          <a:bodyPr/>
+          <a:lstStyle/>
+          <a:p>
+            <a:fld id="{9BF27F29-4B64-4A24-936A-FF41C34C242B}" type="slidenum">
+              <a:rPr lang="en-US" smtClean="0"/>
+              <a:t>51</a:t>
+            </a:fld>
+            <a:endParaRPr lang="en-US"/>
+          </a:p>
+        </p:txBody>
+      </p:sp>
     </p:spTree>
     <p:extLst>
       <p:ext uri="{BB962C8B-B14F-4D97-AF65-F5344CB8AC3E}">
@@ -19810,6 +21439,35 @@
           </a:p>
         </p:txBody>
       </p:sp>
+      <p:sp>
+        <p:nvSpPr>
+          <p:cNvPr id="4" name="Slide Number Placeholder 3">
+            <a:extLst>
+              <a:ext uri="{FF2B5EF4-FFF2-40B4-BE49-F238E27FC236}">
+                <a16:creationId xmlns:a16="http://schemas.microsoft.com/office/drawing/2014/main" id="{F63EDFF7-BC73-E183-78E7-B985091233BF}"/>
+              </a:ext>
+            </a:extLst>
+          </p:cNvPr>
+          <p:cNvSpPr>
+            <a:spLocks noGrp="1"/>
+          </p:cNvSpPr>
+          <p:nvPr>
+            <p:ph type="sldNum" sz="quarter" idx="12"/>
+          </p:nvPr>
+        </p:nvSpPr>
+        <p:spPr/>
+        <p:txBody>
+          <a:bodyPr/>
+          <a:lstStyle/>
+          <a:p>
+            <a:fld id="{9BF27F29-4B64-4A24-936A-FF41C34C242B}" type="slidenum">
+              <a:rPr lang="en-US" smtClean="0"/>
+              <a:t>52</a:t>
+            </a:fld>
+            <a:endParaRPr lang="en-US"/>
+          </a:p>
+        </p:txBody>
+      </p:sp>
     </p:spTree>
     <p:extLst>
       <p:ext uri="{BB962C8B-B14F-4D97-AF65-F5344CB8AC3E}">
@@ -19914,6 +21572,35 @@
           </a:p>
         </p:txBody>
       </p:sp>
+      <p:sp>
+        <p:nvSpPr>
+          <p:cNvPr id="4" name="Slide Number Placeholder 3">
+            <a:extLst>
+              <a:ext uri="{FF2B5EF4-FFF2-40B4-BE49-F238E27FC236}">
+                <a16:creationId xmlns:a16="http://schemas.microsoft.com/office/drawing/2014/main" id="{F9B2D35E-2F4C-B704-B46F-F561C37B371F}"/>
+              </a:ext>
+            </a:extLst>
+          </p:cNvPr>
+          <p:cNvSpPr>
+            <a:spLocks noGrp="1"/>
+          </p:cNvSpPr>
+          <p:nvPr>
+            <p:ph type="sldNum" sz="quarter" idx="12"/>
+          </p:nvPr>
+        </p:nvSpPr>
+        <p:spPr/>
+        <p:txBody>
+          <a:bodyPr/>
+          <a:lstStyle/>
+          <a:p>
+            <a:fld id="{9BF27F29-4B64-4A24-936A-FF41C34C242B}" type="slidenum">
+              <a:rPr lang="en-US" smtClean="0"/>
+              <a:t>53</a:t>
+            </a:fld>
+            <a:endParaRPr lang="en-US"/>
+          </a:p>
+        </p:txBody>
+      </p:sp>
     </p:spTree>
     <p:extLst>
       <p:ext uri="{BB962C8B-B14F-4D97-AF65-F5344CB8AC3E}">
@@ -19997,6 +21684,35 @@
           </a:p>
         </p:txBody>
       </p:sp>
+      <p:sp>
+        <p:nvSpPr>
+          <p:cNvPr id="4" name="Slide Number Placeholder 3">
+            <a:extLst>
+              <a:ext uri="{FF2B5EF4-FFF2-40B4-BE49-F238E27FC236}">
+                <a16:creationId xmlns:a16="http://schemas.microsoft.com/office/drawing/2014/main" id="{FE3A4CE5-8612-AFBF-6AAB-09489F555999}"/>
+              </a:ext>
+            </a:extLst>
+          </p:cNvPr>
+          <p:cNvSpPr>
+            <a:spLocks noGrp="1"/>
+          </p:cNvSpPr>
+          <p:nvPr>
+            <p:ph type="sldNum" sz="quarter" idx="12"/>
+          </p:nvPr>
+        </p:nvSpPr>
+        <p:spPr/>
+        <p:txBody>
+          <a:bodyPr/>
+          <a:lstStyle/>
+          <a:p>
+            <a:fld id="{9BF27F29-4B64-4A24-936A-FF41C34C242B}" type="slidenum">
+              <a:rPr lang="en-US" smtClean="0"/>
+              <a:t>54</a:t>
+            </a:fld>
+            <a:endParaRPr lang="en-US"/>
+          </a:p>
+        </p:txBody>
+      </p:sp>
     </p:spTree>
     <p:extLst>
       <p:ext uri="{BB962C8B-B14F-4D97-AF65-F5344CB8AC3E}">
@@ -20117,6 +21833,35 @@
           </a:p>
         </p:txBody>
       </p:sp>
+      <p:sp>
+        <p:nvSpPr>
+          <p:cNvPr id="4" name="Slide Number Placeholder 3">
+            <a:extLst>
+              <a:ext uri="{FF2B5EF4-FFF2-40B4-BE49-F238E27FC236}">
+                <a16:creationId xmlns:a16="http://schemas.microsoft.com/office/drawing/2014/main" id="{633FC529-3276-F015-DF1C-8242F39856B6}"/>
+              </a:ext>
+            </a:extLst>
+          </p:cNvPr>
+          <p:cNvSpPr>
+            <a:spLocks noGrp="1"/>
+          </p:cNvSpPr>
+          <p:nvPr>
+            <p:ph type="sldNum" sz="quarter" idx="12"/>
+          </p:nvPr>
+        </p:nvSpPr>
+        <p:spPr/>
+        <p:txBody>
+          <a:bodyPr/>
+          <a:lstStyle/>
+          <a:p>
+            <a:fld id="{9BF27F29-4B64-4A24-936A-FF41C34C242B}" type="slidenum">
+              <a:rPr lang="en-US" smtClean="0"/>
+              <a:t>55</a:t>
+            </a:fld>
+            <a:endParaRPr lang="en-US"/>
+          </a:p>
+        </p:txBody>
+      </p:sp>
     </p:spTree>
     <p:extLst>
       <p:ext uri="{BB962C8B-B14F-4D97-AF65-F5344CB8AC3E}">
@@ -20252,6 +21997,35 @@
               <a:rPr lang="en-US" dirty="0"/>
               <a:t>Do I even care what order I execute programs in?</a:t>
             </a:r>
+          </a:p>
+        </p:txBody>
+      </p:sp>
+      <p:sp>
+        <p:nvSpPr>
+          <p:cNvPr id="4" name="Slide Number Placeholder 3">
+            <a:extLst>
+              <a:ext uri="{FF2B5EF4-FFF2-40B4-BE49-F238E27FC236}">
+                <a16:creationId xmlns:a16="http://schemas.microsoft.com/office/drawing/2014/main" id="{0DC32A61-D0A7-149A-4CC0-77C0602AA82A}"/>
+              </a:ext>
+            </a:extLst>
+          </p:cNvPr>
+          <p:cNvSpPr>
+            <a:spLocks noGrp="1"/>
+          </p:cNvSpPr>
+          <p:nvPr>
+            <p:ph type="sldNum" sz="quarter" idx="12"/>
+          </p:nvPr>
+        </p:nvSpPr>
+        <p:spPr/>
+        <p:txBody>
+          <a:bodyPr/>
+          <a:lstStyle/>
+          <a:p>
+            <a:fld id="{9BF27F29-4B64-4A24-936A-FF41C34C242B}" type="slidenum">
+              <a:rPr lang="en-US" smtClean="0"/>
+              <a:t>56</a:t>
+            </a:fld>
+            <a:endParaRPr lang="en-US"/>
           </a:p>
         </p:txBody>
       </p:sp>
@@ -20569,6 +22343,35 @@
           </a:p>
         </p:txBody>
       </p:sp>
+      <p:sp>
+        <p:nvSpPr>
+          <p:cNvPr id="8" name="Slide Number Placeholder 7">
+            <a:extLst>
+              <a:ext uri="{FF2B5EF4-FFF2-40B4-BE49-F238E27FC236}">
+                <a16:creationId xmlns:a16="http://schemas.microsoft.com/office/drawing/2014/main" id="{3D704655-156F-D61E-AC78-554D2D49067F}"/>
+              </a:ext>
+            </a:extLst>
+          </p:cNvPr>
+          <p:cNvSpPr>
+            <a:spLocks noGrp="1"/>
+          </p:cNvSpPr>
+          <p:nvPr>
+            <p:ph type="sldNum" sz="quarter" idx="12"/>
+          </p:nvPr>
+        </p:nvSpPr>
+        <p:spPr/>
+        <p:txBody>
+          <a:bodyPr/>
+          <a:lstStyle/>
+          <a:p>
+            <a:fld id="{9BF27F29-4B64-4A24-936A-FF41C34C242B}" type="slidenum">
+              <a:rPr lang="en-US" smtClean="0"/>
+              <a:t>57</a:t>
+            </a:fld>
+            <a:endParaRPr lang="en-US"/>
+          </a:p>
+        </p:txBody>
+      </p:sp>
     </p:spTree>
     <p:extLst>
       <p:ext uri="{BB962C8B-B14F-4D97-AF65-F5344CB8AC3E}">
@@ -20665,6 +22468,35 @@
               <a:rPr lang="en-US" dirty="0"/>
               <a:t>“What is true?” and “How do we know?”</a:t>
             </a:r>
+          </a:p>
+        </p:txBody>
+      </p:sp>
+      <p:sp>
+        <p:nvSpPr>
+          <p:cNvPr id="4" name="Slide Number Placeholder 3">
+            <a:extLst>
+              <a:ext uri="{FF2B5EF4-FFF2-40B4-BE49-F238E27FC236}">
+                <a16:creationId xmlns:a16="http://schemas.microsoft.com/office/drawing/2014/main" id="{9B4BD5A0-31AD-5F08-CA35-AD458C0B0662}"/>
+              </a:ext>
+            </a:extLst>
+          </p:cNvPr>
+          <p:cNvSpPr>
+            <a:spLocks noGrp="1"/>
+          </p:cNvSpPr>
+          <p:nvPr>
+            <p:ph type="sldNum" sz="quarter" idx="12"/>
+          </p:nvPr>
+        </p:nvSpPr>
+        <p:spPr/>
+        <p:txBody>
+          <a:bodyPr/>
+          <a:lstStyle/>
+          <a:p>
+            <a:fld id="{9BF27F29-4B64-4A24-936A-FF41C34C242B}" type="slidenum">
+              <a:rPr lang="en-US" smtClean="0"/>
+              <a:t>6</a:t>
+            </a:fld>
+            <a:endParaRPr lang="en-US"/>
           </a:p>
         </p:txBody>
       </p:sp>
@@ -21578,6 +23410,35 @@
           </a:p>
         </p:txBody>
       </p:sp>
+      <p:sp>
+        <p:nvSpPr>
+          <p:cNvPr id="15" name="Slide Number Placeholder 14">
+            <a:extLst>
+              <a:ext uri="{FF2B5EF4-FFF2-40B4-BE49-F238E27FC236}">
+                <a16:creationId xmlns:a16="http://schemas.microsoft.com/office/drawing/2014/main" id="{178BE820-C8C9-94C1-31C4-2FE092565B61}"/>
+              </a:ext>
+            </a:extLst>
+          </p:cNvPr>
+          <p:cNvSpPr>
+            <a:spLocks noGrp="1"/>
+          </p:cNvSpPr>
+          <p:nvPr>
+            <p:ph type="sldNum" sz="quarter" idx="12"/>
+          </p:nvPr>
+        </p:nvSpPr>
+        <p:spPr/>
+        <p:txBody>
+          <a:bodyPr/>
+          <a:lstStyle/>
+          <a:p>
+            <a:fld id="{9BF27F29-4B64-4A24-936A-FF41C34C242B}" type="slidenum">
+              <a:rPr lang="en-US" smtClean="0"/>
+              <a:t>7</a:t>
+            </a:fld>
+            <a:endParaRPr lang="en-US"/>
+          </a:p>
+        </p:txBody>
+      </p:sp>
     </p:spTree>
     <p:extLst>
       <p:ext uri="{BB962C8B-B14F-4D97-AF65-F5344CB8AC3E}">
@@ -21765,6 +23626,35 @@
           </a:p>
         </p:txBody>
       </p:sp>
+      <p:sp>
+        <p:nvSpPr>
+          <p:cNvPr id="4" name="Slide Number Placeholder 3">
+            <a:extLst>
+              <a:ext uri="{FF2B5EF4-FFF2-40B4-BE49-F238E27FC236}">
+                <a16:creationId xmlns:a16="http://schemas.microsoft.com/office/drawing/2014/main" id="{8A62D8BF-B153-BE42-175D-E94BCD0A36E4}"/>
+              </a:ext>
+            </a:extLst>
+          </p:cNvPr>
+          <p:cNvSpPr>
+            <a:spLocks noGrp="1"/>
+          </p:cNvSpPr>
+          <p:nvPr>
+            <p:ph type="sldNum" sz="quarter" idx="12"/>
+          </p:nvPr>
+        </p:nvSpPr>
+        <p:spPr/>
+        <p:txBody>
+          <a:bodyPr/>
+          <a:lstStyle/>
+          <a:p>
+            <a:fld id="{9BF27F29-4B64-4A24-936A-FF41C34C242B}" type="slidenum">
+              <a:rPr lang="en-US" smtClean="0"/>
+              <a:t>8</a:t>
+            </a:fld>
+            <a:endParaRPr lang="en-US"/>
+          </a:p>
+        </p:txBody>
+      </p:sp>
     </p:spTree>
     <p:extLst>
       <p:ext uri="{BB962C8B-B14F-4D97-AF65-F5344CB8AC3E}">
@@ -22007,6 +23897,35 @@
               <a:rPr lang="en-US" dirty="0"/>
               <a:t> evaluates to 5” but not “e evaluates to 1 + 2”</a:t>
             </a:r>
+          </a:p>
+        </p:txBody>
+      </p:sp>
+      <p:sp>
+        <p:nvSpPr>
+          <p:cNvPr id="4" name="Slide Number Placeholder 3">
+            <a:extLst>
+              <a:ext uri="{FF2B5EF4-FFF2-40B4-BE49-F238E27FC236}">
+                <a16:creationId xmlns:a16="http://schemas.microsoft.com/office/drawing/2014/main" id="{2D412502-D039-CEA9-ABCF-D6B2981AC849}"/>
+              </a:ext>
+            </a:extLst>
+          </p:cNvPr>
+          <p:cNvSpPr>
+            <a:spLocks noGrp="1"/>
+          </p:cNvSpPr>
+          <p:nvPr>
+            <p:ph type="sldNum" sz="quarter" idx="12"/>
+          </p:nvPr>
+        </p:nvSpPr>
+        <p:spPr/>
+        <p:txBody>
+          <a:bodyPr/>
+          <a:lstStyle/>
+          <a:p>
+            <a:fld id="{9BF27F29-4B64-4A24-936A-FF41C34C242B}" type="slidenum">
+              <a:rPr lang="en-US" smtClean="0"/>
+              <a:t>9</a:t>
+            </a:fld>
+            <a:endParaRPr lang="en-US"/>
           </a:p>
         </p:txBody>
       </p:sp>
@@ -22304,4 +24223,319 @@
     </a:ext>
   </a:extLst>
 </a:theme>
+</file>
+
+<file path=ppt/theme/theme2.xml><?xml version="1.0" encoding="utf-8"?>
+<a:theme xmlns:a="http://schemas.openxmlformats.org/drawingml/2006/main" name="Office Theme">
+  <a:themeElements>
+    <a:clrScheme name="Office">
+      <a:dk1>
+        <a:sysClr val="windowText" lastClr="000000"/>
+      </a:dk1>
+      <a:lt1>
+        <a:sysClr val="window" lastClr="FFFFFF"/>
+      </a:lt1>
+      <a:dk2>
+        <a:srgbClr val="0E2841"/>
+      </a:dk2>
+      <a:lt2>
+        <a:srgbClr val="E8E8E8"/>
+      </a:lt2>
+      <a:accent1>
+        <a:srgbClr val="156082"/>
+      </a:accent1>
+      <a:accent2>
+        <a:srgbClr val="E97132"/>
+      </a:accent2>
+      <a:accent3>
+        <a:srgbClr val="196B24"/>
+      </a:accent3>
+      <a:accent4>
+        <a:srgbClr val="0F9ED5"/>
+      </a:accent4>
+      <a:accent5>
+        <a:srgbClr val="A02B93"/>
+      </a:accent5>
+      <a:accent6>
+        <a:srgbClr val="4EA72E"/>
+      </a:accent6>
+      <a:hlink>
+        <a:srgbClr val="467886"/>
+      </a:hlink>
+      <a:folHlink>
+        <a:srgbClr val="96607D"/>
+      </a:folHlink>
+    </a:clrScheme>
+    <a:fontScheme name="Office">
+      <a:majorFont>
+        <a:latin typeface="Aptos Display" panose="02110004020202020204"/>
+        <a:ea typeface=""/>
+        <a:cs typeface=""/>
+        <a:font script="Jpan" typeface="游ゴシック Light"/>
+        <a:font script="Hang" typeface="맑은 고딕"/>
+        <a:font script="Hans" typeface="等线 Light"/>
+        <a:font script="Hant" typeface="新細明體"/>
+        <a:font script="Arab" typeface="Times New Roman"/>
+        <a:font script="Hebr" typeface="Times New Roman"/>
+        <a:font script="Thai" typeface="Angsana New"/>
+        <a:font script="Ethi" typeface="Nyala"/>
+        <a:font script="Beng" typeface="Vrinda"/>
+        <a:font script="Gujr" typeface="Shruti"/>
+        <a:font script="Khmr" typeface="MoolBoran"/>
+        <a:font script="Knda" typeface="Tunga"/>
+        <a:font script="Guru" typeface="Raavi"/>
+        <a:font script="Cans" typeface="Euphemia"/>
+        <a:font script="Cher" typeface="Plantagenet Cherokee"/>
+        <a:font script="Yiii" typeface="Microsoft Yi Baiti"/>
+        <a:font script="Tibt" typeface="Microsoft Himalaya"/>
+        <a:font script="Thaa" typeface="MV Boli"/>
+        <a:font script="Deva" typeface="Mangal"/>
+        <a:font script="Telu" typeface="Gautami"/>
+        <a:font script="Taml" typeface="Latha"/>
+        <a:font script="Syrc" typeface="Estrangelo Edessa"/>
+        <a:font script="Orya" typeface="Kalinga"/>
+        <a:font script="Mlym" typeface="Kartika"/>
+        <a:font script="Laoo" typeface="DokChampa"/>
+        <a:font script="Sinh" typeface="Iskoola Pota"/>
+        <a:font script="Mong" typeface="Mongolian Baiti"/>
+        <a:font script="Viet" typeface="Times New Roman"/>
+        <a:font script="Uigh" typeface="Microsoft Uighur"/>
+        <a:font script="Geor" typeface="Sylfaen"/>
+        <a:font script="Armn" typeface="Arial"/>
+        <a:font script="Bugi" typeface="Leelawadee UI"/>
+        <a:font script="Bopo" typeface="Microsoft JhengHei"/>
+        <a:font script="Java" typeface="Javanese Text"/>
+        <a:font script="Lisu" typeface="Segoe UI"/>
+        <a:font script="Mymr" typeface="Myanmar Text"/>
+        <a:font script="Nkoo" typeface="Ebrima"/>
+        <a:font script="Olck" typeface="Nirmala UI"/>
+        <a:font script="Osma" typeface="Ebrima"/>
+        <a:font script="Phag" typeface="Phagspa"/>
+        <a:font script="Syrn" typeface="Estrangelo Edessa"/>
+        <a:font script="Syrj" typeface="Estrangelo Edessa"/>
+        <a:font script="Syre" typeface="Estrangelo Edessa"/>
+        <a:font script="Sora" typeface="Nirmala UI"/>
+        <a:font script="Tale" typeface="Microsoft Tai Le"/>
+        <a:font script="Talu" typeface="Microsoft New Tai Lue"/>
+        <a:font script="Tfng" typeface="Ebrima"/>
+      </a:majorFont>
+      <a:minorFont>
+        <a:latin typeface="Aptos" panose="02110004020202020204"/>
+        <a:ea typeface=""/>
+        <a:cs typeface=""/>
+        <a:font script="Jpan" typeface="游ゴシック"/>
+        <a:font script="Hang" typeface="맑은 고딕"/>
+        <a:font script="Hans" typeface="等线"/>
+        <a:font script="Hant" typeface="新細明體"/>
+        <a:font script="Arab" typeface="Arial"/>
+        <a:font script="Hebr" typeface="Arial"/>
+        <a:font script="Thai" typeface="Cordia New"/>
+        <a:font script="Ethi" typeface="Nyala"/>
+        <a:font script="Beng" typeface="Vrinda"/>
+        <a:font script="Gujr" typeface="Shruti"/>
+        <a:font script="Khmr" typeface="DaunPenh"/>
+        <a:font script="Knda" typeface="Tunga"/>
+        <a:font script="Guru" typeface="Raavi"/>
+        <a:font script="Cans" typeface="Euphemia"/>
+        <a:font script="Cher" typeface="Plantagenet Cherokee"/>
+        <a:font script="Yiii" typeface="Microsoft Yi Baiti"/>
+        <a:font script="Tibt" typeface="Microsoft Himalaya"/>
+        <a:font script="Thaa" typeface="MV Boli"/>
+        <a:font script="Deva" typeface="Mangal"/>
+        <a:font script="Telu" typeface="Gautami"/>
+        <a:font script="Taml" typeface="Latha"/>
+        <a:font script="Syrc" typeface="Estrangelo Edessa"/>
+        <a:font script="Orya" typeface="Kalinga"/>
+        <a:font script="Mlym" typeface="Kartika"/>
+        <a:font script="Laoo" typeface="DokChampa"/>
+        <a:font script="Sinh" typeface="Iskoola Pota"/>
+        <a:font script="Mong" typeface="Mongolian Baiti"/>
+        <a:font script="Viet" typeface="Arial"/>
+        <a:font script="Uigh" typeface="Microsoft Uighur"/>
+        <a:font script="Geor" typeface="Sylfaen"/>
+        <a:font script="Armn" typeface="Arial"/>
+        <a:font script="Bugi" typeface="Leelawadee UI"/>
+        <a:font script="Bopo" typeface="Microsoft JhengHei"/>
+        <a:font script="Java" typeface="Javanese Text"/>
+        <a:font script="Lisu" typeface="Segoe UI"/>
+        <a:font script="Mymr" typeface="Myanmar Text"/>
+        <a:font script="Nkoo" typeface="Ebrima"/>
+        <a:font script="Olck" typeface="Nirmala UI"/>
+        <a:font script="Osma" typeface="Ebrima"/>
+        <a:font script="Phag" typeface="Phagspa"/>
+        <a:font script="Syrn" typeface="Estrangelo Edessa"/>
+        <a:font script="Syrj" typeface="Estrangelo Edessa"/>
+        <a:font script="Syre" typeface="Estrangelo Edessa"/>
+        <a:font script="Sora" typeface="Nirmala UI"/>
+        <a:font script="Tale" typeface="Microsoft Tai Le"/>
+        <a:font script="Talu" typeface="Microsoft New Tai Lue"/>
+        <a:font script="Tfng" typeface="Ebrima"/>
+      </a:minorFont>
+    </a:fontScheme>
+    <a:fmtScheme name="Office">
+      <a:fillStyleLst>
+        <a:solidFill>
+          <a:schemeClr val="phClr"/>
+        </a:solidFill>
+        <a:gradFill rotWithShape="1">
+          <a:gsLst>
+            <a:gs pos="0">
+              <a:schemeClr val="phClr">
+                <a:lumMod val="110000"/>
+                <a:satMod val="105000"/>
+                <a:tint val="67000"/>
+              </a:schemeClr>
+            </a:gs>
+            <a:gs pos="50000">
+              <a:schemeClr val="phClr">
+                <a:lumMod val="105000"/>
+                <a:satMod val="103000"/>
+                <a:tint val="73000"/>
+              </a:schemeClr>
+            </a:gs>
+            <a:gs pos="100000">
+              <a:schemeClr val="phClr">
+                <a:lumMod val="105000"/>
+                <a:satMod val="109000"/>
+                <a:tint val="81000"/>
+              </a:schemeClr>
+            </a:gs>
+          </a:gsLst>
+          <a:lin ang="5400000" scaled="0"/>
+        </a:gradFill>
+        <a:gradFill rotWithShape="1">
+          <a:gsLst>
+            <a:gs pos="0">
+              <a:schemeClr val="phClr">
+                <a:satMod val="103000"/>
+                <a:lumMod val="102000"/>
+                <a:tint val="94000"/>
+              </a:schemeClr>
+            </a:gs>
+            <a:gs pos="50000">
+              <a:schemeClr val="phClr">
+                <a:satMod val="110000"/>
+                <a:lumMod val="100000"/>
+                <a:shade val="100000"/>
+              </a:schemeClr>
+            </a:gs>
+            <a:gs pos="100000">
+              <a:schemeClr val="phClr">
+                <a:lumMod val="99000"/>
+                <a:satMod val="120000"/>
+                <a:shade val="78000"/>
+              </a:schemeClr>
+            </a:gs>
+          </a:gsLst>
+          <a:lin ang="5400000" scaled="0"/>
+        </a:gradFill>
+      </a:fillStyleLst>
+      <a:lnStyleLst>
+        <a:ln w="12700" cap="flat" cmpd="sng" algn="ctr">
+          <a:solidFill>
+            <a:schemeClr val="phClr"/>
+          </a:solidFill>
+          <a:prstDash val="solid"/>
+          <a:miter lim="800000"/>
+        </a:ln>
+        <a:ln w="19050" cap="flat" cmpd="sng" algn="ctr">
+          <a:solidFill>
+            <a:schemeClr val="phClr"/>
+          </a:solidFill>
+          <a:prstDash val="solid"/>
+          <a:miter lim="800000"/>
+        </a:ln>
+        <a:ln w="25400" cap="flat" cmpd="sng" algn="ctr">
+          <a:solidFill>
+            <a:schemeClr val="phClr"/>
+          </a:solidFill>
+          <a:prstDash val="solid"/>
+          <a:miter lim="800000"/>
+        </a:ln>
+      </a:lnStyleLst>
+      <a:effectStyleLst>
+        <a:effectStyle>
+          <a:effectLst/>
+        </a:effectStyle>
+        <a:effectStyle>
+          <a:effectLst/>
+        </a:effectStyle>
+        <a:effectStyle>
+          <a:effectLst>
+            <a:outerShdw blurRad="57150" dist="19050" dir="5400000" algn="ctr" rotWithShape="0">
+              <a:srgbClr val="000000">
+                <a:alpha val="63000"/>
+              </a:srgbClr>
+            </a:outerShdw>
+          </a:effectLst>
+        </a:effectStyle>
+      </a:effectStyleLst>
+      <a:bgFillStyleLst>
+        <a:solidFill>
+          <a:schemeClr val="phClr"/>
+        </a:solidFill>
+        <a:solidFill>
+          <a:schemeClr val="phClr">
+            <a:tint val="95000"/>
+            <a:satMod val="170000"/>
+          </a:schemeClr>
+        </a:solidFill>
+        <a:gradFill rotWithShape="1">
+          <a:gsLst>
+            <a:gs pos="0">
+              <a:schemeClr val="phClr">
+                <a:tint val="93000"/>
+                <a:satMod val="150000"/>
+                <a:shade val="98000"/>
+                <a:lumMod val="102000"/>
+              </a:schemeClr>
+            </a:gs>
+            <a:gs pos="50000">
+              <a:schemeClr val="phClr">
+                <a:tint val="98000"/>
+                <a:satMod val="130000"/>
+                <a:shade val="90000"/>
+                <a:lumMod val="103000"/>
+              </a:schemeClr>
+            </a:gs>
+            <a:gs pos="100000">
+              <a:schemeClr val="phClr">
+                <a:shade val="63000"/>
+                <a:satMod val="120000"/>
+              </a:schemeClr>
+            </a:gs>
+          </a:gsLst>
+          <a:lin ang="5400000" scaled="0"/>
+        </a:gradFill>
+      </a:bgFillStyleLst>
+    </a:fmtScheme>
+  </a:themeElements>
+  <a:objectDefaults>
+    <a:lnDef>
+      <a:spPr/>
+      <a:bodyPr/>
+      <a:lstStyle/>
+      <a:style>
+        <a:lnRef idx="2">
+          <a:schemeClr val="accent1"/>
+        </a:lnRef>
+        <a:fillRef idx="0">
+          <a:schemeClr val="accent1"/>
+        </a:fillRef>
+        <a:effectRef idx="1">
+          <a:schemeClr val="accent1"/>
+        </a:effectRef>
+        <a:fontRef idx="minor">
+          <a:schemeClr val="tx1"/>
+        </a:fontRef>
+      </a:style>
+    </a:lnDef>
+  </a:objectDefaults>
+  <a:extraClrSchemeLst/>
+  <a:extLst>
+    <a:ext uri="{05A4C25C-085E-4340-85A3-A5531E510DB2}">
+      <thm15:themeFamily xmlns:thm15="http://schemas.microsoft.com/office/thememl/2012/main" name="Office Theme" id="{2E142A2C-CD16-42D6-873A-C26D2A0506FA}" vid="{1BDDFF52-6CD6-40A5-AB3C-68EB2F1E4D0A}"/>
+    </a:ext>
+  </a:extLst>
+</a:theme>
 </file>